--- a/Session8/Session8_Slides.pptx
+++ b/Session8/Session8_Slides.pptx
@@ -44,6 +44,38 @@
     <p:sldId id="289" r:id="rId41"/>
     <p:sldId id="290" r:id="rId42"/>
     <p:sldId id="291" r:id="rId43"/>
+    <p:sldId id="292" r:id="rId44"/>
+    <p:sldId id="293" r:id="rId45"/>
+    <p:sldId id="294" r:id="rId46"/>
+    <p:sldId id="295" r:id="rId47"/>
+    <p:sldId id="296" r:id="rId48"/>
+    <p:sldId id="297" r:id="rId49"/>
+    <p:sldId id="298" r:id="rId50"/>
+    <p:sldId id="299" r:id="rId51"/>
+    <p:sldId id="300" r:id="rId52"/>
+    <p:sldId id="301" r:id="rId53"/>
+    <p:sldId id="302" r:id="rId54"/>
+    <p:sldId id="303" r:id="rId55"/>
+    <p:sldId id="304" r:id="rId56"/>
+    <p:sldId id="305" r:id="rId57"/>
+    <p:sldId id="306" r:id="rId58"/>
+    <p:sldId id="307" r:id="rId59"/>
+    <p:sldId id="308" r:id="rId60"/>
+    <p:sldId id="309" r:id="rId61"/>
+    <p:sldId id="310" r:id="rId62"/>
+    <p:sldId id="311" r:id="rId63"/>
+    <p:sldId id="312" r:id="rId64"/>
+    <p:sldId id="313" r:id="rId65"/>
+    <p:sldId id="314" r:id="rId66"/>
+    <p:sldId id="315" r:id="rId67"/>
+    <p:sldId id="316" r:id="rId68"/>
+    <p:sldId id="317" r:id="rId69"/>
+    <p:sldId id="318" r:id="rId70"/>
+    <p:sldId id="319" r:id="rId71"/>
+    <p:sldId id="320" r:id="rId72"/>
+    <p:sldId id="321" r:id="rId73"/>
+    <p:sldId id="322" r:id="rId74"/>
+    <p:sldId id="323" r:id="rId75"/>
   </p:sldIdLst>
   <p:sldSz cx="13004800" cy="9753600"/>
   <p:notesSz cx="6858000" cy="9144000"/>
@@ -5662,13 +5694,6 @@
 <file path=ppt/slides/slide10.xml><?xml version="1.0" encoding="utf-8"?>
 <p:sld xmlns:a="http://schemas.openxmlformats.org/drawingml/2006/main" xmlns:r="http://schemas.openxmlformats.org/officeDocument/2006/relationships" xmlns:p="http://schemas.openxmlformats.org/presentationml/2006/main" showMasterSp="1" showMasterPhAnim="1">
   <p:cSld>
-    <p:bg>
-      <p:bgPr>
-        <a:solidFill>
-          <a:srgbClr val="000000"/>
-        </a:solidFill>
-      </p:bgPr>
-    </p:bg>
     <p:spTree>
       <p:nvGrpSpPr>
         <p:cNvPr id="1" name=""/>
@@ -5683,214 +5708,34 @@
           <a:chExt cx="0" cy="0"/>
         </a:xfrm>
       </p:grpSpPr>
-      <p:sp>
-        <p:nvSpPr>
-          <p:cNvPr id="225" name="Shape 225"/>
-          <p:cNvSpPr/>
-          <p:nvPr>
-            <p:ph type="title"/>
-          </p:nvPr>
-        </p:nvSpPr>
-        <p:spPr>
-          <a:prstGeom prst="rect">
-            <a:avLst/>
-          </a:prstGeom>
-        </p:spPr>
-        <p:txBody>
-          <a:bodyPr/>
-          <a:lstStyle>
-            <a:lvl1pPr defTabSz="467359">
-              <a:spcBef>
-                <a:spcPts val="2200"/>
-              </a:spcBef>
-              <a:defRPr sz="4800"/>
-            </a:lvl1pPr>
-          </a:lstStyle>
-          <a:p>
-            <a:pPr/>
-            <a:r>
-              <a:t>The importance of terminology</a:t>
-            </a:r>
-          </a:p>
-        </p:txBody>
-      </p:sp>
-      <p:sp>
-        <p:nvSpPr>
-          <p:cNvPr id="226" name="Shape 226"/>
-          <p:cNvSpPr/>
-          <p:nvPr>
-            <p:ph type="body" sz="quarter" idx="1"/>
-          </p:nvPr>
-        </p:nvSpPr>
-        <p:spPr>
-          <a:xfrm>
-            <a:off x="539102" y="4654550"/>
-            <a:ext cx="12192001" cy="800100"/>
-          </a:xfrm>
-          <a:prstGeom prst="rect">
-            <a:avLst/>
-          </a:prstGeom>
-        </p:spPr>
-        <p:txBody>
-          <a:bodyPr/>
-          <a:lstStyle>
-            <a:lvl1pPr>
-              <a:defRPr sz="3600">
-                <a:solidFill>
-                  <a:srgbClr val="B9BDBF"/>
-                </a:solidFill>
-              </a:defRPr>
-            </a:lvl1pPr>
-          </a:lstStyle>
-          <a:p>
-            <a:pPr/>
-            <a:r>
-              <a:t>Precise terminology now —&gt; less confusion later</a:t>
-            </a:r>
-          </a:p>
-        </p:txBody>
-      </p:sp>
-      <p:sp>
-        <p:nvSpPr>
-          <p:cNvPr id="227" name="Shape 227"/>
-          <p:cNvSpPr/>
-          <p:nvPr/>
-        </p:nvSpPr>
-        <p:spPr>
-          <a:xfrm>
-            <a:off x="589278" y="3732950"/>
-            <a:ext cx="3176093" cy="901701"/>
-          </a:xfrm>
-          <a:prstGeom prst="rect">
-            <a:avLst/>
-          </a:prstGeom>
-          <a:ln w="12700">
-            <a:miter lim="400000"/>
-          </a:ln>
-          <a:extLst>
-            <a:ext uri="{C572A759-6A51-4108-AA02-DFA0A04FC94B}">
-              <ma14:wrappingTextBoxFlag xmlns:ma14="http://schemas.microsoft.com/office/mac/drawingml/2011/main" val="1"/>
-            </a:ext>
-          </a:extLst>
-        </p:spPr>
-        <p:txBody>
-          <a:bodyPr wrap="none" lIns="50800" tIns="50800" rIns="50800" bIns="50800" anchor="ctr">
-            <a:spAutoFit/>
-          </a:bodyPr>
-          <a:lstStyle>
-            <a:lvl1pPr>
-              <a:defRPr sz="4600">
-                <a:solidFill>
-                  <a:srgbClr val="F7FCFF"/>
-                </a:solidFill>
-              </a:defRPr>
-            </a:lvl1pPr>
-          </a:lstStyle>
-          <a:p>
-            <a:pPr/>
-            <a:r>
-              <a:t>Foundation</a:t>
-            </a:r>
-          </a:p>
-        </p:txBody>
-      </p:sp>
-      <p:sp>
-        <p:nvSpPr>
-          <p:cNvPr id="228" name="Shape 228"/>
-          <p:cNvSpPr/>
-          <p:nvPr/>
-        </p:nvSpPr>
-        <p:spPr>
-          <a:xfrm>
-            <a:off x="589278" y="6107000"/>
-            <a:ext cx="2927224" cy="901701"/>
-          </a:xfrm>
-          <a:prstGeom prst="rect">
-            <a:avLst/>
-          </a:prstGeom>
-          <a:ln w="12700">
-            <a:miter lim="400000"/>
-          </a:ln>
-          <a:extLst>
-            <a:ext uri="{C572A759-6A51-4108-AA02-DFA0A04FC94B}">
-              <ma14:wrappingTextBoxFlag xmlns:ma14="http://schemas.microsoft.com/office/mac/drawingml/2011/main" val="1"/>
-            </a:ext>
-          </a:extLst>
-        </p:spPr>
-        <p:txBody>
-          <a:bodyPr wrap="none" lIns="50800" tIns="50800" rIns="50800" bIns="50800" anchor="ctr">
-            <a:spAutoFit/>
-          </a:bodyPr>
-          <a:lstStyle>
-            <a:lvl1pPr>
-              <a:defRPr sz="4600">
-                <a:solidFill>
-                  <a:srgbClr val="F7FCFF"/>
-                </a:solidFill>
-              </a:defRPr>
-            </a:lvl1pPr>
-          </a:lstStyle>
-          <a:p>
-            <a:pPr/>
-            <a:r>
-              <a:t>Autonomy</a:t>
-            </a:r>
-          </a:p>
-        </p:txBody>
-      </p:sp>
-      <p:sp>
-        <p:nvSpPr>
-          <p:cNvPr id="229" name="Shape 229"/>
-          <p:cNvSpPr/>
-          <p:nvPr/>
-        </p:nvSpPr>
-        <p:spPr>
-          <a:xfrm>
-            <a:off x="539102" y="7028600"/>
-            <a:ext cx="12192001" cy="800101"/>
-          </a:xfrm>
-          <a:prstGeom prst="rect">
-            <a:avLst/>
-          </a:prstGeom>
-          <a:ln w="12700">
-            <a:miter lim="400000"/>
-          </a:ln>
-          <a:extLst>
-            <a:ext uri="{C572A759-6A51-4108-AA02-DFA0A04FC94B}">
-              <ma14:wrappingTextBoxFlag xmlns:ma14="http://schemas.microsoft.com/office/mac/drawingml/2011/main" val="1"/>
-            </a:ext>
-          </a:extLst>
-        </p:spPr>
-        <p:txBody>
-          <a:bodyPr lIns="50800" tIns="50800" rIns="50800" bIns="50800">
-            <a:normAutofit fontScale="100000" lnSpcReduction="0"/>
-          </a:bodyPr>
-          <a:lstStyle>
-            <a:lvl1pPr marL="444500" indent="-444500">
-              <a:spcBef>
-                <a:spcPts val="2800"/>
-              </a:spcBef>
-              <a:buClr>
-                <a:schemeClr val="accent1"/>
-              </a:buClr>
-              <a:buSzPct val="104999"/>
-              <a:buFont typeface="Avenir Next"/>
-              <a:buChar char="▸"/>
-              <a:defRPr sz="3600">
-                <a:solidFill>
-                  <a:srgbClr val="B9BDBF"/>
-                </a:solidFill>
-              </a:defRPr>
-            </a:lvl1pPr>
-          </a:lstStyle>
-          <a:p>
-            <a:pPr/>
-            <a:r>
-              <a:t>Ability to search documentation or google</a:t>
-            </a:r>
-          </a:p>
-        </p:txBody>
-      </p:sp>
+      <p:pic>
+        <p:nvPicPr>
+          <p:cNvPr id="228" name="image10.png"/>
+          <p:cNvPicPr>
+            <a:picLocks noChangeAspect="1"/>
+          </p:cNvPicPr>
+          <p:nvPr>
+            <p:ph type="pic" idx="13"/>
+          </p:nvPr>
+        </p:nvPicPr>
+        <p:blipFill>
+          <a:blip r:embed="rId2">
+            <a:extLst/>
+          </a:blip>
+          <a:stretch>
+            <a:fillRect/>
+          </a:stretch>
+        </p:blipFill>
+        <p:spPr>
+          <a:xfrm>
+            <a:off x="743130" y="0"/>
+            <a:ext cx="11518540" cy="9753600"/>
+          </a:xfrm>
+          <a:prstGeom prst="rect">
+            <a:avLst/>
+          </a:prstGeom>
+        </p:spPr>
+      </p:pic>
     </p:spTree>
   </p:cSld>
   <p:clrMapOvr>
@@ -5919,7 +5764,7 @@
       </p:grpSpPr>
       <p:sp>
         <p:nvSpPr>
-          <p:cNvPr id="231" name="Shape 231"/>
+          <p:cNvPr id="230" name="Shape 230"/>
           <p:cNvSpPr/>
           <p:nvPr>
             <p:ph type="title"/>
@@ -5927,8 +5772,8 @@
         </p:nvSpPr>
         <p:spPr>
           <a:xfrm>
-            <a:off x="406400" y="1539838"/>
-            <a:ext cx="12192000" cy="2355347"/>
+            <a:off x="406400" y="1536700"/>
+            <a:ext cx="12192000" cy="1169260"/>
           </a:xfrm>
           <a:prstGeom prst="rect">
             <a:avLst/>
@@ -5937,120 +5782,73 @@
         <p:txBody>
           <a:bodyPr/>
           <a:lstStyle>
-            <a:lvl1pPr defTabSz="525779">
-              <a:defRPr sz="15300"/>
+            <a:lvl1pPr defTabSz="373887">
+              <a:spcBef>
+                <a:spcPts val="1700"/>
+              </a:spcBef>
+              <a:defRPr sz="7679"/>
             </a:lvl1pPr>
           </a:lstStyle>
           <a:p>
             <a:pPr/>
             <a:r>
-              <a:t>Painfully obvious</a:t>
-            </a:r>
-          </a:p>
-        </p:txBody>
-      </p:sp>
-      <p:sp>
-        <p:nvSpPr>
-          <p:cNvPr id="232" name="Shape 232"/>
-          <p:cNvSpPr/>
-          <p:nvPr/>
-        </p:nvSpPr>
-        <p:spPr>
-          <a:xfrm>
-            <a:off x="567324" y="5588921"/>
-            <a:ext cx="12068975" cy="2355347"/>
-          </a:xfrm>
-          <a:prstGeom prst="rect">
-            <a:avLst/>
-          </a:prstGeom>
-          <a:ln w="12700">
-            <a:miter lim="400000"/>
-          </a:ln>
-          <a:extLst>
-            <a:ext uri="{C572A759-6A51-4108-AA02-DFA0A04FC94B}">
-              <ma14:wrappingTextBoxFlag xmlns:ma14="http://schemas.microsoft.com/office/mac/drawingml/2011/main" val="1"/>
-            </a:ext>
-          </a:extLst>
-        </p:spPr>
-        <p:txBody>
-          <a:bodyPr lIns="50800" tIns="50800" rIns="50800" bIns="50800">
-            <a:normAutofit fontScale="100000" lnSpcReduction="0"/>
-          </a:bodyPr>
-          <a:lstStyle>
-            <a:lvl1pPr>
-              <a:lnSpc>
-                <a:spcPct val="80000"/>
-              </a:lnSpc>
+              <a:t>HTTP (Hypertext Transfer Protocol)</a:t>
+            </a:r>
+          </a:p>
+        </p:txBody>
+      </p:sp>
+      <p:sp>
+        <p:nvSpPr>
+          <p:cNvPr id="231" name="Shape 231"/>
+          <p:cNvSpPr/>
+          <p:nvPr>
+            <p:ph type="body" idx="1"/>
+          </p:nvPr>
+        </p:nvSpPr>
+        <p:spPr>
+          <a:xfrm>
+            <a:off x="406400" y="3953767"/>
+            <a:ext cx="12192000" cy="4612257"/>
+          </a:xfrm>
+          <a:prstGeom prst="rect">
+            <a:avLst/>
+          </a:prstGeom>
+        </p:spPr>
+        <p:txBody>
+          <a:bodyPr/>
+          <a:lstStyle/>
+          <a:p>
+            <a:pPr marL="663612" indent="-663612" defTabSz="549148">
               <a:spcBef>
-                <a:spcPts val="0"/>
+                <a:spcPts val="2600"/>
               </a:spcBef>
-              <a:defRPr cap="all" sz="17000">
-                <a:solidFill>
-                  <a:schemeClr val="accent1"/>
-                </a:solidFill>
-                <a:latin typeface="+mn-lt"/>
-                <a:ea typeface="+mn-ea"/>
-                <a:cs typeface="+mn-cs"/>
-                <a:sym typeface="DIN Condensed"/>
-              </a:defRPr>
-            </a:lvl1pPr>
-          </a:lstStyle>
-          <a:p>
-            <a:pPr/>
-            <a:r>
-              <a:t>Utterly Bizarre</a:t>
-            </a:r>
-          </a:p>
-        </p:txBody>
-      </p:sp>
-      <p:sp>
-        <p:nvSpPr>
-          <p:cNvPr id="233" name="Shape 233"/>
-          <p:cNvSpPr/>
-          <p:nvPr/>
-        </p:nvSpPr>
-        <p:spPr>
-          <a:xfrm>
-            <a:off x="5251694" y="3450944"/>
-            <a:ext cx="2237505" cy="2355346"/>
-          </a:xfrm>
-          <a:prstGeom prst="rect">
-            <a:avLst/>
-          </a:prstGeom>
-          <a:ln w="12700">
-            <a:miter lim="400000"/>
-          </a:ln>
-          <a:extLst>
-            <a:ext uri="{C572A759-6A51-4108-AA02-DFA0A04FC94B}">
-              <ma14:wrappingTextBoxFlag xmlns:ma14="http://schemas.microsoft.com/office/mac/drawingml/2011/main" val="1"/>
-            </a:ext>
-          </a:extLst>
-        </p:spPr>
-        <p:txBody>
-          <a:bodyPr lIns="50800" tIns="50800" rIns="50800" bIns="50800" anchor="ctr"/>
-          <a:lstStyle>
-            <a:lvl1pPr>
-              <a:lnSpc>
-                <a:spcPct val="80000"/>
-              </a:lnSpc>
+              <a:buClrTx/>
+              <a:buSzPct val="40000"/>
+              <a:buFontTx/>
+              <a:buBlip>
+                <a:blip r:embed="rId2"/>
+              </a:buBlip>
+              <a:defRPr sz="6016"/>
+            </a:pPr>
+            <a:r>
+              <a:t>Each request has a verb like GET or POST</a:t>
+            </a:r>
+          </a:p>
+          <a:p>
+            <a:pPr marL="663612" indent="-663612" defTabSz="549148">
               <a:spcBef>
-                <a:spcPts val="0"/>
+                <a:spcPts val="2600"/>
               </a:spcBef>
-              <a:defRPr cap="all" sz="15800">
-                <a:solidFill>
-                  <a:srgbClr val="B5BABE"/>
-                </a:solidFill>
-                <a:latin typeface="+mn-lt"/>
-                <a:ea typeface="+mn-ea"/>
-                <a:cs typeface="+mn-cs"/>
-                <a:sym typeface="DIN Condensed"/>
-              </a:defRPr>
-            </a:lvl1pPr>
-          </a:lstStyle>
-          <a:p>
-            <a:pPr/>
-            <a:r>
-              <a:t>Vs</a:t>
+              <a:buClrTx/>
+              <a:buSzPct val="40000"/>
+              <a:buFontTx/>
+              <a:buBlip>
+                <a:blip r:embed="rId2"/>
+              </a:buBlip>
+              <a:defRPr sz="6016"/>
+            </a:pPr>
+            <a:r>
+              <a:t>Data returned in body of response</a:t>
             </a:r>
           </a:p>
         </p:txBody>
@@ -6083,7 +5881,7 @@
       </p:grpSpPr>
       <p:sp>
         <p:nvSpPr>
-          <p:cNvPr id="235" name="Shape 235"/>
+          <p:cNvPr id="233" name="Shape 233"/>
           <p:cNvSpPr/>
           <p:nvPr>
             <p:ph type="title"/>
@@ -6091,8 +5889,8 @@
         </p:nvSpPr>
         <p:spPr>
           <a:xfrm>
-            <a:off x="406400" y="1530350"/>
-            <a:ext cx="6299200" cy="723900"/>
+            <a:off x="406400" y="1536700"/>
+            <a:ext cx="12192000" cy="1169260"/>
           </a:xfrm>
           <a:prstGeom prst="rect">
             <a:avLst/>
@@ -6101,24 +5899,24 @@
         <p:txBody>
           <a:bodyPr/>
           <a:lstStyle>
-            <a:lvl1pPr defTabSz="467359">
+            <a:lvl1pPr defTabSz="403097">
               <a:spcBef>
-                <a:spcPts val="2200"/>
+                <a:spcPts val="1900"/>
               </a:spcBef>
-              <a:defRPr sz="4800"/>
+              <a:defRPr sz="8280"/>
             </a:lvl1pPr>
           </a:lstStyle>
           <a:p>
             <a:pPr/>
             <a:r>
-              <a:t>Painfully obvious</a:t>
-            </a:r>
-          </a:p>
-        </p:txBody>
-      </p:sp>
-      <p:sp>
-        <p:nvSpPr>
-          <p:cNvPr id="236" name="Shape 236"/>
+              <a:t>Requests Package</a:t>
+            </a:r>
+          </a:p>
+        </p:txBody>
+      </p:sp>
+      <p:sp>
+        <p:nvSpPr>
+          <p:cNvPr id="234" name="Shape 234"/>
           <p:cNvSpPr/>
           <p:nvPr>
             <p:ph type="body" sz="half" idx="1"/>
@@ -6126,8 +5924,8 @@
         </p:nvSpPr>
         <p:spPr>
           <a:xfrm>
-            <a:off x="406400" y="2686050"/>
-            <a:ext cx="6299200" cy="6108701"/>
+            <a:off x="406400" y="3903099"/>
+            <a:ext cx="12192000" cy="2809780"/>
           </a:xfrm>
           <a:prstGeom prst="rect">
             <a:avLst/>
@@ -6137,73 +5935,35 @@
           <a:bodyPr/>
           <a:lstStyle/>
           <a:p>
-            <a:pPr/>
-            <a:r>
-              <a:t>Title</a:t>
-            </a:r>
-          </a:p>
-          <a:p>
-            <a:pPr/>
-            <a:r>
-              <a:t>Axis</a:t>
-            </a:r>
-          </a:p>
-          <a:p>
-            <a:pPr/>
-            <a:r>
-              <a:t>Label</a:t>
-            </a:r>
-          </a:p>
-          <a:p>
-            <a:pPr/>
-            <a:r>
-              <a:t>Legend</a:t>
-            </a:r>
-          </a:p>
-          <a:p>
-            <a:pPr/>
-            <a:r>
-              <a:t>Grid</a:t>
-            </a:r>
-          </a:p>
-          <a:p>
-            <a:pPr/>
-            <a:r>
-              <a:t>Bound</a:t>
-            </a:r>
-          </a:p>
-        </p:txBody>
-      </p:sp>
-      <p:pic>
-        <p:nvPicPr>
-          <p:cNvPr id="237" name="histogram_demo_cumulative.png"/>
-          <p:cNvPicPr>
-            <a:picLocks noChangeAspect="1"/>
-          </p:cNvPicPr>
-          <p:nvPr/>
-        </p:nvPicPr>
-        <p:blipFill>
-          <a:blip r:embed="rId2">
-            <a:extLst/>
-          </a:blip>
-          <a:srcRect l="0" t="0" r="23" b="26"/>
-          <a:stretch>
-            <a:fillRect/>
-          </a:stretch>
-        </p:blipFill>
-        <p:spPr>
-          <a:xfrm>
-            <a:off x="2448392" y="2499164"/>
-            <a:ext cx="10160001" cy="5079828"/>
-          </a:xfrm>
-          <a:prstGeom prst="rect">
-            <a:avLst/>
-          </a:prstGeom>
-          <a:ln w="12700">
-            <a:miter lim="400000"/>
-          </a:ln>
-        </p:spPr>
-      </p:pic>
+            <a:pPr marL="705970" indent="-705970">
+              <a:buClrTx/>
+              <a:buSzPct val="40000"/>
+              <a:buFontTx/>
+              <a:buBlip>
+                <a:blip r:embed="rId2"/>
+              </a:buBlip>
+              <a:defRPr sz="6400"/>
+            </a:pPr>
+            <a:r>
+              <a:t>Most popular Python package</a:t>
+            </a:r>
+          </a:p>
+          <a:p>
+            <a:pPr marL="705970" indent="-705970">
+              <a:buClrTx/>
+              <a:buSzPct val="40000"/>
+              <a:buFontTx/>
+              <a:buBlip>
+                <a:blip r:embed="rId2"/>
+              </a:buBlip>
+              <a:defRPr sz="6400"/>
+            </a:pPr>
+            <a:r>
+              <a:t>Makes HTTP requests simple</a:t>
+            </a:r>
+          </a:p>
+        </p:txBody>
+      </p:sp>
     </p:spTree>
   </p:cSld>
   <p:clrMapOvr>
@@ -6232,7 +5992,7 @@
       </p:grpSpPr>
       <p:sp>
         <p:nvSpPr>
-          <p:cNvPr id="239" name="Shape 239"/>
+          <p:cNvPr id="236" name="Shape 236"/>
           <p:cNvSpPr/>
           <p:nvPr>
             <p:ph type="title"/>
@@ -6240,8 +6000,8 @@
         </p:nvSpPr>
         <p:spPr>
           <a:xfrm>
-            <a:off x="406400" y="1530350"/>
-            <a:ext cx="6299200" cy="723900"/>
+            <a:off x="406400" y="1536700"/>
+            <a:ext cx="12192000" cy="1169260"/>
           </a:xfrm>
           <a:prstGeom prst="rect">
             <a:avLst/>
@@ -6250,99 +6010,31 @@
         <p:txBody>
           <a:bodyPr/>
           <a:lstStyle>
-            <a:lvl1pPr defTabSz="467359">
+            <a:lvl1pPr defTabSz="403097">
               <a:spcBef>
-                <a:spcPts val="2200"/>
+                <a:spcPts val="1900"/>
               </a:spcBef>
-              <a:defRPr sz="4800"/>
+              <a:defRPr sz="8280"/>
             </a:lvl1pPr>
           </a:lstStyle>
           <a:p>
             <a:pPr/>
             <a:r>
-              <a:t>Utterly Bizarre</a:t>
-            </a:r>
-          </a:p>
-        </p:txBody>
-      </p:sp>
-      <p:sp>
-        <p:nvSpPr>
-          <p:cNvPr id="240" name="Shape 240"/>
-          <p:cNvSpPr/>
-          <p:nvPr>
-            <p:ph type="body" sz="half" idx="1"/>
-          </p:nvPr>
-        </p:nvSpPr>
-        <p:spPr>
-          <a:xfrm>
-            <a:off x="406400" y="2482850"/>
-            <a:ext cx="6299200" cy="6108700"/>
-          </a:xfrm>
-          <a:prstGeom prst="rect">
-            <a:avLst/>
-          </a:prstGeom>
-        </p:spPr>
-        <p:txBody>
-          <a:bodyPr/>
-          <a:lstStyle/>
-          <a:p>
-            <a:pPr/>
-            <a:r>
-              <a:t>Pyplot</a:t>
-            </a:r>
-          </a:p>
-          <a:p>
-            <a:pPr/>
-            <a:r>
-              <a:t>Figure</a:t>
-            </a:r>
-          </a:p>
-          <a:p>
-            <a:pPr/>
-            <a:r>
-              <a:t>Axes</a:t>
-            </a:r>
-          </a:p>
-          <a:p>
-            <a:pPr/>
-            <a:r>
-              <a:t>Line</a:t>
-            </a:r>
-          </a:p>
-          <a:p>
-            <a:pPr/>
-            <a:r>
-              <a:t>Marker</a:t>
-            </a:r>
-          </a:p>
-          <a:p>
-            <a:pPr/>
-            <a:r>
-              <a:t>Facecolor</a:t>
-            </a:r>
-          </a:p>
-        </p:txBody>
-      </p:sp>
-      <p:pic>
-        <p:nvPicPr>
-          <p:cNvPr id="241" name="errorbar_limits.png"/>
-          <p:cNvPicPr>
-            <a:picLocks noChangeAspect="1"/>
-          </p:cNvPicPr>
+              <a:t>Using Requests</a:t>
+            </a:r>
+          </a:p>
+        </p:txBody>
+      </p:sp>
+      <p:sp>
+        <p:nvSpPr>
+          <p:cNvPr id="237" name="Shape 237"/>
+          <p:cNvSpPr/>
           <p:nvPr/>
-        </p:nvPicPr>
-        <p:blipFill>
-          <a:blip r:embed="rId2">
-            <a:extLst/>
-          </a:blip>
-          <a:stretch>
-            <a:fillRect/>
-          </a:stretch>
-        </p:blipFill>
-        <p:spPr>
-          <a:xfrm>
-            <a:off x="3204086" y="2501900"/>
-            <a:ext cx="8890001" cy="5080000"/>
+        </p:nvSpPr>
+        <p:spPr>
+          <a:xfrm>
+            <a:off x="470041" y="3365500"/>
+            <a:ext cx="14214667" cy="4876801"/>
           </a:xfrm>
           <a:prstGeom prst="rect">
             <a:avLst/>
@@ -6350,8 +6042,100 @@
           <a:ln w="12700">
             <a:miter lim="400000"/>
           </a:ln>
-        </p:spPr>
-      </p:pic>
+          <a:extLst>
+            <a:ext uri="{C572A759-6A51-4108-AA02-DFA0A04FC94B}">
+              <ma14:wrappingTextBoxFlag xmlns:ma14="http://schemas.microsoft.com/office/mac/drawingml/2011/main" val="1"/>
+            </a:ext>
+          </a:extLst>
+        </p:spPr>
+        <p:txBody>
+          <a:bodyPr lIns="50800" tIns="50800" rIns="50800" bIns="50800" anchor="ctr">
+            <a:spAutoFit/>
+          </a:bodyPr>
+          <a:lstStyle/>
+          <a:p>
+            <a:pPr>
+              <a:defRPr sz="4700">
+                <a:latin typeface="Anonymous Pro for Powerline"/>
+                <a:ea typeface="Anonymous Pro for Powerline"/>
+                <a:cs typeface="Anonymous Pro for Powerline"/>
+                <a:sym typeface="Anonymous Pro for Powerline"/>
+              </a:defRPr>
+            </a:pPr>
+            <a:r>
+              <a:t>import requests</a:t>
+            </a:r>
+          </a:p>
+          <a:p>
+            <a:pPr>
+              <a:defRPr sz="4700">
+                <a:latin typeface="Anonymous Pro for Powerline"/>
+                <a:ea typeface="Anonymous Pro for Powerline"/>
+                <a:cs typeface="Anonymous Pro for Powerline"/>
+                <a:sym typeface="Anonymous Pro for Powerline"/>
+              </a:defRPr>
+            </a:pPr>
+            <a:r>
+              <a:t>url = “https://api.kanye.rest/"</a:t>
+            </a:r>
+          </a:p>
+          <a:p>
+            <a:pPr>
+              <a:defRPr sz="4700">
+                <a:latin typeface="Anonymous Pro for Powerline"/>
+                <a:ea typeface="Anonymous Pro for Powerline"/>
+                <a:cs typeface="Anonymous Pro for Powerline"/>
+                <a:sym typeface="Anonymous Pro for Powerline"/>
+              </a:defRPr>
+            </a:pPr>
+          </a:p>
+          <a:p>
+            <a:pPr>
+              <a:defRPr sz="4700">
+                <a:latin typeface="Anonymous Pro for Powerline"/>
+                <a:ea typeface="Anonymous Pro for Powerline"/>
+                <a:cs typeface="Anonymous Pro for Powerline"/>
+                <a:sym typeface="Anonymous Pro for Powerline"/>
+              </a:defRPr>
+            </a:pPr>
+            <a:r>
+              <a:t>response = </a:t>
+            </a:r>
+            <a:r>
+              <a:rPr>
+                <a:solidFill>
+                  <a:schemeClr val="accent3"/>
+                </a:solidFill>
+              </a:rPr>
+              <a:t>requests.get</a:t>
+            </a:r>
+            <a:r>
+              <a:t>(url)</a:t>
+            </a:r>
+          </a:p>
+          <a:p>
+            <a:pPr>
+              <a:defRPr sz="4700">
+                <a:latin typeface="Anonymous Pro for Powerline"/>
+                <a:ea typeface="Anonymous Pro for Powerline"/>
+                <a:cs typeface="Anonymous Pro for Powerline"/>
+                <a:sym typeface="Anonymous Pro for Powerline"/>
+              </a:defRPr>
+            </a:pPr>
+            <a:r>
+              <a:t>response</a:t>
+            </a:r>
+            <a:r>
+              <a:rPr>
+                <a:solidFill>
+                  <a:schemeClr val="accent3"/>
+                </a:solidFill>
+              </a:rPr>
+              <a:t>.text</a:t>
+            </a:r>
+          </a:p>
+        </p:txBody>
+      </p:sp>
     </p:spTree>
   </p:cSld>
   <p:clrMapOvr>
@@ -6380,7 +6164,7 @@
       </p:grpSpPr>
       <p:sp>
         <p:nvSpPr>
-          <p:cNvPr id="243" name="Shape 243"/>
+          <p:cNvPr id="239" name="Shape 239"/>
           <p:cNvSpPr/>
           <p:nvPr>
             <p:ph type="title"/>
@@ -6389,7 +6173,7 @@
         <p:spPr>
           <a:xfrm>
             <a:off x="406400" y="1536700"/>
-            <a:ext cx="12192000" cy="1169261"/>
+            <a:ext cx="12192000" cy="1169260"/>
           </a:xfrm>
           <a:prstGeom prst="rect">
             <a:avLst/>
@@ -6402,104 +6186,216 @@
               <a:spcBef>
                 <a:spcPts val="1900"/>
               </a:spcBef>
-              <a:defRPr sz="8200"/>
+              <a:defRPr sz="8280"/>
             </a:lvl1pPr>
           </a:lstStyle>
           <a:p>
             <a:pPr/>
             <a:r>
-              <a:t>matplotlib.Pyplot</a:t>
-            </a:r>
-          </a:p>
-        </p:txBody>
-      </p:sp>
-      <p:sp>
-        <p:nvSpPr>
-          <p:cNvPr id="244" name="Shape 244"/>
-          <p:cNvSpPr/>
-          <p:nvPr>
-            <p:ph type="body" idx="1"/>
-          </p:nvPr>
-        </p:nvSpPr>
-        <p:spPr>
-          <a:xfrm>
-            <a:off x="406400" y="3953767"/>
-            <a:ext cx="12192000" cy="4909099"/>
-          </a:xfrm>
-          <a:prstGeom prst="rect">
-            <a:avLst/>
-          </a:prstGeom>
-        </p:spPr>
-        <p:txBody>
-          <a:bodyPr anchor="t"/>
+              <a:t>Using Requests</a:t>
+            </a:r>
+          </a:p>
+        </p:txBody>
+      </p:sp>
+      <p:sp>
+        <p:nvSpPr>
+          <p:cNvPr id="240" name="Shape 240"/>
+          <p:cNvSpPr/>
+          <p:nvPr/>
+        </p:nvSpPr>
+        <p:spPr>
+          <a:xfrm>
+            <a:off x="470041" y="3365500"/>
+            <a:ext cx="14214667" cy="4876801"/>
+          </a:xfrm>
+          <a:prstGeom prst="rect">
+            <a:avLst/>
+          </a:prstGeom>
+          <a:ln w="12700">
+            <a:miter lim="400000"/>
+          </a:ln>
+          <a:extLst>
+            <a:ext uri="{C572A759-6A51-4108-AA02-DFA0A04FC94B}">
+              <ma14:wrappingTextBoxFlag xmlns:ma14="http://schemas.microsoft.com/office/mac/drawingml/2011/main" val="1"/>
+            </a:ext>
+          </a:extLst>
+        </p:spPr>
+        <p:txBody>
+          <a:bodyPr lIns="50800" tIns="50800" rIns="50800" bIns="50800" anchor="ctr">
+            <a:spAutoFit/>
+          </a:bodyPr>
           <a:lstStyle/>
           <a:p>
-            <a:pPr marL="663612" indent="-663612" defTabSz="549148">
+            <a:pPr>
+              <a:defRPr sz="4700">
+                <a:latin typeface="Anonymous Pro for Powerline"/>
+                <a:ea typeface="Anonymous Pro for Powerline"/>
+                <a:cs typeface="Anonymous Pro for Powerline"/>
+                <a:sym typeface="Anonymous Pro for Powerline"/>
+              </a:defRPr>
+            </a:pPr>
+            <a:r>
+              <a:t>import requests</a:t>
+            </a:r>
+          </a:p>
+          <a:p>
+            <a:pPr>
+              <a:defRPr sz="4700">
+                <a:latin typeface="Anonymous Pro for Powerline"/>
+                <a:ea typeface="Anonymous Pro for Powerline"/>
+                <a:cs typeface="Anonymous Pro for Powerline"/>
+                <a:sym typeface="Anonymous Pro for Powerline"/>
+              </a:defRPr>
+            </a:pPr>
+            <a:r>
+              <a:t>url = “https://api.kanye.rest/"</a:t>
+            </a:r>
+          </a:p>
+          <a:p>
+            <a:pPr>
+              <a:defRPr sz="4700">
+                <a:latin typeface="Anonymous Pro for Powerline"/>
+                <a:ea typeface="Anonymous Pro for Powerline"/>
+                <a:cs typeface="Anonymous Pro for Powerline"/>
+                <a:sym typeface="Anonymous Pro for Powerline"/>
+              </a:defRPr>
+            </a:pPr>
+          </a:p>
+          <a:p>
+            <a:pPr>
+              <a:defRPr sz="4700">
+                <a:latin typeface="Anonymous Pro for Powerline"/>
+                <a:ea typeface="Anonymous Pro for Powerline"/>
+                <a:cs typeface="Anonymous Pro for Powerline"/>
+                <a:sym typeface="Anonymous Pro for Powerline"/>
+              </a:defRPr>
+            </a:pPr>
+            <a:r>
+              <a:t>response = </a:t>
+            </a:r>
+            <a:r>
+              <a:rPr>
+                <a:solidFill>
+                  <a:schemeClr val="accent3"/>
+                </a:solidFill>
+              </a:rPr>
+              <a:t>requests.get</a:t>
+            </a:r>
+            <a:r>
+              <a:t>(url)</a:t>
+            </a:r>
+          </a:p>
+          <a:p>
+            <a:pPr>
+              <a:defRPr sz="4700">
+                <a:latin typeface="Anonymous Pro for Powerline"/>
+                <a:ea typeface="Anonymous Pro for Powerline"/>
+                <a:cs typeface="Anonymous Pro for Powerline"/>
+                <a:sym typeface="Anonymous Pro for Powerline"/>
+              </a:defRPr>
+            </a:pPr>
+            <a:r>
+              <a:t>response</a:t>
+            </a:r>
+            <a:r>
+              <a:rPr>
+                <a:solidFill>
+                  <a:schemeClr val="accent3"/>
+                </a:solidFill>
+              </a:rPr>
+              <a:t>.text</a:t>
+            </a:r>
+          </a:p>
+        </p:txBody>
+      </p:sp>
+      <p:sp>
+        <p:nvSpPr>
+          <p:cNvPr id="241" name="Shape 241"/>
+          <p:cNvSpPr/>
+          <p:nvPr/>
+        </p:nvSpPr>
+        <p:spPr>
+          <a:xfrm rot="10800000">
+            <a:off x="5012131" y="7681698"/>
+            <a:ext cx="1620784" cy="518251"/>
+          </a:xfrm>
+          <a:prstGeom prst="rightArrow">
+            <a:avLst>
+              <a:gd name="adj1" fmla="val 34174"/>
+              <a:gd name="adj2" fmla="val 145948"/>
+            </a:avLst>
+          </a:prstGeom>
+          <a:solidFill>
+            <a:schemeClr val="accent5"/>
+          </a:solidFill>
+          <a:ln w="12700">
+            <a:miter lim="400000"/>
+          </a:ln>
+        </p:spPr>
+        <p:txBody>
+          <a:bodyPr lIns="50800" tIns="50800" rIns="50800" bIns="50800" anchor="ctr"/>
+          <a:lstStyle/>
+          <a:p>
+            <a:pPr algn="ctr">
               <a:lnSpc>
-                <a:spcPct val="100000"/>
+                <a:spcPct val="80000"/>
               </a:lnSpc>
               <a:spcBef>
-                <a:spcPts val="2600"/>
+                <a:spcPts val="0"/>
               </a:spcBef>
-              <a:buSzPct val="40000"/>
-              <a:buBlip>
-                <a:blip r:embed="rId2"/>
-              </a:buBlip>
-              <a:defRPr cap="none" spc="0" sz="6000">
-                <a:latin typeface="Avenir Next Medium"/>
-                <a:ea typeface="Avenir Next Medium"/>
-                <a:cs typeface="Avenir Next Medium"/>
-                <a:sym typeface="Avenir Next Medium"/>
+              <a:defRPr cap="all" sz="2800">
+                <a:solidFill>
+                  <a:srgbClr val="FFFFFF"/>
+                </a:solidFill>
+                <a:latin typeface="+mn-lt"/>
+                <a:ea typeface="+mn-ea"/>
+                <a:cs typeface="+mn-cs"/>
+                <a:sym typeface="DIN Condensed"/>
               </a:defRPr>
             </a:pPr>
-            <a:r>
-              <a:t>Imported as plt</a:t>
-            </a:r>
-          </a:p>
-          <a:p>
-            <a:pPr marL="663612" indent="-663612" defTabSz="549148">
-              <a:lnSpc>
-                <a:spcPct val="100000"/>
-              </a:lnSpc>
-              <a:spcBef>
-                <a:spcPts val="2600"/>
-              </a:spcBef>
-              <a:buSzPct val="40000"/>
-              <a:buBlip>
-                <a:blip r:embed="rId2"/>
-              </a:buBlip>
-              <a:defRPr cap="none" spc="0" sz="6000">
-                <a:latin typeface="Avenir Next Medium"/>
-                <a:ea typeface="Avenir Next Medium"/>
-                <a:cs typeface="Avenir Next Medium"/>
-                <a:sym typeface="Avenir Next Medium"/>
+          </a:p>
+        </p:txBody>
+      </p:sp>
+      <p:sp>
+        <p:nvSpPr>
+          <p:cNvPr id="242" name="Shape 242"/>
+          <p:cNvSpPr/>
+          <p:nvPr/>
+        </p:nvSpPr>
+        <p:spPr>
+          <a:xfrm>
+            <a:off x="6718124" y="7369187"/>
+            <a:ext cx="6235447" cy="1143001"/>
+          </a:xfrm>
+          <a:prstGeom prst="rect">
+            <a:avLst/>
+          </a:prstGeom>
+          <a:ln w="12700">
+            <a:miter lim="400000"/>
+          </a:ln>
+          <a:extLst>
+            <a:ext uri="{C572A759-6A51-4108-AA02-DFA0A04FC94B}">
+              <ma14:wrappingTextBoxFlag xmlns:ma14="http://schemas.microsoft.com/office/mac/drawingml/2011/main" val="1"/>
+            </a:ext>
+          </a:extLst>
+        </p:spPr>
+        <p:txBody>
+          <a:bodyPr wrap="none" lIns="50800" tIns="50800" rIns="50800" bIns="50800" anchor="ctr">
+            <a:spAutoFit/>
+          </a:bodyPr>
+          <a:lstStyle>
+            <a:lvl1pPr>
+              <a:defRPr sz="6000">
+                <a:solidFill>
+                  <a:schemeClr val="accent5"/>
+                </a:solidFill>
               </a:defRPr>
-            </a:pPr>
-            <a:r>
-              <a:t>Stores global state</a:t>
-            </a:r>
-          </a:p>
-          <a:p>
-            <a:pPr marL="663612" indent="-663612" defTabSz="549148">
-              <a:lnSpc>
-                <a:spcPct val="100000"/>
-              </a:lnSpc>
-              <a:spcBef>
-                <a:spcPts val="2600"/>
-              </a:spcBef>
-              <a:buSzPct val="40000"/>
-              <a:buBlip>
-                <a:blip r:embed="rId2"/>
-              </a:buBlip>
-              <a:defRPr cap="none" spc="0" sz="6000">
-                <a:latin typeface="Avenir Next Medium"/>
-                <a:ea typeface="Avenir Next Medium"/>
-                <a:cs typeface="Avenir Next Medium"/>
-                <a:sym typeface="Avenir Next Medium"/>
-              </a:defRPr>
-            </a:pPr>
-            <a:r>
-              <a:t>Use for setting global style</a:t>
+            </a:lvl1pPr>
+          </a:lstStyle>
+          <a:p>
+            <a:pPr/>
+            <a:r>
+              <a:t>body of response</a:t>
             </a:r>
           </a:p>
         </p:txBody>
@@ -6532,7 +6428,7 @@
       </p:grpSpPr>
       <p:sp>
         <p:nvSpPr>
-          <p:cNvPr id="246" name="Shape 246"/>
+          <p:cNvPr id="244" name="Shape 244"/>
           <p:cNvSpPr/>
           <p:nvPr>
             <p:ph type="title"/>
@@ -6541,7 +6437,7 @@
         <p:spPr>
           <a:xfrm>
             <a:off x="406400" y="1536700"/>
-            <a:ext cx="12192000" cy="1169261"/>
+            <a:ext cx="12192000" cy="1169260"/>
           </a:xfrm>
           <a:prstGeom prst="rect">
             <a:avLst/>
@@ -6554,56 +6450,64 @@
               <a:spcBef>
                 <a:spcPts val="1900"/>
               </a:spcBef>
-              <a:defRPr sz="8200"/>
+              <a:defRPr sz="8280"/>
             </a:lvl1pPr>
           </a:lstStyle>
           <a:p>
             <a:pPr/>
             <a:r>
-              <a:t>matplotlib.Pyplot</a:t>
-            </a:r>
-          </a:p>
-        </p:txBody>
-      </p:sp>
-      <p:sp>
-        <p:nvSpPr>
-          <p:cNvPr id="247" name="Shape 247"/>
-          <p:cNvSpPr/>
-          <p:nvPr>
-            <p:ph type="body" idx="1"/>
-          </p:nvPr>
-        </p:nvSpPr>
-        <p:spPr>
-          <a:xfrm>
-            <a:off x="406399" y="4561846"/>
-            <a:ext cx="12192001" cy="4909100"/>
-          </a:xfrm>
-          <a:prstGeom prst="rect">
-            <a:avLst/>
-          </a:prstGeom>
-        </p:spPr>
-        <p:txBody>
-          <a:bodyPr anchor="t"/>
-          <a:lstStyle>
-            <a:lvl1pPr defTabSz="549148">
-              <a:lnSpc>
-                <a:spcPct val="100000"/>
-              </a:lnSpc>
-              <a:spcBef>
-                <a:spcPts val="2600"/>
-              </a:spcBef>
-              <a:defRPr cap="none" spc="0" sz="6000">
-                <a:latin typeface="Courier"/>
-                <a:ea typeface="Courier"/>
-                <a:cs typeface="Courier"/>
-                <a:sym typeface="Courier"/>
+              <a:t>Using Requests</a:t>
+            </a:r>
+          </a:p>
+        </p:txBody>
+      </p:sp>
+      <p:sp>
+        <p:nvSpPr>
+          <p:cNvPr id="245" name="Shape 245"/>
+          <p:cNvSpPr/>
+          <p:nvPr/>
+        </p:nvSpPr>
+        <p:spPr>
+          <a:xfrm>
+            <a:off x="495375" y="3472114"/>
+            <a:ext cx="14214667" cy="812801"/>
+          </a:xfrm>
+          <a:prstGeom prst="rect">
+            <a:avLst/>
+          </a:prstGeom>
+          <a:ln w="12700">
+            <a:miter lim="400000"/>
+          </a:ln>
+          <a:extLst>
+            <a:ext uri="{C572A759-6A51-4108-AA02-DFA0A04FC94B}">
+              <ma14:wrappingTextBoxFlag xmlns:ma14="http://schemas.microsoft.com/office/mac/drawingml/2011/main" val="1"/>
+            </a:ext>
+          </a:extLst>
+        </p:spPr>
+        <p:txBody>
+          <a:bodyPr lIns="50800" tIns="50800" rIns="50800" bIns="50800" anchor="ctr">
+            <a:spAutoFit/>
+          </a:bodyPr>
+          <a:lstStyle/>
+          <a:p>
+            <a:pPr>
+              <a:defRPr sz="4700">
+                <a:latin typeface="Anonymous Pro for Powerline"/>
+                <a:ea typeface="Anonymous Pro for Powerline"/>
+                <a:cs typeface="Anonymous Pro for Powerline"/>
+                <a:sym typeface="Anonymous Pro for Powerline"/>
               </a:defRPr>
-            </a:lvl1pPr>
-          </a:lstStyle>
-          <a:p>
-            <a:pPr/>
-            <a:r>
-              <a:t>plt.style.use('seaborn')</a:t>
+            </a:pPr>
+            <a:r>
+              <a:t>data = response</a:t>
+            </a:r>
+            <a:r>
+              <a:rPr>
+                <a:solidFill>
+                  <a:schemeClr val="accent3"/>
+                </a:solidFill>
+              </a:rPr>
+              <a:t>.json()</a:t>
             </a:r>
           </a:p>
         </p:txBody>
@@ -6636,7 +6540,7 @@
       </p:grpSpPr>
       <p:sp>
         <p:nvSpPr>
-          <p:cNvPr id="249" name="Shape 249"/>
+          <p:cNvPr id="247" name="Shape 247"/>
           <p:cNvSpPr/>
           <p:nvPr>
             <p:ph type="title"/>
@@ -6645,7 +6549,7 @@
         <p:spPr>
           <a:xfrm>
             <a:off x="406400" y="1536700"/>
-            <a:ext cx="12192000" cy="1169261"/>
+            <a:ext cx="12192000" cy="1169260"/>
           </a:xfrm>
           <a:prstGeom prst="rect">
             <a:avLst/>
@@ -6658,56 +6562,158 @@
               <a:spcBef>
                 <a:spcPts val="1900"/>
               </a:spcBef>
-              <a:defRPr sz="8200"/>
+              <a:defRPr sz="8280"/>
             </a:lvl1pPr>
           </a:lstStyle>
           <a:p>
             <a:pPr/>
             <a:r>
-              <a:t>matplotlib.Pyplot</a:t>
-            </a:r>
-          </a:p>
-        </p:txBody>
-      </p:sp>
-      <p:sp>
-        <p:nvSpPr>
-          <p:cNvPr id="250" name="Shape 250"/>
-          <p:cNvSpPr/>
-          <p:nvPr>
-            <p:ph type="body" idx="1"/>
-          </p:nvPr>
-        </p:nvSpPr>
-        <p:spPr>
-          <a:xfrm>
-            <a:off x="406400" y="4561847"/>
-            <a:ext cx="12192000" cy="4909099"/>
-          </a:xfrm>
-          <a:prstGeom prst="rect">
-            <a:avLst/>
-          </a:prstGeom>
-        </p:spPr>
-        <p:txBody>
-          <a:bodyPr anchor="t"/>
-          <a:lstStyle>
-            <a:lvl1pPr defTabSz="549148">
-              <a:lnSpc>
-                <a:spcPct val="100000"/>
-              </a:lnSpc>
-              <a:spcBef>
-                <a:spcPts val="2600"/>
-              </a:spcBef>
-              <a:defRPr cap="none" spc="0" sz="6000">
-                <a:latin typeface="Courier"/>
-                <a:ea typeface="Courier"/>
-                <a:cs typeface="Courier"/>
-                <a:sym typeface="Courier"/>
+              <a:t>Using Requests</a:t>
+            </a:r>
+          </a:p>
+        </p:txBody>
+      </p:sp>
+      <p:sp>
+        <p:nvSpPr>
+          <p:cNvPr id="248" name="Shape 248"/>
+          <p:cNvSpPr/>
+          <p:nvPr/>
+        </p:nvSpPr>
+        <p:spPr>
+          <a:xfrm>
+            <a:off x="495375" y="3472114"/>
+            <a:ext cx="14214667" cy="812801"/>
+          </a:xfrm>
+          <a:prstGeom prst="rect">
+            <a:avLst/>
+          </a:prstGeom>
+          <a:ln w="12700">
+            <a:miter lim="400000"/>
+          </a:ln>
+          <a:extLst>
+            <a:ext uri="{C572A759-6A51-4108-AA02-DFA0A04FC94B}">
+              <ma14:wrappingTextBoxFlag xmlns:ma14="http://schemas.microsoft.com/office/mac/drawingml/2011/main" val="1"/>
+            </a:ext>
+          </a:extLst>
+        </p:spPr>
+        <p:txBody>
+          <a:bodyPr lIns="50800" tIns="50800" rIns="50800" bIns="50800" anchor="ctr">
+            <a:spAutoFit/>
+          </a:bodyPr>
+          <a:lstStyle/>
+          <a:p>
+            <a:pPr>
+              <a:defRPr sz="4700">
+                <a:latin typeface="Anonymous Pro for Powerline"/>
+                <a:ea typeface="Anonymous Pro for Powerline"/>
+                <a:cs typeface="Anonymous Pro for Powerline"/>
+                <a:sym typeface="Anonymous Pro for Powerline"/>
               </a:defRPr>
-            </a:lvl1pPr>
-          </a:lstStyle>
-          <a:p>
-            <a:pPr/>
-            <a:r>
-              <a:t>plt.gcf()</a:t>
+            </a:pPr>
+            <a:r>
+              <a:t>data = response</a:t>
+            </a:r>
+            <a:r>
+              <a:rPr>
+                <a:solidFill>
+                  <a:schemeClr val="accent3"/>
+                </a:solidFill>
+              </a:rPr>
+              <a:t>.json()</a:t>
+            </a:r>
+          </a:p>
+        </p:txBody>
+      </p:sp>
+      <p:sp>
+        <p:nvSpPr>
+          <p:cNvPr id="249" name="Shape 249"/>
+          <p:cNvSpPr/>
+          <p:nvPr/>
+        </p:nvSpPr>
+        <p:spPr>
+          <a:xfrm>
+            <a:off x="495375" y="4919460"/>
+            <a:ext cx="14214667" cy="3860801"/>
+          </a:xfrm>
+          <a:prstGeom prst="rect">
+            <a:avLst/>
+          </a:prstGeom>
+          <a:ln w="12700">
+            <a:miter lim="400000"/>
+          </a:ln>
+          <a:extLst>
+            <a:ext uri="{C572A759-6A51-4108-AA02-DFA0A04FC94B}">
+              <ma14:wrappingTextBoxFlag xmlns:ma14="http://schemas.microsoft.com/office/mac/drawingml/2011/main" val="1"/>
+            </a:ext>
+          </a:extLst>
+        </p:spPr>
+        <p:txBody>
+          <a:bodyPr lIns="50800" tIns="50800" rIns="50800" bIns="50800" anchor="ctr">
+            <a:spAutoFit/>
+          </a:bodyPr>
+          <a:lstStyle/>
+          <a:p>
+            <a:pPr>
+              <a:defRPr sz="4700">
+                <a:solidFill>
+                  <a:schemeClr val="accent5"/>
+                </a:solidFill>
+                <a:latin typeface="Anonymous Pro for Powerline"/>
+                <a:ea typeface="Anonymous Pro for Powerline"/>
+                <a:cs typeface="Anonymous Pro for Powerline"/>
+                <a:sym typeface="Anonymous Pro for Powerline"/>
+              </a:defRPr>
+            </a:pPr>
+            <a:r>
+              <a:t>{“date":"2019-03-05",</a:t>
+            </a:r>
+          </a:p>
+          <a:p>
+            <a:pPr>
+              <a:defRPr sz="4700">
+                <a:solidFill>
+                  <a:schemeClr val="accent5"/>
+                </a:solidFill>
+                <a:latin typeface="Anonymous Pro for Powerline"/>
+                <a:ea typeface="Anonymous Pro for Powerline"/>
+                <a:cs typeface="Anonymous Pro for Powerline"/>
+                <a:sym typeface="Anonymous Pro for Powerline"/>
+              </a:defRPr>
+            </a:pPr>
+            <a:r>
+              <a:t> “high":176,</a:t>
+            </a:r>
+          </a:p>
+          <a:p>
+            <a:pPr>
+              <a:defRPr sz="4700">
+                <a:solidFill>
+                  <a:schemeClr val="accent5"/>
+                </a:solidFill>
+                <a:latin typeface="Anonymous Pro for Powerline"/>
+                <a:ea typeface="Anonymous Pro for Powerline"/>
+                <a:cs typeface="Anonymous Pro for Powerline"/>
+                <a:sym typeface="Anonymous Pro for Powerline"/>
+              </a:defRPr>
+            </a:pPr>
+            <a:r>
+              <a:t> "low":174.54,</a:t>
+            </a:r>
+          </a:p>
+          <a:p>
+            <a:pPr>
+              <a:defRPr sz="4700">
+                <a:solidFill>
+                  <a:schemeClr val="accent5"/>
+                </a:solidFill>
+                <a:latin typeface="Anonymous Pro for Powerline"/>
+                <a:ea typeface="Anonymous Pro for Powerline"/>
+                <a:cs typeface="Anonymous Pro for Powerline"/>
+                <a:sym typeface="Anonymous Pro for Powerline"/>
+              </a:defRPr>
+            </a:pPr>
+            <a:r>
+              <a:t> "volume":19737419}</a:t>
             </a:r>
           </a:p>
         </p:txBody>
@@ -6740,7 +6746,7 @@
       </p:grpSpPr>
       <p:sp>
         <p:nvSpPr>
-          <p:cNvPr id="252" name="Shape 252"/>
+          <p:cNvPr id="251" name="Shape 251"/>
           <p:cNvSpPr/>
           <p:nvPr>
             <p:ph type="title"/>
@@ -6749,7 +6755,7 @@
         <p:spPr>
           <a:xfrm>
             <a:off x="406400" y="1536700"/>
-            <a:ext cx="12192000" cy="1169261"/>
+            <a:ext cx="12192000" cy="1367235"/>
           </a:xfrm>
           <a:prstGeom prst="rect">
             <a:avLst/>
@@ -6758,24 +6764,21 @@
         <p:txBody>
           <a:bodyPr/>
           <a:lstStyle>
-            <a:lvl1pPr defTabSz="403097">
-              <a:spcBef>
-                <a:spcPts val="1900"/>
-              </a:spcBef>
-              <a:defRPr sz="8200"/>
+            <a:lvl1pPr>
+              <a:defRPr sz="7000"/>
             </a:lvl1pPr>
           </a:lstStyle>
           <a:p>
             <a:pPr/>
             <a:r>
-              <a:t>matplotlib.Pyplot</a:t>
-            </a:r>
-          </a:p>
-        </p:txBody>
-      </p:sp>
-      <p:sp>
-        <p:nvSpPr>
-          <p:cNvPr id="253" name="Shape 253"/>
+              <a:t>Concepts covered so Far</a:t>
+            </a:r>
+          </a:p>
+        </p:txBody>
+      </p:sp>
+      <p:sp>
+        <p:nvSpPr>
+          <p:cNvPr id="252" name="Shape 252"/>
           <p:cNvSpPr/>
           <p:nvPr>
             <p:ph type="body" idx="1"/>
@@ -6783,86 +6786,46 @@
         </p:nvSpPr>
         <p:spPr>
           <a:xfrm>
-            <a:off x="406400" y="4561847"/>
-            <a:ext cx="12192000" cy="4909099"/>
-          </a:xfrm>
-          <a:prstGeom prst="rect">
-            <a:avLst/>
-          </a:prstGeom>
-        </p:spPr>
-        <p:txBody>
-          <a:bodyPr anchor="t"/>
-          <a:lstStyle>
-            <a:lvl1pPr defTabSz="549148">
-              <a:lnSpc>
-                <a:spcPct val="100000"/>
-              </a:lnSpc>
-              <a:spcBef>
-                <a:spcPts val="2600"/>
-              </a:spcBef>
-              <a:defRPr cap="none" spc="0" sz="6000">
-                <a:latin typeface="Courier"/>
-                <a:ea typeface="Courier"/>
-                <a:cs typeface="Courier"/>
-                <a:sym typeface="Courier"/>
-              </a:defRPr>
-            </a:lvl1pPr>
-          </a:lstStyle>
-          <a:p>
-            <a:pPr/>
-            <a:r>
-              <a:t>plt.gcf()</a:t>
-            </a:r>
-          </a:p>
-        </p:txBody>
-      </p:sp>
-      <p:sp>
-        <p:nvSpPr>
-          <p:cNvPr id="254" name="Shape 254"/>
-          <p:cNvSpPr/>
-          <p:nvPr/>
-        </p:nvSpPr>
-        <p:spPr>
-          <a:xfrm>
-            <a:off x="360203" y="6444896"/>
-            <a:ext cx="7447027" cy="1143001"/>
-          </a:xfrm>
-          <a:prstGeom prst="rect">
-            <a:avLst/>
-          </a:prstGeom>
-          <a:ln w="12700">
-            <a:miter lim="400000"/>
-          </a:ln>
-          <a:extLst>
-            <a:ext uri="{C572A759-6A51-4108-AA02-DFA0A04FC94B}">
-              <ma14:wrappingTextBoxFlag xmlns:ma14="http://schemas.microsoft.com/office/mac/drawingml/2011/main" val="1"/>
-            </a:ext>
-          </a:extLst>
-        </p:spPr>
-        <p:txBody>
-          <a:bodyPr wrap="none" lIns="50800" tIns="50800" rIns="50800" bIns="50800" anchor="ctr">
-            <a:spAutoFit/>
-          </a:bodyPr>
-          <a:lstStyle>
-            <a:lvl1pPr defTabSz="549148">
-              <a:spcBef>
-                <a:spcPts val="2600"/>
-              </a:spcBef>
-              <a:defRPr sz="6000">
-                <a:solidFill>
-                  <a:schemeClr val="accent5">
-                    <a:hueOff val="343847"/>
-                    <a:satOff val="6318"/>
-                    <a:lumOff val="8159"/>
-                  </a:schemeClr>
-                </a:solidFill>
-              </a:defRPr>
-            </a:lvl1pPr>
-          </a:lstStyle>
-          <a:p>
-            <a:pPr/>
-            <a:r>
-              <a:t>“Grab current figure”</a:t>
+            <a:off x="406400" y="2929466"/>
+            <a:ext cx="12192000" cy="6108701"/>
+          </a:xfrm>
+          <a:prstGeom prst="rect">
+            <a:avLst/>
+          </a:prstGeom>
+        </p:spPr>
+        <p:txBody>
+          <a:bodyPr/>
+          <a:lstStyle/>
+          <a:p>
+            <a:pPr marL="444500" indent="-444500">
+              <a:defRPr sz="4800"/>
+            </a:pPr>
+            <a:r>
+              <a:t>API</a:t>
+            </a:r>
+          </a:p>
+          <a:p>
+            <a:pPr marL="444500" indent="-444500">
+              <a:defRPr sz="4800"/>
+            </a:pPr>
+            <a:r>
+              <a:t>JSON</a:t>
+            </a:r>
+          </a:p>
+          <a:p>
+            <a:pPr marL="444500" indent="-444500">
+              <a:defRPr sz="4800"/>
+            </a:pPr>
+            <a:r>
+              <a:t>Requests </a:t>
+            </a:r>
+          </a:p>
+          <a:p>
+            <a:pPr marL="444500" indent="-444500">
+              <a:defRPr sz="4800"/>
+            </a:pPr>
+            <a:r>
+              <a:t>HTTP/HTTPS</a:t>
             </a:r>
           </a:p>
         </p:txBody>
@@ -6895,13 +6858,17 @@
       </p:grpSpPr>
       <p:sp>
         <p:nvSpPr>
-          <p:cNvPr id="256" name="Shape 256"/>
-          <p:cNvSpPr/>
-          <p:nvPr>
-            <p:ph type="body" idx="13"/>
-          </p:nvPr>
-        </p:nvSpPr>
-        <p:spPr>
+          <p:cNvPr id="254" name="Shape 254"/>
+          <p:cNvSpPr/>
+          <p:nvPr>
+            <p:ph type="title"/>
+          </p:nvPr>
+        </p:nvSpPr>
+        <p:spPr>
+          <a:xfrm>
+            <a:off x="2802102" y="4038600"/>
+            <a:ext cx="7400596" cy="4521200"/>
+          </a:xfrm>
           <a:prstGeom prst="rect">
             <a:avLst/>
           </a:prstGeom>
@@ -6911,138 +6878,8 @@
           <a:lstStyle/>
           <a:p>
             <a:pPr/>
-          </a:p>
-        </p:txBody>
-      </p:sp>
-      <p:sp>
-        <p:nvSpPr>
-          <p:cNvPr id="257" name="Shape 257"/>
-          <p:cNvSpPr/>
-          <p:nvPr>
-            <p:ph type="title"/>
-          </p:nvPr>
-        </p:nvSpPr>
-        <p:spPr>
-          <a:prstGeom prst="rect">
-            <a:avLst/>
-          </a:prstGeom>
-        </p:spPr>
-        <p:txBody>
-          <a:bodyPr/>
-          <a:lstStyle>
-            <a:lvl1pPr defTabSz="467359">
-              <a:spcBef>
-                <a:spcPts val="2200"/>
-              </a:spcBef>
-              <a:defRPr sz="4800"/>
-            </a:lvl1pPr>
-          </a:lstStyle>
-          <a:p>
-            <a:pPr/>
-            <a:r>
-              <a:t>Figure</a:t>
-            </a:r>
-          </a:p>
-        </p:txBody>
-      </p:sp>
-      <p:sp>
-        <p:nvSpPr>
-          <p:cNvPr id="258" name="Shape 258"/>
-          <p:cNvSpPr/>
-          <p:nvPr>
-            <p:ph type="body" sz="quarter" idx="1"/>
-          </p:nvPr>
-        </p:nvSpPr>
-        <p:spPr>
-          <a:xfrm>
-            <a:off x="406400" y="2743200"/>
-            <a:ext cx="12192000" cy="818013"/>
-          </a:xfrm>
-          <a:prstGeom prst="rect">
-            <a:avLst/>
-          </a:prstGeom>
-        </p:spPr>
-        <p:txBody>
-          <a:bodyPr/>
-          <a:lstStyle/>
-          <a:p>
-            <a:pPr/>
-            <a:r>
-              <a:t>The entire image output by your code</a:t>
-            </a:r>
-          </a:p>
-        </p:txBody>
-      </p:sp>
-      <p:pic>
-        <p:nvPicPr>
-          <p:cNvPr id="259" name="Screen Shot 2018-11-09 at 1.31.16 AM.png"/>
-          <p:cNvPicPr>
-            <a:picLocks noChangeAspect="1"/>
-          </p:cNvPicPr>
-          <p:nvPr/>
-        </p:nvPicPr>
-        <p:blipFill>
-          <a:blip r:embed="rId2">
-            <a:extLst/>
-          </a:blip>
-          <a:stretch>
-            <a:fillRect/>
-          </a:stretch>
-        </p:blipFill>
-        <p:spPr>
-          <a:xfrm>
-            <a:off x="-1" y="4043812"/>
-            <a:ext cx="13004801" cy="4358991"/>
-          </a:xfrm>
-          <a:prstGeom prst="rect">
-            <a:avLst/>
-          </a:prstGeom>
-          <a:ln w="12700">
-            <a:miter lim="400000"/>
-          </a:ln>
-        </p:spPr>
-      </p:pic>
-      <p:sp>
-        <p:nvSpPr>
-          <p:cNvPr id="260" name="Shape 260"/>
-          <p:cNvSpPr/>
-          <p:nvPr/>
-        </p:nvSpPr>
-        <p:spPr>
-          <a:xfrm>
-            <a:off x="471320" y="8815551"/>
-            <a:ext cx="5418685" cy="546101"/>
-          </a:xfrm>
-          <a:prstGeom prst="rect">
-            <a:avLst/>
-          </a:prstGeom>
-          <a:ln w="12700">
-            <a:miter lim="400000"/>
-          </a:ln>
-          <a:extLst>
-            <a:ext uri="{C572A759-6A51-4108-AA02-DFA0A04FC94B}">
-              <ma14:wrappingTextBoxFlag xmlns:ma14="http://schemas.microsoft.com/office/mac/drawingml/2011/main" val="1"/>
-            </a:ext>
-          </a:extLst>
-        </p:spPr>
-        <p:txBody>
-          <a:bodyPr wrap="none" lIns="50800" tIns="50800" rIns="50800" bIns="50800" anchor="ctr">
-            <a:spAutoFit/>
-          </a:bodyPr>
-          <a:lstStyle>
-            <a:lvl1pPr>
-              <a:defRPr sz="2900">
-                <a:latin typeface="Courier"/>
-                <a:ea typeface="Courier"/>
-                <a:cs typeface="Courier"/>
-                <a:sym typeface="Courier"/>
-              </a:defRPr>
-            </a:lvl1pPr>
-          </a:lstStyle>
-          <a:p>
-            <a:pPr/>
-            <a:r>
-              <a:t>matplotlib.figure.Figure</a:t>
+            <a:r>
+              <a:t>Exercises</a:t>
             </a:r>
           </a:p>
         </p:txBody>
@@ -7075,7 +6912,7 @@
       </p:grpSpPr>
       <p:sp>
         <p:nvSpPr>
-          <p:cNvPr id="262" name="Shape 262"/>
+          <p:cNvPr id="256" name="Shape 256"/>
           <p:cNvSpPr/>
           <p:nvPr>
             <p:ph type="title"/>
@@ -7084,7 +6921,7 @@
         <p:spPr>
           <a:xfrm>
             <a:off x="406400" y="1536700"/>
-            <a:ext cx="12192000" cy="1169261"/>
+            <a:ext cx="12192000" cy="1169260"/>
           </a:xfrm>
           <a:prstGeom prst="rect">
             <a:avLst/>
@@ -7097,104 +6934,103 @@
               <a:spcBef>
                 <a:spcPts val="1900"/>
               </a:spcBef>
-              <a:defRPr sz="8200"/>
+              <a:defRPr sz="8280"/>
             </a:lvl1pPr>
           </a:lstStyle>
           <a:p>
             <a:pPr/>
             <a:r>
-              <a:t>Figure</a:t>
-            </a:r>
-          </a:p>
-        </p:txBody>
-      </p:sp>
-      <p:sp>
-        <p:nvSpPr>
-          <p:cNvPr id="263" name="Shape 263"/>
-          <p:cNvSpPr/>
-          <p:nvPr>
-            <p:ph type="body" idx="1"/>
-          </p:nvPr>
-        </p:nvSpPr>
-        <p:spPr>
-          <a:xfrm>
-            <a:off x="406400" y="3953767"/>
-            <a:ext cx="12192000" cy="4909099"/>
-          </a:xfrm>
-          <a:prstGeom prst="rect">
-            <a:avLst/>
-          </a:prstGeom>
-        </p:spPr>
-        <p:txBody>
-          <a:bodyPr anchor="t"/>
+              <a:t>Importing time series data</a:t>
+            </a:r>
+          </a:p>
+        </p:txBody>
+      </p:sp>
+      <p:sp>
+        <p:nvSpPr>
+          <p:cNvPr id="257" name="Shape 257"/>
+          <p:cNvSpPr/>
+          <p:nvPr/>
+        </p:nvSpPr>
+        <p:spPr>
+          <a:xfrm>
+            <a:off x="756622" y="4119170"/>
+            <a:ext cx="11785046" cy="3035301"/>
+          </a:xfrm>
+          <a:prstGeom prst="rect">
+            <a:avLst/>
+          </a:prstGeom>
+          <a:ln w="12700">
+            <a:miter lim="400000"/>
+          </a:ln>
+          <a:extLst>
+            <a:ext uri="{C572A759-6A51-4108-AA02-DFA0A04FC94B}">
+              <ma14:wrappingTextBoxFlag xmlns:ma14="http://schemas.microsoft.com/office/mac/drawingml/2011/main" val="1"/>
+            </a:ext>
+          </a:extLst>
+        </p:spPr>
+        <p:txBody>
+          <a:bodyPr lIns="50800" tIns="50800" rIns="50800" bIns="50800" anchor="ctr">
+            <a:spAutoFit/>
+          </a:bodyPr>
           <a:lstStyle/>
           <a:p>
-            <a:pPr marL="663612" indent="-663612" defTabSz="549148">
-              <a:lnSpc>
-                <a:spcPct val="100000"/>
-              </a:lnSpc>
-              <a:spcBef>
-                <a:spcPts val="2600"/>
-              </a:spcBef>
-              <a:buSzPct val="40000"/>
-              <a:buBlip>
-                <a:blip r:embed="rId2"/>
-              </a:buBlip>
-              <a:defRPr cap="none" spc="0" sz="6000">
-                <a:latin typeface="Avenir Next Medium"/>
-                <a:ea typeface="Avenir Next Medium"/>
-                <a:cs typeface="Avenir Next Medium"/>
-                <a:sym typeface="Avenir Next Medium"/>
+            <a:pPr>
+              <a:defRPr sz="5100">
+                <a:latin typeface="Anonymous Pro for Powerline"/>
+                <a:ea typeface="Anonymous Pro for Powerline"/>
+                <a:cs typeface="Anonymous Pro for Powerline"/>
+                <a:sym typeface="Anonymous Pro for Powerline"/>
               </a:defRPr>
             </a:pPr>
             <a:r>
-              <a:t>Set overall graph size</a:t>
-            </a:r>
-          </a:p>
-          <a:p>
-            <a:pPr marL="663612" indent="-663612" defTabSz="549148">
-              <a:lnSpc>
-                <a:spcPct val="100000"/>
-              </a:lnSpc>
-              <a:spcBef>
-                <a:spcPts val="2600"/>
-              </a:spcBef>
-              <a:buSzPct val="40000"/>
-              <a:buBlip>
-                <a:blip r:embed="rId2"/>
-              </a:buBlip>
-              <a:defRPr cap="none" spc="0" sz="6000">
-                <a:latin typeface="Avenir Next Medium"/>
-                <a:ea typeface="Avenir Next Medium"/>
-                <a:cs typeface="Avenir Next Medium"/>
-                <a:sym typeface="Avenir Next Medium"/>
+              <a:t>pd.read_csv(‘path.csv',</a:t>
+            </a:r>
+          </a:p>
+          <a:p>
+            <a:pPr>
+              <a:defRPr sz="5100">
+                <a:latin typeface="Anonymous Pro for Powerline"/>
+                <a:ea typeface="Anonymous Pro for Powerline"/>
+                <a:cs typeface="Anonymous Pro for Powerline"/>
+                <a:sym typeface="Anonymous Pro for Powerline"/>
               </a:defRPr>
             </a:pPr>
             <a:r>
-              <a:t>Store graph while modifying it</a:t>
-            </a:r>
-          </a:p>
-          <a:p>
-            <a:pPr marL="663612" indent="-663612" defTabSz="549148">
-              <a:lnSpc>
-                <a:spcPct val="100000"/>
-              </a:lnSpc>
-              <a:spcBef>
-                <a:spcPts val="2600"/>
-              </a:spcBef>
-              <a:buSzPct val="40000"/>
-              <a:buBlip>
-                <a:blip r:embed="rId2"/>
-              </a:buBlip>
-              <a:defRPr cap="none" spc="0" sz="6000">
-                <a:latin typeface="Avenir Next Medium"/>
-                <a:ea typeface="Avenir Next Medium"/>
-                <a:cs typeface="Avenir Next Medium"/>
-                <a:sym typeface="Avenir Next Medium"/>
+              <a:t>            </a:t>
+            </a:r>
+            <a:r>
+              <a:rPr>
+                <a:solidFill>
+                  <a:schemeClr val="accent3"/>
+                </a:solidFill>
+              </a:rPr>
+              <a:t>parse_dates=[‘Date'],</a:t>
+            </a:r>
+            <a:endParaRPr>
+              <a:solidFill>
+                <a:schemeClr val="accent3"/>
+              </a:solidFill>
+            </a:endParaRPr>
+          </a:p>
+          <a:p>
+            <a:pPr>
+              <a:defRPr sz="5100">
+                <a:latin typeface="Anonymous Pro for Powerline"/>
+                <a:ea typeface="Anonymous Pro for Powerline"/>
+                <a:cs typeface="Anonymous Pro for Powerline"/>
+                <a:sym typeface="Anonymous Pro for Powerline"/>
               </a:defRPr>
             </a:pPr>
             <a:r>
-              <a:t>Save graph to disk</a:t>
+              <a:rPr>
+                <a:solidFill>
+                  <a:schemeClr val="accent3"/>
+                </a:solidFill>
+              </a:rPr>
+              <a:t>            index_col='Date'</a:t>
+            </a:r>
+            <a:r>
+              <a:t>)</a:t>
             </a:r>
           </a:p>
         </p:txBody>
@@ -7230,45 +7066,29 @@
           <p:cNvPr id="206" name="Shape 206"/>
           <p:cNvSpPr/>
           <p:nvPr>
-            <p:ph type="ctrTitle"/>
-          </p:nvPr>
-        </p:nvSpPr>
-        <p:spPr>
+            <p:ph type="title"/>
+          </p:nvPr>
+        </p:nvSpPr>
+        <p:spPr>
+          <a:xfrm>
+            <a:off x="2595467" y="4055489"/>
+            <a:ext cx="7813866" cy="1982355"/>
+          </a:xfrm>
           <a:prstGeom prst="rect">
             <a:avLst/>
           </a:prstGeom>
         </p:spPr>
         <p:txBody>
           <a:bodyPr/>
-          <a:lstStyle/>
-          <a:p>
-            <a:pPr/>
-            <a:r>
-              <a:t>Matplotlib</a:t>
-            </a:r>
-          </a:p>
-        </p:txBody>
-      </p:sp>
-      <p:sp>
-        <p:nvSpPr>
-          <p:cNvPr id="207" name="Shape 207"/>
-          <p:cNvSpPr/>
-          <p:nvPr>
-            <p:ph type="subTitle" sz="quarter" idx="1"/>
-          </p:nvPr>
-        </p:nvSpPr>
-        <p:spPr>
-          <a:prstGeom prst="rect">
-            <a:avLst/>
-          </a:prstGeom>
-        </p:spPr>
-        <p:txBody>
-          <a:bodyPr/>
-          <a:lstStyle/>
-          <a:p>
-            <a:pPr/>
-            <a:r>
-              <a:t>Intro to Data Visualization with</a:t>
+          <a:lstStyle>
+            <a:lvl1pPr defTabSz="502412">
+              <a:defRPr sz="14620"/>
+            </a:lvl1pPr>
+          </a:lstStyle>
+          <a:p>
+            <a:pPr/>
+            <a:r>
+              <a:t>Using APIS</a:t>
             </a:r>
           </a:p>
         </p:txBody>
@@ -7301,34 +7121,17 @@
       </p:grpSpPr>
       <p:sp>
         <p:nvSpPr>
-          <p:cNvPr id="265" name="Shape 265"/>
-          <p:cNvSpPr/>
-          <p:nvPr>
-            <p:ph type="body" idx="13"/>
-          </p:nvPr>
-        </p:nvSpPr>
-        <p:spPr>
-          <a:prstGeom prst="rect">
-            <a:avLst/>
-          </a:prstGeom>
-        </p:spPr>
-        <p:txBody>
-          <a:bodyPr/>
-          <a:lstStyle/>
-          <a:p>
-            <a:pPr/>
-          </a:p>
-        </p:txBody>
-      </p:sp>
-      <p:sp>
-        <p:nvSpPr>
-          <p:cNvPr id="266" name="Shape 266"/>
+          <p:cNvPr id="259" name="Shape 259"/>
           <p:cNvSpPr/>
           <p:nvPr>
             <p:ph type="title"/>
           </p:nvPr>
         </p:nvSpPr>
         <p:spPr>
+          <a:xfrm>
+            <a:off x="406400" y="1536700"/>
+            <a:ext cx="12192000" cy="1169260"/>
+          </a:xfrm>
           <a:prstGeom prst="rect">
             <a:avLst/>
           </a:prstGeom>
@@ -7336,88 +7139,31 @@
         <p:txBody>
           <a:bodyPr/>
           <a:lstStyle>
-            <a:lvl1pPr defTabSz="467359">
+            <a:lvl1pPr defTabSz="403097">
               <a:spcBef>
-                <a:spcPts val="2200"/>
+                <a:spcPts val="1900"/>
               </a:spcBef>
-              <a:defRPr sz="4800"/>
+              <a:defRPr sz="8280"/>
             </a:lvl1pPr>
           </a:lstStyle>
           <a:p>
             <a:pPr/>
             <a:r>
-              <a:t>Axes</a:t>
-            </a:r>
-          </a:p>
-        </p:txBody>
-      </p:sp>
-      <p:sp>
-        <p:nvSpPr>
-          <p:cNvPr id="267" name="Shape 267"/>
-          <p:cNvSpPr/>
-          <p:nvPr>
-            <p:ph type="body" sz="quarter" idx="1"/>
-          </p:nvPr>
-        </p:nvSpPr>
-        <p:spPr>
-          <a:xfrm>
-            <a:off x="406400" y="2743200"/>
-            <a:ext cx="12192000" cy="818013"/>
-          </a:xfrm>
-          <a:prstGeom prst="rect">
-            <a:avLst/>
-          </a:prstGeom>
-        </p:spPr>
-        <p:txBody>
-          <a:bodyPr/>
-          <a:lstStyle/>
-          <a:p>
-            <a:pPr/>
-            <a:r>
-              <a:t>One particular graph within a figure</a:t>
-            </a:r>
-          </a:p>
-        </p:txBody>
-      </p:sp>
-      <p:pic>
-        <p:nvPicPr>
-          <p:cNvPr id="268" name="Screen Shot 2018-11-09 at 1.31.16 AM.png"/>
-          <p:cNvPicPr>
-            <a:picLocks noChangeAspect="1"/>
-          </p:cNvPicPr>
+              <a:t>Dataframe from dicts</a:t>
+            </a:r>
+          </a:p>
+        </p:txBody>
+      </p:sp>
+      <p:sp>
+        <p:nvSpPr>
+          <p:cNvPr id="260" name="Shape 260"/>
+          <p:cNvSpPr/>
           <p:nvPr/>
-        </p:nvPicPr>
-        <p:blipFill>
-          <a:blip r:embed="rId2">
-            <a:extLst/>
-          </a:blip>
-          <a:stretch>
-            <a:fillRect/>
-          </a:stretch>
-        </p:blipFill>
-        <p:spPr>
-          <a:xfrm>
-            <a:off x="-1" y="4043812"/>
-            <a:ext cx="13004801" cy="4358991"/>
-          </a:xfrm>
-          <a:prstGeom prst="rect">
-            <a:avLst/>
-          </a:prstGeom>
-          <a:ln w="12700">
-            <a:miter lim="400000"/>
-          </a:ln>
-        </p:spPr>
-      </p:pic>
-      <p:sp>
-        <p:nvSpPr>
-          <p:cNvPr id="269" name="Shape 269"/>
-          <p:cNvSpPr/>
-          <p:nvPr/>
-        </p:nvSpPr>
-        <p:spPr>
-          <a:xfrm>
-            <a:off x="471320" y="8815551"/>
-            <a:ext cx="4534621" cy="546101"/>
+        </p:nvSpPr>
+        <p:spPr>
+          <a:xfrm>
+            <a:off x="604849" y="4757670"/>
+            <a:ext cx="11795102" cy="876301"/>
           </a:xfrm>
           <a:prstGeom prst="rect">
             <a:avLst/>
@@ -7432,72 +7178,68 @@
           </a:extLst>
         </p:spPr>
         <p:txBody>
+          <a:bodyPr lIns="50800" tIns="50800" rIns="50800" bIns="50800" anchor="ctr">
+            <a:spAutoFit/>
+          </a:bodyPr>
+          <a:lstStyle>
+            <a:lvl1pPr>
+              <a:defRPr sz="5100">
+                <a:latin typeface="Anonymous Pro for Powerline"/>
+                <a:ea typeface="Anonymous Pro for Powerline"/>
+                <a:cs typeface="Anonymous Pro for Powerline"/>
+                <a:sym typeface="Anonymous Pro for Powerline"/>
+              </a:defRPr>
+            </a:lvl1pPr>
+          </a:lstStyle>
+          <a:p>
+            <a:pPr/>
+            <a:r>
+              <a:t>pd.DataFrame.from_dict(dict_list)</a:t>
+            </a:r>
+          </a:p>
+        </p:txBody>
+      </p:sp>
+      <p:sp>
+        <p:nvSpPr>
+          <p:cNvPr id="261" name="Shape 261"/>
+          <p:cNvSpPr/>
+          <p:nvPr/>
+        </p:nvSpPr>
+        <p:spPr>
+          <a:xfrm>
+            <a:off x="904881" y="6663814"/>
+            <a:ext cx="10671049" cy="1143001"/>
+          </a:xfrm>
+          <a:prstGeom prst="rect">
+            <a:avLst/>
+          </a:prstGeom>
+          <a:ln w="12700">
+            <a:miter lim="400000"/>
+          </a:ln>
+          <a:extLst>
+            <a:ext uri="{C572A759-6A51-4108-AA02-DFA0A04FC94B}">
+              <ma14:wrappingTextBoxFlag xmlns:ma14="http://schemas.microsoft.com/office/mac/drawingml/2011/main" val="1"/>
+            </a:ext>
+          </a:extLst>
+        </p:spPr>
+        <p:txBody>
           <a:bodyPr wrap="none" lIns="50800" tIns="50800" rIns="50800" bIns="50800" anchor="ctr">
             <a:spAutoFit/>
           </a:bodyPr>
           <a:lstStyle>
             <a:lvl1pPr>
-              <a:defRPr sz="2900">
-                <a:latin typeface="Courier"/>
-                <a:ea typeface="Courier"/>
-                <a:cs typeface="Courier"/>
-                <a:sym typeface="Courier"/>
+              <a:defRPr sz="6000">
+                <a:solidFill>
+                  <a:schemeClr val="accent5"/>
+                </a:solidFill>
               </a:defRPr>
             </a:lvl1pPr>
           </a:lstStyle>
           <a:p>
             <a:pPr/>
             <a:r>
-              <a:t>matplotlib.axes.Axes</a:t>
-            </a:r>
-          </a:p>
-        </p:txBody>
-      </p:sp>
-      <p:sp>
-        <p:nvSpPr>
-          <p:cNvPr id="270" name="Shape 270"/>
-          <p:cNvSpPr/>
-          <p:nvPr/>
-        </p:nvSpPr>
-        <p:spPr>
-          <a:xfrm flipH="1" rot="16200000">
-            <a:off x="9449606" y="2855800"/>
-            <a:ext cx="1713089" cy="1270001"/>
-          </a:xfrm>
-          <a:prstGeom prst="rightArrow">
-            <a:avLst>
-              <a:gd name="adj1" fmla="val 32000"/>
-              <a:gd name="adj2" fmla="val 64000"/>
-            </a:avLst>
-          </a:prstGeom>
-          <a:solidFill>
-            <a:schemeClr val="accent5"/>
-          </a:solidFill>
-          <a:ln w="12700">
-            <a:miter lim="400000"/>
-          </a:ln>
-        </p:spPr>
-        <p:txBody>
-          <a:bodyPr lIns="50800" tIns="50800" rIns="50800" bIns="50800" anchor="ctr"/>
-          <a:lstStyle/>
-          <a:p>
-            <a:pPr algn="ctr">
-              <a:lnSpc>
-                <a:spcPct val="80000"/>
-              </a:lnSpc>
-              <a:spcBef>
-                <a:spcPts val="0"/>
-              </a:spcBef>
-              <a:defRPr cap="all" sz="2800">
-                <a:solidFill>
-                  <a:srgbClr val="FFFFFF"/>
-                </a:solidFill>
-                <a:latin typeface="+mn-lt"/>
-                <a:ea typeface="+mn-ea"/>
-                <a:cs typeface="+mn-cs"/>
-                <a:sym typeface="DIN Condensed"/>
-              </a:defRPr>
-            </a:pPr>
+              <a:t>Dicts must all have same keys!</a:t>
+            </a:r>
           </a:p>
         </p:txBody>
       </p:sp>
@@ -7529,7 +7271,7 @@
       </p:grpSpPr>
       <p:sp>
         <p:nvSpPr>
-          <p:cNvPr id="272" name="Shape 272"/>
+          <p:cNvPr id="263" name="Shape 263"/>
           <p:cNvSpPr/>
           <p:nvPr>
             <p:ph type="title"/>
@@ -7538,7 +7280,7 @@
         <p:spPr>
           <a:xfrm>
             <a:off x="406400" y="1536700"/>
-            <a:ext cx="12192000" cy="1169261"/>
+            <a:ext cx="12192000" cy="1169260"/>
           </a:xfrm>
           <a:prstGeom prst="rect">
             <a:avLst/>
@@ -7551,104 +7293,69 @@
               <a:spcBef>
                 <a:spcPts val="1900"/>
               </a:spcBef>
-              <a:defRPr sz="8200"/>
+              <a:defRPr sz="8280"/>
             </a:lvl1pPr>
           </a:lstStyle>
           <a:p>
             <a:pPr/>
             <a:r>
-              <a:t>Axes</a:t>
-            </a:r>
-          </a:p>
-        </p:txBody>
-      </p:sp>
-      <p:sp>
-        <p:nvSpPr>
-          <p:cNvPr id="273" name="Shape 273"/>
-          <p:cNvSpPr/>
-          <p:nvPr>
-            <p:ph type="body" idx="1"/>
+              <a:t>Partial string indexing</a:t>
+            </a:r>
+          </a:p>
+        </p:txBody>
+      </p:sp>
+      <p:sp>
+        <p:nvSpPr>
+          <p:cNvPr id="264" name="Shape 264"/>
+          <p:cNvSpPr/>
+          <p:nvPr>
+            <p:ph type="body" sz="half" idx="1"/>
           </p:nvPr>
         </p:nvSpPr>
         <p:spPr>
           <a:xfrm>
             <a:off x="406400" y="3953767"/>
-            <a:ext cx="12192000" cy="4909099"/>
-          </a:xfrm>
-          <a:prstGeom prst="rect">
-            <a:avLst/>
-          </a:prstGeom>
-        </p:spPr>
-        <p:txBody>
-          <a:bodyPr anchor="t"/>
+            <a:ext cx="12192000" cy="2531601"/>
+          </a:xfrm>
+          <a:prstGeom prst="rect">
+            <a:avLst/>
+          </a:prstGeom>
+        </p:spPr>
+        <p:txBody>
+          <a:bodyPr/>
           <a:lstStyle/>
           <a:p>
             <a:pPr marL="663612" indent="-663612" defTabSz="549148">
-              <a:lnSpc>
-                <a:spcPct val="100000"/>
-              </a:lnSpc>
               <a:spcBef>
                 <a:spcPts val="2600"/>
               </a:spcBef>
+              <a:buClrTx/>
               <a:buSzPct val="40000"/>
+              <a:buFontTx/>
               <a:buBlip>
                 <a:blip r:embed="rId2"/>
               </a:buBlip>
-              <a:defRPr cap="none" spc="0" sz="6000">
-                <a:latin typeface="Avenir Next Medium"/>
-                <a:ea typeface="Avenir Next Medium"/>
-                <a:cs typeface="Avenir Next Medium"/>
-                <a:sym typeface="Avenir Next Medium"/>
-              </a:defRPr>
+              <a:defRPr sz="6016"/>
             </a:pPr>
             <a:r>
-              <a:t>Add title for graph</a:t>
+              <a:t>Pandas translates string to date</a:t>
             </a:r>
           </a:p>
           <a:p>
             <a:pPr marL="663612" indent="-663612" defTabSz="549148">
-              <a:lnSpc>
-                <a:spcPct val="100000"/>
-              </a:lnSpc>
               <a:spcBef>
                 <a:spcPts val="2600"/>
               </a:spcBef>
+              <a:buClrTx/>
               <a:buSzPct val="40000"/>
+              <a:buFontTx/>
               <a:buBlip>
                 <a:blip r:embed="rId2"/>
               </a:buBlip>
-              <a:defRPr cap="none" spc="0" sz="6000">
-                <a:latin typeface="Avenir Next Medium"/>
-                <a:ea typeface="Avenir Next Medium"/>
-                <a:cs typeface="Avenir Next Medium"/>
-                <a:sym typeface="Avenir Next Medium"/>
-              </a:defRPr>
+              <a:defRPr sz="6016"/>
             </a:pPr>
             <a:r>
-              <a:t>Change labels or ticks </a:t>
-            </a:r>
-          </a:p>
-          <a:p>
-            <a:pPr marL="663612" indent="-663612" defTabSz="549148">
-              <a:lnSpc>
-                <a:spcPct val="100000"/>
-              </a:lnSpc>
-              <a:spcBef>
-                <a:spcPts val="2600"/>
-              </a:spcBef>
-              <a:buSzPct val="40000"/>
-              <a:buBlip>
-                <a:blip r:embed="rId2"/>
-              </a:buBlip>
-              <a:defRPr cap="none" spc="0" sz="6000">
-                <a:latin typeface="Avenir Next Medium"/>
-                <a:ea typeface="Avenir Next Medium"/>
-                <a:cs typeface="Avenir Next Medium"/>
-                <a:sym typeface="Avenir Next Medium"/>
-              </a:defRPr>
-            </a:pPr>
-            <a:r>
-              <a:t>Change background color/grid</a:t>
+              <a:t>Order is: Year - Month - Day</a:t>
             </a:r>
           </a:p>
         </p:txBody>
@@ -7681,7 +7388,7 @@
       </p:grpSpPr>
       <p:sp>
         <p:nvSpPr>
-          <p:cNvPr id="275" name="Shape 275"/>
+          <p:cNvPr id="266" name="Shape 266"/>
           <p:cNvSpPr/>
           <p:nvPr>
             <p:ph type="title"/>
@@ -7690,7 +7397,7 @@
         <p:spPr>
           <a:xfrm>
             <a:off x="406400" y="1536700"/>
-            <a:ext cx="12192000" cy="1367235"/>
+            <a:ext cx="12192000" cy="1169260"/>
           </a:xfrm>
           <a:prstGeom prst="rect">
             <a:avLst/>
@@ -7699,68 +7406,62 @@
         <p:txBody>
           <a:bodyPr/>
           <a:lstStyle>
-            <a:lvl1pPr>
-              <a:defRPr sz="7000"/>
+            <a:lvl1pPr defTabSz="403097">
+              <a:spcBef>
+                <a:spcPts val="1900"/>
+              </a:spcBef>
+              <a:defRPr sz="8280"/>
             </a:lvl1pPr>
           </a:lstStyle>
           <a:p>
             <a:pPr/>
             <a:r>
-              <a:t>Concepts covered so Far</a:t>
-            </a:r>
-          </a:p>
-        </p:txBody>
-      </p:sp>
-      <p:sp>
-        <p:nvSpPr>
-          <p:cNvPr id="276" name="Shape 276"/>
-          <p:cNvSpPr/>
-          <p:nvPr>
-            <p:ph type="body" idx="1"/>
-          </p:nvPr>
-        </p:nvSpPr>
-        <p:spPr>
-          <a:xfrm>
-            <a:off x="406400" y="2929466"/>
-            <a:ext cx="12192000" cy="6108701"/>
-          </a:xfrm>
-          <a:prstGeom prst="rect">
-            <a:avLst/>
-          </a:prstGeom>
-        </p:spPr>
-        <p:txBody>
-          <a:bodyPr/>
-          <a:lstStyle/>
-          <a:p>
-            <a:pPr marL="444500" indent="-444500">
-              <a:defRPr sz="4800"/>
-            </a:pPr>
-            <a:r>
-              <a:t>PyPlot</a:t>
-            </a:r>
-          </a:p>
-          <a:p>
-            <a:pPr marL="444500" indent="-444500">
-              <a:defRPr sz="4800"/>
-            </a:pPr>
-            <a:r>
-              <a:t>Figure</a:t>
-            </a:r>
-          </a:p>
-          <a:p>
-            <a:pPr marL="444500" indent="-444500">
-              <a:defRPr sz="4800"/>
-            </a:pPr>
-            <a:r>
-              <a:t>Axes</a:t>
-            </a:r>
-          </a:p>
-          <a:p>
-            <a:pPr marL="444500" indent="-444500">
-              <a:defRPr sz="4800"/>
-            </a:pPr>
-            <a:r>
-              <a:t>Bar Chart</a:t>
+              <a:t>Partial string indexing</a:t>
+            </a:r>
+          </a:p>
+        </p:txBody>
+      </p:sp>
+      <p:sp>
+        <p:nvSpPr>
+          <p:cNvPr id="267" name="Shape 267"/>
+          <p:cNvSpPr/>
+          <p:nvPr/>
+        </p:nvSpPr>
+        <p:spPr>
+          <a:xfrm>
+            <a:off x="763759" y="4925950"/>
+            <a:ext cx="4967338" cy="1168401"/>
+          </a:xfrm>
+          <a:prstGeom prst="rect">
+            <a:avLst/>
+          </a:prstGeom>
+          <a:ln w="12700">
+            <a:miter lim="400000"/>
+          </a:ln>
+          <a:extLst>
+            <a:ext uri="{C572A759-6A51-4108-AA02-DFA0A04FC94B}">
+              <ma14:wrappingTextBoxFlag xmlns:ma14="http://schemas.microsoft.com/office/mac/drawingml/2011/main" val="1"/>
+            </a:ext>
+          </a:extLst>
+        </p:spPr>
+        <p:txBody>
+          <a:bodyPr wrap="none" lIns="50800" tIns="50800" rIns="50800" bIns="50800" anchor="ctr">
+            <a:spAutoFit/>
+          </a:bodyPr>
+          <a:lstStyle>
+            <a:lvl1pPr>
+              <a:defRPr sz="7000">
+                <a:latin typeface="Anonymous Pro for Powerline"/>
+                <a:ea typeface="Anonymous Pro for Powerline"/>
+                <a:cs typeface="Anonymous Pro for Powerline"/>
+                <a:sym typeface="Anonymous Pro for Powerline"/>
+              </a:defRPr>
+            </a:lvl1pPr>
+          </a:lstStyle>
+          <a:p>
+            <a:pPr/>
+            <a:r>
+              <a:t>df[‘2017’]</a:t>
             </a:r>
           </a:p>
         </p:txBody>
@@ -7791,26 +7492,51 @@
           <a:chExt cx="0" cy="0"/>
         </a:xfrm>
       </p:grpSpPr>
-      <p:pic>
-        <p:nvPicPr>
-          <p:cNvPr id="278" name="Screen Shot 2019-04-11 at 4.53.30 PM.png"/>
-          <p:cNvPicPr>
-            <a:picLocks noChangeAspect="1"/>
-          </p:cNvPicPr>
+      <p:sp>
+        <p:nvSpPr>
+          <p:cNvPr id="269" name="Shape 269"/>
+          <p:cNvSpPr/>
+          <p:nvPr>
+            <p:ph type="title"/>
+          </p:nvPr>
+        </p:nvSpPr>
+        <p:spPr>
+          <a:xfrm>
+            <a:off x="406400" y="1536700"/>
+            <a:ext cx="12192000" cy="1169260"/>
+          </a:xfrm>
+          <a:prstGeom prst="rect">
+            <a:avLst/>
+          </a:prstGeom>
+        </p:spPr>
+        <p:txBody>
+          <a:bodyPr/>
+          <a:lstStyle>
+            <a:lvl1pPr defTabSz="403097">
+              <a:spcBef>
+                <a:spcPts val="1900"/>
+              </a:spcBef>
+              <a:defRPr sz="8280"/>
+            </a:lvl1pPr>
+          </a:lstStyle>
+          <a:p>
+            <a:pPr/>
+            <a:r>
+              <a:t>Partial string indexing</a:t>
+            </a:r>
+          </a:p>
+        </p:txBody>
+      </p:sp>
+      <p:sp>
+        <p:nvSpPr>
+          <p:cNvPr id="270" name="Shape 270"/>
+          <p:cNvSpPr/>
           <p:nvPr/>
-        </p:nvPicPr>
-        <p:blipFill>
-          <a:blip r:embed="rId2">
-            <a:extLst/>
-          </a:blip>
-          <a:stretch>
-            <a:fillRect/>
-          </a:stretch>
-        </p:blipFill>
-        <p:spPr>
-          <a:xfrm>
-            <a:off x="1984905" y="1010880"/>
-            <a:ext cx="8579323" cy="7596669"/>
+        </p:nvSpPr>
+        <p:spPr>
+          <a:xfrm>
+            <a:off x="763759" y="4925950"/>
+            <a:ext cx="6423249" cy="1168401"/>
           </a:xfrm>
           <a:prstGeom prst="rect">
             <a:avLst/>
@@ -7818,8 +7544,34 @@
           <a:ln w="12700">
             <a:miter lim="400000"/>
           </a:ln>
-        </p:spPr>
-      </p:pic>
+          <a:extLst>
+            <a:ext uri="{C572A759-6A51-4108-AA02-DFA0A04FC94B}">
+              <ma14:wrappingTextBoxFlag xmlns:ma14="http://schemas.microsoft.com/office/mac/drawingml/2011/main" val="1"/>
+            </a:ext>
+          </a:extLst>
+        </p:spPr>
+        <p:txBody>
+          <a:bodyPr wrap="none" lIns="50800" tIns="50800" rIns="50800" bIns="50800" anchor="ctr">
+            <a:spAutoFit/>
+          </a:bodyPr>
+          <a:lstStyle>
+            <a:lvl1pPr>
+              <a:defRPr sz="7000">
+                <a:latin typeface="Anonymous Pro for Powerline"/>
+                <a:ea typeface="Anonymous Pro for Powerline"/>
+                <a:cs typeface="Anonymous Pro for Powerline"/>
+                <a:sym typeface="Anonymous Pro for Powerline"/>
+              </a:defRPr>
+            </a:lvl1pPr>
+          </a:lstStyle>
+          <a:p>
+            <a:pPr/>
+            <a:r>
+              <a:t>df[‘2017-02’]</a:t>
+            </a:r>
+          </a:p>
+        </p:txBody>
+      </p:sp>
     </p:spTree>
   </p:cSld>
   <p:clrMapOvr>
@@ -7848,95 +7600,49 @@
       </p:grpSpPr>
       <p:sp>
         <p:nvSpPr>
-          <p:cNvPr id="280" name="Shape 280"/>
-          <p:cNvSpPr/>
-          <p:nvPr>
-            <p:ph type="body" idx="13"/>
-          </p:nvPr>
-        </p:nvSpPr>
-        <p:spPr>
+          <p:cNvPr id="272" name="Shape 272"/>
+          <p:cNvSpPr/>
+          <p:nvPr>
+            <p:ph type="title"/>
+          </p:nvPr>
+        </p:nvSpPr>
+        <p:spPr>
+          <a:xfrm>
+            <a:off x="406400" y="1536700"/>
+            <a:ext cx="12192000" cy="1169260"/>
+          </a:xfrm>
           <a:prstGeom prst="rect">
             <a:avLst/>
           </a:prstGeom>
         </p:spPr>
         <p:txBody>
           <a:bodyPr/>
-          <a:lstStyle/>
-          <a:p>
-            <a:pPr/>
-            <a:r>
-              <a:t>Text</a:t>
-            </a:r>
-          </a:p>
-        </p:txBody>
-      </p:sp>
-      <p:sp>
-        <p:nvSpPr>
-          <p:cNvPr id="281" name="Shape 281"/>
-          <p:cNvSpPr/>
-          <p:nvPr>
-            <p:ph type="title"/>
-          </p:nvPr>
-        </p:nvSpPr>
-        <p:spPr>
-          <a:prstGeom prst="rect">
-            <a:avLst/>
-          </a:prstGeom>
-        </p:spPr>
-        <p:txBody>
-          <a:bodyPr/>
-          <a:lstStyle/>
-          <a:p>
-            <a:pPr defTabSz="467359">
+          <a:lstStyle>
+            <a:lvl1pPr defTabSz="403097">
               <a:spcBef>
-                <a:spcPts val="2200"/>
+                <a:spcPts val="1900"/>
               </a:spcBef>
-              <a:defRPr sz="4800"/>
-            </a:pPr>
-          </a:p>
-        </p:txBody>
-      </p:sp>
-      <p:sp>
-        <p:nvSpPr>
-          <p:cNvPr id="282" name="Shape 282"/>
-          <p:cNvSpPr/>
-          <p:nvPr>
-            <p:ph type="body" idx="1"/>
-          </p:nvPr>
-        </p:nvSpPr>
-        <p:spPr>
-          <a:prstGeom prst="rect">
-            <a:avLst/>
-          </a:prstGeom>
-        </p:spPr>
-        <p:txBody>
-          <a:bodyPr/>
-          <a:lstStyle/>
-          <a:p>
-            <a:pPr/>
-          </a:p>
-        </p:txBody>
-      </p:sp>
-      <p:pic>
-        <p:nvPicPr>
-          <p:cNvPr id="283" name="Screen Shot 2019-04-11 at 4.52.20 PM.png"/>
-          <p:cNvPicPr>
-            <a:picLocks noChangeAspect="1"/>
-          </p:cNvPicPr>
+              <a:defRPr sz="8280"/>
+            </a:lvl1pPr>
+          </a:lstStyle>
+          <a:p>
+            <a:pPr/>
+            <a:r>
+              <a:t>Partial string indexing</a:t>
+            </a:r>
+          </a:p>
+        </p:txBody>
+      </p:sp>
+      <p:sp>
+        <p:nvSpPr>
+          <p:cNvPr id="273" name="Shape 273"/>
+          <p:cNvSpPr/>
           <p:nvPr/>
-        </p:nvPicPr>
-        <p:blipFill>
-          <a:blip r:embed="rId2">
-            <a:extLst/>
-          </a:blip>
-          <a:stretch>
-            <a:fillRect/>
-          </a:stretch>
-        </p:blipFill>
-        <p:spPr>
-          <a:xfrm>
-            <a:off x="0" y="-215900"/>
-            <a:ext cx="13004800" cy="10185400"/>
+        </p:nvSpPr>
+        <p:spPr>
+          <a:xfrm>
+            <a:off x="763759" y="4925950"/>
+            <a:ext cx="7879160" cy="1168401"/>
           </a:xfrm>
           <a:prstGeom prst="rect">
             <a:avLst/>
@@ -7944,8 +7650,34 @@
           <a:ln w="12700">
             <a:miter lim="400000"/>
           </a:ln>
-        </p:spPr>
-      </p:pic>
+          <a:extLst>
+            <a:ext uri="{C572A759-6A51-4108-AA02-DFA0A04FC94B}">
+              <ma14:wrappingTextBoxFlag xmlns:ma14="http://schemas.microsoft.com/office/mac/drawingml/2011/main" val="1"/>
+            </a:ext>
+          </a:extLst>
+        </p:spPr>
+        <p:txBody>
+          <a:bodyPr wrap="none" lIns="50800" tIns="50800" rIns="50800" bIns="50800" anchor="ctr">
+            <a:spAutoFit/>
+          </a:bodyPr>
+          <a:lstStyle>
+            <a:lvl1pPr>
+              <a:defRPr sz="7000">
+                <a:latin typeface="Anonymous Pro for Powerline"/>
+                <a:ea typeface="Anonymous Pro for Powerline"/>
+                <a:cs typeface="Anonymous Pro for Powerline"/>
+                <a:sym typeface="Anonymous Pro for Powerline"/>
+              </a:defRPr>
+            </a:lvl1pPr>
+          </a:lstStyle>
+          <a:p>
+            <a:pPr/>
+            <a:r>
+              <a:t>df[‘2017-02-01’]</a:t>
+            </a:r>
+          </a:p>
+        </p:txBody>
+      </p:sp>
     </p:spTree>
   </p:cSld>
   <p:clrMapOvr>
@@ -7974,7 +7706,7 @@
       </p:grpSpPr>
       <p:sp>
         <p:nvSpPr>
-          <p:cNvPr id="285" name="Shape 285"/>
+          <p:cNvPr id="275" name="Shape 275"/>
           <p:cNvSpPr/>
           <p:nvPr>
             <p:ph type="title"/>
@@ -7982,8 +7714,8 @@
         </p:nvSpPr>
         <p:spPr>
           <a:xfrm>
-            <a:off x="3318084" y="4128458"/>
-            <a:ext cx="6368632" cy="1982356"/>
+            <a:off x="406400" y="1536700"/>
+            <a:ext cx="12192000" cy="1169260"/>
           </a:xfrm>
           <a:prstGeom prst="rect">
             <a:avLst/>
@@ -7992,14 +7724,62 @@
         <p:txBody>
           <a:bodyPr/>
           <a:lstStyle>
-            <a:lvl1pPr defTabSz="502412">
-              <a:defRPr sz="14620"/>
+            <a:lvl1pPr defTabSz="403097">
+              <a:spcBef>
+                <a:spcPts val="1900"/>
+              </a:spcBef>
+              <a:defRPr sz="8280"/>
             </a:lvl1pPr>
           </a:lstStyle>
           <a:p>
             <a:pPr/>
             <a:r>
-              <a:t>Exercises</a:t>
+              <a:t>Basic Statistics</a:t>
+            </a:r>
+          </a:p>
+        </p:txBody>
+      </p:sp>
+      <p:sp>
+        <p:nvSpPr>
+          <p:cNvPr id="276" name="Shape 276"/>
+          <p:cNvSpPr/>
+          <p:nvPr/>
+        </p:nvSpPr>
+        <p:spPr>
+          <a:xfrm>
+            <a:off x="763759" y="4925950"/>
+            <a:ext cx="6423249" cy="1168401"/>
+          </a:xfrm>
+          <a:prstGeom prst="rect">
+            <a:avLst/>
+          </a:prstGeom>
+          <a:ln w="12700">
+            <a:miter lim="400000"/>
+          </a:ln>
+          <a:extLst>
+            <a:ext uri="{C572A759-6A51-4108-AA02-DFA0A04FC94B}">
+              <ma14:wrappingTextBoxFlag xmlns:ma14="http://schemas.microsoft.com/office/mac/drawingml/2011/main" val="1"/>
+            </a:ext>
+          </a:extLst>
+        </p:spPr>
+        <p:txBody>
+          <a:bodyPr wrap="none" lIns="50800" tIns="50800" rIns="50800" bIns="50800" anchor="ctr">
+            <a:spAutoFit/>
+          </a:bodyPr>
+          <a:lstStyle>
+            <a:lvl1pPr>
+              <a:defRPr sz="7000">
+                <a:latin typeface="Anonymous Pro for Powerline"/>
+                <a:ea typeface="Anonymous Pro for Powerline"/>
+                <a:cs typeface="Anonymous Pro for Powerline"/>
+                <a:sym typeface="Anonymous Pro for Powerline"/>
+              </a:defRPr>
+            </a:lvl1pPr>
+          </a:lstStyle>
+          <a:p>
+            <a:pPr/>
+            <a:r>
+              <a:t>df.describe()</a:t>
             </a:r>
           </a:p>
         </p:txBody>
@@ -8032,7 +7812,7 @@
       </p:grpSpPr>
       <p:sp>
         <p:nvSpPr>
-          <p:cNvPr id="287" name="Shape 287"/>
+          <p:cNvPr id="278" name="Shape 278"/>
           <p:cNvSpPr/>
           <p:nvPr>
             <p:ph type="title"/>
@@ -8040,8 +7820,8 @@
         </p:nvSpPr>
         <p:spPr>
           <a:xfrm>
-            <a:off x="406400" y="1530350"/>
-            <a:ext cx="6299200" cy="723900"/>
+            <a:off x="406400" y="1536700"/>
+            <a:ext cx="12192000" cy="1169260"/>
           </a:xfrm>
           <a:prstGeom prst="rect">
             <a:avLst/>
@@ -8050,24 +7830,24 @@
         <p:txBody>
           <a:bodyPr/>
           <a:lstStyle>
-            <a:lvl1pPr defTabSz="467359">
+            <a:lvl1pPr defTabSz="403097">
               <a:spcBef>
-                <a:spcPts val="2200"/>
+                <a:spcPts val="1900"/>
               </a:spcBef>
-              <a:defRPr sz="4800"/>
+              <a:defRPr sz="8280"/>
             </a:lvl1pPr>
           </a:lstStyle>
           <a:p>
             <a:pPr/>
             <a:r>
-              <a:t>Utterly Bizarre</a:t>
-            </a:r>
-          </a:p>
-        </p:txBody>
-      </p:sp>
-      <p:sp>
-        <p:nvSpPr>
-          <p:cNvPr id="288" name="Shape 288"/>
+              <a:t>.Describe()</a:t>
+            </a:r>
+          </a:p>
+        </p:txBody>
+      </p:sp>
+      <p:sp>
+        <p:nvSpPr>
+          <p:cNvPr id="279" name="Shape 279"/>
           <p:cNvSpPr/>
           <p:nvPr>
             <p:ph type="body" sz="half" idx="1"/>
@@ -8075,8 +7855,8 @@
         </p:nvSpPr>
         <p:spPr>
           <a:xfrm>
-            <a:off x="406400" y="2482850"/>
-            <a:ext cx="6299200" cy="6108700"/>
+            <a:off x="406400" y="3953767"/>
+            <a:ext cx="12192000" cy="2531601"/>
           </a:xfrm>
           <a:prstGeom prst="rect">
             <a:avLst/>
@@ -8086,78 +7866,41 @@
           <a:bodyPr/>
           <a:lstStyle/>
           <a:p>
-            <a:pPr>
-              <a:defRPr strike="sngStrike"/>
+            <a:pPr marL="663612" indent="-663612" defTabSz="549148">
+              <a:spcBef>
+                <a:spcPts val="2600"/>
+              </a:spcBef>
+              <a:buClrTx/>
+              <a:buSzPct val="40000"/>
+              <a:buFontTx/>
+              <a:buBlip>
+                <a:blip r:embed="rId2"/>
+              </a:buBlip>
+              <a:defRPr sz="6016"/>
             </a:pPr>
             <a:r>
-              <a:t>Pyplot</a:t>
-            </a:r>
-          </a:p>
-          <a:p>
-            <a:pPr>
-              <a:defRPr strike="sngStrike"/>
+              <a:t>Finds all numeric columns</a:t>
+            </a:r>
+          </a:p>
+          <a:p>
+            <a:pPr marL="663612" indent="-663612" defTabSz="549148">
+              <a:spcBef>
+                <a:spcPts val="2600"/>
+              </a:spcBef>
+              <a:buClrTx/>
+              <a:buSzPct val="40000"/>
+              <a:buFontTx/>
+              <a:buBlip>
+                <a:blip r:embed="rId2"/>
+              </a:buBlip>
+              <a:defRPr sz="6016"/>
             </a:pPr>
             <a:r>
-              <a:t>Figure</a:t>
-            </a:r>
-          </a:p>
-          <a:p>
-            <a:pPr>
-              <a:defRPr strike="sngStrike"/>
-            </a:pPr>
-            <a:r>
-              <a:t>Axes</a:t>
-            </a:r>
-          </a:p>
-          <a:p>
-            <a:pPr/>
-            <a:r>
-              <a:t>Line</a:t>
-            </a:r>
-          </a:p>
-          <a:p>
-            <a:pPr/>
-            <a:r>
-              <a:t>Marker</a:t>
-            </a:r>
-          </a:p>
-          <a:p>
-            <a:pPr/>
-            <a:r>
-              <a:t>Facecolor</a:t>
-            </a:r>
-          </a:p>
-        </p:txBody>
-      </p:sp>
-      <p:pic>
-        <p:nvPicPr>
-          <p:cNvPr id="289" name="errorbar_limits.png"/>
-          <p:cNvPicPr>
-            <a:picLocks noChangeAspect="1"/>
-          </p:cNvPicPr>
-          <p:nvPr/>
-        </p:nvPicPr>
-        <p:blipFill>
-          <a:blip r:embed="rId2">
-            <a:extLst/>
-          </a:blip>
-          <a:stretch>
-            <a:fillRect/>
-          </a:stretch>
-        </p:blipFill>
-        <p:spPr>
-          <a:xfrm>
-            <a:off x="3204086" y="2501900"/>
-            <a:ext cx="8890001" cy="5080000"/>
-          </a:xfrm>
-          <a:prstGeom prst="rect">
-            <a:avLst/>
-          </a:prstGeom>
-          <a:ln w="12700">
-            <a:miter lim="400000"/>
-          </a:ln>
-        </p:spPr>
-      </p:pic>
+              <a:t>Gives max, min, var, std, etc</a:t>
+            </a:r>
+          </a:p>
+        </p:txBody>
+      </p:sp>
     </p:spTree>
   </p:cSld>
   <p:clrMapOvr>
@@ -8186,34 +7929,17 @@
       </p:grpSpPr>
       <p:sp>
         <p:nvSpPr>
-          <p:cNvPr id="291" name="Shape 291"/>
-          <p:cNvSpPr/>
-          <p:nvPr>
-            <p:ph type="body" idx="13"/>
-          </p:nvPr>
-        </p:nvSpPr>
-        <p:spPr>
-          <a:prstGeom prst="rect">
-            <a:avLst/>
-          </a:prstGeom>
-        </p:spPr>
-        <p:txBody>
-          <a:bodyPr/>
-          <a:lstStyle/>
-          <a:p>
-            <a:pPr/>
-          </a:p>
-        </p:txBody>
-      </p:sp>
-      <p:sp>
-        <p:nvSpPr>
-          <p:cNvPr id="292" name="Shape 292"/>
+          <p:cNvPr id="281" name="Shape 281"/>
           <p:cNvSpPr/>
           <p:nvPr>
             <p:ph type="title"/>
           </p:nvPr>
         </p:nvSpPr>
         <p:spPr>
+          <a:xfrm>
+            <a:off x="406400" y="1536700"/>
+            <a:ext cx="12192000" cy="1169260"/>
+          </a:xfrm>
           <a:prstGeom prst="rect">
             <a:avLst/>
           </a:prstGeom>
@@ -8221,88 +7947,31 @@
         <p:txBody>
           <a:bodyPr/>
           <a:lstStyle>
-            <a:lvl1pPr defTabSz="467359">
+            <a:lvl1pPr defTabSz="403097">
               <a:spcBef>
-                <a:spcPts val="2200"/>
+                <a:spcPts val="1900"/>
               </a:spcBef>
-              <a:defRPr sz="4800"/>
+              <a:defRPr sz="8280"/>
             </a:lvl1pPr>
           </a:lstStyle>
           <a:p>
             <a:pPr/>
             <a:r>
-              <a:t>Line</a:t>
-            </a:r>
-          </a:p>
-        </p:txBody>
-      </p:sp>
-      <p:sp>
-        <p:nvSpPr>
-          <p:cNvPr id="293" name="Shape 293"/>
-          <p:cNvSpPr/>
-          <p:nvPr>
-            <p:ph type="body" sz="quarter" idx="1"/>
-          </p:nvPr>
-        </p:nvSpPr>
-        <p:spPr>
-          <a:xfrm>
-            <a:off x="406400" y="2743200"/>
-            <a:ext cx="12192000" cy="818013"/>
-          </a:xfrm>
-          <a:prstGeom prst="rect">
-            <a:avLst/>
-          </a:prstGeom>
-        </p:spPr>
-        <p:txBody>
-          <a:bodyPr/>
-          <a:lstStyle/>
-          <a:p>
-            <a:pPr/>
-            <a:r>
-              <a:t>Unlike in math, this can be any curve</a:t>
-            </a:r>
-          </a:p>
-        </p:txBody>
-      </p:sp>
-      <p:pic>
-        <p:nvPicPr>
-          <p:cNvPr id="294" name="Screen Shot 2018-11-09 at 1.31.16 AM.png"/>
-          <p:cNvPicPr>
-            <a:picLocks noChangeAspect="1"/>
-          </p:cNvPicPr>
+              <a:t>Correlation</a:t>
+            </a:r>
+          </a:p>
+        </p:txBody>
+      </p:sp>
+      <p:sp>
+        <p:nvSpPr>
+          <p:cNvPr id="282" name="Shape 282"/>
+          <p:cNvSpPr/>
           <p:nvPr/>
-        </p:nvPicPr>
-        <p:blipFill>
-          <a:blip r:embed="rId2">
-            <a:extLst/>
-          </a:blip>
-          <a:stretch>
-            <a:fillRect/>
-          </a:stretch>
-        </p:blipFill>
-        <p:spPr>
-          <a:xfrm>
-            <a:off x="-1" y="4043812"/>
-            <a:ext cx="13004801" cy="4358991"/>
-          </a:xfrm>
-          <a:prstGeom prst="rect">
-            <a:avLst/>
-          </a:prstGeom>
-          <a:ln w="12700">
-            <a:miter lim="400000"/>
-          </a:ln>
-        </p:spPr>
-      </p:pic>
-      <p:sp>
-        <p:nvSpPr>
-          <p:cNvPr id="295" name="Shape 295"/>
-          <p:cNvSpPr/>
-          <p:nvPr/>
-        </p:nvSpPr>
-        <p:spPr>
-          <a:xfrm>
-            <a:off x="471320" y="8815551"/>
-            <a:ext cx="3650557" cy="546101"/>
+        </p:nvSpPr>
+        <p:spPr>
+          <a:xfrm>
+            <a:off x="763759" y="4925950"/>
+            <a:ext cx="4482034" cy="1168401"/>
           </a:xfrm>
           <a:prstGeom prst="rect">
             <a:avLst/>
@@ -8322,67 +7991,19 @@
           </a:bodyPr>
           <a:lstStyle>
             <a:lvl1pPr>
-              <a:defRPr sz="2900">
-                <a:latin typeface="Courier"/>
-                <a:ea typeface="Courier"/>
-                <a:cs typeface="Courier"/>
-                <a:sym typeface="Courier"/>
+              <a:defRPr sz="7000">
+                <a:latin typeface="Anonymous Pro for Powerline"/>
+                <a:ea typeface="Anonymous Pro for Powerline"/>
+                <a:cs typeface="Anonymous Pro for Powerline"/>
+                <a:sym typeface="Anonymous Pro for Powerline"/>
               </a:defRPr>
             </a:lvl1pPr>
           </a:lstStyle>
           <a:p>
             <a:pPr/>
             <a:r>
-              <a:t>matplotlib.lines</a:t>
-            </a:r>
-          </a:p>
-        </p:txBody>
-      </p:sp>
-      <p:sp>
-        <p:nvSpPr>
-          <p:cNvPr id="296" name="Shape 296"/>
-          <p:cNvSpPr/>
-          <p:nvPr/>
-        </p:nvSpPr>
-        <p:spPr>
-          <a:xfrm flipH="1" rot="16200000">
-            <a:off x="8914708" y="3970261"/>
-            <a:ext cx="1713090" cy="1270001"/>
-          </a:xfrm>
-          <a:prstGeom prst="rightArrow">
-            <a:avLst>
-              <a:gd name="adj1" fmla="val 32000"/>
-              <a:gd name="adj2" fmla="val 64000"/>
-            </a:avLst>
-          </a:prstGeom>
-          <a:solidFill>
-            <a:schemeClr val="accent5"/>
-          </a:solidFill>
-          <a:ln w="12700">
-            <a:miter lim="400000"/>
-          </a:ln>
-        </p:spPr>
-        <p:txBody>
-          <a:bodyPr lIns="50800" tIns="50800" rIns="50800" bIns="50800" anchor="ctr"/>
-          <a:lstStyle/>
-          <a:p>
-            <a:pPr algn="ctr">
-              <a:lnSpc>
-                <a:spcPct val="80000"/>
-              </a:lnSpc>
-              <a:spcBef>
-                <a:spcPts val="0"/>
-              </a:spcBef>
-              <a:defRPr cap="all" sz="2800">
-                <a:solidFill>
-                  <a:srgbClr val="FFFFFF"/>
-                </a:solidFill>
-                <a:latin typeface="+mn-lt"/>
-                <a:ea typeface="+mn-ea"/>
-                <a:cs typeface="+mn-cs"/>
-                <a:sym typeface="DIN Condensed"/>
-              </a:defRPr>
-            </a:pPr>
+              <a:t>df.corr()</a:t>
+            </a:r>
           </a:p>
         </p:txBody>
       </p:sp>
@@ -8414,34 +8035,17 @@
       </p:grpSpPr>
       <p:sp>
         <p:nvSpPr>
-          <p:cNvPr id="298" name="Shape 298"/>
-          <p:cNvSpPr/>
-          <p:nvPr>
-            <p:ph type="body" idx="13"/>
-          </p:nvPr>
-        </p:nvSpPr>
-        <p:spPr>
-          <a:prstGeom prst="rect">
-            <a:avLst/>
-          </a:prstGeom>
-        </p:spPr>
-        <p:txBody>
-          <a:bodyPr/>
-          <a:lstStyle/>
-          <a:p>
-            <a:pPr/>
-          </a:p>
-        </p:txBody>
-      </p:sp>
-      <p:sp>
-        <p:nvSpPr>
-          <p:cNvPr id="299" name="Shape 299"/>
+          <p:cNvPr id="284" name="Shape 284"/>
           <p:cNvSpPr/>
           <p:nvPr>
             <p:ph type="title"/>
           </p:nvPr>
         </p:nvSpPr>
         <p:spPr>
+          <a:xfrm>
+            <a:off x="406400" y="1536700"/>
+            <a:ext cx="12192000" cy="1169260"/>
+          </a:xfrm>
           <a:prstGeom prst="rect">
             <a:avLst/>
           </a:prstGeom>
@@ -8449,52 +8053,24 @@
         <p:txBody>
           <a:bodyPr/>
           <a:lstStyle>
-            <a:lvl1pPr defTabSz="467359">
+            <a:lvl1pPr defTabSz="403097">
               <a:spcBef>
-                <a:spcPts val="2200"/>
+                <a:spcPts val="1900"/>
               </a:spcBef>
-              <a:defRPr sz="4800"/>
+              <a:defRPr sz="8280"/>
             </a:lvl1pPr>
           </a:lstStyle>
           <a:p>
             <a:pPr/>
             <a:r>
-              <a:t>Marker</a:t>
-            </a:r>
-          </a:p>
-        </p:txBody>
-      </p:sp>
-      <p:sp>
-        <p:nvSpPr>
-          <p:cNvPr id="300" name="Shape 300"/>
-          <p:cNvSpPr/>
-          <p:nvPr>
-            <p:ph type="body" sz="quarter" idx="1"/>
-          </p:nvPr>
-        </p:nvSpPr>
-        <p:spPr>
-          <a:xfrm>
-            <a:off x="406400" y="2743200"/>
-            <a:ext cx="12192000" cy="818013"/>
-          </a:xfrm>
-          <a:prstGeom prst="rect">
-            <a:avLst/>
-          </a:prstGeom>
-        </p:spPr>
-        <p:txBody>
-          <a:bodyPr/>
-          <a:lstStyle/>
-          <a:p>
-            <a:pPr/>
-            <a:r>
-              <a:t>Dot or other symbol centered on a specific point</a:t>
+              <a:t>Correlation</a:t>
             </a:r>
           </a:p>
         </p:txBody>
       </p:sp>
       <p:pic>
         <p:nvPicPr>
-          <p:cNvPr id="301" name="Screen Shot 2018-11-09 at 1.31.16 AM.png"/>
+          <p:cNvPr id="285" name="pasted-image.tiff"/>
           <p:cNvPicPr>
             <a:picLocks noChangeAspect="1"/>
           </p:cNvPicPr>
@@ -8510,8 +8086,8 @@
         </p:blipFill>
         <p:spPr>
           <a:xfrm>
-            <a:off x="-1" y="4043812"/>
-            <a:ext cx="13004801" cy="4358991"/>
+            <a:off x="501734" y="3236537"/>
+            <a:ext cx="11855441" cy="4772970"/>
           </a:xfrm>
           <a:prstGeom prst="rect">
             <a:avLst/>
@@ -8521,99 +8097,6 @@
           </a:ln>
         </p:spPr>
       </p:pic>
-      <p:sp>
-        <p:nvSpPr>
-          <p:cNvPr id="302" name="Shape 302"/>
-          <p:cNvSpPr/>
-          <p:nvPr/>
-        </p:nvSpPr>
-        <p:spPr>
-          <a:xfrm>
-            <a:off x="471320" y="8815551"/>
-            <a:ext cx="4092589" cy="546101"/>
-          </a:xfrm>
-          <a:prstGeom prst="rect">
-            <a:avLst/>
-          </a:prstGeom>
-          <a:ln w="12700">
-            <a:miter lim="400000"/>
-          </a:ln>
-          <a:extLst>
-            <a:ext uri="{C572A759-6A51-4108-AA02-DFA0A04FC94B}">
-              <ma14:wrappingTextBoxFlag xmlns:ma14="http://schemas.microsoft.com/office/mac/drawingml/2011/main" val="1"/>
-            </a:ext>
-          </a:extLst>
-        </p:spPr>
-        <p:txBody>
-          <a:bodyPr wrap="none" lIns="50800" tIns="50800" rIns="50800" bIns="50800" anchor="ctr">
-            <a:spAutoFit/>
-          </a:bodyPr>
-          <a:lstStyle>
-            <a:lvl1pPr>
-              <a:defRPr sz="2900">
-                <a:latin typeface="Courier"/>
-                <a:ea typeface="Courier"/>
-                <a:cs typeface="Courier"/>
-                <a:sym typeface="Courier"/>
-              </a:defRPr>
-            </a:lvl1pPr>
-          </a:lstStyle>
-          <a:p>
-            <a:pPr/>
-            <a:r>
-              <a:t>matplotlib.markers</a:t>
-            </a:r>
-          </a:p>
-        </p:txBody>
-      </p:sp>
-      <p:sp>
-        <p:nvSpPr>
-          <p:cNvPr id="303" name="Shape 303"/>
-          <p:cNvSpPr/>
-          <p:nvPr/>
-        </p:nvSpPr>
-        <p:spPr>
-          <a:xfrm flipH="1" rot="16200000">
-            <a:off x="6260667" y="5371005"/>
-            <a:ext cx="1713090" cy="1270001"/>
-          </a:xfrm>
-          <a:prstGeom prst="rightArrow">
-            <a:avLst>
-              <a:gd name="adj1" fmla="val 32000"/>
-              <a:gd name="adj2" fmla="val 64000"/>
-            </a:avLst>
-          </a:prstGeom>
-          <a:solidFill>
-            <a:schemeClr val="accent5"/>
-          </a:solidFill>
-          <a:ln w="12700">
-            <a:miter lim="400000"/>
-          </a:ln>
-        </p:spPr>
-        <p:txBody>
-          <a:bodyPr lIns="50800" tIns="50800" rIns="50800" bIns="50800" anchor="ctr"/>
-          <a:lstStyle/>
-          <a:p>
-            <a:pPr algn="ctr">
-              <a:lnSpc>
-                <a:spcPct val="80000"/>
-              </a:lnSpc>
-              <a:spcBef>
-                <a:spcPts val="0"/>
-              </a:spcBef>
-              <a:defRPr cap="all" sz="2800">
-                <a:solidFill>
-                  <a:srgbClr val="FFFFFF"/>
-                </a:solidFill>
-                <a:latin typeface="+mn-lt"/>
-                <a:ea typeface="+mn-ea"/>
-                <a:cs typeface="+mn-cs"/>
-                <a:sym typeface="DIN Condensed"/>
-              </a:defRPr>
-            </a:pPr>
-          </a:p>
-        </p:txBody>
-      </p:sp>
     </p:spTree>
   </p:cSld>
   <p:clrMapOvr>
@@ -8626,13 +8109,6 @@
 <file path=ppt/slides/slide29.xml><?xml version="1.0" encoding="utf-8"?>
 <p:sld xmlns:a="http://schemas.openxmlformats.org/drawingml/2006/main" xmlns:r="http://schemas.openxmlformats.org/officeDocument/2006/relationships" xmlns:p="http://schemas.openxmlformats.org/presentationml/2006/main" showMasterSp="1" showMasterPhAnim="1">
   <p:cSld>
-    <p:bg>
-      <p:bgPr>
-        <a:solidFill>
-          <a:srgbClr val="000000"/>
-        </a:solidFill>
-      </p:bgPr>
-    </p:bg>
     <p:spTree>
       <p:nvGrpSpPr>
         <p:cNvPr id="1" name=""/>
@@ -8649,34 +8125,17 @@
       </p:grpSpPr>
       <p:sp>
         <p:nvSpPr>
-          <p:cNvPr id="305" name="Shape 305"/>
-          <p:cNvSpPr/>
-          <p:nvPr>
-            <p:ph type="body" idx="13"/>
-          </p:nvPr>
-        </p:nvSpPr>
-        <p:spPr>
-          <a:prstGeom prst="rect">
-            <a:avLst/>
-          </a:prstGeom>
-        </p:spPr>
-        <p:txBody>
-          <a:bodyPr/>
-          <a:lstStyle/>
-          <a:p>
-            <a:pPr/>
-          </a:p>
-        </p:txBody>
-      </p:sp>
-      <p:sp>
-        <p:nvSpPr>
-          <p:cNvPr id="306" name="Shape 306"/>
+          <p:cNvPr id="287" name="Shape 287"/>
           <p:cNvSpPr/>
           <p:nvPr>
             <p:ph type="title"/>
           </p:nvPr>
         </p:nvSpPr>
         <p:spPr>
+          <a:xfrm>
+            <a:off x="406400" y="1536700"/>
+            <a:ext cx="12192000" cy="1169260"/>
+          </a:xfrm>
           <a:prstGeom prst="rect">
             <a:avLst/>
           </a:prstGeom>
@@ -8684,88 +8143,31 @@
         <p:txBody>
           <a:bodyPr/>
           <a:lstStyle>
-            <a:lvl1pPr defTabSz="467359">
+            <a:lvl1pPr defTabSz="403097">
               <a:spcBef>
-                <a:spcPts val="2200"/>
+                <a:spcPts val="1900"/>
               </a:spcBef>
-              <a:defRPr sz="4800"/>
+              <a:defRPr sz="8280"/>
             </a:lvl1pPr>
           </a:lstStyle>
           <a:p>
             <a:pPr/>
             <a:r>
-              <a:t>faceColor</a:t>
-            </a:r>
-          </a:p>
-        </p:txBody>
-      </p:sp>
-      <p:sp>
-        <p:nvSpPr>
-          <p:cNvPr id="307" name="Shape 307"/>
-          <p:cNvSpPr/>
-          <p:nvPr>
-            <p:ph type="body" sz="quarter" idx="1"/>
-          </p:nvPr>
-        </p:nvSpPr>
-        <p:spPr>
-          <a:xfrm>
-            <a:off x="406400" y="2743200"/>
-            <a:ext cx="12192000" cy="818013"/>
-          </a:xfrm>
-          <a:prstGeom prst="rect">
-            <a:avLst/>
-          </a:prstGeom>
-        </p:spPr>
-        <p:txBody>
-          <a:bodyPr/>
-          <a:lstStyle/>
-          <a:p>
-            <a:pPr/>
-            <a:r>
-              <a:t>Background color to the data</a:t>
-            </a:r>
-          </a:p>
-        </p:txBody>
-      </p:sp>
-      <p:pic>
-        <p:nvPicPr>
-          <p:cNvPr id="308" name="Screen Shot 2018-11-09 at 1.31.16 AM.png"/>
-          <p:cNvPicPr>
-            <a:picLocks noChangeAspect="1"/>
-          </p:cNvPicPr>
+              <a:t>Dataframe from dicts</a:t>
+            </a:r>
+          </a:p>
+        </p:txBody>
+      </p:sp>
+      <p:sp>
+        <p:nvSpPr>
+          <p:cNvPr id="288" name="Shape 288"/>
+          <p:cNvSpPr/>
           <p:nvPr/>
-        </p:nvPicPr>
-        <p:blipFill>
-          <a:blip r:embed="rId2">
-            <a:extLst/>
-          </a:blip>
-          <a:stretch>
-            <a:fillRect/>
-          </a:stretch>
-        </p:blipFill>
-        <p:spPr>
-          <a:xfrm>
-            <a:off x="-1" y="4043812"/>
-            <a:ext cx="13004801" cy="4358991"/>
-          </a:xfrm>
-          <a:prstGeom prst="rect">
-            <a:avLst/>
-          </a:prstGeom>
-          <a:ln w="12700">
-            <a:miter lim="400000"/>
-          </a:ln>
-        </p:spPr>
-      </p:pic>
-      <p:sp>
-        <p:nvSpPr>
-          <p:cNvPr id="309" name="Shape 309"/>
-          <p:cNvSpPr/>
-          <p:nvPr/>
-        </p:nvSpPr>
-        <p:spPr>
-          <a:xfrm>
-            <a:off x="471320" y="8815551"/>
-            <a:ext cx="4534621" cy="546101"/>
+        </p:nvSpPr>
+        <p:spPr>
+          <a:xfrm>
+            <a:off x="604849" y="4757670"/>
+            <a:ext cx="11795102" cy="876301"/>
           </a:xfrm>
           <a:prstGeom prst="rect">
             <a:avLst/>
@@ -8780,119 +8182,24 @@
           </a:extLst>
         </p:spPr>
         <p:txBody>
-          <a:bodyPr wrap="none" lIns="50800" tIns="50800" rIns="50800" bIns="50800" anchor="ctr">
+          <a:bodyPr lIns="50800" tIns="50800" rIns="50800" bIns="50800" anchor="ctr">
             <a:spAutoFit/>
           </a:bodyPr>
           <a:lstStyle>
             <a:lvl1pPr>
-              <a:defRPr sz="2900">
-                <a:latin typeface="Courier"/>
-                <a:ea typeface="Courier"/>
-                <a:cs typeface="Courier"/>
-                <a:sym typeface="Courier"/>
+              <a:defRPr sz="5100">
+                <a:latin typeface="Anonymous Pro for Powerline"/>
+                <a:ea typeface="Anonymous Pro for Powerline"/>
+                <a:cs typeface="Anonymous Pro for Powerline"/>
+                <a:sym typeface="Anonymous Pro for Powerline"/>
               </a:defRPr>
             </a:lvl1pPr>
           </a:lstStyle>
           <a:p>
             <a:pPr/>
             <a:r>
-              <a:t>matplotlib.axes.Axes</a:t>
-            </a:r>
-          </a:p>
-        </p:txBody>
-      </p:sp>
-      <p:sp>
-        <p:nvSpPr>
-          <p:cNvPr id="310" name="Shape 310"/>
-          <p:cNvSpPr/>
-          <p:nvPr/>
-        </p:nvSpPr>
-        <p:spPr>
-          <a:xfrm>
-            <a:off x="8757355" y="4593627"/>
-            <a:ext cx="2954061" cy="3348865"/>
-          </a:xfrm>
-          <a:prstGeom prst="rect">
-            <a:avLst/>
-          </a:prstGeom>
-          <a:solidFill>
-            <a:schemeClr val="accent4">
-              <a:alpha val="35161"/>
-            </a:schemeClr>
-          </a:solidFill>
-          <a:ln w="12700">
-            <a:miter lim="400000"/>
-          </a:ln>
-        </p:spPr>
-        <p:txBody>
-          <a:bodyPr lIns="50800" tIns="50800" rIns="50800" bIns="50800" anchor="ctr"/>
-          <a:lstStyle/>
-          <a:p>
-            <a:pPr algn="ctr">
-              <a:lnSpc>
-                <a:spcPct val="80000"/>
-              </a:lnSpc>
-              <a:spcBef>
-                <a:spcPts val="0"/>
-              </a:spcBef>
-              <a:defRPr cap="all" sz="2800">
-                <a:solidFill>
-                  <a:srgbClr val="232323"/>
-                </a:solidFill>
-                <a:latin typeface="+mn-lt"/>
-                <a:ea typeface="+mn-ea"/>
-                <a:cs typeface="+mn-cs"/>
-                <a:sym typeface="DIN Condensed"/>
-              </a:defRPr>
-            </a:pPr>
-          </a:p>
-        </p:txBody>
-      </p:sp>
-      <p:sp>
-        <p:nvSpPr>
-          <p:cNvPr id="311" name="Shape 311"/>
-          <p:cNvSpPr/>
-          <p:nvPr/>
-        </p:nvSpPr>
-        <p:spPr>
-          <a:xfrm flipH="1" rot="16200000">
-            <a:off x="9991069" y="3601645"/>
-            <a:ext cx="1713090" cy="1270001"/>
-          </a:xfrm>
-          <a:prstGeom prst="rightArrow">
-            <a:avLst>
-              <a:gd name="adj1" fmla="val 32000"/>
-              <a:gd name="adj2" fmla="val 64000"/>
-            </a:avLst>
-          </a:prstGeom>
-          <a:solidFill>
-            <a:schemeClr val="accent5"/>
-          </a:solidFill>
-          <a:ln w="12700">
-            <a:miter lim="400000"/>
-          </a:ln>
-        </p:spPr>
-        <p:txBody>
-          <a:bodyPr lIns="50800" tIns="50800" rIns="50800" bIns="50800" anchor="ctr"/>
-          <a:lstStyle/>
-          <a:p>
-            <a:pPr algn="ctr">
-              <a:lnSpc>
-                <a:spcPct val="80000"/>
-              </a:lnSpc>
-              <a:spcBef>
-                <a:spcPts val="0"/>
-              </a:spcBef>
-              <a:defRPr cap="all" sz="2800">
-                <a:solidFill>
-                  <a:srgbClr val="FFFFFF"/>
-                </a:solidFill>
-                <a:latin typeface="+mn-lt"/>
-                <a:ea typeface="+mn-ea"/>
-                <a:cs typeface="+mn-cs"/>
-                <a:sym typeface="DIN Condensed"/>
-              </a:defRPr>
-            </a:pPr>
+              <a:t>pd.DataFrame.from_dict(dict_list)</a:t>
+            </a:r>
           </a:p>
         </p:txBody>
       </p:sp>
@@ -8922,31 +8229,109 @@
           <a:chExt cx="0" cy="0"/>
         </a:xfrm>
       </p:grpSpPr>
-      <p:pic>
-        <p:nvPicPr>
-          <p:cNvPr id="209" name="lorenz_attractor.png"/>
-          <p:cNvPicPr>
-            <a:picLocks noChangeAspect="1"/>
-          </p:cNvPicPr>
-          <p:nvPr>
-            <p:ph type="pic" idx="13"/>
-          </p:nvPr>
-        </p:nvPicPr>
-        <p:blipFill>
-          <a:blip r:embed="rId2">
-            <a:extLst/>
-          </a:blip>
-          <a:srcRect l="2867" t="6795" r="2867" b="6795"/>
-          <a:stretch>
-            <a:fillRect/>
-          </a:stretch>
-        </p:blipFill>
-        <p:spPr>
-          <a:prstGeom prst="rect">
-            <a:avLst/>
-          </a:prstGeom>
-        </p:spPr>
-      </p:pic>
+      <p:sp>
+        <p:nvSpPr>
+          <p:cNvPr id="208" name="Shape 208"/>
+          <p:cNvSpPr/>
+          <p:nvPr>
+            <p:ph type="title"/>
+          </p:nvPr>
+        </p:nvSpPr>
+        <p:spPr>
+          <a:xfrm>
+            <a:off x="406400" y="1536700"/>
+            <a:ext cx="12192000" cy="1169261"/>
+          </a:xfrm>
+          <a:prstGeom prst="rect">
+            <a:avLst/>
+          </a:prstGeom>
+        </p:spPr>
+        <p:txBody>
+          <a:bodyPr/>
+          <a:lstStyle>
+            <a:lvl1pPr defTabSz="403097">
+              <a:spcBef>
+                <a:spcPts val="1900"/>
+              </a:spcBef>
+              <a:defRPr sz="8200"/>
+            </a:lvl1pPr>
+          </a:lstStyle>
+          <a:p>
+            <a:pPr/>
+            <a:r>
+              <a:t>API</a:t>
+            </a:r>
+          </a:p>
+        </p:txBody>
+      </p:sp>
+      <p:sp>
+        <p:nvSpPr>
+          <p:cNvPr id="209" name="Shape 209"/>
+          <p:cNvSpPr/>
+          <p:nvPr>
+            <p:ph type="body" sz="half" idx="1"/>
+          </p:nvPr>
+        </p:nvSpPr>
+        <p:spPr>
+          <a:xfrm>
+            <a:off x="406400" y="3953767"/>
+            <a:ext cx="12192000" cy="2531602"/>
+          </a:xfrm>
+          <a:prstGeom prst="rect">
+            <a:avLst/>
+          </a:prstGeom>
+        </p:spPr>
+        <p:txBody>
+          <a:bodyPr anchor="t"/>
+          <a:lstStyle/>
+          <a:p>
+            <a:pPr marL="614194" indent="-614194" defTabSz="508254">
+              <a:lnSpc>
+                <a:spcPct val="100000"/>
+              </a:lnSpc>
+              <a:spcBef>
+                <a:spcPts val="2400"/>
+              </a:spcBef>
+              <a:buSzPct val="40000"/>
+              <a:buBlip>
+                <a:blip r:embed="rId2"/>
+              </a:buBlip>
+              <a:defRPr cap="none" spc="0" sz="5500">
+                <a:latin typeface="Avenir Next Medium"/>
+                <a:ea typeface="Avenir Next Medium"/>
+                <a:cs typeface="Avenir Next Medium"/>
+                <a:sym typeface="Avenir Next Medium"/>
+              </a:defRPr>
+            </a:pPr>
+            <a:r>
+              <a:t>Application Programming Interface</a:t>
+            </a:r>
+          </a:p>
+          <a:p>
+            <a:pPr marL="614194" indent="-614194" defTabSz="508254">
+              <a:lnSpc>
+                <a:spcPct val="200000"/>
+              </a:lnSpc>
+              <a:spcBef>
+                <a:spcPts val="2400"/>
+              </a:spcBef>
+              <a:buSzPct val="40000"/>
+              <a:buBlip>
+                <a:blip r:embed="rId2"/>
+              </a:buBlip>
+              <a:defRPr cap="none" spc="0" sz="5500">
+                <a:latin typeface="Avenir Next Medium"/>
+                <a:ea typeface="Avenir Next Medium"/>
+                <a:cs typeface="Avenir Next Medium"/>
+                <a:sym typeface="Avenir Next Medium"/>
+              </a:defRPr>
+            </a:pPr>
+            <a:r>
+              <a:t>website for programs — no visuals </a:t>
+            </a:r>
+          </a:p>
+        </p:txBody>
+      </p:sp>
     </p:spTree>
   </p:cSld>
   <p:clrMapOvr>
@@ -8973,35 +8358,34 @@
           <a:chExt cx="0" cy="0"/>
         </a:xfrm>
       </p:grpSpPr>
-      <p:pic>
-        <p:nvPicPr>
-          <p:cNvPr id="313" name="pasted-image.png"/>
-          <p:cNvPicPr>
-            <a:picLocks noChangeAspect="1"/>
-          </p:cNvPicPr>
-          <p:nvPr/>
-        </p:nvPicPr>
-        <p:blipFill>
-          <a:blip r:embed="rId2">
-            <a:extLst/>
-          </a:blip>
-          <a:stretch>
-            <a:fillRect/>
-          </a:stretch>
-        </p:blipFill>
-        <p:spPr>
-          <a:xfrm>
-            <a:off x="621384" y="626828"/>
-            <a:ext cx="11762032" cy="8821525"/>
-          </a:xfrm>
-          <a:prstGeom prst="rect">
-            <a:avLst/>
-          </a:prstGeom>
-          <a:ln w="12700">
-            <a:miter lim="400000"/>
-          </a:ln>
-        </p:spPr>
-      </p:pic>
+      <p:sp>
+        <p:nvSpPr>
+          <p:cNvPr id="290" name="Shape 290"/>
+          <p:cNvSpPr/>
+          <p:nvPr>
+            <p:ph type="title"/>
+          </p:nvPr>
+        </p:nvSpPr>
+        <p:spPr>
+          <a:xfrm>
+            <a:off x="928899" y="4038600"/>
+            <a:ext cx="11388239" cy="4521200"/>
+          </a:xfrm>
+          <a:prstGeom prst="rect">
+            <a:avLst/>
+          </a:prstGeom>
+        </p:spPr>
+        <p:txBody>
+          <a:bodyPr/>
+          <a:lstStyle/>
+          <a:p>
+            <a:pPr/>
+            <a:r>
+              <a:t>Combining Data</a:t>
+            </a:r>
+          </a:p>
+        </p:txBody>
+      </p:sp>
     </p:spTree>
   </p:cSld>
   <p:clrMapOvr>
@@ -9030,13 +8414,52 @@
       </p:grpSpPr>
       <p:sp>
         <p:nvSpPr>
-          <p:cNvPr id="315" name="Shape 315"/>
-          <p:cNvSpPr/>
-          <p:nvPr>
-            <p:ph type="body" idx="13"/>
-          </p:nvPr>
-        </p:nvSpPr>
-        <p:spPr>
+          <p:cNvPr id="292" name="Shape 292"/>
+          <p:cNvSpPr/>
+          <p:nvPr>
+            <p:ph type="title"/>
+          </p:nvPr>
+        </p:nvSpPr>
+        <p:spPr>
+          <a:xfrm>
+            <a:off x="406400" y="1536700"/>
+            <a:ext cx="12192000" cy="1169260"/>
+          </a:xfrm>
+          <a:prstGeom prst="rect">
+            <a:avLst/>
+          </a:prstGeom>
+        </p:spPr>
+        <p:txBody>
+          <a:bodyPr/>
+          <a:lstStyle>
+            <a:lvl1pPr defTabSz="403097">
+              <a:spcBef>
+                <a:spcPts val="1900"/>
+              </a:spcBef>
+              <a:defRPr sz="8280"/>
+            </a:lvl1pPr>
+          </a:lstStyle>
+          <a:p>
+            <a:pPr/>
+            <a:r>
+              <a:t>Basic plotting</a:t>
+            </a:r>
+          </a:p>
+        </p:txBody>
+      </p:sp>
+      <p:sp>
+        <p:nvSpPr>
+          <p:cNvPr id="293" name="Shape 293"/>
+          <p:cNvSpPr/>
+          <p:nvPr>
+            <p:ph type="body" sz="half" idx="1"/>
+          </p:nvPr>
+        </p:nvSpPr>
+        <p:spPr>
+          <a:xfrm>
+            <a:off x="406400" y="3953767"/>
+            <a:ext cx="12192000" cy="2531601"/>
+          </a:xfrm>
           <a:prstGeom prst="rect">
             <a:avLst/>
           </a:prstGeom>
@@ -9045,42 +8468,41 @@
           <a:bodyPr/>
           <a:lstStyle/>
           <a:p>
-            <a:pPr/>
-            <a:r>
-              <a:t>Text</a:t>
-            </a:r>
-          </a:p>
-        </p:txBody>
-      </p:sp>
-      <p:pic>
-        <p:nvPicPr>
-          <p:cNvPr id="316" name="Screen Shot 2019-04-11 at 5.04.11 PM.png"/>
-          <p:cNvPicPr>
-            <a:picLocks noChangeAspect="1"/>
-          </p:cNvPicPr>
-          <p:nvPr/>
-        </p:nvPicPr>
-        <p:blipFill>
-          <a:blip r:embed="rId2">
-            <a:extLst/>
-          </a:blip>
-          <a:stretch>
-            <a:fillRect/>
-          </a:stretch>
-        </p:blipFill>
-        <p:spPr>
-          <a:xfrm>
-            <a:off x="914399" y="1004630"/>
-            <a:ext cx="11176001" cy="6990233"/>
-          </a:xfrm>
-          <a:prstGeom prst="rect">
-            <a:avLst/>
-          </a:prstGeom>
-          <a:ln w="12700">
-            <a:miter lim="400000"/>
-          </a:ln>
-        </p:spPr>
-      </p:pic>
+            <a:pPr marL="649492" indent="-649492" defTabSz="537463">
+              <a:spcBef>
+                <a:spcPts val="2500"/>
+              </a:spcBef>
+              <a:buClrTx/>
+              <a:buSzPct val="40000"/>
+              <a:buFontTx/>
+              <a:buBlip>
+                <a:blip r:embed="rId2"/>
+              </a:buBlip>
+              <a:defRPr sz="5888"/>
+            </a:pPr>
+            <a:r>
+              <a:t>requires: %matplotlib inline</a:t>
+            </a:r>
+          </a:p>
+          <a:p>
+            <a:pPr marL="649492" indent="-649492" defTabSz="537463">
+              <a:spcBef>
+                <a:spcPts val="2500"/>
+              </a:spcBef>
+              <a:buClrTx/>
+              <a:buSzPct val="40000"/>
+              <a:buFontTx/>
+              <a:buBlip>
+                <a:blip r:embed="rId2"/>
+              </a:buBlip>
+              <a:defRPr sz="5888"/>
+            </a:pPr>
+            <a:r>
+              <a:t>Index as X-axis, columns as Y-axis</a:t>
+            </a:r>
+          </a:p>
+        </p:txBody>
+      </p:sp>
     </p:spTree>
   </p:cSld>
   <p:clrMapOvr>
@@ -9109,7 +8531,7 @@
       </p:grpSpPr>
       <p:sp>
         <p:nvSpPr>
-          <p:cNvPr id="318" name="Shape 318"/>
+          <p:cNvPr id="295" name="Shape 295"/>
           <p:cNvSpPr/>
           <p:nvPr>
             <p:ph type="title"/>
@@ -9117,8 +8539,8 @@
         </p:nvSpPr>
         <p:spPr>
           <a:xfrm>
-            <a:off x="3318085" y="4128458"/>
-            <a:ext cx="6368631" cy="1982356"/>
+            <a:off x="406400" y="1536700"/>
+            <a:ext cx="12192000" cy="1169260"/>
           </a:xfrm>
           <a:prstGeom prst="rect">
             <a:avLst/>
@@ -9127,14 +8549,62 @@
         <p:txBody>
           <a:bodyPr/>
           <a:lstStyle>
-            <a:lvl1pPr defTabSz="502412">
-              <a:defRPr sz="14620"/>
+            <a:lvl1pPr defTabSz="403097">
+              <a:spcBef>
+                <a:spcPts val="1900"/>
+              </a:spcBef>
+              <a:defRPr sz="8280"/>
             </a:lvl1pPr>
           </a:lstStyle>
           <a:p>
             <a:pPr/>
             <a:r>
-              <a:t>Exercises</a:t>
+              <a:t>Plotting</a:t>
+            </a:r>
+          </a:p>
+        </p:txBody>
+      </p:sp>
+      <p:sp>
+        <p:nvSpPr>
+          <p:cNvPr id="296" name="Shape 296"/>
+          <p:cNvSpPr/>
+          <p:nvPr/>
+        </p:nvSpPr>
+        <p:spPr>
+          <a:xfrm>
+            <a:off x="763759" y="4925950"/>
+            <a:ext cx="4482034" cy="1168401"/>
+          </a:xfrm>
+          <a:prstGeom prst="rect">
+            <a:avLst/>
+          </a:prstGeom>
+          <a:ln w="12700">
+            <a:miter lim="400000"/>
+          </a:ln>
+          <a:extLst>
+            <a:ext uri="{C572A759-6A51-4108-AA02-DFA0A04FC94B}">
+              <ma14:wrappingTextBoxFlag xmlns:ma14="http://schemas.microsoft.com/office/mac/drawingml/2011/main" val="1"/>
+            </a:ext>
+          </a:extLst>
+        </p:spPr>
+        <p:txBody>
+          <a:bodyPr wrap="none" lIns="50800" tIns="50800" rIns="50800" bIns="50800" anchor="ctr">
+            <a:spAutoFit/>
+          </a:bodyPr>
+          <a:lstStyle>
+            <a:lvl1pPr>
+              <a:defRPr sz="7000">
+                <a:latin typeface="Anonymous Pro for Powerline"/>
+                <a:ea typeface="Anonymous Pro for Powerline"/>
+                <a:cs typeface="Anonymous Pro for Powerline"/>
+                <a:sym typeface="Anonymous Pro for Powerline"/>
+              </a:defRPr>
+            </a:lvl1pPr>
+          </a:lstStyle>
+          <a:p>
+            <a:pPr/>
+            <a:r>
+              <a:t>df.plot()</a:t>
             </a:r>
           </a:p>
         </p:txBody>
@@ -9151,6 +8621,13 @@
 <file path=ppt/slides/slide33.xml><?xml version="1.0" encoding="utf-8"?>
 <p:sld xmlns:a="http://schemas.openxmlformats.org/drawingml/2006/main" xmlns:r="http://schemas.openxmlformats.org/officeDocument/2006/relationships" xmlns:p="http://schemas.openxmlformats.org/presentationml/2006/main" showMasterSp="1" showMasterPhAnim="1">
   <p:cSld>
+    <p:bg>
+      <p:bgPr>
+        <a:solidFill>
+          <a:srgbClr val="FFFFFF"/>
+        </a:solidFill>
+      </p:bgPr>
+    </p:bg>
     <p:spTree>
       <p:nvGrpSpPr>
         <p:cNvPr id="1" name=""/>
@@ -9167,7 +8644,7 @@
       </p:grpSpPr>
       <p:pic>
         <p:nvPicPr>
-          <p:cNvPr id="320" name="pasted-image.png"/>
+          <p:cNvPr id="298" name="pasted-image.tiff"/>
           <p:cNvPicPr>
             <a:picLocks noChangeAspect="1"/>
           </p:cNvPicPr>
@@ -9183,8 +8660,8 @@
         </p:blipFill>
         <p:spPr>
           <a:xfrm>
-            <a:off x="1346200" y="990600"/>
-            <a:ext cx="10312400" cy="7772400"/>
+            <a:off x="204046" y="1338150"/>
+            <a:ext cx="11599307" cy="8101103"/>
           </a:xfrm>
           <a:prstGeom prst="rect">
             <a:avLst/>
@@ -9222,10 +8699,10 @@
       </p:grpSpPr>
       <p:sp>
         <p:nvSpPr>
-          <p:cNvPr id="322" name="Shape 322"/>
-          <p:cNvSpPr/>
-          <p:nvPr>
-            <p:ph type="body" idx="13"/>
+          <p:cNvPr id="300" name="Shape 300"/>
+          <p:cNvSpPr/>
+          <p:nvPr>
+            <p:ph type="ctrTitle"/>
           </p:nvPr>
         </p:nvSpPr>
         <p:spPr>
@@ -9239,40 +8716,35 @@
           <a:p>
             <a:pPr/>
             <a:r>
-              <a:t>Text</a:t>
-            </a:r>
-          </a:p>
-        </p:txBody>
-      </p:sp>
-      <p:pic>
-        <p:nvPicPr>
-          <p:cNvPr id="323" name="pasted-image.png"/>
-          <p:cNvPicPr>
-            <a:picLocks noChangeAspect="1"/>
-          </p:cNvPicPr>
-          <p:nvPr/>
-        </p:nvPicPr>
-        <p:blipFill>
-          <a:blip r:embed="rId2">
-            <a:extLst/>
-          </a:blip>
-          <a:stretch>
-            <a:fillRect/>
-          </a:stretch>
-        </p:blipFill>
-        <p:spPr>
-          <a:xfrm>
-            <a:off x="417563" y="1013165"/>
-            <a:ext cx="12169673" cy="7410860"/>
-          </a:xfrm>
-          <a:prstGeom prst="rect">
-            <a:avLst/>
-          </a:prstGeom>
-          <a:ln w="12700">
-            <a:miter lim="400000"/>
-          </a:ln>
-        </p:spPr>
-      </p:pic>
+              <a:t>Matplotlib</a:t>
+            </a:r>
+          </a:p>
+        </p:txBody>
+      </p:sp>
+      <p:sp>
+        <p:nvSpPr>
+          <p:cNvPr id="301" name="Shape 301"/>
+          <p:cNvSpPr/>
+          <p:nvPr>
+            <p:ph type="subTitle" sz="quarter" idx="1"/>
+          </p:nvPr>
+        </p:nvSpPr>
+        <p:spPr>
+          <a:prstGeom prst="rect">
+            <a:avLst/>
+          </a:prstGeom>
+        </p:spPr>
+        <p:txBody>
+          <a:bodyPr/>
+          <a:lstStyle/>
+          <a:p>
+            <a:pPr/>
+            <a:r>
+              <a:t>Intro to Data Visualization with</a:t>
+            </a:r>
+          </a:p>
+        </p:txBody>
+      </p:sp>
     </p:spTree>
   </p:cSld>
   <p:clrMapOvr>
@@ -9299,107 +8771,31 @@
           <a:chExt cx="0" cy="0"/>
         </a:xfrm>
       </p:grpSpPr>
-      <p:sp>
-        <p:nvSpPr>
-          <p:cNvPr id="325" name="Shape 325"/>
-          <p:cNvSpPr/>
-          <p:nvPr>
-            <p:ph type="body" idx="13"/>
-          </p:nvPr>
-        </p:nvSpPr>
-        <p:spPr>
-          <a:prstGeom prst="rect">
-            <a:avLst/>
-          </a:prstGeom>
-        </p:spPr>
-        <p:txBody>
-          <a:bodyPr/>
-          <a:lstStyle/>
-          <a:p>
-            <a:pPr/>
-            <a:r>
-              <a:t>Text</a:t>
-            </a:r>
-          </a:p>
-        </p:txBody>
-      </p:sp>
       <p:pic>
         <p:nvPicPr>
-          <p:cNvPr id="326" name="pasted-image.png"/>
+          <p:cNvPr id="303" name="lorenz_attractor.png"/>
           <p:cNvPicPr>
             <a:picLocks noChangeAspect="1"/>
           </p:cNvPicPr>
-          <p:nvPr/>
+          <p:nvPr>
+            <p:ph type="pic" idx="13"/>
+          </p:nvPr>
         </p:nvPicPr>
         <p:blipFill>
           <a:blip r:embed="rId2">
             <a:extLst/>
           </a:blip>
+          <a:srcRect l="2867" t="6795" r="2867" b="6795"/>
           <a:stretch>
             <a:fillRect/>
           </a:stretch>
         </p:blipFill>
         <p:spPr>
-          <a:xfrm>
-            <a:off x="417563" y="1013165"/>
-            <a:ext cx="12169673" cy="7410860"/>
-          </a:xfrm>
-          <a:prstGeom prst="rect">
-            <a:avLst/>
-          </a:prstGeom>
-          <a:ln w="12700">
-            <a:miter lim="400000"/>
-          </a:ln>
+          <a:prstGeom prst="rect">
+            <a:avLst/>
+          </a:prstGeom>
         </p:spPr>
       </p:pic>
-      <p:sp>
-        <p:nvSpPr>
-          <p:cNvPr id="327" name="Shape 327"/>
-          <p:cNvSpPr/>
-          <p:nvPr/>
-        </p:nvSpPr>
-        <p:spPr>
-          <a:xfrm>
-            <a:off x="1302905" y="7160583"/>
-            <a:ext cx="3548115" cy="1270001"/>
-          </a:xfrm>
-          <a:prstGeom prst="rightArrow">
-            <a:avLst>
-              <a:gd name="adj1" fmla="val 32000"/>
-              <a:gd name="adj2" fmla="val 64000"/>
-            </a:avLst>
-          </a:prstGeom>
-          <a:solidFill>
-            <a:schemeClr val="accent5"/>
-          </a:solidFill>
-          <a:ln w="12700">
-            <a:miter lim="400000"/>
-          </a:ln>
-        </p:spPr>
-        <p:txBody>
-          <a:bodyPr lIns="50800" tIns="50800" rIns="50800" bIns="50800" anchor="ctr"/>
-          <a:lstStyle/>
-          <a:p>
-            <a:pPr algn="ctr">
-              <a:lnSpc>
-                <a:spcPct val="80000"/>
-              </a:lnSpc>
-              <a:spcBef>
-                <a:spcPts val="0"/>
-              </a:spcBef>
-              <a:defRPr cap="all" sz="2800">
-                <a:solidFill>
-                  <a:srgbClr val="FFFFFF"/>
-                </a:solidFill>
-                <a:latin typeface="+mn-lt"/>
-                <a:ea typeface="+mn-ea"/>
-                <a:cs typeface="+mn-cs"/>
-                <a:sym typeface="DIN Condensed"/>
-              </a:defRPr>
-            </a:pPr>
-          </a:p>
-        </p:txBody>
-      </p:sp>
     </p:spTree>
   </p:cSld>
   <p:clrMapOvr>
@@ -9426,104 +8822,29 @@
           <a:chExt cx="0" cy="0"/>
         </a:xfrm>
       </p:grpSpPr>
-      <p:sp>
-        <p:nvSpPr>
-          <p:cNvPr id="329" name="Shape 329"/>
-          <p:cNvSpPr/>
-          <p:nvPr>
-            <p:ph type="body" idx="13"/>
-          </p:nvPr>
-        </p:nvSpPr>
-        <p:spPr>
-          <a:prstGeom prst="rect">
-            <a:avLst/>
-          </a:prstGeom>
-        </p:spPr>
-        <p:txBody>
-          <a:bodyPr/>
-          <a:lstStyle/>
-          <a:p>
-            <a:pPr/>
-            <a:r>
-              <a:t>Text</a:t>
-            </a:r>
-          </a:p>
-        </p:txBody>
-      </p:sp>
-      <p:sp>
-        <p:nvSpPr>
-          <p:cNvPr id="330" name="Shape 330"/>
-          <p:cNvSpPr/>
-          <p:nvPr>
-            <p:ph type="title"/>
-          </p:nvPr>
-        </p:nvSpPr>
-        <p:spPr>
-          <a:prstGeom prst="rect">
-            <a:avLst/>
-          </a:prstGeom>
-        </p:spPr>
-        <p:txBody>
-          <a:bodyPr/>
-          <a:lstStyle/>
-          <a:p>
-            <a:pPr defTabSz="467359">
-              <a:spcBef>
-                <a:spcPts val="2200"/>
-              </a:spcBef>
-              <a:defRPr sz="4800"/>
-            </a:pPr>
-          </a:p>
-        </p:txBody>
-      </p:sp>
-      <p:sp>
-        <p:nvSpPr>
-          <p:cNvPr id="331" name="Shape 331"/>
-          <p:cNvSpPr/>
-          <p:nvPr>
-            <p:ph type="body" idx="1"/>
-          </p:nvPr>
-        </p:nvSpPr>
-        <p:spPr>
-          <a:prstGeom prst="rect">
-            <a:avLst/>
-          </a:prstGeom>
-        </p:spPr>
-        <p:txBody>
-          <a:bodyPr/>
-          <a:lstStyle/>
-          <a:p>
-            <a:pPr/>
-          </a:p>
-        </p:txBody>
-      </p:sp>
       <p:pic>
         <p:nvPicPr>
-          <p:cNvPr id="332" name="Screen Shot 2019-04-11 at 4.57.49 PM.png"/>
+          <p:cNvPr id="305" name="vector_field.png"/>
           <p:cNvPicPr>
             <a:picLocks noChangeAspect="1"/>
           </p:cNvPicPr>
-          <p:nvPr/>
+          <p:nvPr>
+            <p:ph type="pic" idx="13"/>
+          </p:nvPr>
         </p:nvPicPr>
         <p:blipFill>
           <a:blip r:embed="rId2">
             <a:extLst/>
           </a:blip>
+          <a:srcRect l="0" t="0" r="0" b="0"/>
           <a:stretch>
             <a:fillRect/>
           </a:stretch>
         </p:blipFill>
         <p:spPr>
-          <a:xfrm>
-            <a:off x="0" y="-171450"/>
-            <a:ext cx="13004800" cy="10096500"/>
-          </a:xfrm>
-          <a:prstGeom prst="rect">
-            <a:avLst/>
-          </a:prstGeom>
-          <a:ln w="12700">
-            <a:miter lim="400000"/>
-          </a:ln>
+          <a:prstGeom prst="rect">
+            <a:avLst/>
+          </a:prstGeom>
         </p:spPr>
       </p:pic>
     </p:spTree>
@@ -9535,58 +8856,7 @@
 </p:sld>
 </file>
 
-<file path=ppt/slides/slide4.xml><?xml version="1.0" encoding="utf-8"?>
-<p:sld xmlns:a="http://schemas.openxmlformats.org/drawingml/2006/main" xmlns:r="http://schemas.openxmlformats.org/officeDocument/2006/relationships" xmlns:p="http://schemas.openxmlformats.org/presentationml/2006/main" showMasterSp="1" showMasterPhAnim="1">
-  <p:cSld>
-    <p:spTree>
-      <p:nvGrpSpPr>
-        <p:cNvPr id="1" name=""/>
-        <p:cNvGrpSpPr/>
-        <p:nvPr/>
-      </p:nvGrpSpPr>
-      <p:grpSpPr>
-        <a:xfrm>
-          <a:off x="0" y="0"/>
-          <a:ext cx="0" cy="0"/>
-          <a:chOff x="0" y="0"/>
-          <a:chExt cx="0" cy="0"/>
-        </a:xfrm>
-      </p:grpSpPr>
-      <p:pic>
-        <p:nvPicPr>
-          <p:cNvPr id="211" name="vector_field.png"/>
-          <p:cNvPicPr>
-            <a:picLocks noChangeAspect="1"/>
-          </p:cNvPicPr>
-          <p:nvPr>
-            <p:ph type="pic" idx="13"/>
-          </p:nvPr>
-        </p:nvPicPr>
-        <p:blipFill>
-          <a:blip r:embed="rId2">
-            <a:extLst/>
-          </a:blip>
-          <a:srcRect l="0" t="0" r="0" b="0"/>
-          <a:stretch>
-            <a:fillRect/>
-          </a:stretch>
-        </p:blipFill>
-        <p:spPr>
-          <a:prstGeom prst="rect">
-            <a:avLst/>
-          </a:prstGeom>
-        </p:spPr>
-      </p:pic>
-    </p:spTree>
-  </p:cSld>
-  <p:clrMapOvr>
-    <a:masterClrMapping/>
-  </p:clrMapOvr>
-  <p:transition xmlns:p14="http://schemas.microsoft.com/office/powerpoint/2010/main" spd="med" advClick="1"/>
-</p:sld>
-</file>
-
-<file path=ppt/slides/slide5.xml><?xml version="1.0" encoding="utf-8"?>
+<file path=ppt/slides/slide37.xml><?xml version="1.0" encoding="utf-8"?>
 <p:sld xmlns:a="http://schemas.openxmlformats.org/drawingml/2006/main" xmlns:r="http://schemas.openxmlformats.org/officeDocument/2006/relationships" xmlns:p="http://schemas.openxmlformats.org/presentationml/2006/main" showMasterSp="1" showMasterPhAnim="1">
   <p:cSld>
     <p:bg>
@@ -9612,7 +8882,7 @@
       </p:grpSpPr>
       <p:pic>
         <p:nvPicPr>
-          <p:cNvPr id="213" name="Screen Shot 2018-11-08 at 7.55.58 PM.png"/>
+          <p:cNvPr id="307" name="Screen Shot 2018-11-08 at 7.55.58 PM.png"/>
           <p:cNvPicPr>
             <a:picLocks noChangeAspect="1"/>
           </p:cNvPicPr>
@@ -9648,7 +8918,7 @@
 </p:sld>
 </file>
 
-<file path=ppt/slides/slide6.xml><?xml version="1.0" encoding="utf-8"?>
+<file path=ppt/slides/slide38.xml><?xml version="1.0" encoding="utf-8"?>
 <p:sld xmlns:a="http://schemas.openxmlformats.org/drawingml/2006/main" xmlns:r="http://schemas.openxmlformats.org/officeDocument/2006/relationships" xmlns:p="http://schemas.openxmlformats.org/presentationml/2006/main" showMasterSp="1" showMasterPhAnim="1">
   <p:cSld>
     <p:bg>
@@ -9674,7 +8944,7 @@
       </p:grpSpPr>
       <p:pic>
         <p:nvPicPr>
-          <p:cNvPr id="215" name="Screen Shot 2018-11-08 at 8.08.44 PM.png"/>
+          <p:cNvPr id="309" name="Screen Shot 2018-11-08 at 8.08.44 PM.png"/>
           <p:cNvPicPr>
             <a:picLocks noChangeAspect="1"/>
           </p:cNvPicPr>
@@ -9692,6 +8962,4311 @@
           <a:xfrm>
             <a:off x="132702" y="786178"/>
             <a:ext cx="13004801" cy="8845906"/>
+          </a:xfrm>
+          <a:prstGeom prst="rect">
+            <a:avLst/>
+          </a:prstGeom>
+          <a:ln w="12700">
+            <a:miter lim="400000"/>
+          </a:ln>
+        </p:spPr>
+      </p:pic>
+    </p:spTree>
+  </p:cSld>
+  <p:clrMapOvr>
+    <a:masterClrMapping/>
+  </p:clrMapOvr>
+  <p:transition xmlns:p14="http://schemas.microsoft.com/office/powerpoint/2010/main" spd="med" advClick="1"/>
+</p:sld>
+</file>
+
+<file path=ppt/slides/slide39.xml><?xml version="1.0" encoding="utf-8"?>
+<p:sld xmlns:a="http://schemas.openxmlformats.org/drawingml/2006/main" xmlns:r="http://schemas.openxmlformats.org/officeDocument/2006/relationships" xmlns:p="http://schemas.openxmlformats.org/presentationml/2006/main" showMasterSp="1" showMasterPhAnim="1">
+  <p:cSld>
+    <p:spTree>
+      <p:nvGrpSpPr>
+        <p:cNvPr id="1" name=""/>
+        <p:cNvGrpSpPr/>
+        <p:nvPr/>
+      </p:nvGrpSpPr>
+      <p:grpSpPr>
+        <a:xfrm>
+          <a:off x="0" y="0"/>
+          <a:ext cx="0" cy="0"/>
+          <a:chOff x="0" y="0"/>
+          <a:chExt cx="0" cy="0"/>
+        </a:xfrm>
+      </p:grpSpPr>
+      <p:sp>
+        <p:nvSpPr>
+          <p:cNvPr id="311" name="Shape 311"/>
+          <p:cNvSpPr/>
+          <p:nvPr>
+            <p:ph type="title"/>
+          </p:nvPr>
+        </p:nvSpPr>
+        <p:spPr>
+          <a:prstGeom prst="rect">
+            <a:avLst/>
+          </a:prstGeom>
+        </p:spPr>
+        <p:txBody>
+          <a:bodyPr/>
+          <a:lstStyle/>
+          <a:p>
+            <a:pPr/>
+            <a:r>
+              <a:t>Goal for Today’s lesson</a:t>
+            </a:r>
+          </a:p>
+        </p:txBody>
+      </p:sp>
+    </p:spTree>
+  </p:cSld>
+  <p:clrMapOvr>
+    <a:masterClrMapping/>
+  </p:clrMapOvr>
+  <p:transition xmlns:p14="http://schemas.microsoft.com/office/powerpoint/2010/main" spd="med" advClick="1"/>
+</p:sld>
+</file>
+
+<file path=ppt/slides/slide4.xml><?xml version="1.0" encoding="utf-8"?>
+<p:sld xmlns:a="http://schemas.openxmlformats.org/drawingml/2006/main" xmlns:r="http://schemas.openxmlformats.org/officeDocument/2006/relationships" xmlns:p="http://schemas.openxmlformats.org/presentationml/2006/main" showMasterSp="1" showMasterPhAnim="1">
+  <p:cSld>
+    <p:bg>
+      <p:bgPr>
+        <a:blipFill rotWithShape="1">
+          <a:blip r:embed="rId2"/>
+          <a:srcRect l="0" t="0" r="0" b="0"/>
+          <a:stretch>
+            <a:fillRect/>
+          </a:stretch>
+        </a:blipFill>
+      </p:bgPr>
+    </p:bg>
+    <p:spTree>
+      <p:nvGrpSpPr>
+        <p:cNvPr id="1" name=""/>
+        <p:cNvGrpSpPr/>
+        <p:nvPr/>
+      </p:nvGrpSpPr>
+      <p:grpSpPr>
+        <a:xfrm>
+          <a:off x="0" y="0"/>
+          <a:ext cx="0" cy="0"/>
+          <a:chOff x="0" y="0"/>
+          <a:chExt cx="0" cy="0"/>
+        </a:xfrm>
+      </p:grpSpPr>
+    </p:spTree>
+  </p:cSld>
+  <p:clrMapOvr>
+    <a:masterClrMapping/>
+  </p:clrMapOvr>
+  <p:transition xmlns:p14="http://schemas.microsoft.com/office/powerpoint/2010/main" spd="med" advClick="1"/>
+</p:sld>
+</file>
+
+<file path=ppt/slides/slide40.xml><?xml version="1.0" encoding="utf-8"?>
+<p:sld xmlns:a="http://schemas.openxmlformats.org/drawingml/2006/main" xmlns:r="http://schemas.openxmlformats.org/officeDocument/2006/relationships" xmlns:p="http://schemas.openxmlformats.org/presentationml/2006/main" showMasterSp="1" showMasterPhAnim="1">
+  <p:cSld>
+    <p:spTree>
+      <p:nvGrpSpPr>
+        <p:cNvPr id="1" name=""/>
+        <p:cNvGrpSpPr/>
+        <p:nvPr/>
+      </p:nvGrpSpPr>
+      <p:grpSpPr>
+        <a:xfrm>
+          <a:off x="0" y="0"/>
+          <a:ext cx="0" cy="0"/>
+          <a:chOff x="0" y="0"/>
+          <a:chExt cx="0" cy="0"/>
+        </a:xfrm>
+      </p:grpSpPr>
+      <p:sp>
+        <p:nvSpPr>
+          <p:cNvPr id="313" name="Shape 313"/>
+          <p:cNvSpPr/>
+          <p:nvPr>
+            <p:ph type="title"/>
+          </p:nvPr>
+        </p:nvSpPr>
+        <p:spPr>
+          <a:xfrm>
+            <a:off x="406400" y="1536700"/>
+            <a:ext cx="12192000" cy="1169261"/>
+          </a:xfrm>
+          <a:prstGeom prst="rect">
+            <a:avLst/>
+          </a:prstGeom>
+        </p:spPr>
+        <p:txBody>
+          <a:bodyPr/>
+          <a:lstStyle>
+            <a:lvl1pPr defTabSz="403097">
+              <a:spcBef>
+                <a:spcPts val="1900"/>
+              </a:spcBef>
+              <a:defRPr sz="8200"/>
+            </a:lvl1pPr>
+          </a:lstStyle>
+          <a:p>
+            <a:pPr/>
+            <a:r>
+              <a:t>Graphs</a:t>
+            </a:r>
+          </a:p>
+        </p:txBody>
+      </p:sp>
+      <p:sp>
+        <p:nvSpPr>
+          <p:cNvPr id="314" name="Shape 314"/>
+          <p:cNvSpPr/>
+          <p:nvPr>
+            <p:ph type="body" idx="1"/>
+          </p:nvPr>
+        </p:nvSpPr>
+        <p:spPr>
+          <a:xfrm>
+            <a:off x="406400" y="3953767"/>
+            <a:ext cx="12192000" cy="4909099"/>
+          </a:xfrm>
+          <a:prstGeom prst="rect">
+            <a:avLst/>
+          </a:prstGeom>
+        </p:spPr>
+        <p:txBody>
+          <a:bodyPr anchor="t"/>
+          <a:lstStyle/>
+          <a:p>
+            <a:pPr marL="663612" indent="-663612" defTabSz="549148">
+              <a:lnSpc>
+                <a:spcPct val="100000"/>
+              </a:lnSpc>
+              <a:spcBef>
+                <a:spcPts val="2600"/>
+              </a:spcBef>
+              <a:buSzPct val="40000"/>
+              <a:buBlip>
+                <a:blip r:embed="rId2"/>
+              </a:buBlip>
+              <a:defRPr cap="none" spc="0" sz="6000">
+                <a:latin typeface="Avenir Next Medium"/>
+                <a:ea typeface="Avenir Next Medium"/>
+                <a:cs typeface="Avenir Next Medium"/>
+                <a:sym typeface="Avenir Next Medium"/>
+              </a:defRPr>
+            </a:pPr>
+            <a:r>
+              <a:t>Bar charts</a:t>
+            </a:r>
+          </a:p>
+          <a:p>
+            <a:pPr marL="663612" indent="-663612" defTabSz="549148">
+              <a:lnSpc>
+                <a:spcPct val="100000"/>
+              </a:lnSpc>
+              <a:spcBef>
+                <a:spcPts val="2600"/>
+              </a:spcBef>
+              <a:buSzPct val="40000"/>
+              <a:buBlip>
+                <a:blip r:embed="rId2"/>
+              </a:buBlip>
+              <a:defRPr cap="none" spc="0" sz="6000">
+                <a:latin typeface="Avenir Next Medium"/>
+                <a:ea typeface="Avenir Next Medium"/>
+                <a:cs typeface="Avenir Next Medium"/>
+                <a:sym typeface="Avenir Next Medium"/>
+              </a:defRPr>
+            </a:pPr>
+            <a:r>
+              <a:t>Scatter plots</a:t>
+            </a:r>
+          </a:p>
+          <a:p>
+            <a:pPr marL="663612" indent="-663612" defTabSz="549148">
+              <a:lnSpc>
+                <a:spcPct val="100000"/>
+              </a:lnSpc>
+              <a:spcBef>
+                <a:spcPts val="2600"/>
+              </a:spcBef>
+              <a:buSzPct val="40000"/>
+              <a:buBlip>
+                <a:blip r:embed="rId2"/>
+              </a:buBlip>
+              <a:defRPr cap="none" spc="0" sz="6000">
+                <a:latin typeface="Avenir Next Medium"/>
+                <a:ea typeface="Avenir Next Medium"/>
+                <a:cs typeface="Avenir Next Medium"/>
+                <a:sym typeface="Avenir Next Medium"/>
+              </a:defRPr>
+            </a:pPr>
+            <a:r>
+              <a:t>Histograms</a:t>
+            </a:r>
+          </a:p>
+        </p:txBody>
+      </p:sp>
+    </p:spTree>
+  </p:cSld>
+  <p:clrMapOvr>
+    <a:masterClrMapping/>
+  </p:clrMapOvr>
+  <p:transition xmlns:p14="http://schemas.microsoft.com/office/powerpoint/2010/main" spd="med" advClick="1"/>
+</p:sld>
+</file>
+
+<file path=ppt/slides/slide41.xml><?xml version="1.0" encoding="utf-8"?>
+<p:sld xmlns:a="http://schemas.openxmlformats.org/drawingml/2006/main" xmlns:r="http://schemas.openxmlformats.org/officeDocument/2006/relationships" xmlns:p="http://schemas.openxmlformats.org/presentationml/2006/main" showMasterSp="1" showMasterPhAnim="1">
+  <p:cSld>
+    <p:bg>
+      <p:bgPr>
+        <a:solidFill>
+          <a:srgbClr val="000000"/>
+        </a:solidFill>
+      </p:bgPr>
+    </p:bg>
+    <p:spTree>
+      <p:nvGrpSpPr>
+        <p:cNvPr id="1" name=""/>
+        <p:cNvGrpSpPr/>
+        <p:nvPr/>
+      </p:nvGrpSpPr>
+      <p:grpSpPr>
+        <a:xfrm>
+          <a:off x="0" y="0"/>
+          <a:ext cx="0" cy="0"/>
+          <a:chOff x="0" y="0"/>
+          <a:chExt cx="0" cy="0"/>
+        </a:xfrm>
+      </p:grpSpPr>
+      <p:pic>
+        <p:nvPicPr>
+          <p:cNvPr id="316" name="anatomy.png"/>
+          <p:cNvPicPr>
+            <a:picLocks noChangeAspect="1"/>
+          </p:cNvPicPr>
+          <p:nvPr>
+            <p:ph type="pic" idx="13"/>
+          </p:nvPr>
+        </p:nvPicPr>
+        <p:blipFill>
+          <a:blip r:embed="rId2">
+            <a:extLst/>
+          </a:blip>
+          <a:srcRect l="0" t="0" r="0" b="0"/>
+          <a:stretch>
+            <a:fillRect/>
+          </a:stretch>
+        </p:blipFill>
+        <p:spPr>
+          <a:xfrm>
+            <a:off x="3517900" y="600845"/>
+            <a:ext cx="5969000" cy="5969001"/>
+          </a:xfrm>
+          <a:prstGeom prst="rect">
+            <a:avLst/>
+          </a:prstGeom>
+        </p:spPr>
+      </p:pic>
+      <p:sp>
+        <p:nvSpPr>
+          <p:cNvPr id="317" name="Shape 317"/>
+          <p:cNvSpPr/>
+          <p:nvPr>
+            <p:ph type="title"/>
+          </p:nvPr>
+        </p:nvSpPr>
+        <p:spPr>
+          <a:xfrm>
+            <a:off x="406400" y="7251901"/>
+            <a:ext cx="12192000" cy="2705101"/>
+          </a:xfrm>
+          <a:prstGeom prst="rect">
+            <a:avLst/>
+          </a:prstGeom>
+        </p:spPr>
+        <p:txBody>
+          <a:bodyPr/>
+          <a:lstStyle>
+            <a:lvl1pPr defTabSz="484886">
+              <a:defRPr sz="14109"/>
+            </a:lvl1pPr>
+          </a:lstStyle>
+          <a:p>
+            <a:pPr/>
+            <a:r>
+              <a:t>Anatomy of a Graph</a:t>
+            </a:r>
+          </a:p>
+        </p:txBody>
+      </p:sp>
+    </p:spTree>
+  </p:cSld>
+  <p:clrMapOvr>
+    <a:masterClrMapping/>
+  </p:clrMapOvr>
+  <p:transition xmlns:p14="http://schemas.microsoft.com/office/powerpoint/2010/main" spd="med" advClick="1"/>
+</p:sld>
+</file>
+
+<file path=ppt/slides/slide42.xml><?xml version="1.0" encoding="utf-8"?>
+<p:sld xmlns:a="http://schemas.openxmlformats.org/drawingml/2006/main" xmlns:r="http://schemas.openxmlformats.org/officeDocument/2006/relationships" xmlns:p="http://schemas.openxmlformats.org/presentationml/2006/main" showMasterSp="1" showMasterPhAnim="1">
+  <p:cSld>
+    <p:bg>
+      <p:bgPr>
+        <a:solidFill>
+          <a:srgbClr val="000000"/>
+        </a:solidFill>
+      </p:bgPr>
+    </p:bg>
+    <p:spTree>
+      <p:nvGrpSpPr>
+        <p:cNvPr id="1" name=""/>
+        <p:cNvGrpSpPr/>
+        <p:nvPr/>
+      </p:nvGrpSpPr>
+      <p:grpSpPr>
+        <a:xfrm>
+          <a:off x="0" y="0"/>
+          <a:ext cx="0" cy="0"/>
+          <a:chOff x="0" y="0"/>
+          <a:chExt cx="0" cy="0"/>
+        </a:xfrm>
+      </p:grpSpPr>
+      <p:sp>
+        <p:nvSpPr>
+          <p:cNvPr id="319" name="Shape 319"/>
+          <p:cNvSpPr/>
+          <p:nvPr>
+            <p:ph type="title"/>
+          </p:nvPr>
+        </p:nvSpPr>
+        <p:spPr>
+          <a:prstGeom prst="rect">
+            <a:avLst/>
+          </a:prstGeom>
+        </p:spPr>
+        <p:txBody>
+          <a:bodyPr/>
+          <a:lstStyle>
+            <a:lvl1pPr defTabSz="467359">
+              <a:spcBef>
+                <a:spcPts val="2200"/>
+              </a:spcBef>
+              <a:defRPr sz="4800"/>
+            </a:lvl1pPr>
+          </a:lstStyle>
+          <a:p>
+            <a:pPr/>
+            <a:r>
+              <a:t>The importance of terminology</a:t>
+            </a:r>
+          </a:p>
+        </p:txBody>
+      </p:sp>
+      <p:sp>
+        <p:nvSpPr>
+          <p:cNvPr id="320" name="Shape 320"/>
+          <p:cNvSpPr/>
+          <p:nvPr>
+            <p:ph type="body" sz="quarter" idx="1"/>
+          </p:nvPr>
+        </p:nvSpPr>
+        <p:spPr>
+          <a:xfrm>
+            <a:off x="539102" y="4654550"/>
+            <a:ext cx="12192001" cy="800100"/>
+          </a:xfrm>
+          <a:prstGeom prst="rect">
+            <a:avLst/>
+          </a:prstGeom>
+        </p:spPr>
+        <p:txBody>
+          <a:bodyPr/>
+          <a:lstStyle>
+            <a:lvl1pPr>
+              <a:defRPr sz="3600">
+                <a:solidFill>
+                  <a:srgbClr val="B9BDBF"/>
+                </a:solidFill>
+              </a:defRPr>
+            </a:lvl1pPr>
+          </a:lstStyle>
+          <a:p>
+            <a:pPr/>
+            <a:r>
+              <a:t>Precise terminology now —&gt; less confusion later</a:t>
+            </a:r>
+          </a:p>
+        </p:txBody>
+      </p:sp>
+      <p:sp>
+        <p:nvSpPr>
+          <p:cNvPr id="321" name="Shape 321"/>
+          <p:cNvSpPr/>
+          <p:nvPr/>
+        </p:nvSpPr>
+        <p:spPr>
+          <a:xfrm>
+            <a:off x="589278" y="3732950"/>
+            <a:ext cx="3176093" cy="901701"/>
+          </a:xfrm>
+          <a:prstGeom prst="rect">
+            <a:avLst/>
+          </a:prstGeom>
+          <a:ln w="12700">
+            <a:miter lim="400000"/>
+          </a:ln>
+          <a:extLst>
+            <a:ext uri="{C572A759-6A51-4108-AA02-DFA0A04FC94B}">
+              <ma14:wrappingTextBoxFlag xmlns:ma14="http://schemas.microsoft.com/office/mac/drawingml/2011/main" val="1"/>
+            </a:ext>
+          </a:extLst>
+        </p:spPr>
+        <p:txBody>
+          <a:bodyPr wrap="none" lIns="50800" tIns="50800" rIns="50800" bIns="50800" anchor="ctr">
+            <a:spAutoFit/>
+          </a:bodyPr>
+          <a:lstStyle>
+            <a:lvl1pPr>
+              <a:defRPr sz="4600">
+                <a:solidFill>
+                  <a:srgbClr val="F7FCFF"/>
+                </a:solidFill>
+              </a:defRPr>
+            </a:lvl1pPr>
+          </a:lstStyle>
+          <a:p>
+            <a:pPr/>
+            <a:r>
+              <a:t>Foundation</a:t>
+            </a:r>
+          </a:p>
+        </p:txBody>
+      </p:sp>
+      <p:sp>
+        <p:nvSpPr>
+          <p:cNvPr id="322" name="Shape 322"/>
+          <p:cNvSpPr/>
+          <p:nvPr/>
+        </p:nvSpPr>
+        <p:spPr>
+          <a:xfrm>
+            <a:off x="589278" y="6107000"/>
+            <a:ext cx="2927224" cy="901701"/>
+          </a:xfrm>
+          <a:prstGeom prst="rect">
+            <a:avLst/>
+          </a:prstGeom>
+          <a:ln w="12700">
+            <a:miter lim="400000"/>
+          </a:ln>
+          <a:extLst>
+            <a:ext uri="{C572A759-6A51-4108-AA02-DFA0A04FC94B}">
+              <ma14:wrappingTextBoxFlag xmlns:ma14="http://schemas.microsoft.com/office/mac/drawingml/2011/main" val="1"/>
+            </a:ext>
+          </a:extLst>
+        </p:spPr>
+        <p:txBody>
+          <a:bodyPr wrap="none" lIns="50800" tIns="50800" rIns="50800" bIns="50800" anchor="ctr">
+            <a:spAutoFit/>
+          </a:bodyPr>
+          <a:lstStyle>
+            <a:lvl1pPr>
+              <a:defRPr sz="4600">
+                <a:solidFill>
+                  <a:srgbClr val="F7FCFF"/>
+                </a:solidFill>
+              </a:defRPr>
+            </a:lvl1pPr>
+          </a:lstStyle>
+          <a:p>
+            <a:pPr/>
+            <a:r>
+              <a:t>Autonomy</a:t>
+            </a:r>
+          </a:p>
+        </p:txBody>
+      </p:sp>
+      <p:sp>
+        <p:nvSpPr>
+          <p:cNvPr id="323" name="Shape 323"/>
+          <p:cNvSpPr/>
+          <p:nvPr/>
+        </p:nvSpPr>
+        <p:spPr>
+          <a:xfrm>
+            <a:off x="539102" y="7028600"/>
+            <a:ext cx="12192001" cy="800101"/>
+          </a:xfrm>
+          <a:prstGeom prst="rect">
+            <a:avLst/>
+          </a:prstGeom>
+          <a:ln w="12700">
+            <a:miter lim="400000"/>
+          </a:ln>
+          <a:extLst>
+            <a:ext uri="{C572A759-6A51-4108-AA02-DFA0A04FC94B}">
+              <ma14:wrappingTextBoxFlag xmlns:ma14="http://schemas.microsoft.com/office/mac/drawingml/2011/main" val="1"/>
+            </a:ext>
+          </a:extLst>
+        </p:spPr>
+        <p:txBody>
+          <a:bodyPr lIns="50800" tIns="50800" rIns="50800" bIns="50800">
+            <a:normAutofit fontScale="100000" lnSpcReduction="0"/>
+          </a:bodyPr>
+          <a:lstStyle>
+            <a:lvl1pPr marL="444500" indent="-444500">
+              <a:spcBef>
+                <a:spcPts val="2800"/>
+              </a:spcBef>
+              <a:buClr>
+                <a:schemeClr val="accent1"/>
+              </a:buClr>
+              <a:buSzPct val="104999"/>
+              <a:buFont typeface="Avenir Next"/>
+              <a:buChar char="▸"/>
+              <a:defRPr sz="3600">
+                <a:solidFill>
+                  <a:srgbClr val="B9BDBF"/>
+                </a:solidFill>
+              </a:defRPr>
+            </a:lvl1pPr>
+          </a:lstStyle>
+          <a:p>
+            <a:pPr/>
+            <a:r>
+              <a:t>Ability to search documentation or google</a:t>
+            </a:r>
+          </a:p>
+        </p:txBody>
+      </p:sp>
+    </p:spTree>
+  </p:cSld>
+  <p:clrMapOvr>
+    <a:masterClrMapping/>
+  </p:clrMapOvr>
+  <p:transition xmlns:p14="http://schemas.microsoft.com/office/powerpoint/2010/main" spd="med" advClick="1"/>
+</p:sld>
+</file>
+
+<file path=ppt/slides/slide43.xml><?xml version="1.0" encoding="utf-8"?>
+<p:sld xmlns:a="http://schemas.openxmlformats.org/drawingml/2006/main" xmlns:r="http://schemas.openxmlformats.org/officeDocument/2006/relationships" xmlns:p="http://schemas.openxmlformats.org/presentationml/2006/main" showMasterSp="1" showMasterPhAnim="1">
+  <p:cSld>
+    <p:spTree>
+      <p:nvGrpSpPr>
+        <p:cNvPr id="1" name=""/>
+        <p:cNvGrpSpPr/>
+        <p:nvPr/>
+      </p:nvGrpSpPr>
+      <p:grpSpPr>
+        <a:xfrm>
+          <a:off x="0" y="0"/>
+          <a:ext cx="0" cy="0"/>
+          <a:chOff x="0" y="0"/>
+          <a:chExt cx="0" cy="0"/>
+        </a:xfrm>
+      </p:grpSpPr>
+      <p:sp>
+        <p:nvSpPr>
+          <p:cNvPr id="325" name="Shape 325"/>
+          <p:cNvSpPr/>
+          <p:nvPr>
+            <p:ph type="title"/>
+          </p:nvPr>
+        </p:nvSpPr>
+        <p:spPr>
+          <a:xfrm>
+            <a:off x="406400" y="1539838"/>
+            <a:ext cx="12192000" cy="2355347"/>
+          </a:xfrm>
+          <a:prstGeom prst="rect">
+            <a:avLst/>
+          </a:prstGeom>
+        </p:spPr>
+        <p:txBody>
+          <a:bodyPr/>
+          <a:lstStyle>
+            <a:lvl1pPr defTabSz="525779">
+              <a:defRPr sz="15300"/>
+            </a:lvl1pPr>
+          </a:lstStyle>
+          <a:p>
+            <a:pPr/>
+            <a:r>
+              <a:t>Painfully obvious</a:t>
+            </a:r>
+          </a:p>
+        </p:txBody>
+      </p:sp>
+      <p:sp>
+        <p:nvSpPr>
+          <p:cNvPr id="326" name="Shape 326"/>
+          <p:cNvSpPr/>
+          <p:nvPr/>
+        </p:nvSpPr>
+        <p:spPr>
+          <a:xfrm>
+            <a:off x="567324" y="5588921"/>
+            <a:ext cx="12068975" cy="2355347"/>
+          </a:xfrm>
+          <a:prstGeom prst="rect">
+            <a:avLst/>
+          </a:prstGeom>
+          <a:ln w="12700">
+            <a:miter lim="400000"/>
+          </a:ln>
+          <a:extLst>
+            <a:ext uri="{C572A759-6A51-4108-AA02-DFA0A04FC94B}">
+              <ma14:wrappingTextBoxFlag xmlns:ma14="http://schemas.microsoft.com/office/mac/drawingml/2011/main" val="1"/>
+            </a:ext>
+          </a:extLst>
+        </p:spPr>
+        <p:txBody>
+          <a:bodyPr lIns="50800" tIns="50800" rIns="50800" bIns="50800">
+            <a:normAutofit fontScale="100000" lnSpcReduction="0"/>
+          </a:bodyPr>
+          <a:lstStyle>
+            <a:lvl1pPr>
+              <a:lnSpc>
+                <a:spcPct val="80000"/>
+              </a:lnSpc>
+              <a:spcBef>
+                <a:spcPts val="0"/>
+              </a:spcBef>
+              <a:defRPr cap="all" sz="17000">
+                <a:solidFill>
+                  <a:schemeClr val="accent1"/>
+                </a:solidFill>
+                <a:latin typeface="+mn-lt"/>
+                <a:ea typeface="+mn-ea"/>
+                <a:cs typeface="+mn-cs"/>
+                <a:sym typeface="DIN Condensed"/>
+              </a:defRPr>
+            </a:lvl1pPr>
+          </a:lstStyle>
+          <a:p>
+            <a:pPr/>
+            <a:r>
+              <a:t>Utterly Bizarre</a:t>
+            </a:r>
+          </a:p>
+        </p:txBody>
+      </p:sp>
+      <p:sp>
+        <p:nvSpPr>
+          <p:cNvPr id="327" name="Shape 327"/>
+          <p:cNvSpPr/>
+          <p:nvPr/>
+        </p:nvSpPr>
+        <p:spPr>
+          <a:xfrm>
+            <a:off x="5251694" y="3450944"/>
+            <a:ext cx="2237505" cy="2355346"/>
+          </a:xfrm>
+          <a:prstGeom prst="rect">
+            <a:avLst/>
+          </a:prstGeom>
+          <a:ln w="12700">
+            <a:miter lim="400000"/>
+          </a:ln>
+          <a:extLst>
+            <a:ext uri="{C572A759-6A51-4108-AA02-DFA0A04FC94B}">
+              <ma14:wrappingTextBoxFlag xmlns:ma14="http://schemas.microsoft.com/office/mac/drawingml/2011/main" val="1"/>
+            </a:ext>
+          </a:extLst>
+        </p:spPr>
+        <p:txBody>
+          <a:bodyPr lIns="50800" tIns="50800" rIns="50800" bIns="50800" anchor="ctr"/>
+          <a:lstStyle>
+            <a:lvl1pPr>
+              <a:lnSpc>
+                <a:spcPct val="80000"/>
+              </a:lnSpc>
+              <a:spcBef>
+                <a:spcPts val="0"/>
+              </a:spcBef>
+              <a:defRPr cap="all" sz="15800">
+                <a:solidFill>
+                  <a:srgbClr val="B5BABE"/>
+                </a:solidFill>
+                <a:latin typeface="+mn-lt"/>
+                <a:ea typeface="+mn-ea"/>
+                <a:cs typeface="+mn-cs"/>
+                <a:sym typeface="DIN Condensed"/>
+              </a:defRPr>
+            </a:lvl1pPr>
+          </a:lstStyle>
+          <a:p>
+            <a:pPr/>
+            <a:r>
+              <a:t>Vs</a:t>
+            </a:r>
+          </a:p>
+        </p:txBody>
+      </p:sp>
+    </p:spTree>
+  </p:cSld>
+  <p:clrMapOvr>
+    <a:masterClrMapping/>
+  </p:clrMapOvr>
+  <p:transition xmlns:p14="http://schemas.microsoft.com/office/powerpoint/2010/main" spd="med" advClick="1"/>
+</p:sld>
+</file>
+
+<file path=ppt/slides/slide44.xml><?xml version="1.0" encoding="utf-8"?>
+<p:sld xmlns:a="http://schemas.openxmlformats.org/drawingml/2006/main" xmlns:r="http://schemas.openxmlformats.org/officeDocument/2006/relationships" xmlns:p="http://schemas.openxmlformats.org/presentationml/2006/main" showMasterSp="1" showMasterPhAnim="1">
+  <p:cSld>
+    <p:spTree>
+      <p:nvGrpSpPr>
+        <p:cNvPr id="1" name=""/>
+        <p:cNvGrpSpPr/>
+        <p:nvPr/>
+      </p:nvGrpSpPr>
+      <p:grpSpPr>
+        <a:xfrm>
+          <a:off x="0" y="0"/>
+          <a:ext cx="0" cy="0"/>
+          <a:chOff x="0" y="0"/>
+          <a:chExt cx="0" cy="0"/>
+        </a:xfrm>
+      </p:grpSpPr>
+      <p:sp>
+        <p:nvSpPr>
+          <p:cNvPr id="329" name="Shape 329"/>
+          <p:cNvSpPr/>
+          <p:nvPr>
+            <p:ph type="title"/>
+          </p:nvPr>
+        </p:nvSpPr>
+        <p:spPr>
+          <a:xfrm>
+            <a:off x="406400" y="1530350"/>
+            <a:ext cx="6299200" cy="723900"/>
+          </a:xfrm>
+          <a:prstGeom prst="rect">
+            <a:avLst/>
+          </a:prstGeom>
+        </p:spPr>
+        <p:txBody>
+          <a:bodyPr/>
+          <a:lstStyle>
+            <a:lvl1pPr defTabSz="467359">
+              <a:spcBef>
+                <a:spcPts val="2200"/>
+              </a:spcBef>
+              <a:defRPr sz="4800"/>
+            </a:lvl1pPr>
+          </a:lstStyle>
+          <a:p>
+            <a:pPr/>
+            <a:r>
+              <a:t>Painfully obvious</a:t>
+            </a:r>
+          </a:p>
+        </p:txBody>
+      </p:sp>
+      <p:sp>
+        <p:nvSpPr>
+          <p:cNvPr id="330" name="Shape 330"/>
+          <p:cNvSpPr/>
+          <p:nvPr>
+            <p:ph type="body" sz="half" idx="1"/>
+          </p:nvPr>
+        </p:nvSpPr>
+        <p:spPr>
+          <a:xfrm>
+            <a:off x="406400" y="2686050"/>
+            <a:ext cx="6299200" cy="6108700"/>
+          </a:xfrm>
+          <a:prstGeom prst="rect">
+            <a:avLst/>
+          </a:prstGeom>
+        </p:spPr>
+        <p:txBody>
+          <a:bodyPr/>
+          <a:lstStyle/>
+          <a:p>
+            <a:pPr/>
+            <a:r>
+              <a:t>Title</a:t>
+            </a:r>
+          </a:p>
+          <a:p>
+            <a:pPr/>
+            <a:r>
+              <a:t>Axis</a:t>
+            </a:r>
+          </a:p>
+          <a:p>
+            <a:pPr/>
+            <a:r>
+              <a:t>Label</a:t>
+            </a:r>
+          </a:p>
+          <a:p>
+            <a:pPr/>
+            <a:r>
+              <a:t>Legend</a:t>
+            </a:r>
+          </a:p>
+          <a:p>
+            <a:pPr/>
+            <a:r>
+              <a:t>Grid</a:t>
+            </a:r>
+          </a:p>
+          <a:p>
+            <a:pPr/>
+            <a:r>
+              <a:t>Bound</a:t>
+            </a:r>
+          </a:p>
+        </p:txBody>
+      </p:sp>
+      <p:pic>
+        <p:nvPicPr>
+          <p:cNvPr id="331" name="histogram_demo_cumulative.png"/>
+          <p:cNvPicPr>
+            <a:picLocks noChangeAspect="1"/>
+          </p:cNvPicPr>
+          <p:nvPr/>
+        </p:nvPicPr>
+        <p:blipFill>
+          <a:blip r:embed="rId2">
+            <a:extLst/>
+          </a:blip>
+          <a:srcRect l="0" t="0" r="23" b="26"/>
+          <a:stretch>
+            <a:fillRect/>
+          </a:stretch>
+        </p:blipFill>
+        <p:spPr>
+          <a:xfrm>
+            <a:off x="2448392" y="2499164"/>
+            <a:ext cx="10160001" cy="5079828"/>
+          </a:xfrm>
+          <a:prstGeom prst="rect">
+            <a:avLst/>
+          </a:prstGeom>
+          <a:ln w="12700">
+            <a:miter lim="400000"/>
+          </a:ln>
+        </p:spPr>
+      </p:pic>
+    </p:spTree>
+  </p:cSld>
+  <p:clrMapOvr>
+    <a:masterClrMapping/>
+  </p:clrMapOvr>
+  <p:transition xmlns:p14="http://schemas.microsoft.com/office/powerpoint/2010/main" spd="med" advClick="1"/>
+</p:sld>
+</file>
+
+<file path=ppt/slides/slide45.xml><?xml version="1.0" encoding="utf-8"?>
+<p:sld xmlns:a="http://schemas.openxmlformats.org/drawingml/2006/main" xmlns:r="http://schemas.openxmlformats.org/officeDocument/2006/relationships" xmlns:p="http://schemas.openxmlformats.org/presentationml/2006/main" showMasterSp="1" showMasterPhAnim="1">
+  <p:cSld>
+    <p:spTree>
+      <p:nvGrpSpPr>
+        <p:cNvPr id="1" name=""/>
+        <p:cNvGrpSpPr/>
+        <p:nvPr/>
+      </p:nvGrpSpPr>
+      <p:grpSpPr>
+        <a:xfrm>
+          <a:off x="0" y="0"/>
+          <a:ext cx="0" cy="0"/>
+          <a:chOff x="0" y="0"/>
+          <a:chExt cx="0" cy="0"/>
+        </a:xfrm>
+      </p:grpSpPr>
+      <p:sp>
+        <p:nvSpPr>
+          <p:cNvPr id="333" name="Shape 333"/>
+          <p:cNvSpPr/>
+          <p:nvPr>
+            <p:ph type="title"/>
+          </p:nvPr>
+        </p:nvSpPr>
+        <p:spPr>
+          <a:xfrm>
+            <a:off x="406400" y="1530350"/>
+            <a:ext cx="6299200" cy="723900"/>
+          </a:xfrm>
+          <a:prstGeom prst="rect">
+            <a:avLst/>
+          </a:prstGeom>
+        </p:spPr>
+        <p:txBody>
+          <a:bodyPr/>
+          <a:lstStyle>
+            <a:lvl1pPr defTabSz="467359">
+              <a:spcBef>
+                <a:spcPts val="2200"/>
+              </a:spcBef>
+              <a:defRPr sz="4800"/>
+            </a:lvl1pPr>
+          </a:lstStyle>
+          <a:p>
+            <a:pPr/>
+            <a:r>
+              <a:t>Utterly Bizarre</a:t>
+            </a:r>
+          </a:p>
+        </p:txBody>
+      </p:sp>
+      <p:sp>
+        <p:nvSpPr>
+          <p:cNvPr id="334" name="Shape 334"/>
+          <p:cNvSpPr/>
+          <p:nvPr>
+            <p:ph type="body" sz="half" idx="1"/>
+          </p:nvPr>
+        </p:nvSpPr>
+        <p:spPr>
+          <a:xfrm>
+            <a:off x="406400" y="2482850"/>
+            <a:ext cx="6299200" cy="6108700"/>
+          </a:xfrm>
+          <a:prstGeom prst="rect">
+            <a:avLst/>
+          </a:prstGeom>
+        </p:spPr>
+        <p:txBody>
+          <a:bodyPr/>
+          <a:lstStyle/>
+          <a:p>
+            <a:pPr/>
+            <a:r>
+              <a:t>Pyplot</a:t>
+            </a:r>
+          </a:p>
+          <a:p>
+            <a:pPr/>
+            <a:r>
+              <a:t>Figure</a:t>
+            </a:r>
+          </a:p>
+          <a:p>
+            <a:pPr/>
+            <a:r>
+              <a:t>Axes</a:t>
+            </a:r>
+          </a:p>
+          <a:p>
+            <a:pPr/>
+            <a:r>
+              <a:t>Line</a:t>
+            </a:r>
+          </a:p>
+          <a:p>
+            <a:pPr/>
+            <a:r>
+              <a:t>Marker</a:t>
+            </a:r>
+          </a:p>
+          <a:p>
+            <a:pPr/>
+            <a:r>
+              <a:t>Facecolor</a:t>
+            </a:r>
+          </a:p>
+        </p:txBody>
+      </p:sp>
+      <p:pic>
+        <p:nvPicPr>
+          <p:cNvPr id="335" name="errorbar_limits.png"/>
+          <p:cNvPicPr>
+            <a:picLocks noChangeAspect="1"/>
+          </p:cNvPicPr>
+          <p:nvPr/>
+        </p:nvPicPr>
+        <p:blipFill>
+          <a:blip r:embed="rId2">
+            <a:extLst/>
+          </a:blip>
+          <a:stretch>
+            <a:fillRect/>
+          </a:stretch>
+        </p:blipFill>
+        <p:spPr>
+          <a:xfrm>
+            <a:off x="3204086" y="2501900"/>
+            <a:ext cx="8890001" cy="5080000"/>
+          </a:xfrm>
+          <a:prstGeom prst="rect">
+            <a:avLst/>
+          </a:prstGeom>
+          <a:ln w="12700">
+            <a:miter lim="400000"/>
+          </a:ln>
+        </p:spPr>
+      </p:pic>
+    </p:spTree>
+  </p:cSld>
+  <p:clrMapOvr>
+    <a:masterClrMapping/>
+  </p:clrMapOvr>
+  <p:transition xmlns:p14="http://schemas.microsoft.com/office/powerpoint/2010/main" spd="med" advClick="1"/>
+</p:sld>
+</file>
+
+<file path=ppt/slides/slide46.xml><?xml version="1.0" encoding="utf-8"?>
+<p:sld xmlns:a="http://schemas.openxmlformats.org/drawingml/2006/main" xmlns:r="http://schemas.openxmlformats.org/officeDocument/2006/relationships" xmlns:p="http://schemas.openxmlformats.org/presentationml/2006/main" showMasterSp="1" showMasterPhAnim="1">
+  <p:cSld>
+    <p:spTree>
+      <p:nvGrpSpPr>
+        <p:cNvPr id="1" name=""/>
+        <p:cNvGrpSpPr/>
+        <p:nvPr/>
+      </p:nvGrpSpPr>
+      <p:grpSpPr>
+        <a:xfrm>
+          <a:off x="0" y="0"/>
+          <a:ext cx="0" cy="0"/>
+          <a:chOff x="0" y="0"/>
+          <a:chExt cx="0" cy="0"/>
+        </a:xfrm>
+      </p:grpSpPr>
+      <p:sp>
+        <p:nvSpPr>
+          <p:cNvPr id="337" name="Shape 337"/>
+          <p:cNvSpPr/>
+          <p:nvPr>
+            <p:ph type="title"/>
+          </p:nvPr>
+        </p:nvSpPr>
+        <p:spPr>
+          <a:xfrm>
+            <a:off x="406400" y="1536700"/>
+            <a:ext cx="12192000" cy="1169261"/>
+          </a:xfrm>
+          <a:prstGeom prst="rect">
+            <a:avLst/>
+          </a:prstGeom>
+        </p:spPr>
+        <p:txBody>
+          <a:bodyPr/>
+          <a:lstStyle>
+            <a:lvl1pPr defTabSz="403097">
+              <a:spcBef>
+                <a:spcPts val="1900"/>
+              </a:spcBef>
+              <a:defRPr sz="8200"/>
+            </a:lvl1pPr>
+          </a:lstStyle>
+          <a:p>
+            <a:pPr/>
+            <a:r>
+              <a:t>matplotlib.Pyplot</a:t>
+            </a:r>
+          </a:p>
+        </p:txBody>
+      </p:sp>
+      <p:sp>
+        <p:nvSpPr>
+          <p:cNvPr id="338" name="Shape 338"/>
+          <p:cNvSpPr/>
+          <p:nvPr>
+            <p:ph type="body" idx="1"/>
+          </p:nvPr>
+        </p:nvSpPr>
+        <p:spPr>
+          <a:xfrm>
+            <a:off x="406400" y="3953767"/>
+            <a:ext cx="12192000" cy="4909099"/>
+          </a:xfrm>
+          <a:prstGeom prst="rect">
+            <a:avLst/>
+          </a:prstGeom>
+        </p:spPr>
+        <p:txBody>
+          <a:bodyPr anchor="t"/>
+          <a:lstStyle/>
+          <a:p>
+            <a:pPr marL="663612" indent="-663612" defTabSz="549148">
+              <a:lnSpc>
+                <a:spcPct val="100000"/>
+              </a:lnSpc>
+              <a:spcBef>
+                <a:spcPts val="2600"/>
+              </a:spcBef>
+              <a:buSzPct val="40000"/>
+              <a:buBlip>
+                <a:blip r:embed="rId2"/>
+              </a:buBlip>
+              <a:defRPr cap="none" spc="0" sz="6000">
+                <a:latin typeface="Avenir Next Medium"/>
+                <a:ea typeface="Avenir Next Medium"/>
+                <a:cs typeface="Avenir Next Medium"/>
+                <a:sym typeface="Avenir Next Medium"/>
+              </a:defRPr>
+            </a:pPr>
+            <a:r>
+              <a:t>Imported as plt</a:t>
+            </a:r>
+          </a:p>
+          <a:p>
+            <a:pPr marL="663612" indent="-663612" defTabSz="549148">
+              <a:lnSpc>
+                <a:spcPct val="100000"/>
+              </a:lnSpc>
+              <a:spcBef>
+                <a:spcPts val="2600"/>
+              </a:spcBef>
+              <a:buSzPct val="40000"/>
+              <a:buBlip>
+                <a:blip r:embed="rId2"/>
+              </a:buBlip>
+              <a:defRPr cap="none" spc="0" sz="6000">
+                <a:latin typeface="Avenir Next Medium"/>
+                <a:ea typeface="Avenir Next Medium"/>
+                <a:cs typeface="Avenir Next Medium"/>
+                <a:sym typeface="Avenir Next Medium"/>
+              </a:defRPr>
+            </a:pPr>
+            <a:r>
+              <a:t>Stores global state</a:t>
+            </a:r>
+          </a:p>
+          <a:p>
+            <a:pPr marL="663612" indent="-663612" defTabSz="549148">
+              <a:lnSpc>
+                <a:spcPct val="100000"/>
+              </a:lnSpc>
+              <a:spcBef>
+                <a:spcPts val="2600"/>
+              </a:spcBef>
+              <a:buSzPct val="40000"/>
+              <a:buBlip>
+                <a:blip r:embed="rId2"/>
+              </a:buBlip>
+              <a:defRPr cap="none" spc="0" sz="6000">
+                <a:latin typeface="Avenir Next Medium"/>
+                <a:ea typeface="Avenir Next Medium"/>
+                <a:cs typeface="Avenir Next Medium"/>
+                <a:sym typeface="Avenir Next Medium"/>
+              </a:defRPr>
+            </a:pPr>
+            <a:r>
+              <a:t>Use for setting global style</a:t>
+            </a:r>
+          </a:p>
+        </p:txBody>
+      </p:sp>
+    </p:spTree>
+  </p:cSld>
+  <p:clrMapOvr>
+    <a:masterClrMapping/>
+  </p:clrMapOvr>
+  <p:transition xmlns:p14="http://schemas.microsoft.com/office/powerpoint/2010/main" spd="med" advClick="1"/>
+</p:sld>
+</file>
+
+<file path=ppt/slides/slide47.xml><?xml version="1.0" encoding="utf-8"?>
+<p:sld xmlns:a="http://schemas.openxmlformats.org/drawingml/2006/main" xmlns:r="http://schemas.openxmlformats.org/officeDocument/2006/relationships" xmlns:p="http://schemas.openxmlformats.org/presentationml/2006/main" showMasterSp="1" showMasterPhAnim="1">
+  <p:cSld>
+    <p:spTree>
+      <p:nvGrpSpPr>
+        <p:cNvPr id="1" name=""/>
+        <p:cNvGrpSpPr/>
+        <p:nvPr/>
+      </p:nvGrpSpPr>
+      <p:grpSpPr>
+        <a:xfrm>
+          <a:off x="0" y="0"/>
+          <a:ext cx="0" cy="0"/>
+          <a:chOff x="0" y="0"/>
+          <a:chExt cx="0" cy="0"/>
+        </a:xfrm>
+      </p:grpSpPr>
+      <p:sp>
+        <p:nvSpPr>
+          <p:cNvPr id="340" name="Shape 340"/>
+          <p:cNvSpPr/>
+          <p:nvPr>
+            <p:ph type="title"/>
+          </p:nvPr>
+        </p:nvSpPr>
+        <p:spPr>
+          <a:xfrm>
+            <a:off x="406400" y="1536700"/>
+            <a:ext cx="12192000" cy="1169261"/>
+          </a:xfrm>
+          <a:prstGeom prst="rect">
+            <a:avLst/>
+          </a:prstGeom>
+        </p:spPr>
+        <p:txBody>
+          <a:bodyPr/>
+          <a:lstStyle>
+            <a:lvl1pPr defTabSz="403097">
+              <a:spcBef>
+                <a:spcPts val="1900"/>
+              </a:spcBef>
+              <a:defRPr sz="8200"/>
+            </a:lvl1pPr>
+          </a:lstStyle>
+          <a:p>
+            <a:pPr/>
+            <a:r>
+              <a:t>matplotlib.Pyplot</a:t>
+            </a:r>
+          </a:p>
+        </p:txBody>
+      </p:sp>
+      <p:sp>
+        <p:nvSpPr>
+          <p:cNvPr id="341" name="Shape 341"/>
+          <p:cNvSpPr/>
+          <p:nvPr>
+            <p:ph type="body" idx="1"/>
+          </p:nvPr>
+        </p:nvSpPr>
+        <p:spPr>
+          <a:xfrm>
+            <a:off x="406400" y="4561847"/>
+            <a:ext cx="12192000" cy="4909099"/>
+          </a:xfrm>
+          <a:prstGeom prst="rect">
+            <a:avLst/>
+          </a:prstGeom>
+        </p:spPr>
+        <p:txBody>
+          <a:bodyPr anchor="t"/>
+          <a:lstStyle>
+            <a:lvl1pPr defTabSz="549148">
+              <a:lnSpc>
+                <a:spcPct val="100000"/>
+              </a:lnSpc>
+              <a:spcBef>
+                <a:spcPts val="2600"/>
+              </a:spcBef>
+              <a:defRPr cap="none" spc="0" sz="6000">
+                <a:latin typeface="Courier"/>
+                <a:ea typeface="Courier"/>
+                <a:cs typeface="Courier"/>
+                <a:sym typeface="Courier"/>
+              </a:defRPr>
+            </a:lvl1pPr>
+          </a:lstStyle>
+          <a:p>
+            <a:pPr/>
+            <a:r>
+              <a:t>plt.style.use('seaborn')</a:t>
+            </a:r>
+          </a:p>
+        </p:txBody>
+      </p:sp>
+    </p:spTree>
+  </p:cSld>
+  <p:clrMapOvr>
+    <a:masterClrMapping/>
+  </p:clrMapOvr>
+  <p:transition xmlns:p14="http://schemas.microsoft.com/office/powerpoint/2010/main" spd="med" advClick="1"/>
+</p:sld>
+</file>
+
+<file path=ppt/slides/slide48.xml><?xml version="1.0" encoding="utf-8"?>
+<p:sld xmlns:a="http://schemas.openxmlformats.org/drawingml/2006/main" xmlns:r="http://schemas.openxmlformats.org/officeDocument/2006/relationships" xmlns:p="http://schemas.openxmlformats.org/presentationml/2006/main" showMasterSp="1" showMasterPhAnim="1">
+  <p:cSld>
+    <p:spTree>
+      <p:nvGrpSpPr>
+        <p:cNvPr id="1" name=""/>
+        <p:cNvGrpSpPr/>
+        <p:nvPr/>
+      </p:nvGrpSpPr>
+      <p:grpSpPr>
+        <a:xfrm>
+          <a:off x="0" y="0"/>
+          <a:ext cx="0" cy="0"/>
+          <a:chOff x="0" y="0"/>
+          <a:chExt cx="0" cy="0"/>
+        </a:xfrm>
+      </p:grpSpPr>
+      <p:sp>
+        <p:nvSpPr>
+          <p:cNvPr id="343" name="Shape 343"/>
+          <p:cNvSpPr/>
+          <p:nvPr>
+            <p:ph type="title"/>
+          </p:nvPr>
+        </p:nvSpPr>
+        <p:spPr>
+          <a:xfrm>
+            <a:off x="406400" y="1536700"/>
+            <a:ext cx="12192000" cy="1169261"/>
+          </a:xfrm>
+          <a:prstGeom prst="rect">
+            <a:avLst/>
+          </a:prstGeom>
+        </p:spPr>
+        <p:txBody>
+          <a:bodyPr/>
+          <a:lstStyle>
+            <a:lvl1pPr defTabSz="403097">
+              <a:spcBef>
+                <a:spcPts val="1900"/>
+              </a:spcBef>
+              <a:defRPr sz="8200"/>
+            </a:lvl1pPr>
+          </a:lstStyle>
+          <a:p>
+            <a:pPr/>
+            <a:r>
+              <a:t>matplotlib.Pyplot</a:t>
+            </a:r>
+          </a:p>
+        </p:txBody>
+      </p:sp>
+      <p:sp>
+        <p:nvSpPr>
+          <p:cNvPr id="344" name="Shape 344"/>
+          <p:cNvSpPr/>
+          <p:nvPr>
+            <p:ph type="body" idx="1"/>
+          </p:nvPr>
+        </p:nvSpPr>
+        <p:spPr>
+          <a:xfrm>
+            <a:off x="406400" y="4561847"/>
+            <a:ext cx="12192000" cy="4909099"/>
+          </a:xfrm>
+          <a:prstGeom prst="rect">
+            <a:avLst/>
+          </a:prstGeom>
+        </p:spPr>
+        <p:txBody>
+          <a:bodyPr anchor="t"/>
+          <a:lstStyle>
+            <a:lvl1pPr defTabSz="549148">
+              <a:lnSpc>
+                <a:spcPct val="100000"/>
+              </a:lnSpc>
+              <a:spcBef>
+                <a:spcPts val="2600"/>
+              </a:spcBef>
+              <a:defRPr cap="none" spc="0" sz="6000">
+                <a:latin typeface="Courier"/>
+                <a:ea typeface="Courier"/>
+                <a:cs typeface="Courier"/>
+                <a:sym typeface="Courier"/>
+              </a:defRPr>
+            </a:lvl1pPr>
+          </a:lstStyle>
+          <a:p>
+            <a:pPr/>
+            <a:r>
+              <a:t>plt.gcf()</a:t>
+            </a:r>
+          </a:p>
+        </p:txBody>
+      </p:sp>
+    </p:spTree>
+  </p:cSld>
+  <p:clrMapOvr>
+    <a:masterClrMapping/>
+  </p:clrMapOvr>
+  <p:transition xmlns:p14="http://schemas.microsoft.com/office/powerpoint/2010/main" spd="med" advClick="1"/>
+</p:sld>
+</file>
+
+<file path=ppt/slides/slide49.xml><?xml version="1.0" encoding="utf-8"?>
+<p:sld xmlns:a="http://schemas.openxmlformats.org/drawingml/2006/main" xmlns:r="http://schemas.openxmlformats.org/officeDocument/2006/relationships" xmlns:p="http://schemas.openxmlformats.org/presentationml/2006/main" showMasterSp="1" showMasterPhAnim="1">
+  <p:cSld>
+    <p:spTree>
+      <p:nvGrpSpPr>
+        <p:cNvPr id="1" name=""/>
+        <p:cNvGrpSpPr/>
+        <p:nvPr/>
+      </p:nvGrpSpPr>
+      <p:grpSpPr>
+        <a:xfrm>
+          <a:off x="0" y="0"/>
+          <a:ext cx="0" cy="0"/>
+          <a:chOff x="0" y="0"/>
+          <a:chExt cx="0" cy="0"/>
+        </a:xfrm>
+      </p:grpSpPr>
+      <p:sp>
+        <p:nvSpPr>
+          <p:cNvPr id="346" name="Shape 346"/>
+          <p:cNvSpPr/>
+          <p:nvPr>
+            <p:ph type="title"/>
+          </p:nvPr>
+        </p:nvSpPr>
+        <p:spPr>
+          <a:xfrm>
+            <a:off x="406400" y="1536700"/>
+            <a:ext cx="12192000" cy="1169261"/>
+          </a:xfrm>
+          <a:prstGeom prst="rect">
+            <a:avLst/>
+          </a:prstGeom>
+        </p:spPr>
+        <p:txBody>
+          <a:bodyPr/>
+          <a:lstStyle>
+            <a:lvl1pPr defTabSz="403097">
+              <a:spcBef>
+                <a:spcPts val="1900"/>
+              </a:spcBef>
+              <a:defRPr sz="8200"/>
+            </a:lvl1pPr>
+          </a:lstStyle>
+          <a:p>
+            <a:pPr/>
+            <a:r>
+              <a:t>matplotlib.Pyplot</a:t>
+            </a:r>
+          </a:p>
+        </p:txBody>
+      </p:sp>
+      <p:sp>
+        <p:nvSpPr>
+          <p:cNvPr id="347" name="Shape 347"/>
+          <p:cNvSpPr/>
+          <p:nvPr>
+            <p:ph type="body" idx="1"/>
+          </p:nvPr>
+        </p:nvSpPr>
+        <p:spPr>
+          <a:xfrm>
+            <a:off x="406400" y="4561847"/>
+            <a:ext cx="12192000" cy="4909099"/>
+          </a:xfrm>
+          <a:prstGeom prst="rect">
+            <a:avLst/>
+          </a:prstGeom>
+        </p:spPr>
+        <p:txBody>
+          <a:bodyPr anchor="t"/>
+          <a:lstStyle>
+            <a:lvl1pPr defTabSz="549148">
+              <a:lnSpc>
+                <a:spcPct val="100000"/>
+              </a:lnSpc>
+              <a:spcBef>
+                <a:spcPts val="2600"/>
+              </a:spcBef>
+              <a:defRPr cap="none" spc="0" sz="6000">
+                <a:latin typeface="Courier"/>
+                <a:ea typeface="Courier"/>
+                <a:cs typeface="Courier"/>
+                <a:sym typeface="Courier"/>
+              </a:defRPr>
+            </a:lvl1pPr>
+          </a:lstStyle>
+          <a:p>
+            <a:pPr/>
+            <a:r>
+              <a:t>plt.gcf()</a:t>
+            </a:r>
+          </a:p>
+        </p:txBody>
+      </p:sp>
+      <p:sp>
+        <p:nvSpPr>
+          <p:cNvPr id="348" name="Shape 348"/>
+          <p:cNvSpPr/>
+          <p:nvPr/>
+        </p:nvSpPr>
+        <p:spPr>
+          <a:xfrm>
+            <a:off x="360203" y="6444896"/>
+            <a:ext cx="7447027" cy="1143001"/>
+          </a:xfrm>
+          <a:prstGeom prst="rect">
+            <a:avLst/>
+          </a:prstGeom>
+          <a:ln w="12700">
+            <a:miter lim="400000"/>
+          </a:ln>
+          <a:extLst>
+            <a:ext uri="{C572A759-6A51-4108-AA02-DFA0A04FC94B}">
+              <ma14:wrappingTextBoxFlag xmlns:ma14="http://schemas.microsoft.com/office/mac/drawingml/2011/main" val="1"/>
+            </a:ext>
+          </a:extLst>
+        </p:spPr>
+        <p:txBody>
+          <a:bodyPr wrap="none" lIns="50800" tIns="50800" rIns="50800" bIns="50800" anchor="ctr">
+            <a:spAutoFit/>
+          </a:bodyPr>
+          <a:lstStyle>
+            <a:lvl1pPr defTabSz="549148">
+              <a:spcBef>
+                <a:spcPts val="2600"/>
+              </a:spcBef>
+              <a:defRPr sz="6000">
+                <a:solidFill>
+                  <a:schemeClr val="accent5">
+                    <a:hueOff val="343847"/>
+                    <a:satOff val="6318"/>
+                    <a:lumOff val="8159"/>
+                  </a:schemeClr>
+                </a:solidFill>
+              </a:defRPr>
+            </a:lvl1pPr>
+          </a:lstStyle>
+          <a:p>
+            <a:pPr/>
+            <a:r>
+              <a:t>“Grab current figure”</a:t>
+            </a:r>
+          </a:p>
+        </p:txBody>
+      </p:sp>
+    </p:spTree>
+  </p:cSld>
+  <p:clrMapOvr>
+    <a:masterClrMapping/>
+  </p:clrMapOvr>
+  <p:transition xmlns:p14="http://schemas.microsoft.com/office/powerpoint/2010/main" spd="med" advClick="1"/>
+</p:sld>
+</file>
+
+<file path=ppt/slides/slide5.xml><?xml version="1.0" encoding="utf-8"?>
+<p:sld xmlns:a="http://schemas.openxmlformats.org/drawingml/2006/main" xmlns:r="http://schemas.openxmlformats.org/officeDocument/2006/relationships" xmlns:p="http://schemas.openxmlformats.org/presentationml/2006/main" showMasterSp="1" showMasterPhAnim="1">
+  <p:cSld>
+    <p:spTree>
+      <p:nvGrpSpPr>
+        <p:cNvPr id="1" name=""/>
+        <p:cNvGrpSpPr/>
+        <p:nvPr/>
+      </p:nvGrpSpPr>
+      <p:grpSpPr>
+        <a:xfrm>
+          <a:off x="0" y="0"/>
+          <a:ext cx="0" cy="0"/>
+          <a:chOff x="0" y="0"/>
+          <a:chExt cx="0" cy="0"/>
+        </a:xfrm>
+      </p:grpSpPr>
+      <p:sp>
+        <p:nvSpPr>
+          <p:cNvPr id="212" name="Shape 212"/>
+          <p:cNvSpPr/>
+          <p:nvPr>
+            <p:ph type="title"/>
+          </p:nvPr>
+        </p:nvSpPr>
+        <p:spPr>
+          <a:xfrm>
+            <a:off x="650238" y="390596"/>
+            <a:ext cx="11704324" cy="1625601"/>
+          </a:xfrm>
+          <a:prstGeom prst="rect">
+            <a:avLst/>
+          </a:prstGeom>
+        </p:spPr>
+        <p:txBody>
+          <a:bodyPr/>
+          <a:lstStyle>
+            <a:lvl1pPr>
+              <a:defRPr>
+                <a:solidFill>
+                  <a:srgbClr val="FFFFFF"/>
+                </a:solidFill>
+              </a:defRPr>
+            </a:lvl1pPr>
+          </a:lstStyle>
+          <a:p>
+            <a:pPr/>
+            <a:r>
+              <a:t>HTML</a:t>
+            </a:r>
+          </a:p>
+        </p:txBody>
+      </p:sp>
+      <p:pic>
+        <p:nvPicPr>
+          <p:cNvPr id="213" name="image13.jpeg" descr="1718_HarryPotter2_large.jpg"/>
+          <p:cNvPicPr>
+            <a:picLocks noChangeAspect="1"/>
+          </p:cNvPicPr>
+          <p:nvPr/>
+        </p:nvPicPr>
+        <p:blipFill>
+          <a:blip r:embed="rId2">
+            <a:extLst/>
+          </a:blip>
+          <a:stretch>
+            <a:fillRect/>
+          </a:stretch>
+        </p:blipFill>
+        <p:spPr>
+          <a:xfrm>
+            <a:off x="700999" y="2926078"/>
+            <a:ext cx="5743788" cy="5743790"/>
+          </a:xfrm>
+          <a:prstGeom prst="rect">
+            <a:avLst/>
+          </a:prstGeom>
+          <a:ln w="12700">
+            <a:miter lim="400000"/>
+          </a:ln>
+        </p:spPr>
+      </p:pic>
+      <p:pic>
+        <p:nvPicPr>
+          <p:cNvPr id="214" name="image14.jpeg" descr="script.jpeg"/>
+          <p:cNvPicPr>
+            <a:picLocks noChangeAspect="1"/>
+          </p:cNvPicPr>
+          <p:nvPr/>
+        </p:nvPicPr>
+        <p:blipFill>
+          <a:blip r:embed="rId3">
+            <a:extLst/>
+          </a:blip>
+          <a:stretch>
+            <a:fillRect/>
+          </a:stretch>
+        </p:blipFill>
+        <p:spPr>
+          <a:xfrm>
+            <a:off x="7715853" y="2926078"/>
+            <a:ext cx="4313588" cy="5743790"/>
+          </a:xfrm>
+          <a:prstGeom prst="rect">
+            <a:avLst/>
+          </a:prstGeom>
+          <a:ln w="12700">
+            <a:miter lim="400000"/>
+          </a:ln>
+        </p:spPr>
+      </p:pic>
+    </p:spTree>
+  </p:cSld>
+  <p:clrMapOvr>
+    <a:masterClrMapping/>
+  </p:clrMapOvr>
+  <p:transition xmlns:p14="http://schemas.microsoft.com/office/powerpoint/2010/main" spd="med" advClick="1"/>
+</p:sld>
+</file>
+
+<file path=ppt/slides/slide50.xml><?xml version="1.0" encoding="utf-8"?>
+<p:sld xmlns:a="http://schemas.openxmlformats.org/drawingml/2006/main" xmlns:r="http://schemas.openxmlformats.org/officeDocument/2006/relationships" xmlns:p="http://schemas.openxmlformats.org/presentationml/2006/main" showMasterSp="1" showMasterPhAnim="1">
+  <p:cSld>
+    <p:spTree>
+      <p:nvGrpSpPr>
+        <p:cNvPr id="1" name=""/>
+        <p:cNvGrpSpPr/>
+        <p:nvPr/>
+      </p:nvGrpSpPr>
+      <p:grpSpPr>
+        <a:xfrm>
+          <a:off x="0" y="0"/>
+          <a:ext cx="0" cy="0"/>
+          <a:chOff x="0" y="0"/>
+          <a:chExt cx="0" cy="0"/>
+        </a:xfrm>
+      </p:grpSpPr>
+      <p:sp>
+        <p:nvSpPr>
+          <p:cNvPr id="350" name="Shape 350"/>
+          <p:cNvSpPr/>
+          <p:nvPr>
+            <p:ph type="body" idx="13"/>
+          </p:nvPr>
+        </p:nvSpPr>
+        <p:spPr>
+          <a:prstGeom prst="rect">
+            <a:avLst/>
+          </a:prstGeom>
+        </p:spPr>
+        <p:txBody>
+          <a:bodyPr/>
+          <a:lstStyle/>
+          <a:p>
+            <a:pPr/>
+          </a:p>
+        </p:txBody>
+      </p:sp>
+      <p:sp>
+        <p:nvSpPr>
+          <p:cNvPr id="351" name="Shape 351"/>
+          <p:cNvSpPr/>
+          <p:nvPr>
+            <p:ph type="title"/>
+          </p:nvPr>
+        </p:nvSpPr>
+        <p:spPr>
+          <a:prstGeom prst="rect">
+            <a:avLst/>
+          </a:prstGeom>
+        </p:spPr>
+        <p:txBody>
+          <a:bodyPr/>
+          <a:lstStyle>
+            <a:lvl1pPr defTabSz="467359">
+              <a:spcBef>
+                <a:spcPts val="2200"/>
+              </a:spcBef>
+              <a:defRPr sz="4800"/>
+            </a:lvl1pPr>
+          </a:lstStyle>
+          <a:p>
+            <a:pPr/>
+            <a:r>
+              <a:t>Figure</a:t>
+            </a:r>
+          </a:p>
+        </p:txBody>
+      </p:sp>
+      <p:sp>
+        <p:nvSpPr>
+          <p:cNvPr id="352" name="Shape 352"/>
+          <p:cNvSpPr/>
+          <p:nvPr>
+            <p:ph type="body" sz="quarter" idx="1"/>
+          </p:nvPr>
+        </p:nvSpPr>
+        <p:spPr>
+          <a:xfrm>
+            <a:off x="406400" y="2743200"/>
+            <a:ext cx="12192000" cy="818013"/>
+          </a:xfrm>
+          <a:prstGeom prst="rect">
+            <a:avLst/>
+          </a:prstGeom>
+        </p:spPr>
+        <p:txBody>
+          <a:bodyPr/>
+          <a:lstStyle/>
+          <a:p>
+            <a:pPr/>
+            <a:r>
+              <a:t>The entire image output by your code</a:t>
+            </a:r>
+          </a:p>
+        </p:txBody>
+      </p:sp>
+      <p:pic>
+        <p:nvPicPr>
+          <p:cNvPr id="353" name="Screen Shot 2018-11-09 at 1.31.16 AM.png"/>
+          <p:cNvPicPr>
+            <a:picLocks noChangeAspect="1"/>
+          </p:cNvPicPr>
+          <p:nvPr/>
+        </p:nvPicPr>
+        <p:blipFill>
+          <a:blip r:embed="rId2">
+            <a:extLst/>
+          </a:blip>
+          <a:stretch>
+            <a:fillRect/>
+          </a:stretch>
+        </p:blipFill>
+        <p:spPr>
+          <a:xfrm>
+            <a:off x="-1" y="4043812"/>
+            <a:ext cx="13004801" cy="4358991"/>
+          </a:xfrm>
+          <a:prstGeom prst="rect">
+            <a:avLst/>
+          </a:prstGeom>
+          <a:ln w="12700">
+            <a:miter lim="400000"/>
+          </a:ln>
+        </p:spPr>
+      </p:pic>
+      <p:sp>
+        <p:nvSpPr>
+          <p:cNvPr id="354" name="Shape 354"/>
+          <p:cNvSpPr/>
+          <p:nvPr/>
+        </p:nvSpPr>
+        <p:spPr>
+          <a:xfrm>
+            <a:off x="471320" y="8815551"/>
+            <a:ext cx="5418685" cy="546101"/>
+          </a:xfrm>
+          <a:prstGeom prst="rect">
+            <a:avLst/>
+          </a:prstGeom>
+          <a:ln w="12700">
+            <a:miter lim="400000"/>
+          </a:ln>
+          <a:extLst>
+            <a:ext uri="{C572A759-6A51-4108-AA02-DFA0A04FC94B}">
+              <ma14:wrappingTextBoxFlag xmlns:ma14="http://schemas.microsoft.com/office/mac/drawingml/2011/main" val="1"/>
+            </a:ext>
+          </a:extLst>
+        </p:spPr>
+        <p:txBody>
+          <a:bodyPr wrap="none" lIns="50800" tIns="50800" rIns="50800" bIns="50800" anchor="ctr">
+            <a:spAutoFit/>
+          </a:bodyPr>
+          <a:lstStyle>
+            <a:lvl1pPr>
+              <a:defRPr sz="2900">
+                <a:latin typeface="Courier"/>
+                <a:ea typeface="Courier"/>
+                <a:cs typeface="Courier"/>
+                <a:sym typeface="Courier"/>
+              </a:defRPr>
+            </a:lvl1pPr>
+          </a:lstStyle>
+          <a:p>
+            <a:pPr/>
+            <a:r>
+              <a:t>matplotlib.figure.Figure</a:t>
+            </a:r>
+          </a:p>
+        </p:txBody>
+      </p:sp>
+    </p:spTree>
+  </p:cSld>
+  <p:clrMapOvr>
+    <a:masterClrMapping/>
+  </p:clrMapOvr>
+  <p:transition xmlns:p14="http://schemas.microsoft.com/office/powerpoint/2010/main" spd="med" advClick="1"/>
+</p:sld>
+</file>
+
+<file path=ppt/slides/slide51.xml><?xml version="1.0" encoding="utf-8"?>
+<p:sld xmlns:a="http://schemas.openxmlformats.org/drawingml/2006/main" xmlns:r="http://schemas.openxmlformats.org/officeDocument/2006/relationships" xmlns:p="http://schemas.openxmlformats.org/presentationml/2006/main" showMasterSp="1" showMasterPhAnim="1">
+  <p:cSld>
+    <p:spTree>
+      <p:nvGrpSpPr>
+        <p:cNvPr id="1" name=""/>
+        <p:cNvGrpSpPr/>
+        <p:nvPr/>
+      </p:nvGrpSpPr>
+      <p:grpSpPr>
+        <a:xfrm>
+          <a:off x="0" y="0"/>
+          <a:ext cx="0" cy="0"/>
+          <a:chOff x="0" y="0"/>
+          <a:chExt cx="0" cy="0"/>
+        </a:xfrm>
+      </p:grpSpPr>
+      <p:sp>
+        <p:nvSpPr>
+          <p:cNvPr id="356" name="Shape 356"/>
+          <p:cNvSpPr/>
+          <p:nvPr>
+            <p:ph type="title"/>
+          </p:nvPr>
+        </p:nvSpPr>
+        <p:spPr>
+          <a:xfrm>
+            <a:off x="406400" y="1536700"/>
+            <a:ext cx="12192000" cy="1169261"/>
+          </a:xfrm>
+          <a:prstGeom prst="rect">
+            <a:avLst/>
+          </a:prstGeom>
+        </p:spPr>
+        <p:txBody>
+          <a:bodyPr/>
+          <a:lstStyle>
+            <a:lvl1pPr defTabSz="403097">
+              <a:spcBef>
+                <a:spcPts val="1900"/>
+              </a:spcBef>
+              <a:defRPr sz="8200"/>
+            </a:lvl1pPr>
+          </a:lstStyle>
+          <a:p>
+            <a:pPr/>
+            <a:r>
+              <a:t>Figure</a:t>
+            </a:r>
+          </a:p>
+        </p:txBody>
+      </p:sp>
+      <p:sp>
+        <p:nvSpPr>
+          <p:cNvPr id="357" name="Shape 357"/>
+          <p:cNvSpPr/>
+          <p:nvPr>
+            <p:ph type="body" idx="1"/>
+          </p:nvPr>
+        </p:nvSpPr>
+        <p:spPr>
+          <a:xfrm>
+            <a:off x="406400" y="3953767"/>
+            <a:ext cx="12192000" cy="4909099"/>
+          </a:xfrm>
+          <a:prstGeom prst="rect">
+            <a:avLst/>
+          </a:prstGeom>
+        </p:spPr>
+        <p:txBody>
+          <a:bodyPr anchor="t"/>
+          <a:lstStyle/>
+          <a:p>
+            <a:pPr marL="663612" indent="-663612" defTabSz="549148">
+              <a:lnSpc>
+                <a:spcPct val="100000"/>
+              </a:lnSpc>
+              <a:spcBef>
+                <a:spcPts val="2600"/>
+              </a:spcBef>
+              <a:buSzPct val="40000"/>
+              <a:buBlip>
+                <a:blip r:embed="rId2"/>
+              </a:buBlip>
+              <a:defRPr cap="none" spc="0" sz="6000">
+                <a:latin typeface="Avenir Next Medium"/>
+                <a:ea typeface="Avenir Next Medium"/>
+                <a:cs typeface="Avenir Next Medium"/>
+                <a:sym typeface="Avenir Next Medium"/>
+              </a:defRPr>
+            </a:pPr>
+            <a:r>
+              <a:t>Set overall graph size</a:t>
+            </a:r>
+          </a:p>
+          <a:p>
+            <a:pPr marL="663612" indent="-663612" defTabSz="549148">
+              <a:lnSpc>
+                <a:spcPct val="100000"/>
+              </a:lnSpc>
+              <a:spcBef>
+                <a:spcPts val="2600"/>
+              </a:spcBef>
+              <a:buSzPct val="40000"/>
+              <a:buBlip>
+                <a:blip r:embed="rId2"/>
+              </a:buBlip>
+              <a:defRPr cap="none" spc="0" sz="6000">
+                <a:latin typeface="Avenir Next Medium"/>
+                <a:ea typeface="Avenir Next Medium"/>
+                <a:cs typeface="Avenir Next Medium"/>
+                <a:sym typeface="Avenir Next Medium"/>
+              </a:defRPr>
+            </a:pPr>
+            <a:r>
+              <a:t>Store graph while modifying it</a:t>
+            </a:r>
+          </a:p>
+          <a:p>
+            <a:pPr marL="663612" indent="-663612" defTabSz="549148">
+              <a:lnSpc>
+                <a:spcPct val="100000"/>
+              </a:lnSpc>
+              <a:spcBef>
+                <a:spcPts val="2600"/>
+              </a:spcBef>
+              <a:buSzPct val="40000"/>
+              <a:buBlip>
+                <a:blip r:embed="rId2"/>
+              </a:buBlip>
+              <a:defRPr cap="none" spc="0" sz="6000">
+                <a:latin typeface="Avenir Next Medium"/>
+                <a:ea typeface="Avenir Next Medium"/>
+                <a:cs typeface="Avenir Next Medium"/>
+                <a:sym typeface="Avenir Next Medium"/>
+              </a:defRPr>
+            </a:pPr>
+            <a:r>
+              <a:t>Save graph to disk</a:t>
+            </a:r>
+          </a:p>
+        </p:txBody>
+      </p:sp>
+    </p:spTree>
+  </p:cSld>
+  <p:clrMapOvr>
+    <a:masterClrMapping/>
+  </p:clrMapOvr>
+  <p:transition xmlns:p14="http://schemas.microsoft.com/office/powerpoint/2010/main" spd="med" advClick="1"/>
+</p:sld>
+</file>
+
+<file path=ppt/slides/slide52.xml><?xml version="1.0" encoding="utf-8"?>
+<p:sld xmlns:a="http://schemas.openxmlformats.org/drawingml/2006/main" xmlns:r="http://schemas.openxmlformats.org/officeDocument/2006/relationships" xmlns:p="http://schemas.openxmlformats.org/presentationml/2006/main" showMasterSp="1" showMasterPhAnim="1">
+  <p:cSld>
+    <p:spTree>
+      <p:nvGrpSpPr>
+        <p:cNvPr id="1" name=""/>
+        <p:cNvGrpSpPr/>
+        <p:nvPr/>
+      </p:nvGrpSpPr>
+      <p:grpSpPr>
+        <a:xfrm>
+          <a:off x="0" y="0"/>
+          <a:ext cx="0" cy="0"/>
+          <a:chOff x="0" y="0"/>
+          <a:chExt cx="0" cy="0"/>
+        </a:xfrm>
+      </p:grpSpPr>
+      <p:sp>
+        <p:nvSpPr>
+          <p:cNvPr id="359" name="Shape 359"/>
+          <p:cNvSpPr/>
+          <p:nvPr>
+            <p:ph type="body" idx="13"/>
+          </p:nvPr>
+        </p:nvSpPr>
+        <p:spPr>
+          <a:prstGeom prst="rect">
+            <a:avLst/>
+          </a:prstGeom>
+        </p:spPr>
+        <p:txBody>
+          <a:bodyPr/>
+          <a:lstStyle/>
+          <a:p>
+            <a:pPr/>
+          </a:p>
+        </p:txBody>
+      </p:sp>
+      <p:sp>
+        <p:nvSpPr>
+          <p:cNvPr id="360" name="Shape 360"/>
+          <p:cNvSpPr/>
+          <p:nvPr>
+            <p:ph type="title"/>
+          </p:nvPr>
+        </p:nvSpPr>
+        <p:spPr>
+          <a:prstGeom prst="rect">
+            <a:avLst/>
+          </a:prstGeom>
+        </p:spPr>
+        <p:txBody>
+          <a:bodyPr/>
+          <a:lstStyle>
+            <a:lvl1pPr defTabSz="467359">
+              <a:spcBef>
+                <a:spcPts val="2200"/>
+              </a:spcBef>
+              <a:defRPr sz="4800"/>
+            </a:lvl1pPr>
+          </a:lstStyle>
+          <a:p>
+            <a:pPr/>
+            <a:r>
+              <a:t>Axes</a:t>
+            </a:r>
+          </a:p>
+        </p:txBody>
+      </p:sp>
+      <p:sp>
+        <p:nvSpPr>
+          <p:cNvPr id="361" name="Shape 361"/>
+          <p:cNvSpPr/>
+          <p:nvPr>
+            <p:ph type="body" sz="quarter" idx="1"/>
+          </p:nvPr>
+        </p:nvSpPr>
+        <p:spPr>
+          <a:xfrm>
+            <a:off x="406400" y="2743200"/>
+            <a:ext cx="12192000" cy="818013"/>
+          </a:xfrm>
+          <a:prstGeom prst="rect">
+            <a:avLst/>
+          </a:prstGeom>
+        </p:spPr>
+        <p:txBody>
+          <a:bodyPr/>
+          <a:lstStyle/>
+          <a:p>
+            <a:pPr/>
+            <a:r>
+              <a:t>One particular graph within a figure</a:t>
+            </a:r>
+          </a:p>
+        </p:txBody>
+      </p:sp>
+      <p:pic>
+        <p:nvPicPr>
+          <p:cNvPr id="362" name="Screen Shot 2018-11-09 at 1.31.16 AM.png"/>
+          <p:cNvPicPr>
+            <a:picLocks noChangeAspect="1"/>
+          </p:cNvPicPr>
+          <p:nvPr/>
+        </p:nvPicPr>
+        <p:blipFill>
+          <a:blip r:embed="rId2">
+            <a:extLst/>
+          </a:blip>
+          <a:stretch>
+            <a:fillRect/>
+          </a:stretch>
+        </p:blipFill>
+        <p:spPr>
+          <a:xfrm>
+            <a:off x="-1" y="4043812"/>
+            <a:ext cx="13004801" cy="4358991"/>
+          </a:xfrm>
+          <a:prstGeom prst="rect">
+            <a:avLst/>
+          </a:prstGeom>
+          <a:ln w="12700">
+            <a:miter lim="400000"/>
+          </a:ln>
+        </p:spPr>
+      </p:pic>
+      <p:sp>
+        <p:nvSpPr>
+          <p:cNvPr id="363" name="Shape 363"/>
+          <p:cNvSpPr/>
+          <p:nvPr/>
+        </p:nvSpPr>
+        <p:spPr>
+          <a:xfrm>
+            <a:off x="471320" y="8815551"/>
+            <a:ext cx="4534621" cy="546101"/>
+          </a:xfrm>
+          <a:prstGeom prst="rect">
+            <a:avLst/>
+          </a:prstGeom>
+          <a:ln w="12700">
+            <a:miter lim="400000"/>
+          </a:ln>
+          <a:extLst>
+            <a:ext uri="{C572A759-6A51-4108-AA02-DFA0A04FC94B}">
+              <ma14:wrappingTextBoxFlag xmlns:ma14="http://schemas.microsoft.com/office/mac/drawingml/2011/main" val="1"/>
+            </a:ext>
+          </a:extLst>
+        </p:spPr>
+        <p:txBody>
+          <a:bodyPr wrap="none" lIns="50800" tIns="50800" rIns="50800" bIns="50800" anchor="ctr">
+            <a:spAutoFit/>
+          </a:bodyPr>
+          <a:lstStyle>
+            <a:lvl1pPr>
+              <a:defRPr sz="2900">
+                <a:latin typeface="Courier"/>
+                <a:ea typeface="Courier"/>
+                <a:cs typeface="Courier"/>
+                <a:sym typeface="Courier"/>
+              </a:defRPr>
+            </a:lvl1pPr>
+          </a:lstStyle>
+          <a:p>
+            <a:pPr/>
+            <a:r>
+              <a:t>matplotlib.axes.Axes</a:t>
+            </a:r>
+          </a:p>
+        </p:txBody>
+      </p:sp>
+      <p:sp>
+        <p:nvSpPr>
+          <p:cNvPr id="364" name="Shape 364"/>
+          <p:cNvSpPr/>
+          <p:nvPr/>
+        </p:nvSpPr>
+        <p:spPr>
+          <a:xfrm flipH="1" rot="16200000">
+            <a:off x="9449606" y="2855800"/>
+            <a:ext cx="1713089" cy="1270001"/>
+          </a:xfrm>
+          <a:prstGeom prst="rightArrow">
+            <a:avLst>
+              <a:gd name="adj1" fmla="val 32000"/>
+              <a:gd name="adj2" fmla="val 64000"/>
+            </a:avLst>
+          </a:prstGeom>
+          <a:solidFill>
+            <a:schemeClr val="accent5"/>
+          </a:solidFill>
+          <a:ln w="12700">
+            <a:miter lim="400000"/>
+          </a:ln>
+        </p:spPr>
+        <p:txBody>
+          <a:bodyPr lIns="50800" tIns="50800" rIns="50800" bIns="50800" anchor="ctr"/>
+          <a:lstStyle/>
+          <a:p>
+            <a:pPr algn="ctr">
+              <a:lnSpc>
+                <a:spcPct val="80000"/>
+              </a:lnSpc>
+              <a:spcBef>
+                <a:spcPts val="0"/>
+              </a:spcBef>
+              <a:defRPr cap="all" sz="2800">
+                <a:solidFill>
+                  <a:srgbClr val="FFFFFF"/>
+                </a:solidFill>
+                <a:latin typeface="+mn-lt"/>
+                <a:ea typeface="+mn-ea"/>
+                <a:cs typeface="+mn-cs"/>
+                <a:sym typeface="DIN Condensed"/>
+              </a:defRPr>
+            </a:pPr>
+          </a:p>
+        </p:txBody>
+      </p:sp>
+    </p:spTree>
+  </p:cSld>
+  <p:clrMapOvr>
+    <a:masterClrMapping/>
+  </p:clrMapOvr>
+  <p:transition xmlns:p14="http://schemas.microsoft.com/office/powerpoint/2010/main" spd="med" advClick="1"/>
+</p:sld>
+</file>
+
+<file path=ppt/slides/slide53.xml><?xml version="1.0" encoding="utf-8"?>
+<p:sld xmlns:a="http://schemas.openxmlformats.org/drawingml/2006/main" xmlns:r="http://schemas.openxmlformats.org/officeDocument/2006/relationships" xmlns:p="http://schemas.openxmlformats.org/presentationml/2006/main" showMasterSp="1" showMasterPhAnim="1">
+  <p:cSld>
+    <p:spTree>
+      <p:nvGrpSpPr>
+        <p:cNvPr id="1" name=""/>
+        <p:cNvGrpSpPr/>
+        <p:nvPr/>
+      </p:nvGrpSpPr>
+      <p:grpSpPr>
+        <a:xfrm>
+          <a:off x="0" y="0"/>
+          <a:ext cx="0" cy="0"/>
+          <a:chOff x="0" y="0"/>
+          <a:chExt cx="0" cy="0"/>
+        </a:xfrm>
+      </p:grpSpPr>
+      <p:sp>
+        <p:nvSpPr>
+          <p:cNvPr id="366" name="Shape 366"/>
+          <p:cNvSpPr/>
+          <p:nvPr>
+            <p:ph type="title"/>
+          </p:nvPr>
+        </p:nvSpPr>
+        <p:spPr>
+          <a:xfrm>
+            <a:off x="406400" y="1536700"/>
+            <a:ext cx="12192000" cy="1169261"/>
+          </a:xfrm>
+          <a:prstGeom prst="rect">
+            <a:avLst/>
+          </a:prstGeom>
+        </p:spPr>
+        <p:txBody>
+          <a:bodyPr/>
+          <a:lstStyle>
+            <a:lvl1pPr defTabSz="403097">
+              <a:spcBef>
+                <a:spcPts val="1900"/>
+              </a:spcBef>
+              <a:defRPr sz="8200"/>
+            </a:lvl1pPr>
+          </a:lstStyle>
+          <a:p>
+            <a:pPr/>
+            <a:r>
+              <a:t>Axes</a:t>
+            </a:r>
+          </a:p>
+        </p:txBody>
+      </p:sp>
+      <p:sp>
+        <p:nvSpPr>
+          <p:cNvPr id="367" name="Shape 367"/>
+          <p:cNvSpPr/>
+          <p:nvPr>
+            <p:ph type="body" idx="1"/>
+          </p:nvPr>
+        </p:nvSpPr>
+        <p:spPr>
+          <a:xfrm>
+            <a:off x="406400" y="3953767"/>
+            <a:ext cx="12192000" cy="4909099"/>
+          </a:xfrm>
+          <a:prstGeom prst="rect">
+            <a:avLst/>
+          </a:prstGeom>
+        </p:spPr>
+        <p:txBody>
+          <a:bodyPr anchor="t"/>
+          <a:lstStyle/>
+          <a:p>
+            <a:pPr marL="663612" indent="-663612" defTabSz="549148">
+              <a:lnSpc>
+                <a:spcPct val="100000"/>
+              </a:lnSpc>
+              <a:spcBef>
+                <a:spcPts val="2600"/>
+              </a:spcBef>
+              <a:buSzPct val="40000"/>
+              <a:buBlip>
+                <a:blip r:embed="rId2"/>
+              </a:buBlip>
+              <a:defRPr cap="none" spc="0" sz="6000">
+                <a:latin typeface="Avenir Next Medium"/>
+                <a:ea typeface="Avenir Next Medium"/>
+                <a:cs typeface="Avenir Next Medium"/>
+                <a:sym typeface="Avenir Next Medium"/>
+              </a:defRPr>
+            </a:pPr>
+            <a:r>
+              <a:t>Add title for graph</a:t>
+            </a:r>
+          </a:p>
+          <a:p>
+            <a:pPr marL="663612" indent="-663612" defTabSz="549148">
+              <a:lnSpc>
+                <a:spcPct val="100000"/>
+              </a:lnSpc>
+              <a:spcBef>
+                <a:spcPts val="2600"/>
+              </a:spcBef>
+              <a:buSzPct val="40000"/>
+              <a:buBlip>
+                <a:blip r:embed="rId2"/>
+              </a:buBlip>
+              <a:defRPr cap="none" spc="0" sz="6000">
+                <a:latin typeface="Avenir Next Medium"/>
+                <a:ea typeface="Avenir Next Medium"/>
+                <a:cs typeface="Avenir Next Medium"/>
+                <a:sym typeface="Avenir Next Medium"/>
+              </a:defRPr>
+            </a:pPr>
+            <a:r>
+              <a:t>Change labels or ticks </a:t>
+            </a:r>
+          </a:p>
+          <a:p>
+            <a:pPr marL="663612" indent="-663612" defTabSz="549148">
+              <a:lnSpc>
+                <a:spcPct val="100000"/>
+              </a:lnSpc>
+              <a:spcBef>
+                <a:spcPts val="2600"/>
+              </a:spcBef>
+              <a:buSzPct val="40000"/>
+              <a:buBlip>
+                <a:blip r:embed="rId2"/>
+              </a:buBlip>
+              <a:defRPr cap="none" spc="0" sz="6000">
+                <a:latin typeface="Avenir Next Medium"/>
+                <a:ea typeface="Avenir Next Medium"/>
+                <a:cs typeface="Avenir Next Medium"/>
+                <a:sym typeface="Avenir Next Medium"/>
+              </a:defRPr>
+            </a:pPr>
+            <a:r>
+              <a:t>Change background color/grid</a:t>
+            </a:r>
+          </a:p>
+        </p:txBody>
+      </p:sp>
+    </p:spTree>
+  </p:cSld>
+  <p:clrMapOvr>
+    <a:masterClrMapping/>
+  </p:clrMapOvr>
+  <p:transition xmlns:p14="http://schemas.microsoft.com/office/powerpoint/2010/main" spd="med" advClick="1"/>
+</p:sld>
+</file>
+
+<file path=ppt/slides/slide54.xml><?xml version="1.0" encoding="utf-8"?>
+<p:sld xmlns:a="http://schemas.openxmlformats.org/drawingml/2006/main" xmlns:r="http://schemas.openxmlformats.org/officeDocument/2006/relationships" xmlns:p="http://schemas.openxmlformats.org/presentationml/2006/main" showMasterSp="1" showMasterPhAnim="1">
+  <p:cSld>
+    <p:spTree>
+      <p:nvGrpSpPr>
+        <p:cNvPr id="1" name=""/>
+        <p:cNvGrpSpPr/>
+        <p:nvPr/>
+      </p:nvGrpSpPr>
+      <p:grpSpPr>
+        <a:xfrm>
+          <a:off x="0" y="0"/>
+          <a:ext cx="0" cy="0"/>
+          <a:chOff x="0" y="0"/>
+          <a:chExt cx="0" cy="0"/>
+        </a:xfrm>
+      </p:grpSpPr>
+      <p:sp>
+        <p:nvSpPr>
+          <p:cNvPr id="369" name="Shape 369"/>
+          <p:cNvSpPr/>
+          <p:nvPr>
+            <p:ph type="title"/>
+          </p:nvPr>
+        </p:nvSpPr>
+        <p:spPr>
+          <a:xfrm>
+            <a:off x="406400" y="1536700"/>
+            <a:ext cx="12192000" cy="1367235"/>
+          </a:xfrm>
+          <a:prstGeom prst="rect">
+            <a:avLst/>
+          </a:prstGeom>
+        </p:spPr>
+        <p:txBody>
+          <a:bodyPr/>
+          <a:lstStyle>
+            <a:lvl1pPr>
+              <a:defRPr sz="7000"/>
+            </a:lvl1pPr>
+          </a:lstStyle>
+          <a:p>
+            <a:pPr/>
+            <a:r>
+              <a:t>Concepts covered so Far</a:t>
+            </a:r>
+          </a:p>
+        </p:txBody>
+      </p:sp>
+      <p:sp>
+        <p:nvSpPr>
+          <p:cNvPr id="370" name="Shape 370"/>
+          <p:cNvSpPr/>
+          <p:nvPr>
+            <p:ph type="body" idx="1"/>
+          </p:nvPr>
+        </p:nvSpPr>
+        <p:spPr>
+          <a:xfrm>
+            <a:off x="406400" y="2929466"/>
+            <a:ext cx="12192000" cy="6108701"/>
+          </a:xfrm>
+          <a:prstGeom prst="rect">
+            <a:avLst/>
+          </a:prstGeom>
+        </p:spPr>
+        <p:txBody>
+          <a:bodyPr/>
+          <a:lstStyle/>
+          <a:p>
+            <a:pPr marL="444500" indent="-444500">
+              <a:defRPr sz="4800"/>
+            </a:pPr>
+            <a:r>
+              <a:t>PyPlot</a:t>
+            </a:r>
+          </a:p>
+          <a:p>
+            <a:pPr marL="444500" indent="-444500">
+              <a:defRPr sz="4800"/>
+            </a:pPr>
+            <a:r>
+              <a:t>Figure</a:t>
+            </a:r>
+          </a:p>
+          <a:p>
+            <a:pPr marL="444500" indent="-444500">
+              <a:defRPr sz="4800"/>
+            </a:pPr>
+            <a:r>
+              <a:t>Axes</a:t>
+            </a:r>
+          </a:p>
+          <a:p>
+            <a:pPr marL="444500" indent="-444500">
+              <a:defRPr sz="4800"/>
+            </a:pPr>
+            <a:r>
+              <a:t>Bar Chart</a:t>
+            </a:r>
+          </a:p>
+        </p:txBody>
+      </p:sp>
+    </p:spTree>
+  </p:cSld>
+  <p:clrMapOvr>
+    <a:masterClrMapping/>
+  </p:clrMapOvr>
+  <p:transition xmlns:p14="http://schemas.microsoft.com/office/powerpoint/2010/main" spd="med" advClick="1"/>
+</p:sld>
+</file>
+
+<file path=ppt/slides/slide55.xml><?xml version="1.0" encoding="utf-8"?>
+<p:sld xmlns:a="http://schemas.openxmlformats.org/drawingml/2006/main" xmlns:r="http://schemas.openxmlformats.org/officeDocument/2006/relationships" xmlns:p="http://schemas.openxmlformats.org/presentationml/2006/main" showMasterSp="1" showMasterPhAnim="1">
+  <p:cSld>
+    <p:spTree>
+      <p:nvGrpSpPr>
+        <p:cNvPr id="1" name=""/>
+        <p:cNvGrpSpPr/>
+        <p:nvPr/>
+      </p:nvGrpSpPr>
+      <p:grpSpPr>
+        <a:xfrm>
+          <a:off x="0" y="0"/>
+          <a:ext cx="0" cy="0"/>
+          <a:chOff x="0" y="0"/>
+          <a:chExt cx="0" cy="0"/>
+        </a:xfrm>
+      </p:grpSpPr>
+      <p:pic>
+        <p:nvPicPr>
+          <p:cNvPr id="372" name="Screen Shot 2019-04-11 at 4.53.30 PM.png"/>
+          <p:cNvPicPr>
+            <a:picLocks noChangeAspect="1"/>
+          </p:cNvPicPr>
+          <p:nvPr/>
+        </p:nvPicPr>
+        <p:blipFill>
+          <a:blip r:embed="rId2">
+            <a:extLst/>
+          </a:blip>
+          <a:stretch>
+            <a:fillRect/>
+          </a:stretch>
+        </p:blipFill>
+        <p:spPr>
+          <a:xfrm>
+            <a:off x="1984905" y="1010880"/>
+            <a:ext cx="8579323" cy="7596669"/>
+          </a:xfrm>
+          <a:prstGeom prst="rect">
+            <a:avLst/>
+          </a:prstGeom>
+          <a:ln w="12700">
+            <a:miter lim="400000"/>
+          </a:ln>
+        </p:spPr>
+      </p:pic>
+    </p:spTree>
+  </p:cSld>
+  <p:clrMapOvr>
+    <a:masterClrMapping/>
+  </p:clrMapOvr>
+  <p:transition xmlns:p14="http://schemas.microsoft.com/office/powerpoint/2010/main" spd="med" advClick="1"/>
+</p:sld>
+</file>
+
+<file path=ppt/slides/slide56.xml><?xml version="1.0" encoding="utf-8"?>
+<p:sld xmlns:a="http://schemas.openxmlformats.org/drawingml/2006/main" xmlns:r="http://schemas.openxmlformats.org/officeDocument/2006/relationships" xmlns:p="http://schemas.openxmlformats.org/presentationml/2006/main" showMasterSp="1" showMasterPhAnim="1">
+  <p:cSld>
+    <p:spTree>
+      <p:nvGrpSpPr>
+        <p:cNvPr id="1" name=""/>
+        <p:cNvGrpSpPr/>
+        <p:nvPr/>
+      </p:nvGrpSpPr>
+      <p:grpSpPr>
+        <a:xfrm>
+          <a:off x="0" y="0"/>
+          <a:ext cx="0" cy="0"/>
+          <a:chOff x="0" y="0"/>
+          <a:chExt cx="0" cy="0"/>
+        </a:xfrm>
+      </p:grpSpPr>
+      <p:sp>
+        <p:nvSpPr>
+          <p:cNvPr id="374" name="Shape 374"/>
+          <p:cNvSpPr/>
+          <p:nvPr>
+            <p:ph type="body" idx="13"/>
+          </p:nvPr>
+        </p:nvSpPr>
+        <p:spPr>
+          <a:prstGeom prst="rect">
+            <a:avLst/>
+          </a:prstGeom>
+        </p:spPr>
+        <p:txBody>
+          <a:bodyPr/>
+          <a:lstStyle/>
+          <a:p>
+            <a:pPr/>
+            <a:r>
+              <a:t>Text</a:t>
+            </a:r>
+          </a:p>
+        </p:txBody>
+      </p:sp>
+      <p:sp>
+        <p:nvSpPr>
+          <p:cNvPr id="375" name="Shape 375"/>
+          <p:cNvSpPr/>
+          <p:nvPr>
+            <p:ph type="title"/>
+          </p:nvPr>
+        </p:nvSpPr>
+        <p:spPr>
+          <a:prstGeom prst="rect">
+            <a:avLst/>
+          </a:prstGeom>
+        </p:spPr>
+        <p:txBody>
+          <a:bodyPr/>
+          <a:lstStyle/>
+          <a:p>
+            <a:pPr defTabSz="467359">
+              <a:spcBef>
+                <a:spcPts val="2200"/>
+              </a:spcBef>
+              <a:defRPr sz="4800"/>
+            </a:pPr>
+          </a:p>
+        </p:txBody>
+      </p:sp>
+      <p:sp>
+        <p:nvSpPr>
+          <p:cNvPr id="376" name="Shape 376"/>
+          <p:cNvSpPr/>
+          <p:nvPr>
+            <p:ph type="body" idx="1"/>
+          </p:nvPr>
+        </p:nvSpPr>
+        <p:spPr>
+          <a:prstGeom prst="rect">
+            <a:avLst/>
+          </a:prstGeom>
+        </p:spPr>
+        <p:txBody>
+          <a:bodyPr/>
+          <a:lstStyle/>
+          <a:p>
+            <a:pPr/>
+          </a:p>
+        </p:txBody>
+      </p:sp>
+      <p:pic>
+        <p:nvPicPr>
+          <p:cNvPr id="377" name="Screen Shot 2019-04-11 at 4.52.20 PM.png"/>
+          <p:cNvPicPr>
+            <a:picLocks noChangeAspect="1"/>
+          </p:cNvPicPr>
+          <p:nvPr/>
+        </p:nvPicPr>
+        <p:blipFill>
+          <a:blip r:embed="rId2">
+            <a:extLst/>
+          </a:blip>
+          <a:stretch>
+            <a:fillRect/>
+          </a:stretch>
+        </p:blipFill>
+        <p:spPr>
+          <a:xfrm>
+            <a:off x="0" y="-215900"/>
+            <a:ext cx="13004800" cy="10185400"/>
+          </a:xfrm>
+          <a:prstGeom prst="rect">
+            <a:avLst/>
+          </a:prstGeom>
+          <a:ln w="12700">
+            <a:miter lim="400000"/>
+          </a:ln>
+        </p:spPr>
+      </p:pic>
+    </p:spTree>
+  </p:cSld>
+  <p:clrMapOvr>
+    <a:masterClrMapping/>
+  </p:clrMapOvr>
+  <p:transition xmlns:p14="http://schemas.microsoft.com/office/powerpoint/2010/main" spd="med" advClick="1"/>
+</p:sld>
+</file>
+
+<file path=ppt/slides/slide57.xml><?xml version="1.0" encoding="utf-8"?>
+<p:sld xmlns:a="http://schemas.openxmlformats.org/drawingml/2006/main" xmlns:r="http://schemas.openxmlformats.org/officeDocument/2006/relationships" xmlns:p="http://schemas.openxmlformats.org/presentationml/2006/main" showMasterSp="1" showMasterPhAnim="1">
+  <p:cSld>
+    <p:spTree>
+      <p:nvGrpSpPr>
+        <p:cNvPr id="1" name=""/>
+        <p:cNvGrpSpPr/>
+        <p:nvPr/>
+      </p:nvGrpSpPr>
+      <p:grpSpPr>
+        <a:xfrm>
+          <a:off x="0" y="0"/>
+          <a:ext cx="0" cy="0"/>
+          <a:chOff x="0" y="0"/>
+          <a:chExt cx="0" cy="0"/>
+        </a:xfrm>
+      </p:grpSpPr>
+      <p:sp>
+        <p:nvSpPr>
+          <p:cNvPr id="379" name="Shape 379"/>
+          <p:cNvSpPr/>
+          <p:nvPr>
+            <p:ph type="title"/>
+          </p:nvPr>
+        </p:nvSpPr>
+        <p:spPr>
+          <a:xfrm>
+            <a:off x="3318085" y="4128458"/>
+            <a:ext cx="6368631" cy="1982356"/>
+          </a:xfrm>
+          <a:prstGeom prst="rect">
+            <a:avLst/>
+          </a:prstGeom>
+        </p:spPr>
+        <p:txBody>
+          <a:bodyPr/>
+          <a:lstStyle>
+            <a:lvl1pPr defTabSz="502412">
+              <a:defRPr sz="14620"/>
+            </a:lvl1pPr>
+          </a:lstStyle>
+          <a:p>
+            <a:pPr/>
+            <a:r>
+              <a:t>Exercises</a:t>
+            </a:r>
+          </a:p>
+        </p:txBody>
+      </p:sp>
+    </p:spTree>
+  </p:cSld>
+  <p:clrMapOvr>
+    <a:masterClrMapping/>
+  </p:clrMapOvr>
+  <p:transition xmlns:p14="http://schemas.microsoft.com/office/powerpoint/2010/main" spd="med" advClick="1"/>
+</p:sld>
+</file>
+
+<file path=ppt/slides/slide58.xml><?xml version="1.0" encoding="utf-8"?>
+<p:sld xmlns:a="http://schemas.openxmlformats.org/drawingml/2006/main" xmlns:r="http://schemas.openxmlformats.org/officeDocument/2006/relationships" xmlns:p="http://schemas.openxmlformats.org/presentationml/2006/main" showMasterSp="1" showMasterPhAnim="1">
+  <p:cSld>
+    <p:spTree>
+      <p:nvGrpSpPr>
+        <p:cNvPr id="1" name=""/>
+        <p:cNvGrpSpPr/>
+        <p:nvPr/>
+      </p:nvGrpSpPr>
+      <p:grpSpPr>
+        <a:xfrm>
+          <a:off x="0" y="0"/>
+          <a:ext cx="0" cy="0"/>
+          <a:chOff x="0" y="0"/>
+          <a:chExt cx="0" cy="0"/>
+        </a:xfrm>
+      </p:grpSpPr>
+      <p:sp>
+        <p:nvSpPr>
+          <p:cNvPr id="381" name="Shape 381"/>
+          <p:cNvSpPr/>
+          <p:nvPr>
+            <p:ph type="title"/>
+          </p:nvPr>
+        </p:nvSpPr>
+        <p:spPr>
+          <a:xfrm>
+            <a:off x="406400" y="1530350"/>
+            <a:ext cx="6299200" cy="723900"/>
+          </a:xfrm>
+          <a:prstGeom prst="rect">
+            <a:avLst/>
+          </a:prstGeom>
+        </p:spPr>
+        <p:txBody>
+          <a:bodyPr/>
+          <a:lstStyle>
+            <a:lvl1pPr defTabSz="467359">
+              <a:spcBef>
+                <a:spcPts val="2200"/>
+              </a:spcBef>
+              <a:defRPr sz="4800"/>
+            </a:lvl1pPr>
+          </a:lstStyle>
+          <a:p>
+            <a:pPr/>
+            <a:r>
+              <a:t>Utterly Bizarre</a:t>
+            </a:r>
+          </a:p>
+        </p:txBody>
+      </p:sp>
+      <p:sp>
+        <p:nvSpPr>
+          <p:cNvPr id="382" name="Shape 382"/>
+          <p:cNvSpPr/>
+          <p:nvPr>
+            <p:ph type="body" sz="half" idx="1"/>
+          </p:nvPr>
+        </p:nvSpPr>
+        <p:spPr>
+          <a:xfrm>
+            <a:off x="406400" y="2482850"/>
+            <a:ext cx="6299200" cy="6108700"/>
+          </a:xfrm>
+          <a:prstGeom prst="rect">
+            <a:avLst/>
+          </a:prstGeom>
+        </p:spPr>
+        <p:txBody>
+          <a:bodyPr/>
+          <a:lstStyle/>
+          <a:p>
+            <a:pPr>
+              <a:defRPr strike="sngStrike"/>
+            </a:pPr>
+            <a:r>
+              <a:t>Pyplot</a:t>
+            </a:r>
+          </a:p>
+          <a:p>
+            <a:pPr>
+              <a:defRPr strike="sngStrike"/>
+            </a:pPr>
+            <a:r>
+              <a:t>Figure</a:t>
+            </a:r>
+          </a:p>
+          <a:p>
+            <a:pPr>
+              <a:defRPr strike="sngStrike"/>
+            </a:pPr>
+            <a:r>
+              <a:t>Axes</a:t>
+            </a:r>
+          </a:p>
+          <a:p>
+            <a:pPr/>
+            <a:r>
+              <a:t>Line</a:t>
+            </a:r>
+          </a:p>
+          <a:p>
+            <a:pPr/>
+            <a:r>
+              <a:t>Marker</a:t>
+            </a:r>
+          </a:p>
+          <a:p>
+            <a:pPr/>
+            <a:r>
+              <a:t>Facecolor</a:t>
+            </a:r>
+          </a:p>
+        </p:txBody>
+      </p:sp>
+      <p:pic>
+        <p:nvPicPr>
+          <p:cNvPr id="383" name="errorbar_limits.png"/>
+          <p:cNvPicPr>
+            <a:picLocks noChangeAspect="1"/>
+          </p:cNvPicPr>
+          <p:nvPr/>
+        </p:nvPicPr>
+        <p:blipFill>
+          <a:blip r:embed="rId2">
+            <a:extLst/>
+          </a:blip>
+          <a:stretch>
+            <a:fillRect/>
+          </a:stretch>
+        </p:blipFill>
+        <p:spPr>
+          <a:xfrm>
+            <a:off x="3204086" y="2501900"/>
+            <a:ext cx="8890001" cy="5080000"/>
+          </a:xfrm>
+          <a:prstGeom prst="rect">
+            <a:avLst/>
+          </a:prstGeom>
+          <a:ln w="12700">
+            <a:miter lim="400000"/>
+          </a:ln>
+        </p:spPr>
+      </p:pic>
+    </p:spTree>
+  </p:cSld>
+  <p:clrMapOvr>
+    <a:masterClrMapping/>
+  </p:clrMapOvr>
+  <p:transition xmlns:p14="http://schemas.microsoft.com/office/powerpoint/2010/main" spd="med" advClick="1"/>
+</p:sld>
+</file>
+
+<file path=ppt/slides/slide59.xml><?xml version="1.0" encoding="utf-8"?>
+<p:sld xmlns:a="http://schemas.openxmlformats.org/drawingml/2006/main" xmlns:r="http://schemas.openxmlformats.org/officeDocument/2006/relationships" xmlns:p="http://schemas.openxmlformats.org/presentationml/2006/main" showMasterSp="1" showMasterPhAnim="1">
+  <p:cSld>
+    <p:spTree>
+      <p:nvGrpSpPr>
+        <p:cNvPr id="1" name=""/>
+        <p:cNvGrpSpPr/>
+        <p:nvPr/>
+      </p:nvGrpSpPr>
+      <p:grpSpPr>
+        <a:xfrm>
+          <a:off x="0" y="0"/>
+          <a:ext cx="0" cy="0"/>
+          <a:chOff x="0" y="0"/>
+          <a:chExt cx="0" cy="0"/>
+        </a:xfrm>
+      </p:grpSpPr>
+      <p:sp>
+        <p:nvSpPr>
+          <p:cNvPr id="385" name="Shape 385"/>
+          <p:cNvSpPr/>
+          <p:nvPr>
+            <p:ph type="body" idx="13"/>
+          </p:nvPr>
+        </p:nvSpPr>
+        <p:spPr>
+          <a:prstGeom prst="rect">
+            <a:avLst/>
+          </a:prstGeom>
+        </p:spPr>
+        <p:txBody>
+          <a:bodyPr/>
+          <a:lstStyle/>
+          <a:p>
+            <a:pPr/>
+          </a:p>
+        </p:txBody>
+      </p:sp>
+      <p:sp>
+        <p:nvSpPr>
+          <p:cNvPr id="386" name="Shape 386"/>
+          <p:cNvSpPr/>
+          <p:nvPr>
+            <p:ph type="title"/>
+          </p:nvPr>
+        </p:nvSpPr>
+        <p:spPr>
+          <a:prstGeom prst="rect">
+            <a:avLst/>
+          </a:prstGeom>
+        </p:spPr>
+        <p:txBody>
+          <a:bodyPr/>
+          <a:lstStyle>
+            <a:lvl1pPr defTabSz="467359">
+              <a:spcBef>
+                <a:spcPts val="2200"/>
+              </a:spcBef>
+              <a:defRPr sz="4800"/>
+            </a:lvl1pPr>
+          </a:lstStyle>
+          <a:p>
+            <a:pPr/>
+            <a:r>
+              <a:t>Line</a:t>
+            </a:r>
+          </a:p>
+        </p:txBody>
+      </p:sp>
+      <p:sp>
+        <p:nvSpPr>
+          <p:cNvPr id="387" name="Shape 387"/>
+          <p:cNvSpPr/>
+          <p:nvPr>
+            <p:ph type="body" sz="quarter" idx="1"/>
+          </p:nvPr>
+        </p:nvSpPr>
+        <p:spPr>
+          <a:xfrm>
+            <a:off x="406400" y="2743200"/>
+            <a:ext cx="12192000" cy="818013"/>
+          </a:xfrm>
+          <a:prstGeom prst="rect">
+            <a:avLst/>
+          </a:prstGeom>
+        </p:spPr>
+        <p:txBody>
+          <a:bodyPr/>
+          <a:lstStyle/>
+          <a:p>
+            <a:pPr/>
+            <a:r>
+              <a:t>Unlike in math, this can be any curve</a:t>
+            </a:r>
+          </a:p>
+        </p:txBody>
+      </p:sp>
+      <p:pic>
+        <p:nvPicPr>
+          <p:cNvPr id="388" name="Screen Shot 2018-11-09 at 1.31.16 AM.png"/>
+          <p:cNvPicPr>
+            <a:picLocks noChangeAspect="1"/>
+          </p:cNvPicPr>
+          <p:nvPr/>
+        </p:nvPicPr>
+        <p:blipFill>
+          <a:blip r:embed="rId2">
+            <a:extLst/>
+          </a:blip>
+          <a:stretch>
+            <a:fillRect/>
+          </a:stretch>
+        </p:blipFill>
+        <p:spPr>
+          <a:xfrm>
+            <a:off x="-1" y="4043812"/>
+            <a:ext cx="13004801" cy="4358991"/>
+          </a:xfrm>
+          <a:prstGeom prst="rect">
+            <a:avLst/>
+          </a:prstGeom>
+          <a:ln w="12700">
+            <a:miter lim="400000"/>
+          </a:ln>
+        </p:spPr>
+      </p:pic>
+      <p:sp>
+        <p:nvSpPr>
+          <p:cNvPr id="389" name="Shape 389"/>
+          <p:cNvSpPr/>
+          <p:nvPr/>
+        </p:nvSpPr>
+        <p:spPr>
+          <a:xfrm>
+            <a:off x="471320" y="8815551"/>
+            <a:ext cx="3650557" cy="546101"/>
+          </a:xfrm>
+          <a:prstGeom prst="rect">
+            <a:avLst/>
+          </a:prstGeom>
+          <a:ln w="12700">
+            <a:miter lim="400000"/>
+          </a:ln>
+          <a:extLst>
+            <a:ext uri="{C572A759-6A51-4108-AA02-DFA0A04FC94B}">
+              <ma14:wrappingTextBoxFlag xmlns:ma14="http://schemas.microsoft.com/office/mac/drawingml/2011/main" val="1"/>
+            </a:ext>
+          </a:extLst>
+        </p:spPr>
+        <p:txBody>
+          <a:bodyPr wrap="none" lIns="50800" tIns="50800" rIns="50800" bIns="50800" anchor="ctr">
+            <a:spAutoFit/>
+          </a:bodyPr>
+          <a:lstStyle>
+            <a:lvl1pPr>
+              <a:defRPr sz="2900">
+                <a:latin typeface="Courier"/>
+                <a:ea typeface="Courier"/>
+                <a:cs typeface="Courier"/>
+                <a:sym typeface="Courier"/>
+              </a:defRPr>
+            </a:lvl1pPr>
+          </a:lstStyle>
+          <a:p>
+            <a:pPr/>
+            <a:r>
+              <a:t>matplotlib.lines</a:t>
+            </a:r>
+          </a:p>
+        </p:txBody>
+      </p:sp>
+      <p:sp>
+        <p:nvSpPr>
+          <p:cNvPr id="390" name="Shape 390"/>
+          <p:cNvSpPr/>
+          <p:nvPr/>
+        </p:nvSpPr>
+        <p:spPr>
+          <a:xfrm flipH="1" rot="16200000">
+            <a:off x="8914708" y="3970261"/>
+            <a:ext cx="1713090" cy="1270001"/>
+          </a:xfrm>
+          <a:prstGeom prst="rightArrow">
+            <a:avLst>
+              <a:gd name="adj1" fmla="val 32000"/>
+              <a:gd name="adj2" fmla="val 64000"/>
+            </a:avLst>
+          </a:prstGeom>
+          <a:solidFill>
+            <a:schemeClr val="accent5"/>
+          </a:solidFill>
+          <a:ln w="12700">
+            <a:miter lim="400000"/>
+          </a:ln>
+        </p:spPr>
+        <p:txBody>
+          <a:bodyPr lIns="50800" tIns="50800" rIns="50800" bIns="50800" anchor="ctr"/>
+          <a:lstStyle/>
+          <a:p>
+            <a:pPr algn="ctr">
+              <a:lnSpc>
+                <a:spcPct val="80000"/>
+              </a:lnSpc>
+              <a:spcBef>
+                <a:spcPts val="0"/>
+              </a:spcBef>
+              <a:defRPr cap="all" sz="2800">
+                <a:solidFill>
+                  <a:srgbClr val="FFFFFF"/>
+                </a:solidFill>
+                <a:latin typeface="+mn-lt"/>
+                <a:ea typeface="+mn-ea"/>
+                <a:cs typeface="+mn-cs"/>
+                <a:sym typeface="DIN Condensed"/>
+              </a:defRPr>
+            </a:pPr>
+          </a:p>
+        </p:txBody>
+      </p:sp>
+    </p:spTree>
+  </p:cSld>
+  <p:clrMapOvr>
+    <a:masterClrMapping/>
+  </p:clrMapOvr>
+  <p:transition xmlns:p14="http://schemas.microsoft.com/office/powerpoint/2010/main" spd="med" advClick="1"/>
+</p:sld>
+</file>
+
+<file path=ppt/slides/slide6.xml><?xml version="1.0" encoding="utf-8"?>
+<p:sld xmlns:a="http://schemas.openxmlformats.org/drawingml/2006/main" xmlns:r="http://schemas.openxmlformats.org/officeDocument/2006/relationships" xmlns:p="http://schemas.openxmlformats.org/presentationml/2006/main" showMasterSp="1" showMasterPhAnim="1">
+  <p:cSld>
+    <p:spTree>
+      <p:nvGrpSpPr>
+        <p:cNvPr id="1" name=""/>
+        <p:cNvGrpSpPr/>
+        <p:nvPr/>
+      </p:nvGrpSpPr>
+      <p:grpSpPr>
+        <a:xfrm>
+          <a:off x="0" y="0"/>
+          <a:ext cx="0" cy="0"/>
+          <a:chOff x="0" y="0"/>
+          <a:chExt cx="0" cy="0"/>
+        </a:xfrm>
+      </p:grpSpPr>
+      <p:pic>
+        <p:nvPicPr>
+          <p:cNvPr id="216" name="image15.jpeg" descr="robot.jpg"/>
+          <p:cNvPicPr>
+            <a:picLocks noChangeAspect="1"/>
+          </p:cNvPicPr>
+          <p:nvPr/>
+        </p:nvPicPr>
+        <p:blipFill>
+          <a:blip r:embed="rId2">
+            <a:extLst/>
+          </a:blip>
+          <a:stretch>
+            <a:fillRect/>
+          </a:stretch>
+        </p:blipFill>
+        <p:spPr>
+          <a:xfrm>
+            <a:off x="1733973" y="3560181"/>
+            <a:ext cx="9753601" cy="6181729"/>
+          </a:xfrm>
+          <a:prstGeom prst="rect">
+            <a:avLst/>
+          </a:prstGeom>
+          <a:ln w="12700">
+            <a:miter lim="400000"/>
+          </a:ln>
+        </p:spPr>
+      </p:pic>
+      <p:sp>
+        <p:nvSpPr>
+          <p:cNvPr id="217" name="Shape 217"/>
+          <p:cNvSpPr/>
+          <p:nvPr>
+            <p:ph type="title"/>
+          </p:nvPr>
+        </p:nvSpPr>
+        <p:spPr>
+          <a:xfrm>
+            <a:off x="4622800" y="2501900"/>
+            <a:ext cx="12192000" cy="1169261"/>
+          </a:xfrm>
+          <a:prstGeom prst="rect">
+            <a:avLst/>
+          </a:prstGeom>
+        </p:spPr>
+        <p:txBody>
+          <a:bodyPr lIns="50800" tIns="50800" rIns="50800" bIns="50800" anchor="t"/>
+          <a:lstStyle>
+            <a:lvl1pPr algn="l" defTabSz="403097">
+              <a:lnSpc>
+                <a:spcPct val="80000"/>
+              </a:lnSpc>
+              <a:spcBef>
+                <a:spcPts val="1900"/>
+              </a:spcBef>
+              <a:defRPr cap="all" sz="8200">
+                <a:solidFill>
+                  <a:schemeClr val="accent1"/>
+                </a:solidFill>
+                <a:latin typeface="+mn-lt"/>
+                <a:ea typeface="+mn-ea"/>
+                <a:cs typeface="+mn-cs"/>
+                <a:sym typeface="DIN Condensed"/>
+              </a:defRPr>
+            </a:lvl1pPr>
+          </a:lstStyle>
+          <a:p>
+            <a:pPr/>
+            <a:r>
+              <a:t>No thanks</a:t>
+            </a:r>
+          </a:p>
+        </p:txBody>
+      </p:sp>
+    </p:spTree>
+  </p:cSld>
+  <p:clrMapOvr>
+    <a:masterClrMapping/>
+  </p:clrMapOvr>
+  <p:transition xmlns:p14="http://schemas.microsoft.com/office/powerpoint/2010/main" spd="med" advClick="1"/>
+</p:sld>
+</file>
+
+<file path=ppt/slides/slide60.xml><?xml version="1.0" encoding="utf-8"?>
+<p:sld xmlns:a="http://schemas.openxmlformats.org/drawingml/2006/main" xmlns:r="http://schemas.openxmlformats.org/officeDocument/2006/relationships" xmlns:p="http://schemas.openxmlformats.org/presentationml/2006/main" showMasterSp="1" showMasterPhAnim="1">
+  <p:cSld>
+    <p:spTree>
+      <p:nvGrpSpPr>
+        <p:cNvPr id="1" name=""/>
+        <p:cNvGrpSpPr/>
+        <p:nvPr/>
+      </p:nvGrpSpPr>
+      <p:grpSpPr>
+        <a:xfrm>
+          <a:off x="0" y="0"/>
+          <a:ext cx="0" cy="0"/>
+          <a:chOff x="0" y="0"/>
+          <a:chExt cx="0" cy="0"/>
+        </a:xfrm>
+      </p:grpSpPr>
+      <p:sp>
+        <p:nvSpPr>
+          <p:cNvPr id="392" name="Shape 392"/>
+          <p:cNvSpPr/>
+          <p:nvPr>
+            <p:ph type="body" idx="13"/>
+          </p:nvPr>
+        </p:nvSpPr>
+        <p:spPr>
+          <a:prstGeom prst="rect">
+            <a:avLst/>
+          </a:prstGeom>
+        </p:spPr>
+        <p:txBody>
+          <a:bodyPr/>
+          <a:lstStyle/>
+          <a:p>
+            <a:pPr/>
+          </a:p>
+        </p:txBody>
+      </p:sp>
+      <p:sp>
+        <p:nvSpPr>
+          <p:cNvPr id="393" name="Shape 393"/>
+          <p:cNvSpPr/>
+          <p:nvPr>
+            <p:ph type="title"/>
+          </p:nvPr>
+        </p:nvSpPr>
+        <p:spPr>
+          <a:prstGeom prst="rect">
+            <a:avLst/>
+          </a:prstGeom>
+        </p:spPr>
+        <p:txBody>
+          <a:bodyPr/>
+          <a:lstStyle>
+            <a:lvl1pPr defTabSz="467359">
+              <a:spcBef>
+                <a:spcPts val="2200"/>
+              </a:spcBef>
+              <a:defRPr sz="4800"/>
+            </a:lvl1pPr>
+          </a:lstStyle>
+          <a:p>
+            <a:pPr/>
+            <a:r>
+              <a:t>Marker</a:t>
+            </a:r>
+          </a:p>
+        </p:txBody>
+      </p:sp>
+      <p:sp>
+        <p:nvSpPr>
+          <p:cNvPr id="394" name="Shape 394"/>
+          <p:cNvSpPr/>
+          <p:nvPr>
+            <p:ph type="body" sz="quarter" idx="1"/>
+          </p:nvPr>
+        </p:nvSpPr>
+        <p:spPr>
+          <a:xfrm>
+            <a:off x="406400" y="2743200"/>
+            <a:ext cx="12192000" cy="818013"/>
+          </a:xfrm>
+          <a:prstGeom prst="rect">
+            <a:avLst/>
+          </a:prstGeom>
+        </p:spPr>
+        <p:txBody>
+          <a:bodyPr/>
+          <a:lstStyle/>
+          <a:p>
+            <a:pPr/>
+            <a:r>
+              <a:t>Dot or other symbol centered on a specific point</a:t>
+            </a:r>
+          </a:p>
+        </p:txBody>
+      </p:sp>
+      <p:pic>
+        <p:nvPicPr>
+          <p:cNvPr id="395" name="Screen Shot 2018-11-09 at 1.31.16 AM.png"/>
+          <p:cNvPicPr>
+            <a:picLocks noChangeAspect="1"/>
+          </p:cNvPicPr>
+          <p:nvPr/>
+        </p:nvPicPr>
+        <p:blipFill>
+          <a:blip r:embed="rId2">
+            <a:extLst/>
+          </a:blip>
+          <a:stretch>
+            <a:fillRect/>
+          </a:stretch>
+        </p:blipFill>
+        <p:spPr>
+          <a:xfrm>
+            <a:off x="-1" y="4043812"/>
+            <a:ext cx="13004801" cy="4358991"/>
+          </a:xfrm>
+          <a:prstGeom prst="rect">
+            <a:avLst/>
+          </a:prstGeom>
+          <a:ln w="12700">
+            <a:miter lim="400000"/>
+          </a:ln>
+        </p:spPr>
+      </p:pic>
+      <p:sp>
+        <p:nvSpPr>
+          <p:cNvPr id="396" name="Shape 396"/>
+          <p:cNvSpPr/>
+          <p:nvPr/>
+        </p:nvSpPr>
+        <p:spPr>
+          <a:xfrm>
+            <a:off x="471320" y="8815551"/>
+            <a:ext cx="4092589" cy="546101"/>
+          </a:xfrm>
+          <a:prstGeom prst="rect">
+            <a:avLst/>
+          </a:prstGeom>
+          <a:ln w="12700">
+            <a:miter lim="400000"/>
+          </a:ln>
+          <a:extLst>
+            <a:ext uri="{C572A759-6A51-4108-AA02-DFA0A04FC94B}">
+              <ma14:wrappingTextBoxFlag xmlns:ma14="http://schemas.microsoft.com/office/mac/drawingml/2011/main" val="1"/>
+            </a:ext>
+          </a:extLst>
+        </p:spPr>
+        <p:txBody>
+          <a:bodyPr wrap="none" lIns="50800" tIns="50800" rIns="50800" bIns="50800" anchor="ctr">
+            <a:spAutoFit/>
+          </a:bodyPr>
+          <a:lstStyle>
+            <a:lvl1pPr>
+              <a:defRPr sz="2900">
+                <a:latin typeface="Courier"/>
+                <a:ea typeface="Courier"/>
+                <a:cs typeface="Courier"/>
+                <a:sym typeface="Courier"/>
+              </a:defRPr>
+            </a:lvl1pPr>
+          </a:lstStyle>
+          <a:p>
+            <a:pPr/>
+            <a:r>
+              <a:t>matplotlib.markers</a:t>
+            </a:r>
+          </a:p>
+        </p:txBody>
+      </p:sp>
+      <p:sp>
+        <p:nvSpPr>
+          <p:cNvPr id="397" name="Shape 397"/>
+          <p:cNvSpPr/>
+          <p:nvPr/>
+        </p:nvSpPr>
+        <p:spPr>
+          <a:xfrm flipH="1" rot="16200000">
+            <a:off x="6260667" y="5371005"/>
+            <a:ext cx="1713090" cy="1270001"/>
+          </a:xfrm>
+          <a:prstGeom prst="rightArrow">
+            <a:avLst>
+              <a:gd name="adj1" fmla="val 32000"/>
+              <a:gd name="adj2" fmla="val 64000"/>
+            </a:avLst>
+          </a:prstGeom>
+          <a:solidFill>
+            <a:schemeClr val="accent5"/>
+          </a:solidFill>
+          <a:ln w="12700">
+            <a:miter lim="400000"/>
+          </a:ln>
+        </p:spPr>
+        <p:txBody>
+          <a:bodyPr lIns="50800" tIns="50800" rIns="50800" bIns="50800" anchor="ctr"/>
+          <a:lstStyle/>
+          <a:p>
+            <a:pPr algn="ctr">
+              <a:lnSpc>
+                <a:spcPct val="80000"/>
+              </a:lnSpc>
+              <a:spcBef>
+                <a:spcPts val="0"/>
+              </a:spcBef>
+              <a:defRPr cap="all" sz="2800">
+                <a:solidFill>
+                  <a:srgbClr val="FFFFFF"/>
+                </a:solidFill>
+                <a:latin typeface="+mn-lt"/>
+                <a:ea typeface="+mn-ea"/>
+                <a:cs typeface="+mn-cs"/>
+                <a:sym typeface="DIN Condensed"/>
+              </a:defRPr>
+            </a:pPr>
+          </a:p>
+        </p:txBody>
+      </p:sp>
+    </p:spTree>
+  </p:cSld>
+  <p:clrMapOvr>
+    <a:masterClrMapping/>
+  </p:clrMapOvr>
+  <p:transition xmlns:p14="http://schemas.microsoft.com/office/powerpoint/2010/main" spd="med" advClick="1"/>
+</p:sld>
+</file>
+
+<file path=ppt/slides/slide61.xml><?xml version="1.0" encoding="utf-8"?>
+<p:sld xmlns:a="http://schemas.openxmlformats.org/drawingml/2006/main" xmlns:r="http://schemas.openxmlformats.org/officeDocument/2006/relationships" xmlns:p="http://schemas.openxmlformats.org/presentationml/2006/main" showMasterSp="1" showMasterPhAnim="1">
+  <p:cSld>
+    <p:bg>
+      <p:bgPr>
+        <a:solidFill>
+          <a:srgbClr val="000000"/>
+        </a:solidFill>
+      </p:bgPr>
+    </p:bg>
+    <p:spTree>
+      <p:nvGrpSpPr>
+        <p:cNvPr id="1" name=""/>
+        <p:cNvGrpSpPr/>
+        <p:nvPr/>
+      </p:nvGrpSpPr>
+      <p:grpSpPr>
+        <a:xfrm>
+          <a:off x="0" y="0"/>
+          <a:ext cx="0" cy="0"/>
+          <a:chOff x="0" y="0"/>
+          <a:chExt cx="0" cy="0"/>
+        </a:xfrm>
+      </p:grpSpPr>
+      <p:sp>
+        <p:nvSpPr>
+          <p:cNvPr id="399" name="Shape 399"/>
+          <p:cNvSpPr/>
+          <p:nvPr>
+            <p:ph type="body" idx="13"/>
+          </p:nvPr>
+        </p:nvSpPr>
+        <p:spPr>
+          <a:prstGeom prst="rect">
+            <a:avLst/>
+          </a:prstGeom>
+        </p:spPr>
+        <p:txBody>
+          <a:bodyPr/>
+          <a:lstStyle/>
+          <a:p>
+            <a:pPr/>
+          </a:p>
+        </p:txBody>
+      </p:sp>
+      <p:sp>
+        <p:nvSpPr>
+          <p:cNvPr id="400" name="Shape 400"/>
+          <p:cNvSpPr/>
+          <p:nvPr>
+            <p:ph type="title"/>
+          </p:nvPr>
+        </p:nvSpPr>
+        <p:spPr>
+          <a:prstGeom prst="rect">
+            <a:avLst/>
+          </a:prstGeom>
+        </p:spPr>
+        <p:txBody>
+          <a:bodyPr/>
+          <a:lstStyle>
+            <a:lvl1pPr defTabSz="467359">
+              <a:spcBef>
+                <a:spcPts val="2200"/>
+              </a:spcBef>
+              <a:defRPr sz="4800"/>
+            </a:lvl1pPr>
+          </a:lstStyle>
+          <a:p>
+            <a:pPr/>
+            <a:r>
+              <a:t>faceColor</a:t>
+            </a:r>
+          </a:p>
+        </p:txBody>
+      </p:sp>
+      <p:sp>
+        <p:nvSpPr>
+          <p:cNvPr id="401" name="Shape 401"/>
+          <p:cNvSpPr/>
+          <p:nvPr>
+            <p:ph type="body" sz="quarter" idx="1"/>
+          </p:nvPr>
+        </p:nvSpPr>
+        <p:spPr>
+          <a:xfrm>
+            <a:off x="406400" y="2743200"/>
+            <a:ext cx="12192000" cy="818013"/>
+          </a:xfrm>
+          <a:prstGeom prst="rect">
+            <a:avLst/>
+          </a:prstGeom>
+        </p:spPr>
+        <p:txBody>
+          <a:bodyPr/>
+          <a:lstStyle/>
+          <a:p>
+            <a:pPr/>
+            <a:r>
+              <a:t>Background color to the data</a:t>
+            </a:r>
+          </a:p>
+        </p:txBody>
+      </p:sp>
+      <p:pic>
+        <p:nvPicPr>
+          <p:cNvPr id="402" name="Screen Shot 2018-11-09 at 1.31.16 AM.png"/>
+          <p:cNvPicPr>
+            <a:picLocks noChangeAspect="1"/>
+          </p:cNvPicPr>
+          <p:nvPr/>
+        </p:nvPicPr>
+        <p:blipFill>
+          <a:blip r:embed="rId2">
+            <a:extLst/>
+          </a:blip>
+          <a:stretch>
+            <a:fillRect/>
+          </a:stretch>
+        </p:blipFill>
+        <p:spPr>
+          <a:xfrm>
+            <a:off x="-1" y="4043812"/>
+            <a:ext cx="13004801" cy="4358991"/>
+          </a:xfrm>
+          <a:prstGeom prst="rect">
+            <a:avLst/>
+          </a:prstGeom>
+          <a:ln w="12700">
+            <a:miter lim="400000"/>
+          </a:ln>
+        </p:spPr>
+      </p:pic>
+      <p:sp>
+        <p:nvSpPr>
+          <p:cNvPr id="403" name="Shape 403"/>
+          <p:cNvSpPr/>
+          <p:nvPr/>
+        </p:nvSpPr>
+        <p:spPr>
+          <a:xfrm>
+            <a:off x="471320" y="8815551"/>
+            <a:ext cx="4534621" cy="546101"/>
+          </a:xfrm>
+          <a:prstGeom prst="rect">
+            <a:avLst/>
+          </a:prstGeom>
+          <a:ln w="12700">
+            <a:miter lim="400000"/>
+          </a:ln>
+          <a:extLst>
+            <a:ext uri="{C572A759-6A51-4108-AA02-DFA0A04FC94B}">
+              <ma14:wrappingTextBoxFlag xmlns:ma14="http://schemas.microsoft.com/office/mac/drawingml/2011/main" val="1"/>
+            </a:ext>
+          </a:extLst>
+        </p:spPr>
+        <p:txBody>
+          <a:bodyPr wrap="none" lIns="50800" tIns="50800" rIns="50800" bIns="50800" anchor="ctr">
+            <a:spAutoFit/>
+          </a:bodyPr>
+          <a:lstStyle>
+            <a:lvl1pPr>
+              <a:defRPr sz="2900">
+                <a:latin typeface="Courier"/>
+                <a:ea typeface="Courier"/>
+                <a:cs typeface="Courier"/>
+                <a:sym typeface="Courier"/>
+              </a:defRPr>
+            </a:lvl1pPr>
+          </a:lstStyle>
+          <a:p>
+            <a:pPr/>
+            <a:r>
+              <a:t>matplotlib.axes.Axes</a:t>
+            </a:r>
+          </a:p>
+        </p:txBody>
+      </p:sp>
+      <p:sp>
+        <p:nvSpPr>
+          <p:cNvPr id="404" name="Shape 404"/>
+          <p:cNvSpPr/>
+          <p:nvPr/>
+        </p:nvSpPr>
+        <p:spPr>
+          <a:xfrm>
+            <a:off x="8757355" y="4593627"/>
+            <a:ext cx="2954061" cy="3348865"/>
+          </a:xfrm>
+          <a:prstGeom prst="rect">
+            <a:avLst/>
+          </a:prstGeom>
+          <a:solidFill>
+            <a:schemeClr val="accent4">
+              <a:alpha val="35161"/>
+            </a:schemeClr>
+          </a:solidFill>
+          <a:ln w="12700">
+            <a:miter lim="400000"/>
+          </a:ln>
+        </p:spPr>
+        <p:txBody>
+          <a:bodyPr lIns="50800" tIns="50800" rIns="50800" bIns="50800" anchor="ctr"/>
+          <a:lstStyle/>
+          <a:p>
+            <a:pPr algn="ctr">
+              <a:lnSpc>
+                <a:spcPct val="80000"/>
+              </a:lnSpc>
+              <a:spcBef>
+                <a:spcPts val="0"/>
+              </a:spcBef>
+              <a:defRPr cap="all" sz="2800">
+                <a:solidFill>
+                  <a:srgbClr val="232323"/>
+                </a:solidFill>
+                <a:latin typeface="+mn-lt"/>
+                <a:ea typeface="+mn-ea"/>
+                <a:cs typeface="+mn-cs"/>
+                <a:sym typeface="DIN Condensed"/>
+              </a:defRPr>
+            </a:pPr>
+          </a:p>
+        </p:txBody>
+      </p:sp>
+      <p:sp>
+        <p:nvSpPr>
+          <p:cNvPr id="405" name="Shape 405"/>
+          <p:cNvSpPr/>
+          <p:nvPr/>
+        </p:nvSpPr>
+        <p:spPr>
+          <a:xfrm flipH="1" rot="16200000">
+            <a:off x="9991069" y="3601645"/>
+            <a:ext cx="1713090" cy="1270001"/>
+          </a:xfrm>
+          <a:prstGeom prst="rightArrow">
+            <a:avLst>
+              <a:gd name="adj1" fmla="val 32000"/>
+              <a:gd name="adj2" fmla="val 64000"/>
+            </a:avLst>
+          </a:prstGeom>
+          <a:solidFill>
+            <a:schemeClr val="accent5"/>
+          </a:solidFill>
+          <a:ln w="12700">
+            <a:miter lim="400000"/>
+          </a:ln>
+        </p:spPr>
+        <p:txBody>
+          <a:bodyPr lIns="50800" tIns="50800" rIns="50800" bIns="50800" anchor="ctr"/>
+          <a:lstStyle/>
+          <a:p>
+            <a:pPr algn="ctr">
+              <a:lnSpc>
+                <a:spcPct val="80000"/>
+              </a:lnSpc>
+              <a:spcBef>
+                <a:spcPts val="0"/>
+              </a:spcBef>
+              <a:defRPr cap="all" sz="2800">
+                <a:solidFill>
+                  <a:srgbClr val="FFFFFF"/>
+                </a:solidFill>
+                <a:latin typeface="+mn-lt"/>
+                <a:ea typeface="+mn-ea"/>
+                <a:cs typeface="+mn-cs"/>
+                <a:sym typeface="DIN Condensed"/>
+              </a:defRPr>
+            </a:pPr>
+          </a:p>
+        </p:txBody>
+      </p:sp>
+    </p:spTree>
+  </p:cSld>
+  <p:clrMapOvr>
+    <a:masterClrMapping/>
+  </p:clrMapOvr>
+  <p:transition xmlns:p14="http://schemas.microsoft.com/office/powerpoint/2010/main" spd="med" advClick="1"/>
+</p:sld>
+</file>
+
+<file path=ppt/slides/slide62.xml><?xml version="1.0" encoding="utf-8"?>
+<p:sld xmlns:a="http://schemas.openxmlformats.org/drawingml/2006/main" xmlns:r="http://schemas.openxmlformats.org/officeDocument/2006/relationships" xmlns:p="http://schemas.openxmlformats.org/presentationml/2006/main" showMasterSp="1" showMasterPhAnim="1">
+  <p:cSld>
+    <p:spTree>
+      <p:nvGrpSpPr>
+        <p:cNvPr id="1" name=""/>
+        <p:cNvGrpSpPr/>
+        <p:nvPr/>
+      </p:nvGrpSpPr>
+      <p:grpSpPr>
+        <a:xfrm>
+          <a:off x="0" y="0"/>
+          <a:ext cx="0" cy="0"/>
+          <a:chOff x="0" y="0"/>
+          <a:chExt cx="0" cy="0"/>
+        </a:xfrm>
+      </p:grpSpPr>
+      <p:pic>
+        <p:nvPicPr>
+          <p:cNvPr id="407" name="pasted-image.png"/>
+          <p:cNvPicPr>
+            <a:picLocks noChangeAspect="1"/>
+          </p:cNvPicPr>
+          <p:nvPr/>
+        </p:nvPicPr>
+        <p:blipFill>
+          <a:blip r:embed="rId2">
+            <a:extLst/>
+          </a:blip>
+          <a:stretch>
+            <a:fillRect/>
+          </a:stretch>
+        </p:blipFill>
+        <p:spPr>
+          <a:xfrm>
+            <a:off x="621384" y="626828"/>
+            <a:ext cx="11762032" cy="8821525"/>
+          </a:xfrm>
+          <a:prstGeom prst="rect">
+            <a:avLst/>
+          </a:prstGeom>
+          <a:ln w="12700">
+            <a:miter lim="400000"/>
+          </a:ln>
+        </p:spPr>
+      </p:pic>
+    </p:spTree>
+  </p:cSld>
+  <p:clrMapOvr>
+    <a:masterClrMapping/>
+  </p:clrMapOvr>
+  <p:transition xmlns:p14="http://schemas.microsoft.com/office/powerpoint/2010/main" spd="med" advClick="1"/>
+</p:sld>
+</file>
+
+<file path=ppt/slides/slide63.xml><?xml version="1.0" encoding="utf-8"?>
+<p:sld xmlns:a="http://schemas.openxmlformats.org/drawingml/2006/main" xmlns:r="http://schemas.openxmlformats.org/officeDocument/2006/relationships" xmlns:p="http://schemas.openxmlformats.org/presentationml/2006/main" showMasterSp="1" showMasterPhAnim="1">
+  <p:cSld>
+    <p:spTree>
+      <p:nvGrpSpPr>
+        <p:cNvPr id="1" name=""/>
+        <p:cNvGrpSpPr/>
+        <p:nvPr/>
+      </p:nvGrpSpPr>
+      <p:grpSpPr>
+        <a:xfrm>
+          <a:off x="0" y="0"/>
+          <a:ext cx="0" cy="0"/>
+          <a:chOff x="0" y="0"/>
+          <a:chExt cx="0" cy="0"/>
+        </a:xfrm>
+      </p:grpSpPr>
+      <p:sp>
+        <p:nvSpPr>
+          <p:cNvPr id="409" name="Shape 409"/>
+          <p:cNvSpPr/>
+          <p:nvPr>
+            <p:ph type="body" idx="13"/>
+          </p:nvPr>
+        </p:nvSpPr>
+        <p:spPr>
+          <a:prstGeom prst="rect">
+            <a:avLst/>
+          </a:prstGeom>
+        </p:spPr>
+        <p:txBody>
+          <a:bodyPr/>
+          <a:lstStyle/>
+          <a:p>
+            <a:pPr/>
+            <a:r>
+              <a:t>Text</a:t>
+            </a:r>
+          </a:p>
+        </p:txBody>
+      </p:sp>
+      <p:pic>
+        <p:nvPicPr>
+          <p:cNvPr id="410" name="Screen Shot 2019-04-11 at 5.04.11 PM.png"/>
+          <p:cNvPicPr>
+            <a:picLocks noChangeAspect="1"/>
+          </p:cNvPicPr>
+          <p:nvPr/>
+        </p:nvPicPr>
+        <p:blipFill>
+          <a:blip r:embed="rId2">
+            <a:extLst/>
+          </a:blip>
+          <a:stretch>
+            <a:fillRect/>
+          </a:stretch>
+        </p:blipFill>
+        <p:spPr>
+          <a:xfrm>
+            <a:off x="914400" y="1004630"/>
+            <a:ext cx="11176000" cy="6990233"/>
+          </a:xfrm>
+          <a:prstGeom prst="rect">
+            <a:avLst/>
+          </a:prstGeom>
+          <a:ln w="12700">
+            <a:miter lim="400000"/>
+          </a:ln>
+        </p:spPr>
+      </p:pic>
+    </p:spTree>
+  </p:cSld>
+  <p:clrMapOvr>
+    <a:masterClrMapping/>
+  </p:clrMapOvr>
+  <p:transition xmlns:p14="http://schemas.microsoft.com/office/powerpoint/2010/main" spd="med" advClick="1"/>
+</p:sld>
+</file>
+
+<file path=ppt/slides/slide64.xml><?xml version="1.0" encoding="utf-8"?>
+<p:sld xmlns:a="http://schemas.openxmlformats.org/drawingml/2006/main" xmlns:r="http://schemas.openxmlformats.org/officeDocument/2006/relationships" xmlns:p="http://schemas.openxmlformats.org/presentationml/2006/main" showMasterSp="1" showMasterPhAnim="1">
+  <p:cSld>
+    <p:spTree>
+      <p:nvGrpSpPr>
+        <p:cNvPr id="1" name=""/>
+        <p:cNvGrpSpPr/>
+        <p:nvPr/>
+      </p:nvGrpSpPr>
+      <p:grpSpPr>
+        <a:xfrm>
+          <a:off x="0" y="0"/>
+          <a:ext cx="0" cy="0"/>
+          <a:chOff x="0" y="0"/>
+          <a:chExt cx="0" cy="0"/>
+        </a:xfrm>
+      </p:grpSpPr>
+      <p:sp>
+        <p:nvSpPr>
+          <p:cNvPr id="412" name="Shape 412"/>
+          <p:cNvSpPr/>
+          <p:nvPr>
+            <p:ph type="title"/>
+          </p:nvPr>
+        </p:nvSpPr>
+        <p:spPr>
+          <a:xfrm>
+            <a:off x="3318085" y="4128458"/>
+            <a:ext cx="6368631" cy="1982356"/>
+          </a:xfrm>
+          <a:prstGeom prst="rect">
+            <a:avLst/>
+          </a:prstGeom>
+        </p:spPr>
+        <p:txBody>
+          <a:bodyPr/>
+          <a:lstStyle>
+            <a:lvl1pPr defTabSz="502412">
+              <a:defRPr sz="14620"/>
+            </a:lvl1pPr>
+          </a:lstStyle>
+          <a:p>
+            <a:pPr/>
+            <a:r>
+              <a:t>Exercises</a:t>
+            </a:r>
+          </a:p>
+        </p:txBody>
+      </p:sp>
+    </p:spTree>
+  </p:cSld>
+  <p:clrMapOvr>
+    <a:masterClrMapping/>
+  </p:clrMapOvr>
+  <p:transition xmlns:p14="http://schemas.microsoft.com/office/powerpoint/2010/main" spd="med" advClick="1"/>
+</p:sld>
+</file>
+
+<file path=ppt/slides/slide65.xml><?xml version="1.0" encoding="utf-8"?>
+<p:sld xmlns:a="http://schemas.openxmlformats.org/drawingml/2006/main" xmlns:r="http://schemas.openxmlformats.org/officeDocument/2006/relationships" xmlns:p="http://schemas.openxmlformats.org/presentationml/2006/main" showMasterSp="1" showMasterPhAnim="1">
+  <p:cSld>
+    <p:spTree>
+      <p:nvGrpSpPr>
+        <p:cNvPr id="1" name=""/>
+        <p:cNvGrpSpPr/>
+        <p:nvPr/>
+      </p:nvGrpSpPr>
+      <p:grpSpPr>
+        <a:xfrm>
+          <a:off x="0" y="0"/>
+          <a:ext cx="0" cy="0"/>
+          <a:chOff x="0" y="0"/>
+          <a:chExt cx="0" cy="0"/>
+        </a:xfrm>
+      </p:grpSpPr>
+      <p:pic>
+        <p:nvPicPr>
+          <p:cNvPr id="414" name="pasted-image.png"/>
+          <p:cNvPicPr>
+            <a:picLocks noChangeAspect="1"/>
+          </p:cNvPicPr>
+          <p:nvPr/>
+        </p:nvPicPr>
+        <p:blipFill>
+          <a:blip r:embed="rId2">
+            <a:extLst/>
+          </a:blip>
+          <a:stretch>
+            <a:fillRect/>
+          </a:stretch>
+        </p:blipFill>
+        <p:spPr>
+          <a:xfrm>
+            <a:off x="1346200" y="990600"/>
+            <a:ext cx="10312400" cy="7772400"/>
+          </a:xfrm>
+          <a:prstGeom prst="rect">
+            <a:avLst/>
+          </a:prstGeom>
+          <a:ln w="12700">
+            <a:miter lim="400000"/>
+          </a:ln>
+        </p:spPr>
+      </p:pic>
+    </p:spTree>
+  </p:cSld>
+  <p:clrMapOvr>
+    <a:masterClrMapping/>
+  </p:clrMapOvr>
+  <p:transition xmlns:p14="http://schemas.microsoft.com/office/powerpoint/2010/main" spd="med" advClick="1"/>
+</p:sld>
+</file>
+
+<file path=ppt/slides/slide66.xml><?xml version="1.0" encoding="utf-8"?>
+<p:sld xmlns:a="http://schemas.openxmlformats.org/drawingml/2006/main" xmlns:r="http://schemas.openxmlformats.org/officeDocument/2006/relationships" xmlns:p="http://schemas.openxmlformats.org/presentationml/2006/main" showMasterSp="1" showMasterPhAnim="1">
+  <p:cSld>
+    <p:spTree>
+      <p:nvGrpSpPr>
+        <p:cNvPr id="1" name=""/>
+        <p:cNvGrpSpPr/>
+        <p:nvPr/>
+      </p:nvGrpSpPr>
+      <p:grpSpPr>
+        <a:xfrm>
+          <a:off x="0" y="0"/>
+          <a:ext cx="0" cy="0"/>
+          <a:chOff x="0" y="0"/>
+          <a:chExt cx="0" cy="0"/>
+        </a:xfrm>
+      </p:grpSpPr>
+      <p:sp>
+        <p:nvSpPr>
+          <p:cNvPr id="416" name="Shape 416"/>
+          <p:cNvSpPr/>
+          <p:nvPr>
+            <p:ph type="body" idx="13"/>
+          </p:nvPr>
+        </p:nvSpPr>
+        <p:spPr>
+          <a:prstGeom prst="rect">
+            <a:avLst/>
+          </a:prstGeom>
+        </p:spPr>
+        <p:txBody>
+          <a:bodyPr/>
+          <a:lstStyle/>
+          <a:p>
+            <a:pPr/>
+            <a:r>
+              <a:t>Text</a:t>
+            </a:r>
+          </a:p>
+        </p:txBody>
+      </p:sp>
+      <p:pic>
+        <p:nvPicPr>
+          <p:cNvPr id="417" name="pasted-image.png"/>
+          <p:cNvPicPr>
+            <a:picLocks noChangeAspect="1"/>
+          </p:cNvPicPr>
+          <p:nvPr/>
+        </p:nvPicPr>
+        <p:blipFill>
+          <a:blip r:embed="rId2">
+            <a:extLst/>
+          </a:blip>
+          <a:stretch>
+            <a:fillRect/>
+          </a:stretch>
+        </p:blipFill>
+        <p:spPr>
+          <a:xfrm>
+            <a:off x="417563" y="1013165"/>
+            <a:ext cx="12169673" cy="7410860"/>
+          </a:xfrm>
+          <a:prstGeom prst="rect">
+            <a:avLst/>
+          </a:prstGeom>
+          <a:ln w="12700">
+            <a:miter lim="400000"/>
+          </a:ln>
+        </p:spPr>
+      </p:pic>
+    </p:spTree>
+  </p:cSld>
+  <p:clrMapOvr>
+    <a:masterClrMapping/>
+  </p:clrMapOvr>
+  <p:transition xmlns:p14="http://schemas.microsoft.com/office/powerpoint/2010/main" spd="med" advClick="1"/>
+</p:sld>
+</file>
+
+<file path=ppt/slides/slide67.xml><?xml version="1.0" encoding="utf-8"?>
+<p:sld xmlns:a="http://schemas.openxmlformats.org/drawingml/2006/main" xmlns:r="http://schemas.openxmlformats.org/officeDocument/2006/relationships" xmlns:p="http://schemas.openxmlformats.org/presentationml/2006/main" showMasterSp="1" showMasterPhAnim="1">
+  <p:cSld>
+    <p:spTree>
+      <p:nvGrpSpPr>
+        <p:cNvPr id="1" name=""/>
+        <p:cNvGrpSpPr/>
+        <p:nvPr/>
+      </p:nvGrpSpPr>
+      <p:grpSpPr>
+        <a:xfrm>
+          <a:off x="0" y="0"/>
+          <a:ext cx="0" cy="0"/>
+          <a:chOff x="0" y="0"/>
+          <a:chExt cx="0" cy="0"/>
+        </a:xfrm>
+      </p:grpSpPr>
+      <p:sp>
+        <p:nvSpPr>
+          <p:cNvPr id="419" name="Shape 419"/>
+          <p:cNvSpPr/>
+          <p:nvPr>
+            <p:ph type="body" idx="13"/>
+          </p:nvPr>
+        </p:nvSpPr>
+        <p:spPr>
+          <a:prstGeom prst="rect">
+            <a:avLst/>
+          </a:prstGeom>
+        </p:spPr>
+        <p:txBody>
+          <a:bodyPr/>
+          <a:lstStyle/>
+          <a:p>
+            <a:pPr/>
+            <a:r>
+              <a:t>Text</a:t>
+            </a:r>
+          </a:p>
+        </p:txBody>
+      </p:sp>
+      <p:pic>
+        <p:nvPicPr>
+          <p:cNvPr id="420" name="pasted-image.png"/>
+          <p:cNvPicPr>
+            <a:picLocks noChangeAspect="1"/>
+          </p:cNvPicPr>
+          <p:nvPr/>
+        </p:nvPicPr>
+        <p:blipFill>
+          <a:blip r:embed="rId2">
+            <a:extLst/>
+          </a:blip>
+          <a:stretch>
+            <a:fillRect/>
+          </a:stretch>
+        </p:blipFill>
+        <p:spPr>
+          <a:xfrm>
+            <a:off x="417563" y="1013165"/>
+            <a:ext cx="12169673" cy="7410860"/>
+          </a:xfrm>
+          <a:prstGeom prst="rect">
+            <a:avLst/>
+          </a:prstGeom>
+          <a:ln w="12700">
+            <a:miter lim="400000"/>
+          </a:ln>
+        </p:spPr>
+      </p:pic>
+      <p:sp>
+        <p:nvSpPr>
+          <p:cNvPr id="421" name="Shape 421"/>
+          <p:cNvSpPr/>
+          <p:nvPr/>
+        </p:nvSpPr>
+        <p:spPr>
+          <a:xfrm>
+            <a:off x="1302905" y="7160583"/>
+            <a:ext cx="3548115" cy="1270001"/>
+          </a:xfrm>
+          <a:prstGeom prst="rightArrow">
+            <a:avLst>
+              <a:gd name="adj1" fmla="val 32000"/>
+              <a:gd name="adj2" fmla="val 64000"/>
+            </a:avLst>
+          </a:prstGeom>
+          <a:solidFill>
+            <a:schemeClr val="accent5"/>
+          </a:solidFill>
+          <a:ln w="12700">
+            <a:miter lim="400000"/>
+          </a:ln>
+        </p:spPr>
+        <p:txBody>
+          <a:bodyPr lIns="50800" tIns="50800" rIns="50800" bIns="50800" anchor="ctr"/>
+          <a:lstStyle/>
+          <a:p>
+            <a:pPr algn="ctr">
+              <a:lnSpc>
+                <a:spcPct val="80000"/>
+              </a:lnSpc>
+              <a:spcBef>
+                <a:spcPts val="0"/>
+              </a:spcBef>
+              <a:defRPr cap="all" sz="2800">
+                <a:solidFill>
+                  <a:srgbClr val="FFFFFF"/>
+                </a:solidFill>
+                <a:latin typeface="+mn-lt"/>
+                <a:ea typeface="+mn-ea"/>
+                <a:cs typeface="+mn-cs"/>
+                <a:sym typeface="DIN Condensed"/>
+              </a:defRPr>
+            </a:pPr>
+          </a:p>
+        </p:txBody>
+      </p:sp>
+    </p:spTree>
+  </p:cSld>
+  <p:clrMapOvr>
+    <a:masterClrMapping/>
+  </p:clrMapOvr>
+  <p:transition xmlns:p14="http://schemas.microsoft.com/office/powerpoint/2010/main" spd="med" advClick="1"/>
+</p:sld>
+</file>
+
+<file path=ppt/slides/slide68.xml><?xml version="1.0" encoding="utf-8"?>
+<p:sld xmlns:a="http://schemas.openxmlformats.org/drawingml/2006/main" xmlns:r="http://schemas.openxmlformats.org/officeDocument/2006/relationships" xmlns:p="http://schemas.openxmlformats.org/presentationml/2006/main" showMasterSp="1" showMasterPhAnim="1">
+  <p:cSld>
+    <p:spTree>
+      <p:nvGrpSpPr>
+        <p:cNvPr id="1" name=""/>
+        <p:cNvGrpSpPr/>
+        <p:nvPr/>
+      </p:nvGrpSpPr>
+      <p:grpSpPr>
+        <a:xfrm>
+          <a:off x="0" y="0"/>
+          <a:ext cx="0" cy="0"/>
+          <a:chOff x="0" y="0"/>
+          <a:chExt cx="0" cy="0"/>
+        </a:xfrm>
+      </p:grpSpPr>
+      <p:sp>
+        <p:nvSpPr>
+          <p:cNvPr id="423" name="Shape 423"/>
+          <p:cNvSpPr/>
+          <p:nvPr>
+            <p:ph type="body" idx="13"/>
+          </p:nvPr>
+        </p:nvSpPr>
+        <p:spPr>
+          <a:prstGeom prst="rect">
+            <a:avLst/>
+          </a:prstGeom>
+        </p:spPr>
+        <p:txBody>
+          <a:bodyPr/>
+          <a:lstStyle/>
+          <a:p>
+            <a:pPr/>
+            <a:r>
+              <a:t>Text</a:t>
+            </a:r>
+          </a:p>
+        </p:txBody>
+      </p:sp>
+      <p:sp>
+        <p:nvSpPr>
+          <p:cNvPr id="424" name="Shape 424"/>
+          <p:cNvSpPr/>
+          <p:nvPr>
+            <p:ph type="title"/>
+          </p:nvPr>
+        </p:nvSpPr>
+        <p:spPr>
+          <a:prstGeom prst="rect">
+            <a:avLst/>
+          </a:prstGeom>
+        </p:spPr>
+        <p:txBody>
+          <a:bodyPr/>
+          <a:lstStyle/>
+          <a:p>
+            <a:pPr defTabSz="467359">
+              <a:spcBef>
+                <a:spcPts val="2200"/>
+              </a:spcBef>
+              <a:defRPr sz="4800"/>
+            </a:pPr>
+          </a:p>
+        </p:txBody>
+      </p:sp>
+      <p:sp>
+        <p:nvSpPr>
+          <p:cNvPr id="425" name="Shape 425"/>
+          <p:cNvSpPr/>
+          <p:nvPr>
+            <p:ph type="body" idx="1"/>
+          </p:nvPr>
+        </p:nvSpPr>
+        <p:spPr>
+          <a:prstGeom prst="rect">
+            <a:avLst/>
+          </a:prstGeom>
+        </p:spPr>
+        <p:txBody>
+          <a:bodyPr/>
+          <a:lstStyle/>
+          <a:p>
+            <a:pPr/>
+          </a:p>
+        </p:txBody>
+      </p:sp>
+      <p:pic>
+        <p:nvPicPr>
+          <p:cNvPr id="426" name="Screen Shot 2019-04-11 at 4.57.49 PM.png"/>
+          <p:cNvPicPr>
+            <a:picLocks noChangeAspect="1"/>
+          </p:cNvPicPr>
+          <p:nvPr/>
+        </p:nvPicPr>
+        <p:blipFill>
+          <a:blip r:embed="rId2">
+            <a:extLst/>
+          </a:blip>
+          <a:stretch>
+            <a:fillRect/>
+          </a:stretch>
+        </p:blipFill>
+        <p:spPr>
+          <a:xfrm>
+            <a:off x="0" y="-171450"/>
+            <a:ext cx="13004800" cy="10096500"/>
           </a:xfrm>
           <a:prstGeom prst="rect">
             <a:avLst/>
@@ -9729,24 +13304,103 @@
       </p:grpSpPr>
       <p:sp>
         <p:nvSpPr>
-          <p:cNvPr id="217" name="Shape 217"/>
+          <p:cNvPr id="219" name="Shape 219"/>
           <p:cNvSpPr/>
           <p:nvPr>
             <p:ph type="title"/>
           </p:nvPr>
         </p:nvSpPr>
         <p:spPr>
+          <a:xfrm>
+            <a:off x="406400" y="1536700"/>
+            <a:ext cx="12192000" cy="1169261"/>
+          </a:xfrm>
           <a:prstGeom prst="rect">
             <a:avLst/>
           </a:prstGeom>
         </p:spPr>
         <p:txBody>
           <a:bodyPr/>
+          <a:lstStyle>
+            <a:lvl1pPr defTabSz="403097">
+              <a:spcBef>
+                <a:spcPts val="1900"/>
+              </a:spcBef>
+              <a:defRPr sz="8200"/>
+            </a:lvl1pPr>
+          </a:lstStyle>
+          <a:p>
+            <a:pPr/>
+            <a:r>
+              <a:t>Json (Javascript object notation)</a:t>
+            </a:r>
+          </a:p>
+        </p:txBody>
+      </p:sp>
+      <p:sp>
+        <p:nvSpPr>
+          <p:cNvPr id="220" name="Shape 220"/>
+          <p:cNvSpPr/>
+          <p:nvPr>
+            <p:ph type="body" sz="half" idx="1"/>
+          </p:nvPr>
+        </p:nvSpPr>
+        <p:spPr>
+          <a:xfrm>
+            <a:off x="406400" y="3953767"/>
+            <a:ext cx="12192000" cy="2531602"/>
+          </a:xfrm>
+          <a:prstGeom prst="rect">
+            <a:avLst/>
+          </a:prstGeom>
+        </p:spPr>
+        <p:txBody>
+          <a:bodyPr anchor="t"/>
           <a:lstStyle/>
           <a:p>
-            <a:pPr/>
-            <a:r>
-              <a:t>Goal for Today’s lesson</a:t>
+            <a:pPr marL="663612" indent="-663612" defTabSz="549148">
+              <a:lnSpc>
+                <a:spcPct val="100000"/>
+              </a:lnSpc>
+              <a:spcBef>
+                <a:spcPts val="2600"/>
+              </a:spcBef>
+              <a:buSzPct val="40000"/>
+              <a:buBlip>
+                <a:blip r:embed="rId2"/>
+              </a:buBlip>
+              <a:defRPr cap="none" spc="0" sz="6000">
+                <a:latin typeface="Avenir Next Medium"/>
+                <a:ea typeface="Avenir Next Medium"/>
+                <a:cs typeface="Avenir Next Medium"/>
+                <a:sym typeface="Avenir Next Medium"/>
+              </a:defRPr>
+            </a:pPr>
+            <a:r>
+              <a:t>Simple format for sending data</a:t>
+            </a:r>
+          </a:p>
+          <a:p>
+            <a:pPr marL="663612" indent="-663612" defTabSz="549148">
+              <a:lnSpc>
+                <a:spcPct val="200000"/>
+              </a:lnSpc>
+              <a:spcBef>
+                <a:spcPts val="2600"/>
+              </a:spcBef>
+              <a:buSzPct val="40000"/>
+              <a:buBlip>
+                <a:blip r:embed="rId2"/>
+              </a:buBlip>
+              <a:defRPr cap="none" spc="0" sz="6000">
+                <a:latin typeface="Avenir Next Medium"/>
+                <a:ea typeface="Avenir Next Medium"/>
+                <a:cs typeface="Avenir Next Medium"/>
+                <a:sym typeface="Avenir Next Medium"/>
+              </a:defRPr>
+            </a:pPr>
+            <a:r>
+              <a:t>Turns into a Python dictionary!</a:t>
             </a:r>
           </a:p>
         </p:txBody>
@@ -9779,7 +13433,7 @@
       </p:grpSpPr>
       <p:sp>
         <p:nvSpPr>
-          <p:cNvPr id="219" name="Shape 219"/>
+          <p:cNvPr id="222" name="Shape 222"/>
           <p:cNvSpPr/>
           <p:nvPr>
             <p:ph type="title"/>
@@ -9807,23 +13461,192 @@
           <a:p>
             <a:pPr/>
             <a:r>
-              <a:t>Graphs</a:t>
-            </a:r>
-          </a:p>
-        </p:txBody>
-      </p:sp>
-      <p:sp>
-        <p:nvSpPr>
-          <p:cNvPr id="220" name="Shape 220"/>
-          <p:cNvSpPr/>
-          <p:nvPr>
-            <p:ph type="body" idx="1"/>
+              <a:t>Json</a:t>
+            </a:r>
+          </a:p>
+        </p:txBody>
+      </p:sp>
+      <p:sp>
+        <p:nvSpPr>
+          <p:cNvPr id="223" name="Shape 223"/>
+          <p:cNvSpPr/>
+          <p:nvPr/>
+        </p:nvSpPr>
+        <p:spPr>
+          <a:xfrm>
+            <a:off x="478216" y="2514600"/>
+            <a:ext cx="11562527" cy="6578600"/>
+          </a:xfrm>
+          <a:prstGeom prst="rect">
+            <a:avLst/>
+          </a:prstGeom>
+          <a:ln w="12700">
+            <a:miter lim="400000"/>
+          </a:ln>
+          <a:extLst>
+            <a:ext uri="{C572A759-6A51-4108-AA02-DFA0A04FC94B}">
+              <ma14:wrappingTextBoxFlag xmlns:ma14="http://schemas.microsoft.com/office/mac/drawingml/2011/main" val="1"/>
+            </a:ext>
+          </a:extLst>
+        </p:spPr>
+        <p:txBody>
+          <a:bodyPr lIns="50800" tIns="50800" rIns="50800" bIns="50800" anchor="ctr">
+            <a:spAutoFit/>
+          </a:bodyPr>
+          <a:lstStyle/>
+          <a:p>
+            <a:pPr>
+              <a:defRPr sz="5400">
+                <a:latin typeface="Anonymous Pro for Powerline"/>
+                <a:ea typeface="Anonymous Pro for Powerline"/>
+                <a:cs typeface="Anonymous Pro for Powerline"/>
+                <a:sym typeface="Anonymous Pro for Powerline"/>
+              </a:defRPr>
+            </a:pPr>
+            <a:r>
+              <a:t>{</a:t>
+            </a:r>
+          </a:p>
+          <a:p>
+            <a:pPr>
+              <a:defRPr sz="5400">
+                <a:latin typeface="Anonymous Pro for Powerline"/>
+                <a:ea typeface="Anonymous Pro for Powerline"/>
+                <a:cs typeface="Anonymous Pro for Powerline"/>
+                <a:sym typeface="Anonymous Pro for Powerline"/>
+              </a:defRPr>
+            </a:pPr>
+            <a:r>
+              <a:t>  "name": “John Smith",</a:t>
+            </a:r>
+          </a:p>
+          <a:p>
+            <a:pPr>
+              <a:defRPr sz="5400">
+                <a:latin typeface="Anonymous Pro for Powerline"/>
+                <a:ea typeface="Anonymous Pro for Powerline"/>
+                <a:cs typeface="Anonymous Pro for Powerline"/>
+                <a:sym typeface="Anonymous Pro for Powerline"/>
+              </a:defRPr>
+            </a:pPr>
+            <a:r>
+              <a:t>  "address": {</a:t>
+            </a:r>
+          </a:p>
+          <a:p>
+            <a:pPr>
+              <a:defRPr sz="5400">
+                <a:latin typeface="Anonymous Pro for Powerline"/>
+                <a:ea typeface="Anonymous Pro for Powerline"/>
+                <a:cs typeface="Anonymous Pro for Powerline"/>
+                <a:sym typeface="Anonymous Pro for Powerline"/>
+              </a:defRPr>
+            </a:pPr>
+            <a:r>
+              <a:t>    "street": "21 2nd Street",</a:t>
+            </a:r>
+          </a:p>
+          <a:p>
+            <a:pPr>
+              <a:defRPr sz="5400">
+                <a:latin typeface="Anonymous Pro for Powerline"/>
+                <a:ea typeface="Anonymous Pro for Powerline"/>
+                <a:cs typeface="Anonymous Pro for Powerline"/>
+                <a:sym typeface="Anonymous Pro for Powerline"/>
+              </a:defRPr>
+            </a:pPr>
+            <a:r>
+              <a:t>    "city": "New York” }</a:t>
+            </a:r>
+          </a:p>
+          <a:p>
+            <a:pPr>
+              <a:defRPr sz="5400">
+                <a:latin typeface="Anonymous Pro for Powerline"/>
+                <a:ea typeface="Anonymous Pro for Powerline"/>
+                <a:cs typeface="Anonymous Pro for Powerline"/>
+                <a:sym typeface="Anonymous Pro for Powerline"/>
+              </a:defRPr>
+            </a:pPr>
+            <a:r>
+              <a:t>}</a:t>
+            </a:r>
+          </a:p>
+        </p:txBody>
+      </p:sp>
+    </p:spTree>
+  </p:cSld>
+  <p:clrMapOvr>
+    <a:masterClrMapping/>
+  </p:clrMapOvr>
+  <p:transition xmlns:p14="http://schemas.microsoft.com/office/powerpoint/2010/main" spd="med" advClick="1"/>
+</p:sld>
+</file>
+
+<file path=ppt/slides/slide9.xml><?xml version="1.0" encoding="utf-8"?>
+<p:sld xmlns:a="http://schemas.openxmlformats.org/drawingml/2006/main" xmlns:r="http://schemas.openxmlformats.org/officeDocument/2006/relationships" xmlns:p="http://schemas.openxmlformats.org/presentationml/2006/main" showMasterSp="1" showMasterPhAnim="1">
+  <p:cSld>
+    <p:spTree>
+      <p:nvGrpSpPr>
+        <p:cNvPr id="1" name=""/>
+        <p:cNvGrpSpPr/>
+        <p:nvPr/>
+      </p:nvGrpSpPr>
+      <p:grpSpPr>
+        <a:xfrm>
+          <a:off x="0" y="0"/>
+          <a:ext cx="0" cy="0"/>
+          <a:chOff x="0" y="0"/>
+          <a:chExt cx="0" cy="0"/>
+        </a:xfrm>
+      </p:grpSpPr>
+      <p:sp>
+        <p:nvSpPr>
+          <p:cNvPr id="225" name="Shape 225"/>
+          <p:cNvSpPr/>
+          <p:nvPr>
+            <p:ph type="title"/>
+          </p:nvPr>
+        </p:nvSpPr>
+        <p:spPr>
+          <a:xfrm>
+            <a:off x="406400" y="1536700"/>
+            <a:ext cx="12192000" cy="1169261"/>
+          </a:xfrm>
+          <a:prstGeom prst="rect">
+            <a:avLst/>
+          </a:prstGeom>
+        </p:spPr>
+        <p:txBody>
+          <a:bodyPr/>
+          <a:lstStyle>
+            <a:lvl1pPr defTabSz="403097">
+              <a:spcBef>
+                <a:spcPts val="1900"/>
+              </a:spcBef>
+              <a:defRPr sz="8200"/>
+            </a:lvl1pPr>
+          </a:lstStyle>
+          <a:p>
+            <a:pPr/>
+            <a:r>
+              <a:t>API</a:t>
+            </a:r>
+          </a:p>
+        </p:txBody>
+      </p:sp>
+      <p:sp>
+        <p:nvSpPr>
+          <p:cNvPr id="226" name="Shape 226"/>
+          <p:cNvSpPr/>
+          <p:nvPr>
+            <p:ph type="body" sz="half" idx="1"/>
           </p:nvPr>
         </p:nvSpPr>
         <p:spPr>
           <a:xfrm>
             <a:off x="406400" y="3953767"/>
-            <a:ext cx="12192000" cy="4909099"/>
+            <a:ext cx="12192000" cy="2531602"/>
           </a:xfrm>
           <a:prstGeom prst="rect">
             <a:avLst/>
@@ -9852,13 +13675,13 @@
               </a:defRPr>
             </a:pPr>
             <a:r>
-              <a:t>Bar charts</a:t>
+              <a:t>Going to use IEXTrading.com</a:t>
             </a:r>
           </a:p>
           <a:p>
             <a:pPr marL="663612" indent="-663612" defTabSz="549148">
               <a:lnSpc>
-                <a:spcPct val="100000"/>
+                <a:spcPct val="200000"/>
               </a:lnSpc>
               <a:spcBef>
                 <a:spcPts val="2600"/>
@@ -9875,124 +13698,7 @@
               </a:defRPr>
             </a:pPr>
             <a:r>
-              <a:t>Scatter plots</a:t>
-            </a:r>
-          </a:p>
-          <a:p>
-            <a:pPr marL="663612" indent="-663612" defTabSz="549148">
-              <a:lnSpc>
-                <a:spcPct val="100000"/>
-              </a:lnSpc>
-              <a:spcBef>
-                <a:spcPts val="2600"/>
-              </a:spcBef>
-              <a:buSzPct val="40000"/>
-              <a:buBlip>
-                <a:blip r:embed="rId2"/>
-              </a:buBlip>
-              <a:defRPr cap="none" spc="0" sz="6000">
-                <a:latin typeface="Avenir Next Medium"/>
-                <a:ea typeface="Avenir Next Medium"/>
-                <a:cs typeface="Avenir Next Medium"/>
-                <a:sym typeface="Avenir Next Medium"/>
-              </a:defRPr>
-            </a:pPr>
-            <a:r>
-              <a:t>Histograms</a:t>
-            </a:r>
-          </a:p>
-        </p:txBody>
-      </p:sp>
-    </p:spTree>
-  </p:cSld>
-  <p:clrMapOvr>
-    <a:masterClrMapping/>
-  </p:clrMapOvr>
-  <p:transition xmlns:p14="http://schemas.microsoft.com/office/powerpoint/2010/main" spd="med" advClick="1"/>
-</p:sld>
-</file>
-
-<file path=ppt/slides/slide9.xml><?xml version="1.0" encoding="utf-8"?>
-<p:sld xmlns:a="http://schemas.openxmlformats.org/drawingml/2006/main" xmlns:r="http://schemas.openxmlformats.org/officeDocument/2006/relationships" xmlns:p="http://schemas.openxmlformats.org/presentationml/2006/main" showMasterSp="1" showMasterPhAnim="1">
-  <p:cSld>
-    <p:bg>
-      <p:bgPr>
-        <a:solidFill>
-          <a:srgbClr val="000000"/>
-        </a:solidFill>
-      </p:bgPr>
-    </p:bg>
-    <p:spTree>
-      <p:nvGrpSpPr>
-        <p:cNvPr id="1" name=""/>
-        <p:cNvGrpSpPr/>
-        <p:nvPr/>
-      </p:nvGrpSpPr>
-      <p:grpSpPr>
-        <a:xfrm>
-          <a:off x="0" y="0"/>
-          <a:ext cx="0" cy="0"/>
-          <a:chOff x="0" y="0"/>
-          <a:chExt cx="0" cy="0"/>
-        </a:xfrm>
-      </p:grpSpPr>
-      <p:pic>
-        <p:nvPicPr>
-          <p:cNvPr id="222" name="anatomy.png"/>
-          <p:cNvPicPr>
-            <a:picLocks noChangeAspect="1"/>
-          </p:cNvPicPr>
-          <p:nvPr>
-            <p:ph type="pic" idx="13"/>
-          </p:nvPr>
-        </p:nvPicPr>
-        <p:blipFill>
-          <a:blip r:embed="rId2">
-            <a:extLst/>
-          </a:blip>
-          <a:srcRect l="0" t="0" r="0" b="0"/>
-          <a:stretch>
-            <a:fillRect/>
-          </a:stretch>
-        </p:blipFill>
-        <p:spPr>
-          <a:xfrm>
-            <a:off x="3517900" y="600845"/>
-            <a:ext cx="5969000" cy="5969001"/>
-          </a:xfrm>
-          <a:prstGeom prst="rect">
-            <a:avLst/>
-          </a:prstGeom>
-        </p:spPr>
-      </p:pic>
-      <p:sp>
-        <p:nvSpPr>
-          <p:cNvPr id="223" name="Shape 223"/>
-          <p:cNvSpPr/>
-          <p:nvPr>
-            <p:ph type="title"/>
-          </p:nvPr>
-        </p:nvSpPr>
-        <p:spPr>
-          <a:xfrm>
-            <a:off x="406400" y="7251901"/>
-            <a:ext cx="12192000" cy="2705101"/>
-          </a:xfrm>
-          <a:prstGeom prst="rect">
-            <a:avLst/>
-          </a:prstGeom>
-        </p:spPr>
-        <p:txBody>
-          <a:bodyPr/>
-          <a:lstStyle>
-            <a:lvl1pPr defTabSz="484886">
-              <a:defRPr sz="14109"/>
-            </a:lvl1pPr>
-          </a:lstStyle>
-          <a:p>
-            <a:pPr/>
-            <a:r>
-              <a:t>Anatomy of a Graph</a:t>
+              <a:t>No account/password needed!</a:t>
             </a:r>
           </a:p>
         </p:txBody>

--- a/Session8/Session8_Slides.pptx
+++ b/Session8/Session8_Slides.pptx
@@ -38,44 +38,6 @@
     <p:sldId id="283" r:id="rId35"/>
     <p:sldId id="284" r:id="rId36"/>
     <p:sldId id="285" r:id="rId37"/>
-    <p:sldId id="286" r:id="rId38"/>
-    <p:sldId id="287" r:id="rId39"/>
-    <p:sldId id="288" r:id="rId40"/>
-    <p:sldId id="289" r:id="rId41"/>
-    <p:sldId id="290" r:id="rId42"/>
-    <p:sldId id="291" r:id="rId43"/>
-    <p:sldId id="292" r:id="rId44"/>
-    <p:sldId id="293" r:id="rId45"/>
-    <p:sldId id="294" r:id="rId46"/>
-    <p:sldId id="295" r:id="rId47"/>
-    <p:sldId id="296" r:id="rId48"/>
-    <p:sldId id="297" r:id="rId49"/>
-    <p:sldId id="298" r:id="rId50"/>
-    <p:sldId id="299" r:id="rId51"/>
-    <p:sldId id="300" r:id="rId52"/>
-    <p:sldId id="301" r:id="rId53"/>
-    <p:sldId id="302" r:id="rId54"/>
-    <p:sldId id="303" r:id="rId55"/>
-    <p:sldId id="304" r:id="rId56"/>
-    <p:sldId id="305" r:id="rId57"/>
-    <p:sldId id="306" r:id="rId58"/>
-    <p:sldId id="307" r:id="rId59"/>
-    <p:sldId id="308" r:id="rId60"/>
-    <p:sldId id="309" r:id="rId61"/>
-    <p:sldId id="310" r:id="rId62"/>
-    <p:sldId id="311" r:id="rId63"/>
-    <p:sldId id="312" r:id="rId64"/>
-    <p:sldId id="313" r:id="rId65"/>
-    <p:sldId id="314" r:id="rId66"/>
-    <p:sldId id="315" r:id="rId67"/>
-    <p:sldId id="316" r:id="rId68"/>
-    <p:sldId id="317" r:id="rId69"/>
-    <p:sldId id="318" r:id="rId70"/>
-    <p:sldId id="319" r:id="rId71"/>
-    <p:sldId id="320" r:id="rId72"/>
-    <p:sldId id="321" r:id="rId73"/>
-    <p:sldId id="322" r:id="rId74"/>
-    <p:sldId id="323" r:id="rId75"/>
   </p:sldIdLst>
   <p:sldSz cx="13004800" cy="9753600"/>
   <p:notesSz cx="6858000" cy="9144000"/>
@@ -5708,34 +5670,54 @@
           <a:chExt cx="0" cy="0"/>
         </a:xfrm>
       </p:grpSpPr>
-      <p:pic>
-        <p:nvPicPr>
-          <p:cNvPr id="228" name="image10.png"/>
-          <p:cNvPicPr>
-            <a:picLocks noChangeAspect="1"/>
-          </p:cNvPicPr>
-          <p:nvPr>
-            <p:ph type="pic" idx="13"/>
-          </p:nvPr>
-        </p:nvPicPr>
-        <p:blipFill>
-          <a:blip r:embed="rId2">
-            <a:extLst/>
-          </a:blip>
-          <a:stretch>
-            <a:fillRect/>
-          </a:stretch>
-        </p:blipFill>
-        <p:spPr>
-          <a:xfrm>
-            <a:off x="743130" y="0"/>
-            <a:ext cx="11518540" cy="9753600"/>
-          </a:xfrm>
-          <a:prstGeom prst="rect">
-            <a:avLst/>
-          </a:prstGeom>
-        </p:spPr>
-      </p:pic>
+      <p:sp>
+        <p:nvSpPr>
+          <p:cNvPr id="231" name="Shape 231"/>
+          <p:cNvSpPr/>
+          <p:nvPr>
+            <p:ph type="ctrTitle"/>
+          </p:nvPr>
+        </p:nvSpPr>
+        <p:spPr>
+          <a:prstGeom prst="rect">
+            <a:avLst/>
+          </a:prstGeom>
+        </p:spPr>
+        <p:txBody>
+          <a:bodyPr/>
+          <a:lstStyle/>
+          <a:p>
+            <a:pPr/>
+            <a:r>
+              <a:t>Matplotlib</a:t>
+            </a:r>
+          </a:p>
+        </p:txBody>
+      </p:sp>
+      <p:sp>
+        <p:nvSpPr>
+          <p:cNvPr id="232" name="Shape 232"/>
+          <p:cNvSpPr/>
+          <p:nvPr>
+            <p:ph type="subTitle" sz="quarter" idx="1"/>
+          </p:nvPr>
+        </p:nvSpPr>
+        <p:spPr>
+          <a:prstGeom prst="rect">
+            <a:avLst/>
+          </a:prstGeom>
+        </p:spPr>
+        <p:txBody>
+          <a:bodyPr/>
+          <a:lstStyle/>
+          <a:p>
+            <a:pPr/>
+            <a:r>
+              <a:t>Intro to Data Visualization with</a:t>
+            </a:r>
+          </a:p>
+        </p:txBody>
+      </p:sp>
     </p:spTree>
   </p:cSld>
   <p:clrMapOvr>
@@ -5762,97 +5744,31 @@
           <a:chExt cx="0" cy="0"/>
         </a:xfrm>
       </p:grpSpPr>
-      <p:sp>
-        <p:nvSpPr>
-          <p:cNvPr id="230" name="Shape 230"/>
-          <p:cNvSpPr/>
-          <p:nvPr>
-            <p:ph type="title"/>
-          </p:nvPr>
-        </p:nvSpPr>
-        <p:spPr>
-          <a:xfrm>
-            <a:off x="406400" y="1536700"/>
-            <a:ext cx="12192000" cy="1169260"/>
-          </a:xfrm>
-          <a:prstGeom prst="rect">
-            <a:avLst/>
-          </a:prstGeom>
-        </p:spPr>
-        <p:txBody>
-          <a:bodyPr/>
-          <a:lstStyle>
-            <a:lvl1pPr defTabSz="373887">
-              <a:spcBef>
-                <a:spcPts val="1700"/>
-              </a:spcBef>
-              <a:defRPr sz="7679"/>
-            </a:lvl1pPr>
-          </a:lstStyle>
-          <a:p>
-            <a:pPr/>
-            <a:r>
-              <a:t>HTTP (Hypertext Transfer Protocol)</a:t>
-            </a:r>
-          </a:p>
-        </p:txBody>
-      </p:sp>
-      <p:sp>
-        <p:nvSpPr>
-          <p:cNvPr id="231" name="Shape 231"/>
-          <p:cNvSpPr/>
-          <p:nvPr>
-            <p:ph type="body" idx="1"/>
-          </p:nvPr>
-        </p:nvSpPr>
-        <p:spPr>
-          <a:xfrm>
-            <a:off x="406400" y="3953767"/>
-            <a:ext cx="12192000" cy="4612257"/>
-          </a:xfrm>
-          <a:prstGeom prst="rect">
-            <a:avLst/>
-          </a:prstGeom>
-        </p:spPr>
-        <p:txBody>
-          <a:bodyPr/>
-          <a:lstStyle/>
-          <a:p>
-            <a:pPr marL="663612" indent="-663612" defTabSz="549148">
-              <a:spcBef>
-                <a:spcPts val="2600"/>
-              </a:spcBef>
-              <a:buClrTx/>
-              <a:buSzPct val="40000"/>
-              <a:buFontTx/>
-              <a:buBlip>
-                <a:blip r:embed="rId2"/>
-              </a:buBlip>
-              <a:defRPr sz="6016"/>
-            </a:pPr>
-            <a:r>
-              <a:t>Each request has a verb like GET or POST</a:t>
-            </a:r>
-          </a:p>
-          <a:p>
-            <a:pPr marL="663612" indent="-663612" defTabSz="549148">
-              <a:spcBef>
-                <a:spcPts val="2600"/>
-              </a:spcBef>
-              <a:buClrTx/>
-              <a:buSzPct val="40000"/>
-              <a:buFontTx/>
-              <a:buBlip>
-                <a:blip r:embed="rId2"/>
-              </a:buBlip>
-              <a:defRPr sz="6016"/>
-            </a:pPr>
-            <a:r>
-              <a:t>Data returned in body of response</a:t>
-            </a:r>
-          </a:p>
-        </p:txBody>
-      </p:sp>
+      <p:pic>
+        <p:nvPicPr>
+          <p:cNvPr id="234" name="vector_field.png"/>
+          <p:cNvPicPr>
+            <a:picLocks noChangeAspect="1"/>
+          </p:cNvPicPr>
+          <p:nvPr>
+            <p:ph type="pic" idx="13"/>
+          </p:nvPr>
+        </p:nvPicPr>
+        <p:blipFill>
+          <a:blip r:embed="rId2">
+            <a:extLst/>
+          </a:blip>
+          <a:srcRect l="0" t="0" r="0" b="0"/>
+          <a:stretch>
+            <a:fillRect/>
+          </a:stretch>
+        </p:blipFill>
+        <p:spPr>
+          <a:prstGeom prst="rect">
+            <a:avLst/>
+          </a:prstGeom>
+        </p:spPr>
+      </p:pic>
     </p:spTree>
   </p:cSld>
   <p:clrMapOvr>
@@ -5879,91 +5795,31 @@
           <a:chExt cx="0" cy="0"/>
         </a:xfrm>
       </p:grpSpPr>
-      <p:sp>
-        <p:nvSpPr>
-          <p:cNvPr id="233" name="Shape 233"/>
-          <p:cNvSpPr/>
-          <p:nvPr>
-            <p:ph type="title"/>
-          </p:nvPr>
-        </p:nvSpPr>
-        <p:spPr>
-          <a:xfrm>
-            <a:off x="406400" y="1536700"/>
-            <a:ext cx="12192000" cy="1169260"/>
-          </a:xfrm>
-          <a:prstGeom prst="rect">
-            <a:avLst/>
-          </a:prstGeom>
-        </p:spPr>
-        <p:txBody>
-          <a:bodyPr/>
-          <a:lstStyle>
-            <a:lvl1pPr defTabSz="403097">
-              <a:spcBef>
-                <a:spcPts val="1900"/>
-              </a:spcBef>
-              <a:defRPr sz="8280"/>
-            </a:lvl1pPr>
-          </a:lstStyle>
-          <a:p>
-            <a:pPr/>
-            <a:r>
-              <a:t>Requests Package</a:t>
-            </a:r>
-          </a:p>
-        </p:txBody>
-      </p:sp>
-      <p:sp>
-        <p:nvSpPr>
-          <p:cNvPr id="234" name="Shape 234"/>
-          <p:cNvSpPr/>
-          <p:nvPr>
-            <p:ph type="body" sz="half" idx="1"/>
-          </p:nvPr>
-        </p:nvSpPr>
-        <p:spPr>
-          <a:xfrm>
-            <a:off x="406400" y="3903099"/>
-            <a:ext cx="12192000" cy="2809780"/>
-          </a:xfrm>
-          <a:prstGeom prst="rect">
-            <a:avLst/>
-          </a:prstGeom>
-        </p:spPr>
-        <p:txBody>
-          <a:bodyPr/>
-          <a:lstStyle/>
-          <a:p>
-            <a:pPr marL="705970" indent="-705970">
-              <a:buClrTx/>
-              <a:buSzPct val="40000"/>
-              <a:buFontTx/>
-              <a:buBlip>
-                <a:blip r:embed="rId2"/>
-              </a:buBlip>
-              <a:defRPr sz="6400"/>
-            </a:pPr>
-            <a:r>
-              <a:t>Most popular Python package</a:t>
-            </a:r>
-          </a:p>
-          <a:p>
-            <a:pPr marL="705970" indent="-705970">
-              <a:buClrTx/>
-              <a:buSzPct val="40000"/>
-              <a:buFontTx/>
-              <a:buBlip>
-                <a:blip r:embed="rId2"/>
-              </a:buBlip>
-              <a:defRPr sz="6400"/>
-            </a:pPr>
-            <a:r>
-              <a:t>Makes HTTP requests simple</a:t>
-            </a:r>
-          </a:p>
-        </p:txBody>
-      </p:sp>
+      <p:pic>
+        <p:nvPicPr>
+          <p:cNvPr id="236" name="lorenz_attractor.png"/>
+          <p:cNvPicPr>
+            <a:picLocks noChangeAspect="1"/>
+          </p:cNvPicPr>
+          <p:nvPr>
+            <p:ph type="pic" idx="13"/>
+          </p:nvPr>
+        </p:nvPicPr>
+        <p:blipFill>
+          <a:blip r:embed="rId2">
+            <a:extLst/>
+          </a:blip>
+          <a:srcRect l="2867" t="6795" r="2867" b="6795"/>
+          <a:stretch>
+            <a:fillRect/>
+          </a:stretch>
+        </p:blipFill>
+        <p:spPr>
+          <a:prstGeom prst="rect">
+            <a:avLst/>
+          </a:prstGeom>
+        </p:spPr>
+      </p:pic>
     </p:spTree>
   </p:cSld>
   <p:clrMapOvr>
@@ -5976,6 +5832,13 @@
 <file path=ppt/slides/slide13.xml><?xml version="1.0" encoding="utf-8"?>
 <p:sld xmlns:a="http://schemas.openxmlformats.org/drawingml/2006/main" xmlns:r="http://schemas.openxmlformats.org/officeDocument/2006/relationships" xmlns:p="http://schemas.openxmlformats.org/presentationml/2006/main" showMasterSp="1" showMasterPhAnim="1">
   <p:cSld>
+    <p:bg>
+      <p:bgPr>
+        <a:solidFill>
+          <a:srgbClr val="FFFFFF"/>
+        </a:solidFill>
+      </p:bgPr>
+    </p:bg>
     <p:spTree>
       <p:nvGrpSpPr>
         <p:cNvPr id="1" name=""/>
@@ -5990,51 +5853,26 @@
           <a:chExt cx="0" cy="0"/>
         </a:xfrm>
       </p:grpSpPr>
-      <p:sp>
-        <p:nvSpPr>
-          <p:cNvPr id="236" name="Shape 236"/>
-          <p:cNvSpPr/>
-          <p:nvPr>
-            <p:ph type="title"/>
-          </p:nvPr>
-        </p:nvSpPr>
+      <p:pic>
+        <p:nvPicPr>
+          <p:cNvPr id="238" name="pasted-image.tiff"/>
+          <p:cNvPicPr>
+            <a:picLocks noChangeAspect="1"/>
+          </p:cNvPicPr>
+          <p:nvPr/>
+        </p:nvPicPr>
+        <p:blipFill>
+          <a:blip r:embed="rId2">
+            <a:extLst/>
+          </a:blip>
+          <a:stretch>
+            <a:fillRect/>
+          </a:stretch>
+        </p:blipFill>
         <p:spPr>
           <a:xfrm>
-            <a:off x="406400" y="1536700"/>
-            <a:ext cx="12192000" cy="1169260"/>
-          </a:xfrm>
-          <a:prstGeom prst="rect">
-            <a:avLst/>
-          </a:prstGeom>
-        </p:spPr>
-        <p:txBody>
-          <a:bodyPr/>
-          <a:lstStyle>
-            <a:lvl1pPr defTabSz="403097">
-              <a:spcBef>
-                <a:spcPts val="1900"/>
-              </a:spcBef>
-              <a:defRPr sz="8280"/>
-            </a:lvl1pPr>
-          </a:lstStyle>
-          <a:p>
-            <a:pPr/>
-            <a:r>
-              <a:t>Using Requests</a:t>
-            </a:r>
-          </a:p>
-        </p:txBody>
-      </p:sp>
-      <p:sp>
-        <p:nvSpPr>
-          <p:cNvPr id="237" name="Shape 237"/>
-          <p:cNvSpPr/>
-          <p:nvPr/>
-        </p:nvSpPr>
-        <p:spPr>
-          <a:xfrm>
-            <a:off x="470041" y="3365500"/>
-            <a:ext cx="14214667" cy="4876801"/>
+            <a:off x="204046" y="1338150"/>
+            <a:ext cx="11599307" cy="8101103"/>
           </a:xfrm>
           <a:prstGeom prst="rect">
             <a:avLst/>
@@ -6042,100 +5880,8 @@
           <a:ln w="12700">
             <a:miter lim="400000"/>
           </a:ln>
-          <a:extLst>
-            <a:ext uri="{C572A759-6A51-4108-AA02-DFA0A04FC94B}">
-              <ma14:wrappingTextBoxFlag xmlns:ma14="http://schemas.microsoft.com/office/mac/drawingml/2011/main" val="1"/>
-            </a:ext>
-          </a:extLst>
-        </p:spPr>
-        <p:txBody>
-          <a:bodyPr lIns="50800" tIns="50800" rIns="50800" bIns="50800" anchor="ctr">
-            <a:spAutoFit/>
-          </a:bodyPr>
-          <a:lstStyle/>
-          <a:p>
-            <a:pPr>
-              <a:defRPr sz="4700">
-                <a:latin typeface="Anonymous Pro for Powerline"/>
-                <a:ea typeface="Anonymous Pro for Powerline"/>
-                <a:cs typeface="Anonymous Pro for Powerline"/>
-                <a:sym typeface="Anonymous Pro for Powerline"/>
-              </a:defRPr>
-            </a:pPr>
-            <a:r>
-              <a:t>import requests</a:t>
-            </a:r>
-          </a:p>
-          <a:p>
-            <a:pPr>
-              <a:defRPr sz="4700">
-                <a:latin typeface="Anonymous Pro for Powerline"/>
-                <a:ea typeface="Anonymous Pro for Powerline"/>
-                <a:cs typeface="Anonymous Pro for Powerline"/>
-                <a:sym typeface="Anonymous Pro for Powerline"/>
-              </a:defRPr>
-            </a:pPr>
-            <a:r>
-              <a:t>url = “https://api.kanye.rest/"</a:t>
-            </a:r>
-          </a:p>
-          <a:p>
-            <a:pPr>
-              <a:defRPr sz="4700">
-                <a:latin typeface="Anonymous Pro for Powerline"/>
-                <a:ea typeface="Anonymous Pro for Powerline"/>
-                <a:cs typeface="Anonymous Pro for Powerline"/>
-                <a:sym typeface="Anonymous Pro for Powerline"/>
-              </a:defRPr>
-            </a:pPr>
-          </a:p>
-          <a:p>
-            <a:pPr>
-              <a:defRPr sz="4700">
-                <a:latin typeface="Anonymous Pro for Powerline"/>
-                <a:ea typeface="Anonymous Pro for Powerline"/>
-                <a:cs typeface="Anonymous Pro for Powerline"/>
-                <a:sym typeface="Anonymous Pro for Powerline"/>
-              </a:defRPr>
-            </a:pPr>
-            <a:r>
-              <a:t>response = </a:t>
-            </a:r>
-            <a:r>
-              <a:rPr>
-                <a:solidFill>
-                  <a:schemeClr val="accent3"/>
-                </a:solidFill>
-              </a:rPr>
-              <a:t>requests.get</a:t>
-            </a:r>
-            <a:r>
-              <a:t>(url)</a:t>
-            </a:r>
-          </a:p>
-          <a:p>
-            <a:pPr>
-              <a:defRPr sz="4700">
-                <a:latin typeface="Anonymous Pro for Powerline"/>
-                <a:ea typeface="Anonymous Pro for Powerline"/>
-                <a:cs typeface="Anonymous Pro for Powerline"/>
-                <a:sym typeface="Anonymous Pro for Powerline"/>
-              </a:defRPr>
-            </a:pPr>
-            <a:r>
-              <a:t>response</a:t>
-            </a:r>
-            <a:r>
-              <a:rPr>
-                <a:solidFill>
-                  <a:schemeClr val="accent3"/>
-                </a:solidFill>
-              </a:rPr>
-              <a:t>.text</a:t>
-            </a:r>
-          </a:p>
-        </p:txBody>
-      </p:sp>
+        </p:spPr>
+      </p:pic>
     </p:spTree>
   </p:cSld>
   <p:clrMapOvr>
@@ -6148,6 +5894,13 @@
 <file path=ppt/slides/slide14.xml><?xml version="1.0" encoding="utf-8"?>
 <p:sld xmlns:a="http://schemas.openxmlformats.org/drawingml/2006/main" xmlns:r="http://schemas.openxmlformats.org/officeDocument/2006/relationships" xmlns:p="http://schemas.openxmlformats.org/presentationml/2006/main" showMasterSp="1" showMasterPhAnim="1">
   <p:cSld>
+    <p:bg>
+      <p:bgPr>
+        <a:solidFill>
+          <a:srgbClr val="FFFFFF"/>
+        </a:solidFill>
+      </p:bgPr>
+    </p:bg>
     <p:spTree>
       <p:nvGrpSpPr>
         <p:cNvPr id="1" name=""/>
@@ -6162,51 +5915,26 @@
           <a:chExt cx="0" cy="0"/>
         </a:xfrm>
       </p:grpSpPr>
-      <p:sp>
-        <p:nvSpPr>
-          <p:cNvPr id="239" name="Shape 239"/>
-          <p:cNvSpPr/>
-          <p:nvPr>
-            <p:ph type="title"/>
-          </p:nvPr>
-        </p:nvSpPr>
+      <p:pic>
+        <p:nvPicPr>
+          <p:cNvPr id="240" name="Screen Shot 2018-11-08 at 8.08.44 PM.png"/>
+          <p:cNvPicPr>
+            <a:picLocks noChangeAspect="1"/>
+          </p:cNvPicPr>
+          <p:nvPr/>
+        </p:nvPicPr>
+        <p:blipFill>
+          <a:blip r:embed="rId2">
+            <a:extLst/>
+          </a:blip>
+          <a:stretch>
+            <a:fillRect/>
+          </a:stretch>
+        </p:blipFill>
         <p:spPr>
           <a:xfrm>
-            <a:off x="406400" y="1536700"/>
-            <a:ext cx="12192000" cy="1169260"/>
-          </a:xfrm>
-          <a:prstGeom prst="rect">
-            <a:avLst/>
-          </a:prstGeom>
-        </p:spPr>
-        <p:txBody>
-          <a:bodyPr/>
-          <a:lstStyle>
-            <a:lvl1pPr defTabSz="403097">
-              <a:spcBef>
-                <a:spcPts val="1900"/>
-              </a:spcBef>
-              <a:defRPr sz="8280"/>
-            </a:lvl1pPr>
-          </a:lstStyle>
-          <a:p>
-            <a:pPr/>
-            <a:r>
-              <a:t>Using Requests</a:t>
-            </a:r>
-          </a:p>
-        </p:txBody>
-      </p:sp>
-      <p:sp>
-        <p:nvSpPr>
-          <p:cNvPr id="240" name="Shape 240"/>
-          <p:cNvSpPr/>
-          <p:nvPr/>
-        </p:nvSpPr>
-        <p:spPr>
-          <a:xfrm>
-            <a:off x="470041" y="3365500"/>
-            <a:ext cx="14214667" cy="4876801"/>
+            <a:off x="132702" y="786178"/>
+            <a:ext cx="13004801" cy="8845906"/>
           </a:xfrm>
           <a:prstGeom prst="rect">
             <a:avLst/>
@@ -6214,192 +5942,8 @@
           <a:ln w="12700">
             <a:miter lim="400000"/>
           </a:ln>
-          <a:extLst>
-            <a:ext uri="{C572A759-6A51-4108-AA02-DFA0A04FC94B}">
-              <ma14:wrappingTextBoxFlag xmlns:ma14="http://schemas.microsoft.com/office/mac/drawingml/2011/main" val="1"/>
-            </a:ext>
-          </a:extLst>
-        </p:spPr>
-        <p:txBody>
-          <a:bodyPr lIns="50800" tIns="50800" rIns="50800" bIns="50800" anchor="ctr">
-            <a:spAutoFit/>
-          </a:bodyPr>
-          <a:lstStyle/>
-          <a:p>
-            <a:pPr>
-              <a:defRPr sz="4700">
-                <a:latin typeface="Anonymous Pro for Powerline"/>
-                <a:ea typeface="Anonymous Pro for Powerline"/>
-                <a:cs typeface="Anonymous Pro for Powerline"/>
-                <a:sym typeface="Anonymous Pro for Powerline"/>
-              </a:defRPr>
-            </a:pPr>
-            <a:r>
-              <a:t>import requests</a:t>
-            </a:r>
-          </a:p>
-          <a:p>
-            <a:pPr>
-              <a:defRPr sz="4700">
-                <a:latin typeface="Anonymous Pro for Powerline"/>
-                <a:ea typeface="Anonymous Pro for Powerline"/>
-                <a:cs typeface="Anonymous Pro for Powerline"/>
-                <a:sym typeface="Anonymous Pro for Powerline"/>
-              </a:defRPr>
-            </a:pPr>
-            <a:r>
-              <a:t>url = “https://api.kanye.rest/"</a:t>
-            </a:r>
-          </a:p>
-          <a:p>
-            <a:pPr>
-              <a:defRPr sz="4700">
-                <a:latin typeface="Anonymous Pro for Powerline"/>
-                <a:ea typeface="Anonymous Pro for Powerline"/>
-                <a:cs typeface="Anonymous Pro for Powerline"/>
-                <a:sym typeface="Anonymous Pro for Powerline"/>
-              </a:defRPr>
-            </a:pPr>
-          </a:p>
-          <a:p>
-            <a:pPr>
-              <a:defRPr sz="4700">
-                <a:latin typeface="Anonymous Pro for Powerline"/>
-                <a:ea typeface="Anonymous Pro for Powerline"/>
-                <a:cs typeface="Anonymous Pro for Powerline"/>
-                <a:sym typeface="Anonymous Pro for Powerline"/>
-              </a:defRPr>
-            </a:pPr>
-            <a:r>
-              <a:t>response = </a:t>
-            </a:r>
-            <a:r>
-              <a:rPr>
-                <a:solidFill>
-                  <a:schemeClr val="accent3"/>
-                </a:solidFill>
-              </a:rPr>
-              <a:t>requests.get</a:t>
-            </a:r>
-            <a:r>
-              <a:t>(url)</a:t>
-            </a:r>
-          </a:p>
-          <a:p>
-            <a:pPr>
-              <a:defRPr sz="4700">
-                <a:latin typeface="Anonymous Pro for Powerline"/>
-                <a:ea typeface="Anonymous Pro for Powerline"/>
-                <a:cs typeface="Anonymous Pro for Powerline"/>
-                <a:sym typeface="Anonymous Pro for Powerline"/>
-              </a:defRPr>
-            </a:pPr>
-            <a:r>
-              <a:t>response</a:t>
-            </a:r>
-            <a:r>
-              <a:rPr>
-                <a:solidFill>
-                  <a:schemeClr val="accent3"/>
-                </a:solidFill>
-              </a:rPr>
-              <a:t>.text</a:t>
-            </a:r>
-          </a:p>
-        </p:txBody>
-      </p:sp>
-      <p:sp>
-        <p:nvSpPr>
-          <p:cNvPr id="241" name="Shape 241"/>
-          <p:cNvSpPr/>
-          <p:nvPr/>
-        </p:nvSpPr>
-        <p:spPr>
-          <a:xfrm rot="10800000">
-            <a:off x="5012131" y="7681698"/>
-            <a:ext cx="1620784" cy="518251"/>
-          </a:xfrm>
-          <a:prstGeom prst="rightArrow">
-            <a:avLst>
-              <a:gd name="adj1" fmla="val 34174"/>
-              <a:gd name="adj2" fmla="val 145948"/>
-            </a:avLst>
-          </a:prstGeom>
-          <a:solidFill>
-            <a:schemeClr val="accent5"/>
-          </a:solidFill>
-          <a:ln w="12700">
-            <a:miter lim="400000"/>
-          </a:ln>
-        </p:spPr>
-        <p:txBody>
-          <a:bodyPr lIns="50800" tIns="50800" rIns="50800" bIns="50800" anchor="ctr"/>
-          <a:lstStyle/>
-          <a:p>
-            <a:pPr algn="ctr">
-              <a:lnSpc>
-                <a:spcPct val="80000"/>
-              </a:lnSpc>
-              <a:spcBef>
-                <a:spcPts val="0"/>
-              </a:spcBef>
-              <a:defRPr cap="all" sz="2800">
-                <a:solidFill>
-                  <a:srgbClr val="FFFFFF"/>
-                </a:solidFill>
-                <a:latin typeface="+mn-lt"/>
-                <a:ea typeface="+mn-ea"/>
-                <a:cs typeface="+mn-cs"/>
-                <a:sym typeface="DIN Condensed"/>
-              </a:defRPr>
-            </a:pPr>
-          </a:p>
-        </p:txBody>
-      </p:sp>
-      <p:sp>
-        <p:nvSpPr>
-          <p:cNvPr id="242" name="Shape 242"/>
-          <p:cNvSpPr/>
-          <p:nvPr/>
-        </p:nvSpPr>
-        <p:spPr>
-          <a:xfrm>
-            <a:off x="6718124" y="7369187"/>
-            <a:ext cx="6235447" cy="1143001"/>
-          </a:xfrm>
-          <a:prstGeom prst="rect">
-            <a:avLst/>
-          </a:prstGeom>
-          <a:ln w="12700">
-            <a:miter lim="400000"/>
-          </a:ln>
-          <a:extLst>
-            <a:ext uri="{C572A759-6A51-4108-AA02-DFA0A04FC94B}">
-              <ma14:wrappingTextBoxFlag xmlns:ma14="http://schemas.microsoft.com/office/mac/drawingml/2011/main" val="1"/>
-            </a:ext>
-          </a:extLst>
-        </p:spPr>
-        <p:txBody>
-          <a:bodyPr wrap="none" lIns="50800" tIns="50800" rIns="50800" bIns="50800" anchor="ctr">
-            <a:spAutoFit/>
-          </a:bodyPr>
-          <a:lstStyle>
-            <a:lvl1pPr>
-              <a:defRPr sz="6000">
-                <a:solidFill>
-                  <a:schemeClr val="accent5"/>
-                </a:solidFill>
-              </a:defRPr>
-            </a:lvl1pPr>
-          </a:lstStyle>
-          <a:p>
-            <a:pPr/>
-            <a:r>
-              <a:t>body of response</a:t>
-            </a:r>
-          </a:p>
-        </p:txBody>
-      </p:sp>
+        </p:spPr>
+      </p:pic>
     </p:spTree>
   </p:cSld>
   <p:clrMapOvr>
@@ -6412,6 +5956,13 @@
 <file path=ppt/slides/slide15.xml><?xml version="1.0" encoding="utf-8"?>
 <p:sld xmlns:a="http://schemas.openxmlformats.org/drawingml/2006/main" xmlns:r="http://schemas.openxmlformats.org/officeDocument/2006/relationships" xmlns:p="http://schemas.openxmlformats.org/presentationml/2006/main" showMasterSp="1" showMasterPhAnim="1">
   <p:cSld>
+    <p:bg>
+      <p:bgPr>
+        <a:solidFill>
+          <a:srgbClr val="FFFFFF"/>
+        </a:solidFill>
+      </p:bgPr>
+    </p:bg>
     <p:spTree>
       <p:nvGrpSpPr>
         <p:cNvPr id="1" name=""/>
@@ -6426,92 +5977,35 @@
           <a:chExt cx="0" cy="0"/>
         </a:xfrm>
       </p:grpSpPr>
-      <p:sp>
-        <p:nvSpPr>
-          <p:cNvPr id="244" name="Shape 244"/>
-          <p:cNvSpPr/>
-          <p:nvPr>
-            <p:ph type="title"/>
-          </p:nvPr>
-        </p:nvSpPr>
+      <p:pic>
+        <p:nvPicPr>
+          <p:cNvPr id="242" name="Screen Shot 2018-11-08 at 7.55.58 PM.png"/>
+          <p:cNvPicPr>
+            <a:picLocks noChangeAspect="1"/>
+          </p:cNvPicPr>
+          <p:nvPr>
+            <p:ph type="pic" idx="13"/>
+          </p:nvPr>
+        </p:nvPicPr>
+        <p:blipFill>
+          <a:blip r:embed="rId2">
+            <a:extLst/>
+          </a:blip>
+          <a:srcRect l="637" t="0" r="637" b="0"/>
+          <a:stretch>
+            <a:fillRect/>
+          </a:stretch>
+        </p:blipFill>
         <p:spPr>
           <a:xfrm>
-            <a:off x="406400" y="1536700"/>
-            <a:ext cx="12192000" cy="1169260"/>
+            <a:off x="126136" y="536014"/>
+            <a:ext cx="13004801" cy="9267269"/>
           </a:xfrm>
           <a:prstGeom prst="rect">
             <a:avLst/>
           </a:prstGeom>
         </p:spPr>
-        <p:txBody>
-          <a:bodyPr/>
-          <a:lstStyle>
-            <a:lvl1pPr defTabSz="403097">
-              <a:spcBef>
-                <a:spcPts val="1900"/>
-              </a:spcBef>
-              <a:defRPr sz="8280"/>
-            </a:lvl1pPr>
-          </a:lstStyle>
-          <a:p>
-            <a:pPr/>
-            <a:r>
-              <a:t>Using Requests</a:t>
-            </a:r>
-          </a:p>
-        </p:txBody>
-      </p:sp>
-      <p:sp>
-        <p:nvSpPr>
-          <p:cNvPr id="245" name="Shape 245"/>
-          <p:cNvSpPr/>
-          <p:nvPr/>
-        </p:nvSpPr>
-        <p:spPr>
-          <a:xfrm>
-            <a:off x="495375" y="3472114"/>
-            <a:ext cx="14214667" cy="812801"/>
-          </a:xfrm>
-          <a:prstGeom prst="rect">
-            <a:avLst/>
-          </a:prstGeom>
-          <a:ln w="12700">
-            <a:miter lim="400000"/>
-          </a:ln>
-          <a:extLst>
-            <a:ext uri="{C572A759-6A51-4108-AA02-DFA0A04FC94B}">
-              <ma14:wrappingTextBoxFlag xmlns:ma14="http://schemas.microsoft.com/office/mac/drawingml/2011/main" val="1"/>
-            </a:ext>
-          </a:extLst>
-        </p:spPr>
-        <p:txBody>
-          <a:bodyPr lIns="50800" tIns="50800" rIns="50800" bIns="50800" anchor="ctr">
-            <a:spAutoFit/>
-          </a:bodyPr>
-          <a:lstStyle/>
-          <a:p>
-            <a:pPr>
-              <a:defRPr sz="4700">
-                <a:latin typeface="Anonymous Pro for Powerline"/>
-                <a:ea typeface="Anonymous Pro for Powerline"/>
-                <a:cs typeface="Anonymous Pro for Powerline"/>
-                <a:sym typeface="Anonymous Pro for Powerline"/>
-              </a:defRPr>
-            </a:pPr>
-            <a:r>
-              <a:t>data = response</a:t>
-            </a:r>
-            <a:r>
-              <a:rPr>
-                <a:solidFill>
-                  <a:schemeClr val="accent3"/>
-                </a:solidFill>
-              </a:rPr>
-              <a:t>.json()</a:t>
-            </a:r>
-          </a:p>
-        </p:txBody>
-      </p:sp>
+      </p:pic>
     </p:spTree>
   </p:cSld>
   <p:clrMapOvr>
@@ -6540,7 +6034,7 @@
       </p:grpSpPr>
       <p:sp>
         <p:nvSpPr>
-          <p:cNvPr id="247" name="Shape 247"/>
+          <p:cNvPr id="244" name="Shape 244"/>
           <p:cNvSpPr/>
           <p:nvPr>
             <p:ph type="title"/>
@@ -6568,152 +6062,63 @@
           <a:p>
             <a:pPr/>
             <a:r>
-              <a:t>Using Requests</a:t>
-            </a:r>
-          </a:p>
-        </p:txBody>
-      </p:sp>
-      <p:sp>
-        <p:nvSpPr>
-          <p:cNvPr id="248" name="Shape 248"/>
-          <p:cNvSpPr/>
-          <p:nvPr/>
+              <a:t>Setup for plotting</a:t>
+            </a:r>
+          </a:p>
+        </p:txBody>
+      </p:sp>
+      <p:sp>
+        <p:nvSpPr>
+          <p:cNvPr id="245" name="Shape 245"/>
+          <p:cNvSpPr/>
+          <p:nvPr>
+            <p:ph type="body" sz="half" idx="1"/>
+          </p:nvPr>
         </p:nvSpPr>
         <p:spPr>
           <a:xfrm>
-            <a:off x="495375" y="3472114"/>
-            <a:ext cx="14214667" cy="812801"/>
+            <a:off x="406400" y="3953767"/>
+            <a:ext cx="12192000" cy="2531601"/>
           </a:xfrm>
           <a:prstGeom prst="rect">
             <a:avLst/>
           </a:prstGeom>
-          <a:ln w="12700">
-            <a:miter lim="400000"/>
-          </a:ln>
-          <a:extLst>
-            <a:ext uri="{C572A759-6A51-4108-AA02-DFA0A04FC94B}">
-              <ma14:wrappingTextBoxFlag xmlns:ma14="http://schemas.microsoft.com/office/mac/drawingml/2011/main" val="1"/>
-            </a:ext>
-          </a:extLst>
-        </p:spPr>
-        <p:txBody>
-          <a:bodyPr lIns="50800" tIns="50800" rIns="50800" bIns="50800" anchor="ctr">
-            <a:spAutoFit/>
-          </a:bodyPr>
+        </p:spPr>
+        <p:txBody>
+          <a:bodyPr/>
           <a:lstStyle/>
           <a:p>
-            <a:pPr>
-              <a:defRPr sz="4700">
-                <a:latin typeface="Anonymous Pro for Powerline"/>
-                <a:ea typeface="Anonymous Pro for Powerline"/>
-                <a:cs typeface="Anonymous Pro for Powerline"/>
-                <a:sym typeface="Anonymous Pro for Powerline"/>
-              </a:defRPr>
+            <a:pPr marL="607134" indent="-607134" defTabSz="502412">
+              <a:spcBef>
+                <a:spcPts val="2400"/>
+              </a:spcBef>
+              <a:buClrTx/>
+              <a:buSzPct val="40000"/>
+              <a:buFontTx/>
+              <a:buBlip>
+                <a:blip r:embed="rId2"/>
+              </a:buBlip>
+              <a:defRPr sz="5504"/>
             </a:pPr>
             <a:r>
-              <a:t>data = response</a:t>
-            </a:r>
-            <a:r>
-              <a:rPr>
-                <a:solidFill>
-                  <a:schemeClr val="accent3"/>
-                </a:solidFill>
-              </a:rPr>
-              <a:t>.json()</a:t>
-            </a:r>
-          </a:p>
-        </p:txBody>
-      </p:sp>
-      <p:sp>
-        <p:nvSpPr>
-          <p:cNvPr id="249" name="Shape 249"/>
-          <p:cNvSpPr/>
-          <p:nvPr/>
-        </p:nvSpPr>
-        <p:spPr>
-          <a:xfrm>
-            <a:off x="495375" y="4919460"/>
-            <a:ext cx="14214667" cy="3860801"/>
-          </a:xfrm>
-          <a:prstGeom prst="rect">
-            <a:avLst/>
-          </a:prstGeom>
-          <a:ln w="12700">
-            <a:miter lim="400000"/>
-          </a:ln>
-          <a:extLst>
-            <a:ext uri="{C572A759-6A51-4108-AA02-DFA0A04FC94B}">
-              <ma14:wrappingTextBoxFlag xmlns:ma14="http://schemas.microsoft.com/office/mac/drawingml/2011/main" val="1"/>
-            </a:ext>
-          </a:extLst>
-        </p:spPr>
-        <p:txBody>
-          <a:bodyPr lIns="50800" tIns="50800" rIns="50800" bIns="50800" anchor="ctr">
-            <a:spAutoFit/>
-          </a:bodyPr>
-          <a:lstStyle/>
-          <a:p>
-            <a:pPr>
-              <a:defRPr sz="4700">
-                <a:solidFill>
-                  <a:schemeClr val="accent5"/>
-                </a:solidFill>
-                <a:latin typeface="Anonymous Pro for Powerline"/>
-                <a:ea typeface="Anonymous Pro for Powerline"/>
-                <a:cs typeface="Anonymous Pro for Powerline"/>
-                <a:sym typeface="Anonymous Pro for Powerline"/>
-              </a:defRPr>
+              <a:t>%matplotlib inline</a:t>
+            </a:r>
+          </a:p>
+          <a:p>
+            <a:pPr marL="607134" indent="-607134" defTabSz="502412">
+              <a:spcBef>
+                <a:spcPts val="2400"/>
+              </a:spcBef>
+              <a:buClrTx/>
+              <a:buSzPct val="40000"/>
+              <a:buFontTx/>
+              <a:buBlip>
+                <a:blip r:embed="rId2"/>
+              </a:buBlip>
+              <a:defRPr sz="5504"/>
             </a:pPr>
             <a:r>
-              <a:t>{“date":"2019-03-05",</a:t>
-            </a:r>
-          </a:p>
-          <a:p>
-            <a:pPr>
-              <a:defRPr sz="4700">
-                <a:solidFill>
-                  <a:schemeClr val="accent5"/>
-                </a:solidFill>
-                <a:latin typeface="Anonymous Pro for Powerline"/>
-                <a:ea typeface="Anonymous Pro for Powerline"/>
-                <a:cs typeface="Anonymous Pro for Powerline"/>
-                <a:sym typeface="Anonymous Pro for Powerline"/>
-              </a:defRPr>
-            </a:pPr>
-            <a:r>
-              <a:t> “high":176,</a:t>
-            </a:r>
-          </a:p>
-          <a:p>
-            <a:pPr>
-              <a:defRPr sz="4700">
-                <a:solidFill>
-                  <a:schemeClr val="accent5"/>
-                </a:solidFill>
-                <a:latin typeface="Anonymous Pro for Powerline"/>
-                <a:ea typeface="Anonymous Pro for Powerline"/>
-                <a:cs typeface="Anonymous Pro for Powerline"/>
-                <a:sym typeface="Anonymous Pro for Powerline"/>
-              </a:defRPr>
-            </a:pPr>
-            <a:r>
-              <a:t> "low":174.54,</a:t>
-            </a:r>
-          </a:p>
-          <a:p>
-            <a:pPr>
-              <a:defRPr sz="4700">
-                <a:solidFill>
-                  <a:schemeClr val="accent5"/>
-                </a:solidFill>
-                <a:latin typeface="Anonymous Pro for Powerline"/>
-                <a:ea typeface="Anonymous Pro for Powerline"/>
-                <a:cs typeface="Anonymous Pro for Powerline"/>
-                <a:sym typeface="Anonymous Pro for Powerline"/>
-              </a:defRPr>
-            </a:pPr>
-            <a:r>
-              <a:t> "volume":19737419}</a:t>
+              <a:t>from matplotlib import pyplot as plt</a:t>
             </a:r>
           </a:p>
         </p:txBody>
@@ -6746,7 +6151,7 @@
       </p:grpSpPr>
       <p:sp>
         <p:nvSpPr>
-          <p:cNvPr id="251" name="Shape 251"/>
+          <p:cNvPr id="247" name="Shape 247"/>
           <p:cNvSpPr/>
           <p:nvPr>
             <p:ph type="title"/>
@@ -6755,7 +6160,7 @@
         <p:spPr>
           <a:xfrm>
             <a:off x="406400" y="1536700"/>
-            <a:ext cx="12192000" cy="1367235"/>
+            <a:ext cx="12192000" cy="1169260"/>
           </a:xfrm>
           <a:prstGeom prst="rect">
             <a:avLst/>
@@ -6764,68 +6169,62 @@
         <p:txBody>
           <a:bodyPr/>
           <a:lstStyle>
-            <a:lvl1pPr>
-              <a:defRPr sz="7000"/>
+            <a:lvl1pPr defTabSz="403097">
+              <a:spcBef>
+                <a:spcPts val="1900"/>
+              </a:spcBef>
+              <a:defRPr sz="8280"/>
             </a:lvl1pPr>
           </a:lstStyle>
           <a:p>
             <a:pPr/>
             <a:r>
-              <a:t>Concepts covered so Far</a:t>
-            </a:r>
-          </a:p>
-        </p:txBody>
-      </p:sp>
-      <p:sp>
-        <p:nvSpPr>
-          <p:cNvPr id="252" name="Shape 252"/>
-          <p:cNvSpPr/>
-          <p:nvPr>
-            <p:ph type="body" idx="1"/>
-          </p:nvPr>
+              <a:t>Plotting</a:t>
+            </a:r>
+          </a:p>
+        </p:txBody>
+      </p:sp>
+      <p:sp>
+        <p:nvSpPr>
+          <p:cNvPr id="248" name="Shape 248"/>
+          <p:cNvSpPr/>
+          <p:nvPr/>
         </p:nvSpPr>
         <p:spPr>
           <a:xfrm>
-            <a:off x="406400" y="2929466"/>
-            <a:ext cx="12192000" cy="6108701"/>
+            <a:off x="593496" y="4707042"/>
+            <a:ext cx="9820376" cy="1168401"/>
           </a:xfrm>
           <a:prstGeom prst="rect">
             <a:avLst/>
           </a:prstGeom>
-        </p:spPr>
-        <p:txBody>
-          <a:bodyPr/>
-          <a:lstStyle/>
-          <a:p>
-            <a:pPr marL="444500" indent="-444500">
-              <a:defRPr sz="4800"/>
-            </a:pPr>
-            <a:r>
-              <a:t>API</a:t>
-            </a:r>
-          </a:p>
-          <a:p>
-            <a:pPr marL="444500" indent="-444500">
-              <a:defRPr sz="4800"/>
-            </a:pPr>
-            <a:r>
-              <a:t>JSON</a:t>
-            </a:r>
-          </a:p>
-          <a:p>
-            <a:pPr marL="444500" indent="-444500">
-              <a:defRPr sz="4800"/>
-            </a:pPr>
-            <a:r>
-              <a:t>Requests </a:t>
-            </a:r>
-          </a:p>
-          <a:p>
-            <a:pPr marL="444500" indent="-444500">
-              <a:defRPr sz="4800"/>
-            </a:pPr>
-            <a:r>
-              <a:t>HTTP/HTTPS</a:t>
+          <a:ln w="12700">
+            <a:miter lim="400000"/>
+          </a:ln>
+          <a:extLst>
+            <a:ext uri="{C572A759-6A51-4108-AA02-DFA0A04FC94B}">
+              <ma14:wrappingTextBoxFlag xmlns:ma14="http://schemas.microsoft.com/office/mac/drawingml/2011/main" val="1"/>
+            </a:ext>
+          </a:extLst>
+        </p:spPr>
+        <p:txBody>
+          <a:bodyPr wrap="none" lIns="50800" tIns="50800" rIns="50800" bIns="50800" anchor="ctr">
+            <a:spAutoFit/>
+          </a:bodyPr>
+          <a:lstStyle>
+            <a:lvl1pPr>
+              <a:defRPr sz="7000">
+                <a:latin typeface="Anonymous Pro for Powerline"/>
+                <a:ea typeface="Anonymous Pro for Powerline"/>
+                <a:cs typeface="Anonymous Pro for Powerline"/>
+                <a:sym typeface="Anonymous Pro for Powerline"/>
+              </a:defRPr>
+            </a:lvl1pPr>
+          </a:lstStyle>
+          <a:p>
+            <a:pPr/>
+            <a:r>
+              <a:t>plt.plot(df[‘Open’])</a:t>
             </a:r>
           </a:p>
         </p:txBody>
@@ -6858,7 +6257,7 @@
       </p:grpSpPr>
       <p:sp>
         <p:nvSpPr>
-          <p:cNvPr id="254" name="Shape 254"/>
+          <p:cNvPr id="250" name="Shape 250"/>
           <p:cNvSpPr/>
           <p:nvPr>
             <p:ph type="title"/>
@@ -6866,8 +6265,8 @@
         </p:nvSpPr>
         <p:spPr>
           <a:xfrm>
-            <a:off x="2802102" y="4038600"/>
-            <a:ext cx="7400596" cy="4521200"/>
+            <a:off x="406400" y="1536700"/>
+            <a:ext cx="12192000" cy="1169260"/>
           </a:xfrm>
           <a:prstGeom prst="rect">
             <a:avLst/>
@@ -6875,11 +6274,63 @@
         </p:spPr>
         <p:txBody>
           <a:bodyPr/>
-          <a:lstStyle/>
-          <a:p>
-            <a:pPr/>
-            <a:r>
-              <a:t>Exercises</a:t>
+          <a:lstStyle>
+            <a:lvl1pPr defTabSz="403097">
+              <a:spcBef>
+                <a:spcPts val="1900"/>
+              </a:spcBef>
+              <a:defRPr sz="8280"/>
+            </a:lvl1pPr>
+          </a:lstStyle>
+          <a:p>
+            <a:pPr/>
+            <a:r>
+              <a:t>Plotting</a:t>
+            </a:r>
+          </a:p>
+        </p:txBody>
+      </p:sp>
+      <p:sp>
+        <p:nvSpPr>
+          <p:cNvPr id="251" name="Shape 251"/>
+          <p:cNvSpPr/>
+          <p:nvPr/>
+        </p:nvSpPr>
+        <p:spPr>
+          <a:xfrm>
+            <a:off x="593496" y="4707042"/>
+            <a:ext cx="11761590" cy="1168401"/>
+          </a:xfrm>
+          <a:prstGeom prst="rect">
+            <a:avLst/>
+          </a:prstGeom>
+          <a:ln w="12700">
+            <a:miter lim="400000"/>
+          </a:ln>
+          <a:extLst>
+            <a:ext uri="{C572A759-6A51-4108-AA02-DFA0A04FC94B}">
+              <ma14:wrappingTextBoxFlag xmlns:ma14="http://schemas.microsoft.com/office/mac/drawingml/2011/main" val="1"/>
+            </a:ext>
+          </a:extLst>
+        </p:spPr>
+        <p:txBody>
+          <a:bodyPr wrap="none" lIns="50800" tIns="50800" rIns="50800" bIns="50800" anchor="ctr">
+            <a:spAutoFit/>
+          </a:bodyPr>
+          <a:lstStyle>
+            <a:lvl1pPr>
+              <a:defRPr sz="7000">
+                <a:latin typeface="Anonymous Pro for Powerline"/>
+                <a:ea typeface="Anonymous Pro for Powerline"/>
+                <a:cs typeface="Anonymous Pro for Powerline"/>
+                <a:sym typeface="Anonymous Pro for Powerline"/>
+              </a:defRPr>
+            </a:lvl1pPr>
+          </a:lstStyle>
+          <a:p>
+            <a:pPr/>
+            <a:r>
+              <a:t>plt.style.use('seaborn')</a:t>
             </a:r>
           </a:p>
         </p:txBody>
@@ -6912,7 +6363,7 @@
       </p:grpSpPr>
       <p:sp>
         <p:nvSpPr>
-          <p:cNvPr id="256" name="Shape 256"/>
+          <p:cNvPr id="253" name="Shape 253"/>
           <p:cNvSpPr/>
           <p:nvPr>
             <p:ph type="title"/>
@@ -6940,97 +6391,63 @@
           <a:p>
             <a:pPr/>
             <a:r>
-              <a:t>Importing time series data</a:t>
-            </a:r>
-          </a:p>
-        </p:txBody>
-      </p:sp>
-      <p:sp>
-        <p:nvSpPr>
-          <p:cNvPr id="257" name="Shape 257"/>
-          <p:cNvSpPr/>
-          <p:nvPr/>
+              <a:t>Basic plotting</a:t>
+            </a:r>
+          </a:p>
+        </p:txBody>
+      </p:sp>
+      <p:sp>
+        <p:nvSpPr>
+          <p:cNvPr id="254" name="Shape 254"/>
+          <p:cNvSpPr/>
+          <p:nvPr>
+            <p:ph type="body" sz="half" idx="1"/>
+          </p:nvPr>
         </p:nvSpPr>
         <p:spPr>
           <a:xfrm>
-            <a:off x="756622" y="4119170"/>
-            <a:ext cx="11785046" cy="3035301"/>
+            <a:off x="406400" y="3953767"/>
+            <a:ext cx="12192000" cy="2531601"/>
           </a:xfrm>
           <a:prstGeom prst="rect">
             <a:avLst/>
           </a:prstGeom>
-          <a:ln w="12700">
-            <a:miter lim="400000"/>
-          </a:ln>
-          <a:extLst>
-            <a:ext uri="{C572A759-6A51-4108-AA02-DFA0A04FC94B}">
-              <ma14:wrappingTextBoxFlag xmlns:ma14="http://schemas.microsoft.com/office/mac/drawingml/2011/main" val="1"/>
-            </a:ext>
-          </a:extLst>
-        </p:spPr>
-        <p:txBody>
-          <a:bodyPr lIns="50800" tIns="50800" rIns="50800" bIns="50800" anchor="ctr">
-            <a:spAutoFit/>
-          </a:bodyPr>
+        </p:spPr>
+        <p:txBody>
+          <a:bodyPr/>
           <a:lstStyle/>
           <a:p>
-            <a:pPr>
-              <a:defRPr sz="5100">
-                <a:latin typeface="Anonymous Pro for Powerline"/>
-                <a:ea typeface="Anonymous Pro for Powerline"/>
-                <a:cs typeface="Anonymous Pro for Powerline"/>
-                <a:sym typeface="Anonymous Pro for Powerline"/>
-              </a:defRPr>
+            <a:pPr marL="663612" indent="-663612" defTabSz="549148">
+              <a:spcBef>
+                <a:spcPts val="2600"/>
+              </a:spcBef>
+              <a:buClrTx/>
+              <a:buSzPct val="40000"/>
+              <a:buFontTx/>
+              <a:buBlip>
+                <a:blip r:embed="rId2"/>
+              </a:buBlip>
+              <a:defRPr sz="6016"/>
             </a:pPr>
             <a:r>
-              <a:t>pd.read_csv(‘path.csv',</a:t>
-            </a:r>
-          </a:p>
-          <a:p>
-            <a:pPr>
-              <a:defRPr sz="5100">
-                <a:latin typeface="Anonymous Pro for Powerline"/>
-                <a:ea typeface="Anonymous Pro for Powerline"/>
-                <a:cs typeface="Anonymous Pro for Powerline"/>
-                <a:sym typeface="Anonymous Pro for Powerline"/>
-              </a:defRPr>
+              <a:t>Index used as X-values</a:t>
+            </a:r>
+          </a:p>
+          <a:p>
+            <a:pPr marL="663612" indent="-663612" defTabSz="549148">
+              <a:spcBef>
+                <a:spcPts val="2600"/>
+              </a:spcBef>
+              <a:buClrTx/>
+              <a:buSzPct val="40000"/>
+              <a:buFontTx/>
+              <a:buBlip>
+                <a:blip r:embed="rId2"/>
+              </a:buBlip>
+              <a:defRPr sz="6016"/>
             </a:pPr>
             <a:r>
-              <a:t>            </a:t>
-            </a:r>
-            <a:r>
-              <a:rPr>
-                <a:solidFill>
-                  <a:schemeClr val="accent3"/>
-                </a:solidFill>
-              </a:rPr>
-              <a:t>parse_dates=[‘Date'],</a:t>
-            </a:r>
-            <a:endParaRPr>
-              <a:solidFill>
-                <a:schemeClr val="accent3"/>
-              </a:solidFill>
-            </a:endParaRPr>
-          </a:p>
-          <a:p>
-            <a:pPr>
-              <a:defRPr sz="5100">
-                <a:latin typeface="Anonymous Pro for Powerline"/>
-                <a:ea typeface="Anonymous Pro for Powerline"/>
-                <a:cs typeface="Anonymous Pro for Powerline"/>
-                <a:sym typeface="Anonymous Pro for Powerline"/>
-              </a:defRPr>
-            </a:pPr>
-            <a:r>
-              <a:rPr>
-                <a:solidFill>
-                  <a:schemeClr val="accent3"/>
-                </a:solidFill>
-              </a:rPr>
-              <a:t>            index_col='Date'</a:t>
-            </a:r>
-            <a:r>
-              <a:t>)</a:t>
+              <a:t>Column values used as Y-values</a:t>
             </a:r>
           </a:p>
         </p:txBody>
@@ -7071,8 +6488,8 @@
         </p:nvSpPr>
         <p:spPr>
           <a:xfrm>
-            <a:off x="2595467" y="4055489"/>
-            <a:ext cx="7813866" cy="1982355"/>
+            <a:off x="406400" y="1536700"/>
+            <a:ext cx="12192000" cy="1169260"/>
           </a:xfrm>
           <a:prstGeom prst="rect">
             <a:avLst/>
@@ -7081,14 +6498,107 @@
         <p:txBody>
           <a:bodyPr/>
           <a:lstStyle>
-            <a:lvl1pPr defTabSz="502412">
-              <a:defRPr sz="14620"/>
+            <a:lvl1pPr defTabSz="403097">
+              <a:spcBef>
+                <a:spcPts val="1900"/>
+              </a:spcBef>
+              <a:defRPr sz="8280"/>
             </a:lvl1pPr>
           </a:lstStyle>
           <a:p>
             <a:pPr/>
             <a:r>
-              <a:t>Using APIS</a:t>
+              <a:t>Importing time series data</a:t>
+            </a:r>
+          </a:p>
+        </p:txBody>
+      </p:sp>
+      <p:sp>
+        <p:nvSpPr>
+          <p:cNvPr id="207" name="Shape 207"/>
+          <p:cNvSpPr/>
+          <p:nvPr/>
+        </p:nvSpPr>
+        <p:spPr>
+          <a:xfrm>
+            <a:off x="756622" y="4119170"/>
+            <a:ext cx="11785046" cy="3035301"/>
+          </a:xfrm>
+          <a:prstGeom prst="rect">
+            <a:avLst/>
+          </a:prstGeom>
+          <a:ln w="12700">
+            <a:miter lim="400000"/>
+          </a:ln>
+          <a:extLst>
+            <a:ext uri="{C572A759-6A51-4108-AA02-DFA0A04FC94B}">
+              <ma14:wrappingTextBoxFlag xmlns:ma14="http://schemas.microsoft.com/office/mac/drawingml/2011/main" val="1"/>
+            </a:ext>
+          </a:extLst>
+        </p:spPr>
+        <p:txBody>
+          <a:bodyPr lIns="50800" tIns="50800" rIns="50800" bIns="50800" anchor="ctr">
+            <a:spAutoFit/>
+          </a:bodyPr>
+          <a:lstStyle/>
+          <a:p>
+            <a:pPr>
+              <a:defRPr sz="5100">
+                <a:latin typeface="Anonymous Pro for Powerline"/>
+                <a:ea typeface="Anonymous Pro for Powerline"/>
+                <a:cs typeface="Anonymous Pro for Powerline"/>
+                <a:sym typeface="Anonymous Pro for Powerline"/>
+              </a:defRPr>
+            </a:pPr>
+            <a:r>
+              <a:t>pd.read_csv(‘path.csv',</a:t>
+            </a:r>
+          </a:p>
+          <a:p>
+            <a:pPr>
+              <a:defRPr sz="5100">
+                <a:latin typeface="Anonymous Pro for Powerline"/>
+                <a:ea typeface="Anonymous Pro for Powerline"/>
+                <a:cs typeface="Anonymous Pro for Powerline"/>
+                <a:sym typeface="Anonymous Pro for Powerline"/>
+              </a:defRPr>
+            </a:pPr>
+            <a:r>
+              <a:t>            </a:t>
+            </a:r>
+            <a:r>
+              <a:rPr>
+                <a:solidFill>
+                  <a:schemeClr val="accent3"/>
+                </a:solidFill>
+              </a:rPr>
+              <a:t>parse_dates=[‘Date'],</a:t>
+            </a:r>
+            <a:endParaRPr>
+              <a:solidFill>
+                <a:schemeClr val="accent3"/>
+              </a:solidFill>
+            </a:endParaRPr>
+          </a:p>
+          <a:p>
+            <a:pPr>
+              <a:defRPr sz="5100">
+                <a:latin typeface="Anonymous Pro for Powerline"/>
+                <a:ea typeface="Anonymous Pro for Powerline"/>
+                <a:cs typeface="Anonymous Pro for Powerline"/>
+                <a:sym typeface="Anonymous Pro for Powerline"/>
+              </a:defRPr>
+            </a:pPr>
+            <a:r>
+              <a:rPr>
+                <a:solidFill>
+                  <a:schemeClr val="accent3"/>
+                </a:solidFill>
+              </a:rPr>
+              <a:t>            index_col='Date'</a:t>
+            </a:r>
+            <a:r>
+              <a:t>)</a:t>
             </a:r>
           </a:p>
         </p:txBody>
@@ -7121,7 +6631,7 @@
       </p:grpSpPr>
       <p:sp>
         <p:nvSpPr>
-          <p:cNvPr id="259" name="Shape 259"/>
+          <p:cNvPr id="256" name="Shape 256"/>
           <p:cNvSpPr/>
           <p:nvPr>
             <p:ph type="title"/>
@@ -7149,96 +6659,71 @@
           <a:p>
             <a:pPr/>
             <a:r>
-              <a:t>Dataframe from dicts</a:t>
-            </a:r>
-          </a:p>
-        </p:txBody>
-      </p:sp>
-      <p:sp>
-        <p:nvSpPr>
-          <p:cNvPr id="260" name="Shape 260"/>
-          <p:cNvSpPr/>
-          <p:nvPr/>
+              <a:t>Matplotlib.pyplot</a:t>
+            </a:r>
+          </a:p>
+        </p:txBody>
+      </p:sp>
+      <p:sp>
+        <p:nvSpPr>
+          <p:cNvPr id="257" name="Shape 257"/>
+          <p:cNvSpPr/>
+          <p:nvPr>
+            <p:ph type="body" idx="1"/>
+          </p:nvPr>
         </p:nvSpPr>
         <p:spPr>
           <a:xfrm>
-            <a:off x="604849" y="4757670"/>
-            <a:ext cx="11795102" cy="876301"/>
+            <a:off x="673955" y="3236537"/>
+            <a:ext cx="12192001" cy="6892578"/>
           </a:xfrm>
           <a:prstGeom prst="rect">
             <a:avLst/>
           </a:prstGeom>
-          <a:ln w="12700">
-            <a:miter lim="400000"/>
-          </a:ln>
-          <a:extLst>
-            <a:ext uri="{C572A759-6A51-4108-AA02-DFA0A04FC94B}">
-              <ma14:wrappingTextBoxFlag xmlns:ma14="http://schemas.microsoft.com/office/mac/drawingml/2011/main" val="1"/>
-            </a:ext>
-          </a:extLst>
-        </p:spPr>
-        <p:txBody>
-          <a:bodyPr lIns="50800" tIns="50800" rIns="50800" bIns="50800" anchor="ctr">
-            <a:spAutoFit/>
-          </a:bodyPr>
-          <a:lstStyle>
-            <a:lvl1pPr>
-              <a:defRPr sz="5100">
-                <a:latin typeface="Anonymous Pro for Powerline"/>
-                <a:ea typeface="Anonymous Pro for Powerline"/>
-                <a:cs typeface="Anonymous Pro for Powerline"/>
-                <a:sym typeface="Anonymous Pro for Powerline"/>
-              </a:defRPr>
-            </a:lvl1pPr>
-          </a:lstStyle>
-          <a:p>
-            <a:pPr/>
-            <a:r>
-              <a:t>pd.DataFrame.from_dict(dict_list)</a:t>
-            </a:r>
-          </a:p>
-        </p:txBody>
-      </p:sp>
-      <p:sp>
-        <p:nvSpPr>
-          <p:cNvPr id="261" name="Shape 261"/>
-          <p:cNvSpPr/>
-          <p:nvPr/>
-        </p:nvSpPr>
-        <p:spPr>
-          <a:xfrm>
-            <a:off x="904881" y="6663814"/>
-            <a:ext cx="10671049" cy="1143001"/>
-          </a:xfrm>
-          <a:prstGeom prst="rect">
-            <a:avLst/>
-          </a:prstGeom>
-          <a:ln w="12700">
-            <a:miter lim="400000"/>
-          </a:ln>
-          <a:extLst>
-            <a:ext uri="{C572A759-6A51-4108-AA02-DFA0A04FC94B}">
-              <ma14:wrappingTextBoxFlag xmlns:ma14="http://schemas.microsoft.com/office/mac/drawingml/2011/main" val="1"/>
-            </a:ext>
-          </a:extLst>
-        </p:spPr>
-        <p:txBody>
-          <a:bodyPr wrap="none" lIns="50800" tIns="50800" rIns="50800" bIns="50800" anchor="ctr">
-            <a:spAutoFit/>
-          </a:bodyPr>
-          <a:lstStyle>
-            <a:lvl1pPr>
-              <a:defRPr sz="6000">
-                <a:solidFill>
-                  <a:schemeClr val="accent5"/>
-                </a:solidFill>
-              </a:defRPr>
-            </a:lvl1pPr>
-          </a:lstStyle>
-          <a:p>
-            <a:pPr/>
-            <a:r>
-              <a:t>Dicts must all have same keys!</a:t>
+        </p:spPr>
+        <p:txBody>
+          <a:bodyPr/>
+          <a:lstStyle/>
+          <a:p>
+            <a:pPr marL="705970" indent="-705970">
+              <a:buClrTx/>
+              <a:buSzPct val="40000"/>
+              <a:buFontTx/>
+              <a:buBlip>
+                <a:blip r:embed="rId2"/>
+              </a:buBlip>
+              <a:defRPr sz="6400"/>
+            </a:pPr>
+            <a:r>
+              <a:t>High-level interface</a:t>
+            </a:r>
+          </a:p>
+          <a:p>
+            <a:pPr marL="705970" indent="-705970">
+              <a:buClrTx/>
+              <a:buSzPct val="40000"/>
+              <a:buFontTx/>
+              <a:buBlip>
+                <a:blip r:embed="rId2"/>
+              </a:buBlip>
+              <a:defRPr sz="6400"/>
+            </a:pPr>
+            <a:r>
+              <a:t>Order of execution matters</a:t>
+            </a:r>
+          </a:p>
+          <a:p>
+            <a:pPr marL="705970" indent="-705970">
+              <a:buClrTx/>
+              <a:buSzPct val="40000"/>
+              <a:buFontTx/>
+              <a:buBlip>
+                <a:blip r:embed="rId2"/>
+              </a:buBlip>
+              <a:defRPr sz="6400"/>
+            </a:pPr>
+            <a:r>
+              <a:t>Don’t mix or confuse with object-oriented interface!</a:t>
             </a:r>
           </a:p>
         </p:txBody>
@@ -7271,17 +6756,34 @@
       </p:grpSpPr>
       <p:sp>
         <p:nvSpPr>
-          <p:cNvPr id="263" name="Shape 263"/>
+          <p:cNvPr id="259" name="Shape 259"/>
+          <p:cNvSpPr/>
+          <p:nvPr>
+            <p:ph type="body" idx="13"/>
+          </p:nvPr>
+        </p:nvSpPr>
+        <p:spPr>
+          <a:prstGeom prst="rect">
+            <a:avLst/>
+          </a:prstGeom>
+        </p:spPr>
+        <p:txBody>
+          <a:bodyPr/>
+          <a:lstStyle/>
+          <a:p>
+            <a:pPr/>
+          </a:p>
+        </p:txBody>
+      </p:sp>
+      <p:sp>
+        <p:nvSpPr>
+          <p:cNvPr id="260" name="Shape 260"/>
           <p:cNvSpPr/>
           <p:nvPr>
             <p:ph type="title"/>
           </p:nvPr>
         </p:nvSpPr>
         <p:spPr>
-          <a:xfrm>
-            <a:off x="406400" y="1536700"/>
-            <a:ext cx="12192000" cy="1169260"/>
-          </a:xfrm>
           <a:prstGeom prst="rect">
             <a:avLst/>
           </a:prstGeom>
@@ -7289,33 +6791,33 @@
         <p:txBody>
           <a:bodyPr/>
           <a:lstStyle>
-            <a:lvl1pPr defTabSz="403097">
+            <a:lvl1pPr defTabSz="467359">
               <a:spcBef>
-                <a:spcPts val="1900"/>
+                <a:spcPts val="2200"/>
               </a:spcBef>
-              <a:defRPr sz="8280"/>
+              <a:defRPr sz="4800"/>
             </a:lvl1pPr>
           </a:lstStyle>
           <a:p>
             <a:pPr/>
             <a:r>
-              <a:t>Partial string indexing</a:t>
-            </a:r>
-          </a:p>
-        </p:txBody>
-      </p:sp>
-      <p:sp>
-        <p:nvSpPr>
-          <p:cNvPr id="264" name="Shape 264"/>
-          <p:cNvSpPr/>
-          <p:nvPr>
-            <p:ph type="body" sz="half" idx="1"/>
+              <a:t>Figure</a:t>
+            </a:r>
+          </a:p>
+        </p:txBody>
+      </p:sp>
+      <p:sp>
+        <p:nvSpPr>
+          <p:cNvPr id="261" name="Shape 261"/>
+          <p:cNvSpPr/>
+          <p:nvPr>
+            <p:ph type="body" sz="quarter" idx="1"/>
           </p:nvPr>
         </p:nvSpPr>
         <p:spPr>
           <a:xfrm>
-            <a:off x="406400" y="3953767"/>
-            <a:ext cx="12192000" cy="2531601"/>
+            <a:off x="406400" y="2743200"/>
+            <a:ext cx="12192000" cy="818013"/>
           </a:xfrm>
           <a:prstGeom prst="rect">
             <a:avLst/>
@@ -7325,37 +6827,83 @@
           <a:bodyPr/>
           <a:lstStyle/>
           <a:p>
-            <a:pPr marL="663612" indent="-663612" defTabSz="549148">
-              <a:spcBef>
-                <a:spcPts val="2600"/>
-              </a:spcBef>
-              <a:buClrTx/>
-              <a:buSzPct val="40000"/>
-              <a:buFontTx/>
-              <a:buBlip>
-                <a:blip r:embed="rId2"/>
-              </a:buBlip>
-              <a:defRPr sz="6016"/>
-            </a:pPr>
-            <a:r>
-              <a:t>Pandas translates string to date</a:t>
-            </a:r>
-          </a:p>
-          <a:p>
-            <a:pPr marL="663612" indent="-663612" defTabSz="549148">
-              <a:spcBef>
-                <a:spcPts val="2600"/>
-              </a:spcBef>
-              <a:buClrTx/>
-              <a:buSzPct val="40000"/>
-              <a:buFontTx/>
-              <a:buBlip>
-                <a:blip r:embed="rId2"/>
-              </a:buBlip>
-              <a:defRPr sz="6016"/>
-            </a:pPr>
-            <a:r>
-              <a:t>Order is: Year - Month - Day</a:t>
+            <a:pPr/>
+            <a:r>
+              <a:t>The entire image output by your code</a:t>
+            </a:r>
+          </a:p>
+        </p:txBody>
+      </p:sp>
+      <p:pic>
+        <p:nvPicPr>
+          <p:cNvPr id="262" name="Screen Shot 2018-11-09 at 1.31.16 AM.png"/>
+          <p:cNvPicPr>
+            <a:picLocks noChangeAspect="1"/>
+          </p:cNvPicPr>
+          <p:nvPr/>
+        </p:nvPicPr>
+        <p:blipFill>
+          <a:blip r:embed="rId2">
+            <a:extLst/>
+          </a:blip>
+          <a:stretch>
+            <a:fillRect/>
+          </a:stretch>
+        </p:blipFill>
+        <p:spPr>
+          <a:xfrm>
+            <a:off x="-1" y="4043812"/>
+            <a:ext cx="13004801" cy="4358991"/>
+          </a:xfrm>
+          <a:prstGeom prst="rect">
+            <a:avLst/>
+          </a:prstGeom>
+          <a:ln w="12700">
+            <a:miter lim="400000"/>
+          </a:ln>
+        </p:spPr>
+      </p:pic>
+      <p:sp>
+        <p:nvSpPr>
+          <p:cNvPr id="263" name="Shape 263"/>
+          <p:cNvSpPr/>
+          <p:nvPr/>
+        </p:nvSpPr>
+        <p:spPr>
+          <a:xfrm>
+            <a:off x="471320" y="8815551"/>
+            <a:ext cx="5418685" cy="546101"/>
+          </a:xfrm>
+          <a:prstGeom prst="rect">
+            <a:avLst/>
+          </a:prstGeom>
+          <a:ln w="12700">
+            <a:miter lim="400000"/>
+          </a:ln>
+          <a:extLst>
+            <a:ext uri="{C572A759-6A51-4108-AA02-DFA0A04FC94B}">
+              <ma14:wrappingTextBoxFlag xmlns:ma14="http://schemas.microsoft.com/office/mac/drawingml/2011/main" val="1"/>
+            </a:ext>
+          </a:extLst>
+        </p:spPr>
+        <p:txBody>
+          <a:bodyPr wrap="none" lIns="50800" tIns="50800" rIns="50800" bIns="50800" anchor="ctr">
+            <a:spAutoFit/>
+          </a:bodyPr>
+          <a:lstStyle>
+            <a:lvl1pPr>
+              <a:defRPr sz="2900">
+                <a:latin typeface="Courier"/>
+                <a:ea typeface="Courier"/>
+                <a:cs typeface="Courier"/>
+                <a:sym typeface="Courier"/>
+              </a:defRPr>
+            </a:lvl1pPr>
+          </a:lstStyle>
+          <a:p>
+            <a:pPr/>
+            <a:r>
+              <a:t>matplotlib.figure.Figure</a:t>
             </a:r>
           </a:p>
         </p:txBody>
@@ -7388,7 +6936,7 @@
       </p:grpSpPr>
       <p:sp>
         <p:nvSpPr>
-          <p:cNvPr id="266" name="Shape 266"/>
+          <p:cNvPr id="265" name="Shape 265"/>
           <p:cNvSpPr/>
           <p:nvPr>
             <p:ph type="title"/>
@@ -7397,7 +6945,7 @@
         <p:spPr>
           <a:xfrm>
             <a:off x="406400" y="1536700"/>
-            <a:ext cx="12192000" cy="1169260"/>
+            <a:ext cx="12192000" cy="1169261"/>
           </a:xfrm>
           <a:prstGeom prst="rect">
             <a:avLst/>
@@ -7410,58 +6958,104 @@
               <a:spcBef>
                 <a:spcPts val="1900"/>
               </a:spcBef>
-              <a:defRPr sz="8280"/>
+              <a:defRPr sz="8200"/>
             </a:lvl1pPr>
           </a:lstStyle>
           <a:p>
             <a:pPr/>
             <a:r>
-              <a:t>Partial string indexing</a:t>
-            </a:r>
-          </a:p>
-        </p:txBody>
-      </p:sp>
-      <p:sp>
-        <p:nvSpPr>
-          <p:cNvPr id="267" name="Shape 267"/>
-          <p:cNvSpPr/>
-          <p:nvPr/>
+              <a:t>Figure</a:t>
+            </a:r>
+          </a:p>
+        </p:txBody>
+      </p:sp>
+      <p:sp>
+        <p:nvSpPr>
+          <p:cNvPr id="266" name="Shape 266"/>
+          <p:cNvSpPr/>
+          <p:nvPr>
+            <p:ph type="body" idx="1"/>
+          </p:nvPr>
         </p:nvSpPr>
         <p:spPr>
           <a:xfrm>
-            <a:off x="763759" y="4925950"/>
-            <a:ext cx="4967338" cy="1168401"/>
+            <a:off x="406400" y="3953767"/>
+            <a:ext cx="12192000" cy="4909099"/>
           </a:xfrm>
           <a:prstGeom prst="rect">
             <a:avLst/>
           </a:prstGeom>
-          <a:ln w="12700">
-            <a:miter lim="400000"/>
-          </a:ln>
-          <a:extLst>
-            <a:ext uri="{C572A759-6A51-4108-AA02-DFA0A04FC94B}">
-              <ma14:wrappingTextBoxFlag xmlns:ma14="http://schemas.microsoft.com/office/mac/drawingml/2011/main" val="1"/>
-            </a:ext>
-          </a:extLst>
-        </p:spPr>
-        <p:txBody>
-          <a:bodyPr wrap="none" lIns="50800" tIns="50800" rIns="50800" bIns="50800" anchor="ctr">
-            <a:spAutoFit/>
-          </a:bodyPr>
-          <a:lstStyle>
-            <a:lvl1pPr>
-              <a:defRPr sz="7000">
-                <a:latin typeface="Anonymous Pro for Powerline"/>
-                <a:ea typeface="Anonymous Pro for Powerline"/>
-                <a:cs typeface="Anonymous Pro for Powerline"/>
-                <a:sym typeface="Anonymous Pro for Powerline"/>
+        </p:spPr>
+        <p:txBody>
+          <a:bodyPr anchor="t"/>
+          <a:lstStyle/>
+          <a:p>
+            <a:pPr marL="663612" indent="-663612" defTabSz="549148">
+              <a:lnSpc>
+                <a:spcPct val="100000"/>
+              </a:lnSpc>
+              <a:spcBef>
+                <a:spcPts val="2600"/>
+              </a:spcBef>
+              <a:buSzPct val="40000"/>
+              <a:buBlip>
+                <a:blip r:embed="rId2"/>
+              </a:buBlip>
+              <a:defRPr cap="none" spc="0" sz="6000">
+                <a:latin typeface="Avenir Next Medium"/>
+                <a:ea typeface="Avenir Next Medium"/>
+                <a:cs typeface="Avenir Next Medium"/>
+                <a:sym typeface="Avenir Next Medium"/>
               </a:defRPr>
-            </a:lvl1pPr>
-          </a:lstStyle>
-          <a:p>
-            <a:pPr/>
-            <a:r>
-              <a:t>df[‘2017’]</a:t>
+            </a:pPr>
+            <a:r>
+              <a:t>Set overall graph size</a:t>
+            </a:r>
+          </a:p>
+          <a:p>
+            <a:pPr marL="663612" indent="-663612" defTabSz="549148">
+              <a:lnSpc>
+                <a:spcPct val="100000"/>
+              </a:lnSpc>
+              <a:spcBef>
+                <a:spcPts val="2600"/>
+              </a:spcBef>
+              <a:buSzPct val="40000"/>
+              <a:buBlip>
+                <a:blip r:embed="rId2"/>
+              </a:buBlip>
+              <a:defRPr cap="none" spc="0" sz="6000">
+                <a:latin typeface="Avenir Next Medium"/>
+                <a:ea typeface="Avenir Next Medium"/>
+                <a:cs typeface="Avenir Next Medium"/>
+                <a:sym typeface="Avenir Next Medium"/>
+              </a:defRPr>
+            </a:pPr>
+            <a:r>
+              <a:t>Store graph while modifying it</a:t>
+            </a:r>
+          </a:p>
+          <a:p>
+            <a:pPr marL="663612" indent="-663612" defTabSz="549148">
+              <a:lnSpc>
+                <a:spcPct val="100000"/>
+              </a:lnSpc>
+              <a:spcBef>
+                <a:spcPts val="2600"/>
+              </a:spcBef>
+              <a:buSzPct val="40000"/>
+              <a:buBlip>
+                <a:blip r:embed="rId2"/>
+              </a:buBlip>
+              <a:defRPr cap="none" spc="0" sz="6000">
+                <a:latin typeface="Avenir Next Medium"/>
+                <a:ea typeface="Avenir Next Medium"/>
+                <a:cs typeface="Avenir Next Medium"/>
+                <a:sym typeface="Avenir Next Medium"/>
+              </a:defRPr>
+            </a:pPr>
+            <a:r>
+              <a:t>Save graph to disk</a:t>
             </a:r>
           </a:p>
         </p:txBody>
@@ -7494,7 +7088,7 @@
       </p:grpSpPr>
       <p:sp>
         <p:nvSpPr>
-          <p:cNvPr id="269" name="Shape 269"/>
+          <p:cNvPr id="268" name="Shape 268"/>
           <p:cNvSpPr/>
           <p:nvPr>
             <p:ph type="title"/>
@@ -7522,21 +7116,21 @@
           <a:p>
             <a:pPr/>
             <a:r>
-              <a:t>Partial string indexing</a:t>
-            </a:r>
-          </a:p>
-        </p:txBody>
-      </p:sp>
-      <p:sp>
-        <p:nvSpPr>
-          <p:cNvPr id="270" name="Shape 270"/>
+              <a:t>Plotting</a:t>
+            </a:r>
+          </a:p>
+        </p:txBody>
+      </p:sp>
+      <p:sp>
+        <p:nvSpPr>
+          <p:cNvPr id="269" name="Shape 269"/>
           <p:cNvSpPr/>
           <p:nvPr/>
         </p:nvSpPr>
         <p:spPr>
           <a:xfrm>
-            <a:off x="763759" y="4925950"/>
-            <a:ext cx="6423249" cy="1168401"/>
+            <a:off x="374588" y="4793788"/>
+            <a:ext cx="14442372" cy="1092201"/>
           </a:xfrm>
           <a:prstGeom prst="rect">
             <a:avLst/>
@@ -7551,12 +7145,12 @@
           </a:extLst>
         </p:spPr>
         <p:txBody>
-          <a:bodyPr wrap="none" lIns="50800" tIns="50800" rIns="50800" bIns="50800" anchor="ctr">
+          <a:bodyPr lIns="50800" tIns="50800" rIns="50800" bIns="50800" anchor="ctr">
             <a:spAutoFit/>
           </a:bodyPr>
           <a:lstStyle>
             <a:lvl1pPr>
-              <a:defRPr sz="7000">
+              <a:defRPr sz="6500">
                 <a:latin typeface="Anonymous Pro for Powerline"/>
                 <a:ea typeface="Anonymous Pro for Powerline"/>
                 <a:cs typeface="Anonymous Pro for Powerline"/>
@@ -7567,7 +7161,7 @@
           <a:p>
             <a:pPr/>
             <a:r>
-              <a:t>df[‘2017-02’]</a:t>
+              <a:t>plt.figure(figsize=(14, 6))</a:t>
             </a:r>
           </a:p>
         </p:txBody>
@@ -7600,7 +7194,7 @@
       </p:grpSpPr>
       <p:sp>
         <p:nvSpPr>
-          <p:cNvPr id="272" name="Shape 272"/>
+          <p:cNvPr id="271" name="Shape 271"/>
           <p:cNvSpPr/>
           <p:nvPr>
             <p:ph type="title"/>
@@ -7628,21 +7222,21 @@
           <a:p>
             <a:pPr/>
             <a:r>
-              <a:t>Partial string indexing</a:t>
-            </a:r>
-          </a:p>
-        </p:txBody>
-      </p:sp>
-      <p:sp>
-        <p:nvSpPr>
-          <p:cNvPr id="273" name="Shape 273"/>
+              <a:t>Plotting</a:t>
+            </a:r>
+          </a:p>
+        </p:txBody>
+      </p:sp>
+      <p:sp>
+        <p:nvSpPr>
+          <p:cNvPr id="272" name="Shape 272"/>
           <p:cNvSpPr/>
           <p:nvPr/>
         </p:nvSpPr>
         <p:spPr>
           <a:xfrm>
-            <a:off x="763759" y="4925950"/>
-            <a:ext cx="7879160" cy="1168401"/>
+            <a:off x="374588" y="4793788"/>
+            <a:ext cx="14442372" cy="1092201"/>
           </a:xfrm>
           <a:prstGeom prst="rect">
             <a:avLst/>
@@ -7657,12 +7251,12 @@
           </a:extLst>
         </p:spPr>
         <p:txBody>
-          <a:bodyPr wrap="none" lIns="50800" tIns="50800" rIns="50800" bIns="50800" anchor="ctr">
+          <a:bodyPr lIns="50800" tIns="50800" rIns="50800" bIns="50800" anchor="ctr">
             <a:spAutoFit/>
           </a:bodyPr>
           <a:lstStyle>
             <a:lvl1pPr>
-              <a:defRPr sz="7000">
+              <a:defRPr sz="6500">
                 <a:latin typeface="Anonymous Pro for Powerline"/>
                 <a:ea typeface="Anonymous Pro for Powerline"/>
                 <a:cs typeface="Anonymous Pro for Powerline"/>
@@ -7673,7 +7267,7 @@
           <a:p>
             <a:pPr/>
             <a:r>
-              <a:t>df[‘2017-02-01’]</a:t>
+              <a:t>plt.savefig(“my_graph.png”)</a:t>
             </a:r>
           </a:p>
         </p:txBody>
@@ -7706,7 +7300,7 @@
       </p:grpSpPr>
       <p:sp>
         <p:nvSpPr>
-          <p:cNvPr id="275" name="Shape 275"/>
+          <p:cNvPr id="274" name="Shape 274"/>
           <p:cNvSpPr/>
           <p:nvPr>
             <p:ph type="title"/>
@@ -7714,8 +7308,8 @@
         </p:nvSpPr>
         <p:spPr>
           <a:xfrm>
-            <a:off x="406400" y="1536700"/>
-            <a:ext cx="12192000" cy="1169260"/>
+            <a:off x="3318085" y="4128458"/>
+            <a:ext cx="6368631" cy="1982356"/>
           </a:xfrm>
           <a:prstGeom prst="rect">
             <a:avLst/>
@@ -7724,62 +7318,14 @@
         <p:txBody>
           <a:bodyPr/>
           <a:lstStyle>
-            <a:lvl1pPr defTabSz="403097">
-              <a:spcBef>
-                <a:spcPts val="1900"/>
-              </a:spcBef>
-              <a:defRPr sz="8280"/>
+            <a:lvl1pPr defTabSz="502412">
+              <a:defRPr sz="14620"/>
             </a:lvl1pPr>
           </a:lstStyle>
           <a:p>
             <a:pPr/>
             <a:r>
-              <a:t>Basic Statistics</a:t>
-            </a:r>
-          </a:p>
-        </p:txBody>
-      </p:sp>
-      <p:sp>
-        <p:nvSpPr>
-          <p:cNvPr id="276" name="Shape 276"/>
-          <p:cNvSpPr/>
-          <p:nvPr/>
-        </p:nvSpPr>
-        <p:spPr>
-          <a:xfrm>
-            <a:off x="763759" y="4925950"/>
-            <a:ext cx="6423249" cy="1168401"/>
-          </a:xfrm>
-          <a:prstGeom prst="rect">
-            <a:avLst/>
-          </a:prstGeom>
-          <a:ln w="12700">
-            <a:miter lim="400000"/>
-          </a:ln>
-          <a:extLst>
-            <a:ext uri="{C572A759-6A51-4108-AA02-DFA0A04FC94B}">
-              <ma14:wrappingTextBoxFlag xmlns:ma14="http://schemas.microsoft.com/office/mac/drawingml/2011/main" val="1"/>
-            </a:ext>
-          </a:extLst>
-        </p:spPr>
-        <p:txBody>
-          <a:bodyPr wrap="none" lIns="50800" tIns="50800" rIns="50800" bIns="50800" anchor="ctr">
-            <a:spAutoFit/>
-          </a:bodyPr>
-          <a:lstStyle>
-            <a:lvl1pPr>
-              <a:defRPr sz="7000">
-                <a:latin typeface="Anonymous Pro for Powerline"/>
-                <a:ea typeface="Anonymous Pro for Powerline"/>
-                <a:cs typeface="Anonymous Pro for Powerline"/>
-                <a:sym typeface="Anonymous Pro for Powerline"/>
-              </a:defRPr>
-            </a:lvl1pPr>
-          </a:lstStyle>
-          <a:p>
-            <a:pPr/>
-            <a:r>
-              <a:t>df.describe()</a:t>
+              <a:t>Exercises</a:t>
             </a:r>
           </a:p>
         </p:txBody>
@@ -7812,7 +7358,7 @@
       </p:grpSpPr>
       <p:sp>
         <p:nvSpPr>
-          <p:cNvPr id="278" name="Shape 278"/>
+          <p:cNvPr id="276" name="Shape 276"/>
           <p:cNvSpPr/>
           <p:nvPr>
             <p:ph type="title"/>
@@ -7840,63 +7386,52 @@
           <a:p>
             <a:pPr/>
             <a:r>
-              <a:t>.Describe()</a:t>
-            </a:r>
-          </a:p>
-        </p:txBody>
-      </p:sp>
-      <p:sp>
-        <p:nvSpPr>
-          <p:cNvPr id="279" name="Shape 279"/>
-          <p:cNvSpPr/>
-          <p:nvPr>
-            <p:ph type="body" sz="half" idx="1"/>
-          </p:nvPr>
+              <a:t>Plotting</a:t>
+            </a:r>
+          </a:p>
+        </p:txBody>
+      </p:sp>
+      <p:sp>
+        <p:nvSpPr>
+          <p:cNvPr id="277" name="Shape 277"/>
+          <p:cNvSpPr/>
+          <p:nvPr/>
         </p:nvSpPr>
         <p:spPr>
           <a:xfrm>
-            <a:off x="406400" y="3953767"/>
-            <a:ext cx="12192000" cy="2531601"/>
+            <a:off x="593496" y="4707042"/>
+            <a:ext cx="11276287" cy="1168401"/>
           </a:xfrm>
           <a:prstGeom prst="rect">
             <a:avLst/>
           </a:prstGeom>
-        </p:spPr>
-        <p:txBody>
-          <a:bodyPr/>
-          <a:lstStyle/>
-          <a:p>
-            <a:pPr marL="663612" indent="-663612" defTabSz="549148">
-              <a:spcBef>
-                <a:spcPts val="2600"/>
-              </a:spcBef>
-              <a:buClrTx/>
-              <a:buSzPct val="40000"/>
-              <a:buFontTx/>
-              <a:buBlip>
-                <a:blip r:embed="rId2"/>
-              </a:buBlip>
-              <a:defRPr sz="6016"/>
-            </a:pPr>
-            <a:r>
-              <a:t>Finds all numeric columns</a:t>
-            </a:r>
-          </a:p>
-          <a:p>
-            <a:pPr marL="663612" indent="-663612" defTabSz="549148">
-              <a:spcBef>
-                <a:spcPts val="2600"/>
-              </a:spcBef>
-              <a:buClrTx/>
-              <a:buSzPct val="40000"/>
-              <a:buFontTx/>
-              <a:buBlip>
-                <a:blip r:embed="rId2"/>
-              </a:buBlip>
-              <a:defRPr sz="6016"/>
-            </a:pPr>
-            <a:r>
-              <a:t>Gives max, min, var, std, etc</a:t>
+          <a:ln w="12700">
+            <a:miter lim="400000"/>
+          </a:ln>
+          <a:extLst>
+            <a:ext uri="{C572A759-6A51-4108-AA02-DFA0A04FC94B}">
+              <ma14:wrappingTextBoxFlag xmlns:ma14="http://schemas.microsoft.com/office/mac/drawingml/2011/main" val="1"/>
+            </a:ext>
+          </a:extLst>
+        </p:spPr>
+        <p:txBody>
+          <a:bodyPr wrap="none" lIns="50800" tIns="50800" rIns="50800" bIns="50800" anchor="ctr">
+            <a:spAutoFit/>
+          </a:bodyPr>
+          <a:lstStyle>
+            <a:lvl1pPr>
+              <a:defRPr sz="7000">
+                <a:latin typeface="Anonymous Pro for Powerline"/>
+                <a:ea typeface="Anonymous Pro for Powerline"/>
+                <a:cs typeface="Anonymous Pro for Powerline"/>
+                <a:sym typeface="Anonymous Pro for Powerline"/>
+              </a:defRPr>
+            </a:lvl1pPr>
+          </a:lstStyle>
+          <a:p>
+            <a:pPr/>
+            <a:r>
+              <a:t>plt.bar(x_idx, heights)</a:t>
             </a:r>
           </a:p>
         </p:txBody>
@@ -7929,7 +7464,7 @@
       </p:grpSpPr>
       <p:sp>
         <p:nvSpPr>
-          <p:cNvPr id="281" name="Shape 281"/>
+          <p:cNvPr id="279" name="Shape 279"/>
           <p:cNvSpPr/>
           <p:nvPr>
             <p:ph type="title"/>
@@ -7957,21 +7492,21 @@
           <a:p>
             <a:pPr/>
             <a:r>
-              <a:t>Correlation</a:t>
-            </a:r>
-          </a:p>
-        </p:txBody>
-      </p:sp>
-      <p:sp>
-        <p:nvSpPr>
-          <p:cNvPr id="282" name="Shape 282"/>
+              <a:t>Plotting</a:t>
+            </a:r>
+          </a:p>
+        </p:txBody>
+      </p:sp>
+      <p:sp>
+        <p:nvSpPr>
+          <p:cNvPr id="280" name="Shape 280"/>
           <p:cNvSpPr/>
           <p:nvPr/>
         </p:nvSpPr>
         <p:spPr>
           <a:xfrm>
-            <a:off x="763759" y="4925950"/>
-            <a:ext cx="4482034" cy="1168401"/>
+            <a:off x="593496" y="4707042"/>
+            <a:ext cx="9820376" cy="1168401"/>
           </a:xfrm>
           <a:prstGeom prst="rect">
             <a:avLst/>
@@ -8002,7 +7537,7 @@
           <a:p>
             <a:pPr/>
             <a:r>
-              <a:t>df.corr()</a:t>
+              <a:t>plt.title('My Name')</a:t>
             </a:r>
           </a:p>
         </p:txBody>
@@ -8035,7 +7570,7 @@
       </p:grpSpPr>
       <p:sp>
         <p:nvSpPr>
-          <p:cNvPr id="284" name="Shape 284"/>
+          <p:cNvPr id="282" name="Shape 282"/>
           <p:cNvSpPr/>
           <p:nvPr>
             <p:ph type="title"/>
@@ -8063,31 +7598,21 @@
           <a:p>
             <a:pPr/>
             <a:r>
-              <a:t>Correlation</a:t>
-            </a:r>
-          </a:p>
-        </p:txBody>
-      </p:sp>
-      <p:pic>
-        <p:nvPicPr>
-          <p:cNvPr id="285" name="pasted-image.tiff"/>
-          <p:cNvPicPr>
-            <a:picLocks noChangeAspect="1"/>
-          </p:cNvPicPr>
+              <a:t>Plotting</a:t>
+            </a:r>
+          </a:p>
+        </p:txBody>
+      </p:sp>
+      <p:sp>
+        <p:nvSpPr>
+          <p:cNvPr id="283" name="Shape 283"/>
+          <p:cNvSpPr/>
           <p:nvPr/>
-        </p:nvPicPr>
-        <p:blipFill>
-          <a:blip r:embed="rId2">
-            <a:extLst/>
-          </a:blip>
-          <a:stretch>
-            <a:fillRect/>
-          </a:stretch>
-        </p:blipFill>
+        </p:nvSpPr>
         <p:spPr>
           <a:xfrm>
-            <a:off x="501734" y="3236537"/>
-            <a:ext cx="11855441" cy="4772970"/>
+            <a:off x="374588" y="4793788"/>
+            <a:ext cx="14442372" cy="1092201"/>
           </a:xfrm>
           <a:prstGeom prst="rect">
             <a:avLst/>
@@ -8095,8 +7620,34 @@
           <a:ln w="12700">
             <a:miter lim="400000"/>
           </a:ln>
-        </p:spPr>
-      </p:pic>
+          <a:extLst>
+            <a:ext uri="{C572A759-6A51-4108-AA02-DFA0A04FC94B}">
+              <ma14:wrappingTextBoxFlag xmlns:ma14="http://schemas.microsoft.com/office/mac/drawingml/2011/main" val="1"/>
+            </a:ext>
+          </a:extLst>
+        </p:spPr>
+        <p:txBody>
+          <a:bodyPr lIns="50800" tIns="50800" rIns="50800" bIns="50800" anchor="ctr">
+            <a:spAutoFit/>
+          </a:bodyPr>
+          <a:lstStyle>
+            <a:lvl1pPr>
+              <a:defRPr sz="6500">
+                <a:latin typeface="Anonymous Pro for Powerline"/>
+                <a:ea typeface="Anonymous Pro for Powerline"/>
+                <a:cs typeface="Anonymous Pro for Powerline"/>
+                <a:sym typeface="Anonymous Pro for Powerline"/>
+              </a:defRPr>
+            </a:lvl1pPr>
+          </a:lstStyle>
+          <a:p>
+            <a:pPr/>
+            <a:r>
+              <a:t>plt.xlabel(“Hours”)</a:t>
+            </a:r>
+          </a:p>
+        </p:txBody>
+      </p:sp>
     </p:spTree>
   </p:cSld>
   <p:clrMapOvr>
@@ -8125,7 +7676,7 @@
       </p:grpSpPr>
       <p:sp>
         <p:nvSpPr>
-          <p:cNvPr id="287" name="Shape 287"/>
+          <p:cNvPr id="285" name="Shape 285"/>
           <p:cNvSpPr/>
           <p:nvPr>
             <p:ph type="title"/>
@@ -8153,21 +7704,21 @@
           <a:p>
             <a:pPr/>
             <a:r>
-              <a:t>Dataframe from dicts</a:t>
-            </a:r>
-          </a:p>
-        </p:txBody>
-      </p:sp>
-      <p:sp>
-        <p:nvSpPr>
-          <p:cNvPr id="288" name="Shape 288"/>
+              <a:t>Plotting</a:t>
+            </a:r>
+          </a:p>
+        </p:txBody>
+      </p:sp>
+      <p:sp>
+        <p:nvSpPr>
+          <p:cNvPr id="286" name="Shape 286"/>
           <p:cNvSpPr/>
           <p:nvPr/>
         </p:nvSpPr>
         <p:spPr>
           <a:xfrm>
-            <a:off x="604849" y="4757670"/>
-            <a:ext cx="11795102" cy="876301"/>
+            <a:off x="374588" y="4793788"/>
+            <a:ext cx="14442372" cy="1092201"/>
           </a:xfrm>
           <a:prstGeom prst="rect">
             <a:avLst/>
@@ -8187,7 +7738,7 @@
           </a:bodyPr>
           <a:lstStyle>
             <a:lvl1pPr>
-              <a:defRPr sz="5100">
+              <a:defRPr sz="6500">
                 <a:latin typeface="Anonymous Pro for Powerline"/>
                 <a:ea typeface="Anonymous Pro for Powerline"/>
                 <a:cs typeface="Anonymous Pro for Powerline"/>
@@ -8198,7 +7749,7 @@
           <a:p>
             <a:pPr/>
             <a:r>
-              <a:t>pd.DataFrame.from_dict(dict_list)</a:t>
+              <a:t>plt.xticks(x_values,labels)</a:t>
             </a:r>
           </a:p>
         </p:txBody>
@@ -8231,7 +7782,7 @@
       </p:grpSpPr>
       <p:sp>
         <p:nvSpPr>
-          <p:cNvPr id="208" name="Shape 208"/>
+          <p:cNvPr id="209" name="Shape 209"/>
           <p:cNvSpPr/>
           <p:nvPr>
             <p:ph type="title"/>
@@ -8240,7 +7791,7 @@
         <p:spPr>
           <a:xfrm>
             <a:off x="406400" y="1536700"/>
-            <a:ext cx="12192000" cy="1169261"/>
+            <a:ext cx="12192000" cy="1169260"/>
           </a:xfrm>
           <a:prstGeom prst="rect">
             <a:avLst/>
@@ -8253,81 +7804,102 @@
               <a:spcBef>
                 <a:spcPts val="1900"/>
               </a:spcBef>
-              <a:defRPr sz="8200"/>
+              <a:defRPr sz="8280"/>
             </a:lvl1pPr>
           </a:lstStyle>
           <a:p>
             <a:pPr/>
             <a:r>
-              <a:t>API</a:t>
-            </a:r>
-          </a:p>
-        </p:txBody>
-      </p:sp>
-      <p:sp>
-        <p:nvSpPr>
-          <p:cNvPr id="209" name="Shape 209"/>
-          <p:cNvSpPr/>
-          <p:nvPr>
-            <p:ph type="body" sz="half" idx="1"/>
-          </p:nvPr>
+              <a:t>Dataframe from dicts</a:t>
+            </a:r>
+          </a:p>
+        </p:txBody>
+      </p:sp>
+      <p:sp>
+        <p:nvSpPr>
+          <p:cNvPr id="210" name="Shape 210"/>
+          <p:cNvSpPr/>
+          <p:nvPr/>
         </p:nvSpPr>
         <p:spPr>
           <a:xfrm>
-            <a:off x="406400" y="3953767"/>
-            <a:ext cx="12192000" cy="2531602"/>
+            <a:off x="604849" y="4757670"/>
+            <a:ext cx="11795102" cy="876301"/>
           </a:xfrm>
           <a:prstGeom prst="rect">
             <a:avLst/>
           </a:prstGeom>
-        </p:spPr>
-        <p:txBody>
-          <a:bodyPr anchor="t"/>
-          <a:lstStyle/>
-          <a:p>
-            <a:pPr marL="614194" indent="-614194" defTabSz="508254">
-              <a:lnSpc>
-                <a:spcPct val="100000"/>
-              </a:lnSpc>
-              <a:spcBef>
-                <a:spcPts val="2400"/>
-              </a:spcBef>
-              <a:buSzPct val="40000"/>
-              <a:buBlip>
-                <a:blip r:embed="rId2"/>
-              </a:buBlip>
-              <a:defRPr cap="none" spc="0" sz="5500">
-                <a:latin typeface="Avenir Next Medium"/>
-                <a:ea typeface="Avenir Next Medium"/>
-                <a:cs typeface="Avenir Next Medium"/>
-                <a:sym typeface="Avenir Next Medium"/>
+          <a:ln w="12700">
+            <a:miter lim="400000"/>
+          </a:ln>
+          <a:extLst>
+            <a:ext uri="{C572A759-6A51-4108-AA02-DFA0A04FC94B}">
+              <ma14:wrappingTextBoxFlag xmlns:ma14="http://schemas.microsoft.com/office/mac/drawingml/2011/main" val="1"/>
+            </a:ext>
+          </a:extLst>
+        </p:spPr>
+        <p:txBody>
+          <a:bodyPr lIns="50800" tIns="50800" rIns="50800" bIns="50800" anchor="ctr">
+            <a:spAutoFit/>
+          </a:bodyPr>
+          <a:lstStyle>
+            <a:lvl1pPr>
+              <a:defRPr sz="5100">
+                <a:latin typeface="Anonymous Pro for Powerline"/>
+                <a:ea typeface="Anonymous Pro for Powerline"/>
+                <a:cs typeface="Anonymous Pro for Powerline"/>
+                <a:sym typeface="Anonymous Pro for Powerline"/>
               </a:defRPr>
-            </a:pPr>
-            <a:r>
-              <a:t>Application Programming Interface</a:t>
-            </a:r>
-          </a:p>
-          <a:p>
-            <a:pPr marL="614194" indent="-614194" defTabSz="508254">
-              <a:lnSpc>
-                <a:spcPct val="200000"/>
-              </a:lnSpc>
-              <a:spcBef>
-                <a:spcPts val="2400"/>
-              </a:spcBef>
-              <a:buSzPct val="40000"/>
-              <a:buBlip>
-                <a:blip r:embed="rId2"/>
-              </a:buBlip>
-              <a:defRPr cap="none" spc="0" sz="5500">
-                <a:latin typeface="Avenir Next Medium"/>
-                <a:ea typeface="Avenir Next Medium"/>
-                <a:cs typeface="Avenir Next Medium"/>
-                <a:sym typeface="Avenir Next Medium"/>
+            </a:lvl1pPr>
+          </a:lstStyle>
+          <a:p>
+            <a:pPr/>
+            <a:r>
+              <a:t>pd.DataFrame.from_dict(dict_list)</a:t>
+            </a:r>
+          </a:p>
+        </p:txBody>
+      </p:sp>
+      <p:sp>
+        <p:nvSpPr>
+          <p:cNvPr id="211" name="Shape 211"/>
+          <p:cNvSpPr/>
+          <p:nvPr/>
+        </p:nvSpPr>
+        <p:spPr>
+          <a:xfrm>
+            <a:off x="904881" y="6663814"/>
+            <a:ext cx="10671049" cy="1143001"/>
+          </a:xfrm>
+          <a:prstGeom prst="rect">
+            <a:avLst/>
+          </a:prstGeom>
+          <a:ln w="12700">
+            <a:miter lim="400000"/>
+          </a:ln>
+          <a:extLst>
+            <a:ext uri="{C572A759-6A51-4108-AA02-DFA0A04FC94B}">
+              <ma14:wrappingTextBoxFlag xmlns:ma14="http://schemas.microsoft.com/office/mac/drawingml/2011/main" val="1"/>
+            </a:ext>
+          </a:extLst>
+        </p:spPr>
+        <p:txBody>
+          <a:bodyPr wrap="none" lIns="50800" tIns="50800" rIns="50800" bIns="50800" anchor="ctr">
+            <a:spAutoFit/>
+          </a:bodyPr>
+          <a:lstStyle>
+            <a:lvl1pPr>
+              <a:defRPr sz="6000">
+                <a:solidFill>
+                  <a:schemeClr val="accent5"/>
+                </a:solidFill>
               </a:defRPr>
-            </a:pPr>
-            <a:r>
-              <a:t>website for programs — no visuals </a:t>
+            </a:lvl1pPr>
+          </a:lstStyle>
+          <a:p>
+            <a:pPr/>
+            <a:r>
+              <a:t>Dicts must all have same keys!</a:t>
             </a:r>
           </a:p>
         </p:txBody>
@@ -8360,17 +7932,13 @@
       </p:grpSpPr>
       <p:sp>
         <p:nvSpPr>
-          <p:cNvPr id="290" name="Shape 290"/>
-          <p:cNvSpPr/>
-          <p:nvPr>
-            <p:ph type="title"/>
-          </p:nvPr>
-        </p:nvSpPr>
-        <p:spPr>
-          <a:xfrm>
-            <a:off x="928899" y="4038600"/>
-            <a:ext cx="11388239" cy="4521200"/>
-          </a:xfrm>
+          <p:cNvPr id="288" name="Shape 288"/>
+          <p:cNvSpPr/>
+          <p:nvPr>
+            <p:ph type="body" idx="13"/>
+          </p:nvPr>
+        </p:nvSpPr>
+        <p:spPr>
           <a:prstGeom prst="rect">
             <a:avLst/>
           </a:prstGeom>
@@ -8381,11 +7949,87 @@
           <a:p>
             <a:pPr/>
             <a:r>
-              <a:t>Combining Data</a:t>
-            </a:r>
-          </a:p>
-        </p:txBody>
-      </p:sp>
+              <a:t>Text</a:t>
+            </a:r>
+          </a:p>
+        </p:txBody>
+      </p:sp>
+      <p:sp>
+        <p:nvSpPr>
+          <p:cNvPr id="289" name="Shape 289"/>
+          <p:cNvSpPr/>
+          <p:nvPr>
+            <p:ph type="title"/>
+          </p:nvPr>
+        </p:nvSpPr>
+        <p:spPr>
+          <a:prstGeom prst="rect">
+            <a:avLst/>
+          </a:prstGeom>
+        </p:spPr>
+        <p:txBody>
+          <a:bodyPr/>
+          <a:lstStyle/>
+          <a:p>
+            <a:pPr defTabSz="467359">
+              <a:spcBef>
+                <a:spcPts val="2200"/>
+              </a:spcBef>
+              <a:defRPr sz="4800"/>
+            </a:pPr>
+          </a:p>
+        </p:txBody>
+      </p:sp>
+      <p:sp>
+        <p:nvSpPr>
+          <p:cNvPr id="290" name="Shape 290"/>
+          <p:cNvSpPr/>
+          <p:nvPr>
+            <p:ph type="body" idx="1"/>
+          </p:nvPr>
+        </p:nvSpPr>
+        <p:spPr>
+          <a:prstGeom prst="rect">
+            <a:avLst/>
+          </a:prstGeom>
+        </p:spPr>
+        <p:txBody>
+          <a:bodyPr/>
+          <a:lstStyle/>
+          <a:p>
+            <a:pPr/>
+          </a:p>
+        </p:txBody>
+      </p:sp>
+      <p:pic>
+        <p:nvPicPr>
+          <p:cNvPr id="291" name="Screen Shot 2019-04-11 at 4.57.49 PM.png"/>
+          <p:cNvPicPr>
+            <a:picLocks noChangeAspect="1"/>
+          </p:cNvPicPr>
+          <p:nvPr/>
+        </p:nvPicPr>
+        <p:blipFill>
+          <a:blip r:embed="rId2">
+            <a:extLst/>
+          </a:blip>
+          <a:stretch>
+            <a:fillRect/>
+          </a:stretch>
+        </p:blipFill>
+        <p:spPr>
+          <a:xfrm>
+            <a:off x="0" y="-171450"/>
+            <a:ext cx="13004800" cy="10096500"/>
+          </a:xfrm>
+          <a:prstGeom prst="rect">
+            <a:avLst/>
+          </a:prstGeom>
+          <a:ln w="12700">
+            <a:miter lim="400000"/>
+          </a:ln>
+        </p:spPr>
+      </p:pic>
     </p:spTree>
   </p:cSld>
   <p:clrMapOvr>
@@ -8395,7 +8039,7 @@
 </p:sld>
 </file>
 
-<file path=ppt/slides/slide31.xml><?xml version="1.0" encoding="utf-8"?>
+<file path=ppt/slides/slide4.xml><?xml version="1.0" encoding="utf-8"?>
 <p:sld xmlns:a="http://schemas.openxmlformats.org/drawingml/2006/main" xmlns:r="http://schemas.openxmlformats.org/officeDocument/2006/relationships" xmlns:p="http://schemas.openxmlformats.org/presentationml/2006/main" showMasterSp="1" showMasterPhAnim="1">
   <p:cSld>
     <p:spTree>
@@ -8414,7 +8058,7 @@
       </p:grpSpPr>
       <p:sp>
         <p:nvSpPr>
-          <p:cNvPr id="292" name="Shape 292"/>
+          <p:cNvPr id="213" name="Shape 213"/>
           <p:cNvSpPr/>
           <p:nvPr>
             <p:ph type="title"/>
@@ -8442,14 +8086,14 @@
           <a:p>
             <a:pPr/>
             <a:r>
-              <a:t>Basic plotting</a:t>
-            </a:r>
-          </a:p>
-        </p:txBody>
-      </p:sp>
-      <p:sp>
-        <p:nvSpPr>
-          <p:cNvPr id="293" name="Shape 293"/>
+              <a:t>Partial string indexing</a:t>
+            </a:r>
+          </a:p>
+        </p:txBody>
+      </p:sp>
+      <p:sp>
+        <p:nvSpPr>
+          <p:cNvPr id="214" name="Shape 214"/>
           <p:cNvSpPr/>
           <p:nvPr>
             <p:ph type="body" sz="half" idx="1"/>
@@ -8468,9 +8112,9 @@
           <a:bodyPr/>
           <a:lstStyle/>
           <a:p>
-            <a:pPr marL="649492" indent="-649492" defTabSz="537463">
+            <a:pPr marL="663612" indent="-663612" defTabSz="549148">
               <a:spcBef>
-                <a:spcPts val="2500"/>
+                <a:spcPts val="2600"/>
               </a:spcBef>
               <a:buClrTx/>
               <a:buSzPct val="40000"/>
@@ -8478,16 +8122,16 @@
               <a:buBlip>
                 <a:blip r:embed="rId2"/>
               </a:buBlip>
-              <a:defRPr sz="5888"/>
+              <a:defRPr sz="6016"/>
             </a:pPr>
             <a:r>
-              <a:t>requires: %matplotlib inline</a:t>
-            </a:r>
-          </a:p>
-          <a:p>
-            <a:pPr marL="649492" indent="-649492" defTabSz="537463">
+              <a:t>Pandas translates string to date</a:t>
+            </a:r>
+          </a:p>
+          <a:p>
+            <a:pPr marL="663612" indent="-663612" defTabSz="549148">
               <a:spcBef>
-                <a:spcPts val="2500"/>
+                <a:spcPts val="2600"/>
               </a:spcBef>
               <a:buClrTx/>
               <a:buSzPct val="40000"/>
@@ -8495,2028 +8139,10 @@
               <a:buBlip>
                 <a:blip r:embed="rId2"/>
               </a:buBlip>
-              <a:defRPr sz="5888"/>
+              <a:defRPr sz="6016"/>
             </a:pPr>
             <a:r>
-              <a:t>Index as X-axis, columns as Y-axis</a:t>
-            </a:r>
-          </a:p>
-        </p:txBody>
-      </p:sp>
-    </p:spTree>
-  </p:cSld>
-  <p:clrMapOvr>
-    <a:masterClrMapping/>
-  </p:clrMapOvr>
-  <p:transition xmlns:p14="http://schemas.microsoft.com/office/powerpoint/2010/main" spd="med" advClick="1"/>
-</p:sld>
-</file>
-
-<file path=ppt/slides/slide32.xml><?xml version="1.0" encoding="utf-8"?>
-<p:sld xmlns:a="http://schemas.openxmlformats.org/drawingml/2006/main" xmlns:r="http://schemas.openxmlformats.org/officeDocument/2006/relationships" xmlns:p="http://schemas.openxmlformats.org/presentationml/2006/main" showMasterSp="1" showMasterPhAnim="1">
-  <p:cSld>
-    <p:spTree>
-      <p:nvGrpSpPr>
-        <p:cNvPr id="1" name=""/>
-        <p:cNvGrpSpPr/>
-        <p:nvPr/>
-      </p:nvGrpSpPr>
-      <p:grpSpPr>
-        <a:xfrm>
-          <a:off x="0" y="0"/>
-          <a:ext cx="0" cy="0"/>
-          <a:chOff x="0" y="0"/>
-          <a:chExt cx="0" cy="0"/>
-        </a:xfrm>
-      </p:grpSpPr>
-      <p:sp>
-        <p:nvSpPr>
-          <p:cNvPr id="295" name="Shape 295"/>
-          <p:cNvSpPr/>
-          <p:nvPr>
-            <p:ph type="title"/>
-          </p:nvPr>
-        </p:nvSpPr>
-        <p:spPr>
-          <a:xfrm>
-            <a:off x="406400" y="1536700"/>
-            <a:ext cx="12192000" cy="1169260"/>
-          </a:xfrm>
-          <a:prstGeom prst="rect">
-            <a:avLst/>
-          </a:prstGeom>
-        </p:spPr>
-        <p:txBody>
-          <a:bodyPr/>
-          <a:lstStyle>
-            <a:lvl1pPr defTabSz="403097">
-              <a:spcBef>
-                <a:spcPts val="1900"/>
-              </a:spcBef>
-              <a:defRPr sz="8280"/>
-            </a:lvl1pPr>
-          </a:lstStyle>
-          <a:p>
-            <a:pPr/>
-            <a:r>
-              <a:t>Plotting</a:t>
-            </a:r>
-          </a:p>
-        </p:txBody>
-      </p:sp>
-      <p:sp>
-        <p:nvSpPr>
-          <p:cNvPr id="296" name="Shape 296"/>
-          <p:cNvSpPr/>
-          <p:nvPr/>
-        </p:nvSpPr>
-        <p:spPr>
-          <a:xfrm>
-            <a:off x="763759" y="4925950"/>
-            <a:ext cx="4482034" cy="1168401"/>
-          </a:xfrm>
-          <a:prstGeom prst="rect">
-            <a:avLst/>
-          </a:prstGeom>
-          <a:ln w="12700">
-            <a:miter lim="400000"/>
-          </a:ln>
-          <a:extLst>
-            <a:ext uri="{C572A759-6A51-4108-AA02-DFA0A04FC94B}">
-              <ma14:wrappingTextBoxFlag xmlns:ma14="http://schemas.microsoft.com/office/mac/drawingml/2011/main" val="1"/>
-            </a:ext>
-          </a:extLst>
-        </p:spPr>
-        <p:txBody>
-          <a:bodyPr wrap="none" lIns="50800" tIns="50800" rIns="50800" bIns="50800" anchor="ctr">
-            <a:spAutoFit/>
-          </a:bodyPr>
-          <a:lstStyle>
-            <a:lvl1pPr>
-              <a:defRPr sz="7000">
-                <a:latin typeface="Anonymous Pro for Powerline"/>
-                <a:ea typeface="Anonymous Pro for Powerline"/>
-                <a:cs typeface="Anonymous Pro for Powerline"/>
-                <a:sym typeface="Anonymous Pro for Powerline"/>
-              </a:defRPr>
-            </a:lvl1pPr>
-          </a:lstStyle>
-          <a:p>
-            <a:pPr/>
-            <a:r>
-              <a:t>df.plot()</a:t>
-            </a:r>
-          </a:p>
-        </p:txBody>
-      </p:sp>
-    </p:spTree>
-  </p:cSld>
-  <p:clrMapOvr>
-    <a:masterClrMapping/>
-  </p:clrMapOvr>
-  <p:transition xmlns:p14="http://schemas.microsoft.com/office/powerpoint/2010/main" spd="med" advClick="1"/>
-</p:sld>
-</file>
-
-<file path=ppt/slides/slide33.xml><?xml version="1.0" encoding="utf-8"?>
-<p:sld xmlns:a="http://schemas.openxmlformats.org/drawingml/2006/main" xmlns:r="http://schemas.openxmlformats.org/officeDocument/2006/relationships" xmlns:p="http://schemas.openxmlformats.org/presentationml/2006/main" showMasterSp="1" showMasterPhAnim="1">
-  <p:cSld>
-    <p:bg>
-      <p:bgPr>
-        <a:solidFill>
-          <a:srgbClr val="FFFFFF"/>
-        </a:solidFill>
-      </p:bgPr>
-    </p:bg>
-    <p:spTree>
-      <p:nvGrpSpPr>
-        <p:cNvPr id="1" name=""/>
-        <p:cNvGrpSpPr/>
-        <p:nvPr/>
-      </p:nvGrpSpPr>
-      <p:grpSpPr>
-        <a:xfrm>
-          <a:off x="0" y="0"/>
-          <a:ext cx="0" cy="0"/>
-          <a:chOff x="0" y="0"/>
-          <a:chExt cx="0" cy="0"/>
-        </a:xfrm>
-      </p:grpSpPr>
-      <p:pic>
-        <p:nvPicPr>
-          <p:cNvPr id="298" name="pasted-image.tiff"/>
-          <p:cNvPicPr>
-            <a:picLocks noChangeAspect="1"/>
-          </p:cNvPicPr>
-          <p:nvPr/>
-        </p:nvPicPr>
-        <p:blipFill>
-          <a:blip r:embed="rId2">
-            <a:extLst/>
-          </a:blip>
-          <a:stretch>
-            <a:fillRect/>
-          </a:stretch>
-        </p:blipFill>
-        <p:spPr>
-          <a:xfrm>
-            <a:off x="204046" y="1338150"/>
-            <a:ext cx="11599307" cy="8101103"/>
-          </a:xfrm>
-          <a:prstGeom prst="rect">
-            <a:avLst/>
-          </a:prstGeom>
-          <a:ln w="12700">
-            <a:miter lim="400000"/>
-          </a:ln>
-        </p:spPr>
-      </p:pic>
-    </p:spTree>
-  </p:cSld>
-  <p:clrMapOvr>
-    <a:masterClrMapping/>
-  </p:clrMapOvr>
-  <p:transition xmlns:p14="http://schemas.microsoft.com/office/powerpoint/2010/main" spd="med" advClick="1"/>
-</p:sld>
-</file>
-
-<file path=ppt/slides/slide34.xml><?xml version="1.0" encoding="utf-8"?>
-<p:sld xmlns:a="http://schemas.openxmlformats.org/drawingml/2006/main" xmlns:r="http://schemas.openxmlformats.org/officeDocument/2006/relationships" xmlns:p="http://schemas.openxmlformats.org/presentationml/2006/main" showMasterSp="1" showMasterPhAnim="1">
-  <p:cSld>
-    <p:spTree>
-      <p:nvGrpSpPr>
-        <p:cNvPr id="1" name=""/>
-        <p:cNvGrpSpPr/>
-        <p:nvPr/>
-      </p:nvGrpSpPr>
-      <p:grpSpPr>
-        <a:xfrm>
-          <a:off x="0" y="0"/>
-          <a:ext cx="0" cy="0"/>
-          <a:chOff x="0" y="0"/>
-          <a:chExt cx="0" cy="0"/>
-        </a:xfrm>
-      </p:grpSpPr>
-      <p:sp>
-        <p:nvSpPr>
-          <p:cNvPr id="300" name="Shape 300"/>
-          <p:cNvSpPr/>
-          <p:nvPr>
-            <p:ph type="ctrTitle"/>
-          </p:nvPr>
-        </p:nvSpPr>
-        <p:spPr>
-          <a:prstGeom prst="rect">
-            <a:avLst/>
-          </a:prstGeom>
-        </p:spPr>
-        <p:txBody>
-          <a:bodyPr/>
-          <a:lstStyle/>
-          <a:p>
-            <a:pPr/>
-            <a:r>
-              <a:t>Matplotlib</a:t>
-            </a:r>
-          </a:p>
-        </p:txBody>
-      </p:sp>
-      <p:sp>
-        <p:nvSpPr>
-          <p:cNvPr id="301" name="Shape 301"/>
-          <p:cNvSpPr/>
-          <p:nvPr>
-            <p:ph type="subTitle" sz="quarter" idx="1"/>
-          </p:nvPr>
-        </p:nvSpPr>
-        <p:spPr>
-          <a:prstGeom prst="rect">
-            <a:avLst/>
-          </a:prstGeom>
-        </p:spPr>
-        <p:txBody>
-          <a:bodyPr/>
-          <a:lstStyle/>
-          <a:p>
-            <a:pPr/>
-            <a:r>
-              <a:t>Intro to Data Visualization with</a:t>
-            </a:r>
-          </a:p>
-        </p:txBody>
-      </p:sp>
-    </p:spTree>
-  </p:cSld>
-  <p:clrMapOvr>
-    <a:masterClrMapping/>
-  </p:clrMapOvr>
-  <p:transition xmlns:p14="http://schemas.microsoft.com/office/powerpoint/2010/main" spd="med" advClick="1"/>
-</p:sld>
-</file>
-
-<file path=ppt/slides/slide35.xml><?xml version="1.0" encoding="utf-8"?>
-<p:sld xmlns:a="http://schemas.openxmlformats.org/drawingml/2006/main" xmlns:r="http://schemas.openxmlformats.org/officeDocument/2006/relationships" xmlns:p="http://schemas.openxmlformats.org/presentationml/2006/main" showMasterSp="1" showMasterPhAnim="1">
-  <p:cSld>
-    <p:spTree>
-      <p:nvGrpSpPr>
-        <p:cNvPr id="1" name=""/>
-        <p:cNvGrpSpPr/>
-        <p:nvPr/>
-      </p:nvGrpSpPr>
-      <p:grpSpPr>
-        <a:xfrm>
-          <a:off x="0" y="0"/>
-          <a:ext cx="0" cy="0"/>
-          <a:chOff x="0" y="0"/>
-          <a:chExt cx="0" cy="0"/>
-        </a:xfrm>
-      </p:grpSpPr>
-      <p:pic>
-        <p:nvPicPr>
-          <p:cNvPr id="303" name="lorenz_attractor.png"/>
-          <p:cNvPicPr>
-            <a:picLocks noChangeAspect="1"/>
-          </p:cNvPicPr>
-          <p:nvPr>
-            <p:ph type="pic" idx="13"/>
-          </p:nvPr>
-        </p:nvPicPr>
-        <p:blipFill>
-          <a:blip r:embed="rId2">
-            <a:extLst/>
-          </a:blip>
-          <a:srcRect l="2867" t="6795" r="2867" b="6795"/>
-          <a:stretch>
-            <a:fillRect/>
-          </a:stretch>
-        </p:blipFill>
-        <p:spPr>
-          <a:prstGeom prst="rect">
-            <a:avLst/>
-          </a:prstGeom>
-        </p:spPr>
-      </p:pic>
-    </p:spTree>
-  </p:cSld>
-  <p:clrMapOvr>
-    <a:masterClrMapping/>
-  </p:clrMapOvr>
-  <p:transition xmlns:p14="http://schemas.microsoft.com/office/powerpoint/2010/main" spd="med" advClick="1"/>
-</p:sld>
-</file>
-
-<file path=ppt/slides/slide36.xml><?xml version="1.0" encoding="utf-8"?>
-<p:sld xmlns:a="http://schemas.openxmlformats.org/drawingml/2006/main" xmlns:r="http://schemas.openxmlformats.org/officeDocument/2006/relationships" xmlns:p="http://schemas.openxmlformats.org/presentationml/2006/main" showMasterSp="1" showMasterPhAnim="1">
-  <p:cSld>
-    <p:spTree>
-      <p:nvGrpSpPr>
-        <p:cNvPr id="1" name=""/>
-        <p:cNvGrpSpPr/>
-        <p:nvPr/>
-      </p:nvGrpSpPr>
-      <p:grpSpPr>
-        <a:xfrm>
-          <a:off x="0" y="0"/>
-          <a:ext cx="0" cy="0"/>
-          <a:chOff x="0" y="0"/>
-          <a:chExt cx="0" cy="0"/>
-        </a:xfrm>
-      </p:grpSpPr>
-      <p:pic>
-        <p:nvPicPr>
-          <p:cNvPr id="305" name="vector_field.png"/>
-          <p:cNvPicPr>
-            <a:picLocks noChangeAspect="1"/>
-          </p:cNvPicPr>
-          <p:nvPr>
-            <p:ph type="pic" idx="13"/>
-          </p:nvPr>
-        </p:nvPicPr>
-        <p:blipFill>
-          <a:blip r:embed="rId2">
-            <a:extLst/>
-          </a:blip>
-          <a:srcRect l="0" t="0" r="0" b="0"/>
-          <a:stretch>
-            <a:fillRect/>
-          </a:stretch>
-        </p:blipFill>
-        <p:spPr>
-          <a:prstGeom prst="rect">
-            <a:avLst/>
-          </a:prstGeom>
-        </p:spPr>
-      </p:pic>
-    </p:spTree>
-  </p:cSld>
-  <p:clrMapOvr>
-    <a:masterClrMapping/>
-  </p:clrMapOvr>
-  <p:transition xmlns:p14="http://schemas.microsoft.com/office/powerpoint/2010/main" spd="med" advClick="1"/>
-</p:sld>
-</file>
-
-<file path=ppt/slides/slide37.xml><?xml version="1.0" encoding="utf-8"?>
-<p:sld xmlns:a="http://schemas.openxmlformats.org/drawingml/2006/main" xmlns:r="http://schemas.openxmlformats.org/officeDocument/2006/relationships" xmlns:p="http://schemas.openxmlformats.org/presentationml/2006/main" showMasterSp="1" showMasterPhAnim="1">
-  <p:cSld>
-    <p:bg>
-      <p:bgPr>
-        <a:solidFill>
-          <a:srgbClr val="FFFFFF"/>
-        </a:solidFill>
-      </p:bgPr>
-    </p:bg>
-    <p:spTree>
-      <p:nvGrpSpPr>
-        <p:cNvPr id="1" name=""/>
-        <p:cNvGrpSpPr/>
-        <p:nvPr/>
-      </p:nvGrpSpPr>
-      <p:grpSpPr>
-        <a:xfrm>
-          <a:off x="0" y="0"/>
-          <a:ext cx="0" cy="0"/>
-          <a:chOff x="0" y="0"/>
-          <a:chExt cx="0" cy="0"/>
-        </a:xfrm>
-      </p:grpSpPr>
-      <p:pic>
-        <p:nvPicPr>
-          <p:cNvPr id="307" name="Screen Shot 2018-11-08 at 7.55.58 PM.png"/>
-          <p:cNvPicPr>
-            <a:picLocks noChangeAspect="1"/>
-          </p:cNvPicPr>
-          <p:nvPr>
-            <p:ph type="pic" idx="13"/>
-          </p:nvPr>
-        </p:nvPicPr>
-        <p:blipFill>
-          <a:blip r:embed="rId2">
-            <a:extLst/>
-          </a:blip>
-          <a:srcRect l="637" t="0" r="637" b="0"/>
-          <a:stretch>
-            <a:fillRect/>
-          </a:stretch>
-        </p:blipFill>
-        <p:spPr>
-          <a:xfrm>
-            <a:off x="126136" y="536014"/>
-            <a:ext cx="13004801" cy="9267269"/>
-          </a:xfrm>
-          <a:prstGeom prst="rect">
-            <a:avLst/>
-          </a:prstGeom>
-        </p:spPr>
-      </p:pic>
-    </p:spTree>
-  </p:cSld>
-  <p:clrMapOvr>
-    <a:masterClrMapping/>
-  </p:clrMapOvr>
-  <p:transition xmlns:p14="http://schemas.microsoft.com/office/powerpoint/2010/main" spd="med" advClick="1"/>
-</p:sld>
-</file>
-
-<file path=ppt/slides/slide38.xml><?xml version="1.0" encoding="utf-8"?>
-<p:sld xmlns:a="http://schemas.openxmlformats.org/drawingml/2006/main" xmlns:r="http://schemas.openxmlformats.org/officeDocument/2006/relationships" xmlns:p="http://schemas.openxmlformats.org/presentationml/2006/main" showMasterSp="1" showMasterPhAnim="1">
-  <p:cSld>
-    <p:bg>
-      <p:bgPr>
-        <a:solidFill>
-          <a:srgbClr val="FFFFFF"/>
-        </a:solidFill>
-      </p:bgPr>
-    </p:bg>
-    <p:spTree>
-      <p:nvGrpSpPr>
-        <p:cNvPr id="1" name=""/>
-        <p:cNvGrpSpPr/>
-        <p:nvPr/>
-      </p:nvGrpSpPr>
-      <p:grpSpPr>
-        <a:xfrm>
-          <a:off x="0" y="0"/>
-          <a:ext cx="0" cy="0"/>
-          <a:chOff x="0" y="0"/>
-          <a:chExt cx="0" cy="0"/>
-        </a:xfrm>
-      </p:grpSpPr>
-      <p:pic>
-        <p:nvPicPr>
-          <p:cNvPr id="309" name="Screen Shot 2018-11-08 at 8.08.44 PM.png"/>
-          <p:cNvPicPr>
-            <a:picLocks noChangeAspect="1"/>
-          </p:cNvPicPr>
-          <p:nvPr/>
-        </p:nvPicPr>
-        <p:blipFill>
-          <a:blip r:embed="rId2">
-            <a:extLst/>
-          </a:blip>
-          <a:stretch>
-            <a:fillRect/>
-          </a:stretch>
-        </p:blipFill>
-        <p:spPr>
-          <a:xfrm>
-            <a:off x="132702" y="786178"/>
-            <a:ext cx="13004801" cy="8845906"/>
-          </a:xfrm>
-          <a:prstGeom prst="rect">
-            <a:avLst/>
-          </a:prstGeom>
-          <a:ln w="12700">
-            <a:miter lim="400000"/>
-          </a:ln>
-        </p:spPr>
-      </p:pic>
-    </p:spTree>
-  </p:cSld>
-  <p:clrMapOvr>
-    <a:masterClrMapping/>
-  </p:clrMapOvr>
-  <p:transition xmlns:p14="http://schemas.microsoft.com/office/powerpoint/2010/main" spd="med" advClick="1"/>
-</p:sld>
-</file>
-
-<file path=ppt/slides/slide39.xml><?xml version="1.0" encoding="utf-8"?>
-<p:sld xmlns:a="http://schemas.openxmlformats.org/drawingml/2006/main" xmlns:r="http://schemas.openxmlformats.org/officeDocument/2006/relationships" xmlns:p="http://schemas.openxmlformats.org/presentationml/2006/main" showMasterSp="1" showMasterPhAnim="1">
-  <p:cSld>
-    <p:spTree>
-      <p:nvGrpSpPr>
-        <p:cNvPr id="1" name=""/>
-        <p:cNvGrpSpPr/>
-        <p:nvPr/>
-      </p:nvGrpSpPr>
-      <p:grpSpPr>
-        <a:xfrm>
-          <a:off x="0" y="0"/>
-          <a:ext cx="0" cy="0"/>
-          <a:chOff x="0" y="0"/>
-          <a:chExt cx="0" cy="0"/>
-        </a:xfrm>
-      </p:grpSpPr>
-      <p:sp>
-        <p:nvSpPr>
-          <p:cNvPr id="311" name="Shape 311"/>
-          <p:cNvSpPr/>
-          <p:nvPr>
-            <p:ph type="title"/>
-          </p:nvPr>
-        </p:nvSpPr>
-        <p:spPr>
-          <a:prstGeom prst="rect">
-            <a:avLst/>
-          </a:prstGeom>
-        </p:spPr>
-        <p:txBody>
-          <a:bodyPr/>
-          <a:lstStyle/>
-          <a:p>
-            <a:pPr/>
-            <a:r>
-              <a:t>Goal for Today’s lesson</a:t>
-            </a:r>
-          </a:p>
-        </p:txBody>
-      </p:sp>
-    </p:spTree>
-  </p:cSld>
-  <p:clrMapOvr>
-    <a:masterClrMapping/>
-  </p:clrMapOvr>
-  <p:transition xmlns:p14="http://schemas.microsoft.com/office/powerpoint/2010/main" spd="med" advClick="1"/>
-</p:sld>
-</file>
-
-<file path=ppt/slides/slide4.xml><?xml version="1.0" encoding="utf-8"?>
-<p:sld xmlns:a="http://schemas.openxmlformats.org/drawingml/2006/main" xmlns:r="http://schemas.openxmlformats.org/officeDocument/2006/relationships" xmlns:p="http://schemas.openxmlformats.org/presentationml/2006/main" showMasterSp="1" showMasterPhAnim="1">
-  <p:cSld>
-    <p:bg>
-      <p:bgPr>
-        <a:blipFill rotWithShape="1">
-          <a:blip r:embed="rId2"/>
-          <a:srcRect l="0" t="0" r="0" b="0"/>
-          <a:stretch>
-            <a:fillRect/>
-          </a:stretch>
-        </a:blipFill>
-      </p:bgPr>
-    </p:bg>
-    <p:spTree>
-      <p:nvGrpSpPr>
-        <p:cNvPr id="1" name=""/>
-        <p:cNvGrpSpPr/>
-        <p:nvPr/>
-      </p:nvGrpSpPr>
-      <p:grpSpPr>
-        <a:xfrm>
-          <a:off x="0" y="0"/>
-          <a:ext cx="0" cy="0"/>
-          <a:chOff x="0" y="0"/>
-          <a:chExt cx="0" cy="0"/>
-        </a:xfrm>
-      </p:grpSpPr>
-    </p:spTree>
-  </p:cSld>
-  <p:clrMapOvr>
-    <a:masterClrMapping/>
-  </p:clrMapOvr>
-  <p:transition xmlns:p14="http://schemas.microsoft.com/office/powerpoint/2010/main" spd="med" advClick="1"/>
-</p:sld>
-</file>
-
-<file path=ppt/slides/slide40.xml><?xml version="1.0" encoding="utf-8"?>
-<p:sld xmlns:a="http://schemas.openxmlformats.org/drawingml/2006/main" xmlns:r="http://schemas.openxmlformats.org/officeDocument/2006/relationships" xmlns:p="http://schemas.openxmlformats.org/presentationml/2006/main" showMasterSp="1" showMasterPhAnim="1">
-  <p:cSld>
-    <p:spTree>
-      <p:nvGrpSpPr>
-        <p:cNvPr id="1" name=""/>
-        <p:cNvGrpSpPr/>
-        <p:nvPr/>
-      </p:nvGrpSpPr>
-      <p:grpSpPr>
-        <a:xfrm>
-          <a:off x="0" y="0"/>
-          <a:ext cx="0" cy="0"/>
-          <a:chOff x="0" y="0"/>
-          <a:chExt cx="0" cy="0"/>
-        </a:xfrm>
-      </p:grpSpPr>
-      <p:sp>
-        <p:nvSpPr>
-          <p:cNvPr id="313" name="Shape 313"/>
-          <p:cNvSpPr/>
-          <p:nvPr>
-            <p:ph type="title"/>
-          </p:nvPr>
-        </p:nvSpPr>
-        <p:spPr>
-          <a:xfrm>
-            <a:off x="406400" y="1536700"/>
-            <a:ext cx="12192000" cy="1169261"/>
-          </a:xfrm>
-          <a:prstGeom prst="rect">
-            <a:avLst/>
-          </a:prstGeom>
-        </p:spPr>
-        <p:txBody>
-          <a:bodyPr/>
-          <a:lstStyle>
-            <a:lvl1pPr defTabSz="403097">
-              <a:spcBef>
-                <a:spcPts val="1900"/>
-              </a:spcBef>
-              <a:defRPr sz="8200"/>
-            </a:lvl1pPr>
-          </a:lstStyle>
-          <a:p>
-            <a:pPr/>
-            <a:r>
-              <a:t>Graphs</a:t>
-            </a:r>
-          </a:p>
-        </p:txBody>
-      </p:sp>
-      <p:sp>
-        <p:nvSpPr>
-          <p:cNvPr id="314" name="Shape 314"/>
-          <p:cNvSpPr/>
-          <p:nvPr>
-            <p:ph type="body" idx="1"/>
-          </p:nvPr>
-        </p:nvSpPr>
-        <p:spPr>
-          <a:xfrm>
-            <a:off x="406400" y="3953767"/>
-            <a:ext cx="12192000" cy="4909099"/>
-          </a:xfrm>
-          <a:prstGeom prst="rect">
-            <a:avLst/>
-          </a:prstGeom>
-        </p:spPr>
-        <p:txBody>
-          <a:bodyPr anchor="t"/>
-          <a:lstStyle/>
-          <a:p>
-            <a:pPr marL="663612" indent="-663612" defTabSz="549148">
-              <a:lnSpc>
-                <a:spcPct val="100000"/>
-              </a:lnSpc>
-              <a:spcBef>
-                <a:spcPts val="2600"/>
-              </a:spcBef>
-              <a:buSzPct val="40000"/>
-              <a:buBlip>
-                <a:blip r:embed="rId2"/>
-              </a:buBlip>
-              <a:defRPr cap="none" spc="0" sz="6000">
-                <a:latin typeface="Avenir Next Medium"/>
-                <a:ea typeface="Avenir Next Medium"/>
-                <a:cs typeface="Avenir Next Medium"/>
-                <a:sym typeface="Avenir Next Medium"/>
-              </a:defRPr>
-            </a:pPr>
-            <a:r>
-              <a:t>Bar charts</a:t>
-            </a:r>
-          </a:p>
-          <a:p>
-            <a:pPr marL="663612" indent="-663612" defTabSz="549148">
-              <a:lnSpc>
-                <a:spcPct val="100000"/>
-              </a:lnSpc>
-              <a:spcBef>
-                <a:spcPts val="2600"/>
-              </a:spcBef>
-              <a:buSzPct val="40000"/>
-              <a:buBlip>
-                <a:blip r:embed="rId2"/>
-              </a:buBlip>
-              <a:defRPr cap="none" spc="0" sz="6000">
-                <a:latin typeface="Avenir Next Medium"/>
-                <a:ea typeface="Avenir Next Medium"/>
-                <a:cs typeface="Avenir Next Medium"/>
-                <a:sym typeface="Avenir Next Medium"/>
-              </a:defRPr>
-            </a:pPr>
-            <a:r>
-              <a:t>Scatter plots</a:t>
-            </a:r>
-          </a:p>
-          <a:p>
-            <a:pPr marL="663612" indent="-663612" defTabSz="549148">
-              <a:lnSpc>
-                <a:spcPct val="100000"/>
-              </a:lnSpc>
-              <a:spcBef>
-                <a:spcPts val="2600"/>
-              </a:spcBef>
-              <a:buSzPct val="40000"/>
-              <a:buBlip>
-                <a:blip r:embed="rId2"/>
-              </a:buBlip>
-              <a:defRPr cap="none" spc="0" sz="6000">
-                <a:latin typeface="Avenir Next Medium"/>
-                <a:ea typeface="Avenir Next Medium"/>
-                <a:cs typeface="Avenir Next Medium"/>
-                <a:sym typeface="Avenir Next Medium"/>
-              </a:defRPr>
-            </a:pPr>
-            <a:r>
-              <a:t>Histograms</a:t>
-            </a:r>
-          </a:p>
-        </p:txBody>
-      </p:sp>
-    </p:spTree>
-  </p:cSld>
-  <p:clrMapOvr>
-    <a:masterClrMapping/>
-  </p:clrMapOvr>
-  <p:transition xmlns:p14="http://schemas.microsoft.com/office/powerpoint/2010/main" spd="med" advClick="1"/>
-</p:sld>
-</file>
-
-<file path=ppt/slides/slide41.xml><?xml version="1.0" encoding="utf-8"?>
-<p:sld xmlns:a="http://schemas.openxmlformats.org/drawingml/2006/main" xmlns:r="http://schemas.openxmlformats.org/officeDocument/2006/relationships" xmlns:p="http://schemas.openxmlformats.org/presentationml/2006/main" showMasterSp="1" showMasterPhAnim="1">
-  <p:cSld>
-    <p:bg>
-      <p:bgPr>
-        <a:solidFill>
-          <a:srgbClr val="000000"/>
-        </a:solidFill>
-      </p:bgPr>
-    </p:bg>
-    <p:spTree>
-      <p:nvGrpSpPr>
-        <p:cNvPr id="1" name=""/>
-        <p:cNvGrpSpPr/>
-        <p:nvPr/>
-      </p:nvGrpSpPr>
-      <p:grpSpPr>
-        <a:xfrm>
-          <a:off x="0" y="0"/>
-          <a:ext cx="0" cy="0"/>
-          <a:chOff x="0" y="0"/>
-          <a:chExt cx="0" cy="0"/>
-        </a:xfrm>
-      </p:grpSpPr>
-      <p:pic>
-        <p:nvPicPr>
-          <p:cNvPr id="316" name="anatomy.png"/>
-          <p:cNvPicPr>
-            <a:picLocks noChangeAspect="1"/>
-          </p:cNvPicPr>
-          <p:nvPr>
-            <p:ph type="pic" idx="13"/>
-          </p:nvPr>
-        </p:nvPicPr>
-        <p:blipFill>
-          <a:blip r:embed="rId2">
-            <a:extLst/>
-          </a:blip>
-          <a:srcRect l="0" t="0" r="0" b="0"/>
-          <a:stretch>
-            <a:fillRect/>
-          </a:stretch>
-        </p:blipFill>
-        <p:spPr>
-          <a:xfrm>
-            <a:off x="3517900" y="600845"/>
-            <a:ext cx="5969000" cy="5969001"/>
-          </a:xfrm>
-          <a:prstGeom prst="rect">
-            <a:avLst/>
-          </a:prstGeom>
-        </p:spPr>
-      </p:pic>
-      <p:sp>
-        <p:nvSpPr>
-          <p:cNvPr id="317" name="Shape 317"/>
-          <p:cNvSpPr/>
-          <p:nvPr>
-            <p:ph type="title"/>
-          </p:nvPr>
-        </p:nvSpPr>
-        <p:spPr>
-          <a:xfrm>
-            <a:off x="406400" y="7251901"/>
-            <a:ext cx="12192000" cy="2705101"/>
-          </a:xfrm>
-          <a:prstGeom prst="rect">
-            <a:avLst/>
-          </a:prstGeom>
-        </p:spPr>
-        <p:txBody>
-          <a:bodyPr/>
-          <a:lstStyle>
-            <a:lvl1pPr defTabSz="484886">
-              <a:defRPr sz="14109"/>
-            </a:lvl1pPr>
-          </a:lstStyle>
-          <a:p>
-            <a:pPr/>
-            <a:r>
-              <a:t>Anatomy of a Graph</a:t>
-            </a:r>
-          </a:p>
-        </p:txBody>
-      </p:sp>
-    </p:spTree>
-  </p:cSld>
-  <p:clrMapOvr>
-    <a:masterClrMapping/>
-  </p:clrMapOvr>
-  <p:transition xmlns:p14="http://schemas.microsoft.com/office/powerpoint/2010/main" spd="med" advClick="1"/>
-</p:sld>
-</file>
-
-<file path=ppt/slides/slide42.xml><?xml version="1.0" encoding="utf-8"?>
-<p:sld xmlns:a="http://schemas.openxmlformats.org/drawingml/2006/main" xmlns:r="http://schemas.openxmlformats.org/officeDocument/2006/relationships" xmlns:p="http://schemas.openxmlformats.org/presentationml/2006/main" showMasterSp="1" showMasterPhAnim="1">
-  <p:cSld>
-    <p:bg>
-      <p:bgPr>
-        <a:solidFill>
-          <a:srgbClr val="000000"/>
-        </a:solidFill>
-      </p:bgPr>
-    </p:bg>
-    <p:spTree>
-      <p:nvGrpSpPr>
-        <p:cNvPr id="1" name=""/>
-        <p:cNvGrpSpPr/>
-        <p:nvPr/>
-      </p:nvGrpSpPr>
-      <p:grpSpPr>
-        <a:xfrm>
-          <a:off x="0" y="0"/>
-          <a:ext cx="0" cy="0"/>
-          <a:chOff x="0" y="0"/>
-          <a:chExt cx="0" cy="0"/>
-        </a:xfrm>
-      </p:grpSpPr>
-      <p:sp>
-        <p:nvSpPr>
-          <p:cNvPr id="319" name="Shape 319"/>
-          <p:cNvSpPr/>
-          <p:nvPr>
-            <p:ph type="title"/>
-          </p:nvPr>
-        </p:nvSpPr>
-        <p:spPr>
-          <a:prstGeom prst="rect">
-            <a:avLst/>
-          </a:prstGeom>
-        </p:spPr>
-        <p:txBody>
-          <a:bodyPr/>
-          <a:lstStyle>
-            <a:lvl1pPr defTabSz="467359">
-              <a:spcBef>
-                <a:spcPts val="2200"/>
-              </a:spcBef>
-              <a:defRPr sz="4800"/>
-            </a:lvl1pPr>
-          </a:lstStyle>
-          <a:p>
-            <a:pPr/>
-            <a:r>
-              <a:t>The importance of terminology</a:t>
-            </a:r>
-          </a:p>
-        </p:txBody>
-      </p:sp>
-      <p:sp>
-        <p:nvSpPr>
-          <p:cNvPr id="320" name="Shape 320"/>
-          <p:cNvSpPr/>
-          <p:nvPr>
-            <p:ph type="body" sz="quarter" idx="1"/>
-          </p:nvPr>
-        </p:nvSpPr>
-        <p:spPr>
-          <a:xfrm>
-            <a:off x="539102" y="4654550"/>
-            <a:ext cx="12192001" cy="800100"/>
-          </a:xfrm>
-          <a:prstGeom prst="rect">
-            <a:avLst/>
-          </a:prstGeom>
-        </p:spPr>
-        <p:txBody>
-          <a:bodyPr/>
-          <a:lstStyle>
-            <a:lvl1pPr>
-              <a:defRPr sz="3600">
-                <a:solidFill>
-                  <a:srgbClr val="B9BDBF"/>
-                </a:solidFill>
-              </a:defRPr>
-            </a:lvl1pPr>
-          </a:lstStyle>
-          <a:p>
-            <a:pPr/>
-            <a:r>
-              <a:t>Precise terminology now —&gt; less confusion later</a:t>
-            </a:r>
-          </a:p>
-        </p:txBody>
-      </p:sp>
-      <p:sp>
-        <p:nvSpPr>
-          <p:cNvPr id="321" name="Shape 321"/>
-          <p:cNvSpPr/>
-          <p:nvPr/>
-        </p:nvSpPr>
-        <p:spPr>
-          <a:xfrm>
-            <a:off x="589278" y="3732950"/>
-            <a:ext cx="3176093" cy="901701"/>
-          </a:xfrm>
-          <a:prstGeom prst="rect">
-            <a:avLst/>
-          </a:prstGeom>
-          <a:ln w="12700">
-            <a:miter lim="400000"/>
-          </a:ln>
-          <a:extLst>
-            <a:ext uri="{C572A759-6A51-4108-AA02-DFA0A04FC94B}">
-              <ma14:wrappingTextBoxFlag xmlns:ma14="http://schemas.microsoft.com/office/mac/drawingml/2011/main" val="1"/>
-            </a:ext>
-          </a:extLst>
-        </p:spPr>
-        <p:txBody>
-          <a:bodyPr wrap="none" lIns="50800" tIns="50800" rIns="50800" bIns="50800" anchor="ctr">
-            <a:spAutoFit/>
-          </a:bodyPr>
-          <a:lstStyle>
-            <a:lvl1pPr>
-              <a:defRPr sz="4600">
-                <a:solidFill>
-                  <a:srgbClr val="F7FCFF"/>
-                </a:solidFill>
-              </a:defRPr>
-            </a:lvl1pPr>
-          </a:lstStyle>
-          <a:p>
-            <a:pPr/>
-            <a:r>
-              <a:t>Foundation</a:t>
-            </a:r>
-          </a:p>
-        </p:txBody>
-      </p:sp>
-      <p:sp>
-        <p:nvSpPr>
-          <p:cNvPr id="322" name="Shape 322"/>
-          <p:cNvSpPr/>
-          <p:nvPr/>
-        </p:nvSpPr>
-        <p:spPr>
-          <a:xfrm>
-            <a:off x="589278" y="6107000"/>
-            <a:ext cx="2927224" cy="901701"/>
-          </a:xfrm>
-          <a:prstGeom prst="rect">
-            <a:avLst/>
-          </a:prstGeom>
-          <a:ln w="12700">
-            <a:miter lim="400000"/>
-          </a:ln>
-          <a:extLst>
-            <a:ext uri="{C572A759-6A51-4108-AA02-DFA0A04FC94B}">
-              <ma14:wrappingTextBoxFlag xmlns:ma14="http://schemas.microsoft.com/office/mac/drawingml/2011/main" val="1"/>
-            </a:ext>
-          </a:extLst>
-        </p:spPr>
-        <p:txBody>
-          <a:bodyPr wrap="none" lIns="50800" tIns="50800" rIns="50800" bIns="50800" anchor="ctr">
-            <a:spAutoFit/>
-          </a:bodyPr>
-          <a:lstStyle>
-            <a:lvl1pPr>
-              <a:defRPr sz="4600">
-                <a:solidFill>
-                  <a:srgbClr val="F7FCFF"/>
-                </a:solidFill>
-              </a:defRPr>
-            </a:lvl1pPr>
-          </a:lstStyle>
-          <a:p>
-            <a:pPr/>
-            <a:r>
-              <a:t>Autonomy</a:t>
-            </a:r>
-          </a:p>
-        </p:txBody>
-      </p:sp>
-      <p:sp>
-        <p:nvSpPr>
-          <p:cNvPr id="323" name="Shape 323"/>
-          <p:cNvSpPr/>
-          <p:nvPr/>
-        </p:nvSpPr>
-        <p:spPr>
-          <a:xfrm>
-            <a:off x="539102" y="7028600"/>
-            <a:ext cx="12192001" cy="800101"/>
-          </a:xfrm>
-          <a:prstGeom prst="rect">
-            <a:avLst/>
-          </a:prstGeom>
-          <a:ln w="12700">
-            <a:miter lim="400000"/>
-          </a:ln>
-          <a:extLst>
-            <a:ext uri="{C572A759-6A51-4108-AA02-DFA0A04FC94B}">
-              <ma14:wrappingTextBoxFlag xmlns:ma14="http://schemas.microsoft.com/office/mac/drawingml/2011/main" val="1"/>
-            </a:ext>
-          </a:extLst>
-        </p:spPr>
-        <p:txBody>
-          <a:bodyPr lIns="50800" tIns="50800" rIns="50800" bIns="50800">
-            <a:normAutofit fontScale="100000" lnSpcReduction="0"/>
-          </a:bodyPr>
-          <a:lstStyle>
-            <a:lvl1pPr marL="444500" indent="-444500">
-              <a:spcBef>
-                <a:spcPts val="2800"/>
-              </a:spcBef>
-              <a:buClr>
-                <a:schemeClr val="accent1"/>
-              </a:buClr>
-              <a:buSzPct val="104999"/>
-              <a:buFont typeface="Avenir Next"/>
-              <a:buChar char="▸"/>
-              <a:defRPr sz="3600">
-                <a:solidFill>
-                  <a:srgbClr val="B9BDBF"/>
-                </a:solidFill>
-              </a:defRPr>
-            </a:lvl1pPr>
-          </a:lstStyle>
-          <a:p>
-            <a:pPr/>
-            <a:r>
-              <a:t>Ability to search documentation or google</a:t>
-            </a:r>
-          </a:p>
-        </p:txBody>
-      </p:sp>
-    </p:spTree>
-  </p:cSld>
-  <p:clrMapOvr>
-    <a:masterClrMapping/>
-  </p:clrMapOvr>
-  <p:transition xmlns:p14="http://schemas.microsoft.com/office/powerpoint/2010/main" spd="med" advClick="1"/>
-</p:sld>
-</file>
-
-<file path=ppt/slides/slide43.xml><?xml version="1.0" encoding="utf-8"?>
-<p:sld xmlns:a="http://schemas.openxmlformats.org/drawingml/2006/main" xmlns:r="http://schemas.openxmlformats.org/officeDocument/2006/relationships" xmlns:p="http://schemas.openxmlformats.org/presentationml/2006/main" showMasterSp="1" showMasterPhAnim="1">
-  <p:cSld>
-    <p:spTree>
-      <p:nvGrpSpPr>
-        <p:cNvPr id="1" name=""/>
-        <p:cNvGrpSpPr/>
-        <p:nvPr/>
-      </p:nvGrpSpPr>
-      <p:grpSpPr>
-        <a:xfrm>
-          <a:off x="0" y="0"/>
-          <a:ext cx="0" cy="0"/>
-          <a:chOff x="0" y="0"/>
-          <a:chExt cx="0" cy="0"/>
-        </a:xfrm>
-      </p:grpSpPr>
-      <p:sp>
-        <p:nvSpPr>
-          <p:cNvPr id="325" name="Shape 325"/>
-          <p:cNvSpPr/>
-          <p:nvPr>
-            <p:ph type="title"/>
-          </p:nvPr>
-        </p:nvSpPr>
-        <p:spPr>
-          <a:xfrm>
-            <a:off x="406400" y="1539838"/>
-            <a:ext cx="12192000" cy="2355347"/>
-          </a:xfrm>
-          <a:prstGeom prst="rect">
-            <a:avLst/>
-          </a:prstGeom>
-        </p:spPr>
-        <p:txBody>
-          <a:bodyPr/>
-          <a:lstStyle>
-            <a:lvl1pPr defTabSz="525779">
-              <a:defRPr sz="15300"/>
-            </a:lvl1pPr>
-          </a:lstStyle>
-          <a:p>
-            <a:pPr/>
-            <a:r>
-              <a:t>Painfully obvious</a:t>
-            </a:r>
-          </a:p>
-        </p:txBody>
-      </p:sp>
-      <p:sp>
-        <p:nvSpPr>
-          <p:cNvPr id="326" name="Shape 326"/>
-          <p:cNvSpPr/>
-          <p:nvPr/>
-        </p:nvSpPr>
-        <p:spPr>
-          <a:xfrm>
-            <a:off x="567324" y="5588921"/>
-            <a:ext cx="12068975" cy="2355347"/>
-          </a:xfrm>
-          <a:prstGeom prst="rect">
-            <a:avLst/>
-          </a:prstGeom>
-          <a:ln w="12700">
-            <a:miter lim="400000"/>
-          </a:ln>
-          <a:extLst>
-            <a:ext uri="{C572A759-6A51-4108-AA02-DFA0A04FC94B}">
-              <ma14:wrappingTextBoxFlag xmlns:ma14="http://schemas.microsoft.com/office/mac/drawingml/2011/main" val="1"/>
-            </a:ext>
-          </a:extLst>
-        </p:spPr>
-        <p:txBody>
-          <a:bodyPr lIns="50800" tIns="50800" rIns="50800" bIns="50800">
-            <a:normAutofit fontScale="100000" lnSpcReduction="0"/>
-          </a:bodyPr>
-          <a:lstStyle>
-            <a:lvl1pPr>
-              <a:lnSpc>
-                <a:spcPct val="80000"/>
-              </a:lnSpc>
-              <a:spcBef>
-                <a:spcPts val="0"/>
-              </a:spcBef>
-              <a:defRPr cap="all" sz="17000">
-                <a:solidFill>
-                  <a:schemeClr val="accent1"/>
-                </a:solidFill>
-                <a:latin typeface="+mn-lt"/>
-                <a:ea typeface="+mn-ea"/>
-                <a:cs typeface="+mn-cs"/>
-                <a:sym typeface="DIN Condensed"/>
-              </a:defRPr>
-            </a:lvl1pPr>
-          </a:lstStyle>
-          <a:p>
-            <a:pPr/>
-            <a:r>
-              <a:t>Utterly Bizarre</a:t>
-            </a:r>
-          </a:p>
-        </p:txBody>
-      </p:sp>
-      <p:sp>
-        <p:nvSpPr>
-          <p:cNvPr id="327" name="Shape 327"/>
-          <p:cNvSpPr/>
-          <p:nvPr/>
-        </p:nvSpPr>
-        <p:spPr>
-          <a:xfrm>
-            <a:off x="5251694" y="3450944"/>
-            <a:ext cx="2237505" cy="2355346"/>
-          </a:xfrm>
-          <a:prstGeom prst="rect">
-            <a:avLst/>
-          </a:prstGeom>
-          <a:ln w="12700">
-            <a:miter lim="400000"/>
-          </a:ln>
-          <a:extLst>
-            <a:ext uri="{C572A759-6A51-4108-AA02-DFA0A04FC94B}">
-              <ma14:wrappingTextBoxFlag xmlns:ma14="http://schemas.microsoft.com/office/mac/drawingml/2011/main" val="1"/>
-            </a:ext>
-          </a:extLst>
-        </p:spPr>
-        <p:txBody>
-          <a:bodyPr lIns="50800" tIns="50800" rIns="50800" bIns="50800" anchor="ctr"/>
-          <a:lstStyle>
-            <a:lvl1pPr>
-              <a:lnSpc>
-                <a:spcPct val="80000"/>
-              </a:lnSpc>
-              <a:spcBef>
-                <a:spcPts val="0"/>
-              </a:spcBef>
-              <a:defRPr cap="all" sz="15800">
-                <a:solidFill>
-                  <a:srgbClr val="B5BABE"/>
-                </a:solidFill>
-                <a:latin typeface="+mn-lt"/>
-                <a:ea typeface="+mn-ea"/>
-                <a:cs typeface="+mn-cs"/>
-                <a:sym typeface="DIN Condensed"/>
-              </a:defRPr>
-            </a:lvl1pPr>
-          </a:lstStyle>
-          <a:p>
-            <a:pPr/>
-            <a:r>
-              <a:t>Vs</a:t>
-            </a:r>
-          </a:p>
-        </p:txBody>
-      </p:sp>
-    </p:spTree>
-  </p:cSld>
-  <p:clrMapOvr>
-    <a:masterClrMapping/>
-  </p:clrMapOvr>
-  <p:transition xmlns:p14="http://schemas.microsoft.com/office/powerpoint/2010/main" spd="med" advClick="1"/>
-</p:sld>
-</file>
-
-<file path=ppt/slides/slide44.xml><?xml version="1.0" encoding="utf-8"?>
-<p:sld xmlns:a="http://schemas.openxmlformats.org/drawingml/2006/main" xmlns:r="http://schemas.openxmlformats.org/officeDocument/2006/relationships" xmlns:p="http://schemas.openxmlformats.org/presentationml/2006/main" showMasterSp="1" showMasterPhAnim="1">
-  <p:cSld>
-    <p:spTree>
-      <p:nvGrpSpPr>
-        <p:cNvPr id="1" name=""/>
-        <p:cNvGrpSpPr/>
-        <p:nvPr/>
-      </p:nvGrpSpPr>
-      <p:grpSpPr>
-        <a:xfrm>
-          <a:off x="0" y="0"/>
-          <a:ext cx="0" cy="0"/>
-          <a:chOff x="0" y="0"/>
-          <a:chExt cx="0" cy="0"/>
-        </a:xfrm>
-      </p:grpSpPr>
-      <p:sp>
-        <p:nvSpPr>
-          <p:cNvPr id="329" name="Shape 329"/>
-          <p:cNvSpPr/>
-          <p:nvPr>
-            <p:ph type="title"/>
-          </p:nvPr>
-        </p:nvSpPr>
-        <p:spPr>
-          <a:xfrm>
-            <a:off x="406400" y="1530350"/>
-            <a:ext cx="6299200" cy="723900"/>
-          </a:xfrm>
-          <a:prstGeom prst="rect">
-            <a:avLst/>
-          </a:prstGeom>
-        </p:spPr>
-        <p:txBody>
-          <a:bodyPr/>
-          <a:lstStyle>
-            <a:lvl1pPr defTabSz="467359">
-              <a:spcBef>
-                <a:spcPts val="2200"/>
-              </a:spcBef>
-              <a:defRPr sz="4800"/>
-            </a:lvl1pPr>
-          </a:lstStyle>
-          <a:p>
-            <a:pPr/>
-            <a:r>
-              <a:t>Painfully obvious</a:t>
-            </a:r>
-          </a:p>
-        </p:txBody>
-      </p:sp>
-      <p:sp>
-        <p:nvSpPr>
-          <p:cNvPr id="330" name="Shape 330"/>
-          <p:cNvSpPr/>
-          <p:nvPr>
-            <p:ph type="body" sz="half" idx="1"/>
-          </p:nvPr>
-        </p:nvSpPr>
-        <p:spPr>
-          <a:xfrm>
-            <a:off x="406400" y="2686050"/>
-            <a:ext cx="6299200" cy="6108700"/>
-          </a:xfrm>
-          <a:prstGeom prst="rect">
-            <a:avLst/>
-          </a:prstGeom>
-        </p:spPr>
-        <p:txBody>
-          <a:bodyPr/>
-          <a:lstStyle/>
-          <a:p>
-            <a:pPr/>
-            <a:r>
-              <a:t>Title</a:t>
-            </a:r>
-          </a:p>
-          <a:p>
-            <a:pPr/>
-            <a:r>
-              <a:t>Axis</a:t>
-            </a:r>
-          </a:p>
-          <a:p>
-            <a:pPr/>
-            <a:r>
-              <a:t>Label</a:t>
-            </a:r>
-          </a:p>
-          <a:p>
-            <a:pPr/>
-            <a:r>
-              <a:t>Legend</a:t>
-            </a:r>
-          </a:p>
-          <a:p>
-            <a:pPr/>
-            <a:r>
-              <a:t>Grid</a:t>
-            </a:r>
-          </a:p>
-          <a:p>
-            <a:pPr/>
-            <a:r>
-              <a:t>Bound</a:t>
-            </a:r>
-          </a:p>
-        </p:txBody>
-      </p:sp>
-      <p:pic>
-        <p:nvPicPr>
-          <p:cNvPr id="331" name="histogram_demo_cumulative.png"/>
-          <p:cNvPicPr>
-            <a:picLocks noChangeAspect="1"/>
-          </p:cNvPicPr>
-          <p:nvPr/>
-        </p:nvPicPr>
-        <p:blipFill>
-          <a:blip r:embed="rId2">
-            <a:extLst/>
-          </a:blip>
-          <a:srcRect l="0" t="0" r="23" b="26"/>
-          <a:stretch>
-            <a:fillRect/>
-          </a:stretch>
-        </p:blipFill>
-        <p:spPr>
-          <a:xfrm>
-            <a:off x="2448392" y="2499164"/>
-            <a:ext cx="10160001" cy="5079828"/>
-          </a:xfrm>
-          <a:prstGeom prst="rect">
-            <a:avLst/>
-          </a:prstGeom>
-          <a:ln w="12700">
-            <a:miter lim="400000"/>
-          </a:ln>
-        </p:spPr>
-      </p:pic>
-    </p:spTree>
-  </p:cSld>
-  <p:clrMapOvr>
-    <a:masterClrMapping/>
-  </p:clrMapOvr>
-  <p:transition xmlns:p14="http://schemas.microsoft.com/office/powerpoint/2010/main" spd="med" advClick="1"/>
-</p:sld>
-</file>
-
-<file path=ppt/slides/slide45.xml><?xml version="1.0" encoding="utf-8"?>
-<p:sld xmlns:a="http://schemas.openxmlformats.org/drawingml/2006/main" xmlns:r="http://schemas.openxmlformats.org/officeDocument/2006/relationships" xmlns:p="http://schemas.openxmlformats.org/presentationml/2006/main" showMasterSp="1" showMasterPhAnim="1">
-  <p:cSld>
-    <p:spTree>
-      <p:nvGrpSpPr>
-        <p:cNvPr id="1" name=""/>
-        <p:cNvGrpSpPr/>
-        <p:nvPr/>
-      </p:nvGrpSpPr>
-      <p:grpSpPr>
-        <a:xfrm>
-          <a:off x="0" y="0"/>
-          <a:ext cx="0" cy="0"/>
-          <a:chOff x="0" y="0"/>
-          <a:chExt cx="0" cy="0"/>
-        </a:xfrm>
-      </p:grpSpPr>
-      <p:sp>
-        <p:nvSpPr>
-          <p:cNvPr id="333" name="Shape 333"/>
-          <p:cNvSpPr/>
-          <p:nvPr>
-            <p:ph type="title"/>
-          </p:nvPr>
-        </p:nvSpPr>
-        <p:spPr>
-          <a:xfrm>
-            <a:off x="406400" y="1530350"/>
-            <a:ext cx="6299200" cy="723900"/>
-          </a:xfrm>
-          <a:prstGeom prst="rect">
-            <a:avLst/>
-          </a:prstGeom>
-        </p:spPr>
-        <p:txBody>
-          <a:bodyPr/>
-          <a:lstStyle>
-            <a:lvl1pPr defTabSz="467359">
-              <a:spcBef>
-                <a:spcPts val="2200"/>
-              </a:spcBef>
-              <a:defRPr sz="4800"/>
-            </a:lvl1pPr>
-          </a:lstStyle>
-          <a:p>
-            <a:pPr/>
-            <a:r>
-              <a:t>Utterly Bizarre</a:t>
-            </a:r>
-          </a:p>
-        </p:txBody>
-      </p:sp>
-      <p:sp>
-        <p:nvSpPr>
-          <p:cNvPr id="334" name="Shape 334"/>
-          <p:cNvSpPr/>
-          <p:nvPr>
-            <p:ph type="body" sz="half" idx="1"/>
-          </p:nvPr>
-        </p:nvSpPr>
-        <p:spPr>
-          <a:xfrm>
-            <a:off x="406400" y="2482850"/>
-            <a:ext cx="6299200" cy="6108700"/>
-          </a:xfrm>
-          <a:prstGeom prst="rect">
-            <a:avLst/>
-          </a:prstGeom>
-        </p:spPr>
-        <p:txBody>
-          <a:bodyPr/>
-          <a:lstStyle/>
-          <a:p>
-            <a:pPr/>
-            <a:r>
-              <a:t>Pyplot</a:t>
-            </a:r>
-          </a:p>
-          <a:p>
-            <a:pPr/>
-            <a:r>
-              <a:t>Figure</a:t>
-            </a:r>
-          </a:p>
-          <a:p>
-            <a:pPr/>
-            <a:r>
-              <a:t>Axes</a:t>
-            </a:r>
-          </a:p>
-          <a:p>
-            <a:pPr/>
-            <a:r>
-              <a:t>Line</a:t>
-            </a:r>
-          </a:p>
-          <a:p>
-            <a:pPr/>
-            <a:r>
-              <a:t>Marker</a:t>
-            </a:r>
-          </a:p>
-          <a:p>
-            <a:pPr/>
-            <a:r>
-              <a:t>Facecolor</a:t>
-            </a:r>
-          </a:p>
-        </p:txBody>
-      </p:sp>
-      <p:pic>
-        <p:nvPicPr>
-          <p:cNvPr id="335" name="errorbar_limits.png"/>
-          <p:cNvPicPr>
-            <a:picLocks noChangeAspect="1"/>
-          </p:cNvPicPr>
-          <p:nvPr/>
-        </p:nvPicPr>
-        <p:blipFill>
-          <a:blip r:embed="rId2">
-            <a:extLst/>
-          </a:blip>
-          <a:stretch>
-            <a:fillRect/>
-          </a:stretch>
-        </p:blipFill>
-        <p:spPr>
-          <a:xfrm>
-            <a:off x="3204086" y="2501900"/>
-            <a:ext cx="8890001" cy="5080000"/>
-          </a:xfrm>
-          <a:prstGeom prst="rect">
-            <a:avLst/>
-          </a:prstGeom>
-          <a:ln w="12700">
-            <a:miter lim="400000"/>
-          </a:ln>
-        </p:spPr>
-      </p:pic>
-    </p:spTree>
-  </p:cSld>
-  <p:clrMapOvr>
-    <a:masterClrMapping/>
-  </p:clrMapOvr>
-  <p:transition xmlns:p14="http://schemas.microsoft.com/office/powerpoint/2010/main" spd="med" advClick="1"/>
-</p:sld>
-</file>
-
-<file path=ppt/slides/slide46.xml><?xml version="1.0" encoding="utf-8"?>
-<p:sld xmlns:a="http://schemas.openxmlformats.org/drawingml/2006/main" xmlns:r="http://schemas.openxmlformats.org/officeDocument/2006/relationships" xmlns:p="http://schemas.openxmlformats.org/presentationml/2006/main" showMasterSp="1" showMasterPhAnim="1">
-  <p:cSld>
-    <p:spTree>
-      <p:nvGrpSpPr>
-        <p:cNvPr id="1" name=""/>
-        <p:cNvGrpSpPr/>
-        <p:nvPr/>
-      </p:nvGrpSpPr>
-      <p:grpSpPr>
-        <a:xfrm>
-          <a:off x="0" y="0"/>
-          <a:ext cx="0" cy="0"/>
-          <a:chOff x="0" y="0"/>
-          <a:chExt cx="0" cy="0"/>
-        </a:xfrm>
-      </p:grpSpPr>
-      <p:sp>
-        <p:nvSpPr>
-          <p:cNvPr id="337" name="Shape 337"/>
-          <p:cNvSpPr/>
-          <p:nvPr>
-            <p:ph type="title"/>
-          </p:nvPr>
-        </p:nvSpPr>
-        <p:spPr>
-          <a:xfrm>
-            <a:off x="406400" y="1536700"/>
-            <a:ext cx="12192000" cy="1169261"/>
-          </a:xfrm>
-          <a:prstGeom prst="rect">
-            <a:avLst/>
-          </a:prstGeom>
-        </p:spPr>
-        <p:txBody>
-          <a:bodyPr/>
-          <a:lstStyle>
-            <a:lvl1pPr defTabSz="403097">
-              <a:spcBef>
-                <a:spcPts val="1900"/>
-              </a:spcBef>
-              <a:defRPr sz="8200"/>
-            </a:lvl1pPr>
-          </a:lstStyle>
-          <a:p>
-            <a:pPr/>
-            <a:r>
-              <a:t>matplotlib.Pyplot</a:t>
-            </a:r>
-          </a:p>
-        </p:txBody>
-      </p:sp>
-      <p:sp>
-        <p:nvSpPr>
-          <p:cNvPr id="338" name="Shape 338"/>
-          <p:cNvSpPr/>
-          <p:nvPr>
-            <p:ph type="body" idx="1"/>
-          </p:nvPr>
-        </p:nvSpPr>
-        <p:spPr>
-          <a:xfrm>
-            <a:off x="406400" y="3953767"/>
-            <a:ext cx="12192000" cy="4909099"/>
-          </a:xfrm>
-          <a:prstGeom prst="rect">
-            <a:avLst/>
-          </a:prstGeom>
-        </p:spPr>
-        <p:txBody>
-          <a:bodyPr anchor="t"/>
-          <a:lstStyle/>
-          <a:p>
-            <a:pPr marL="663612" indent="-663612" defTabSz="549148">
-              <a:lnSpc>
-                <a:spcPct val="100000"/>
-              </a:lnSpc>
-              <a:spcBef>
-                <a:spcPts val="2600"/>
-              </a:spcBef>
-              <a:buSzPct val="40000"/>
-              <a:buBlip>
-                <a:blip r:embed="rId2"/>
-              </a:buBlip>
-              <a:defRPr cap="none" spc="0" sz="6000">
-                <a:latin typeface="Avenir Next Medium"/>
-                <a:ea typeface="Avenir Next Medium"/>
-                <a:cs typeface="Avenir Next Medium"/>
-                <a:sym typeface="Avenir Next Medium"/>
-              </a:defRPr>
-            </a:pPr>
-            <a:r>
-              <a:t>Imported as plt</a:t>
-            </a:r>
-          </a:p>
-          <a:p>
-            <a:pPr marL="663612" indent="-663612" defTabSz="549148">
-              <a:lnSpc>
-                <a:spcPct val="100000"/>
-              </a:lnSpc>
-              <a:spcBef>
-                <a:spcPts val="2600"/>
-              </a:spcBef>
-              <a:buSzPct val="40000"/>
-              <a:buBlip>
-                <a:blip r:embed="rId2"/>
-              </a:buBlip>
-              <a:defRPr cap="none" spc="0" sz="6000">
-                <a:latin typeface="Avenir Next Medium"/>
-                <a:ea typeface="Avenir Next Medium"/>
-                <a:cs typeface="Avenir Next Medium"/>
-                <a:sym typeface="Avenir Next Medium"/>
-              </a:defRPr>
-            </a:pPr>
-            <a:r>
-              <a:t>Stores global state</a:t>
-            </a:r>
-          </a:p>
-          <a:p>
-            <a:pPr marL="663612" indent="-663612" defTabSz="549148">
-              <a:lnSpc>
-                <a:spcPct val="100000"/>
-              </a:lnSpc>
-              <a:spcBef>
-                <a:spcPts val="2600"/>
-              </a:spcBef>
-              <a:buSzPct val="40000"/>
-              <a:buBlip>
-                <a:blip r:embed="rId2"/>
-              </a:buBlip>
-              <a:defRPr cap="none" spc="0" sz="6000">
-                <a:latin typeface="Avenir Next Medium"/>
-                <a:ea typeface="Avenir Next Medium"/>
-                <a:cs typeface="Avenir Next Medium"/>
-                <a:sym typeface="Avenir Next Medium"/>
-              </a:defRPr>
-            </a:pPr>
-            <a:r>
-              <a:t>Use for setting global style</a:t>
-            </a:r>
-          </a:p>
-        </p:txBody>
-      </p:sp>
-    </p:spTree>
-  </p:cSld>
-  <p:clrMapOvr>
-    <a:masterClrMapping/>
-  </p:clrMapOvr>
-  <p:transition xmlns:p14="http://schemas.microsoft.com/office/powerpoint/2010/main" spd="med" advClick="1"/>
-</p:sld>
-</file>
-
-<file path=ppt/slides/slide47.xml><?xml version="1.0" encoding="utf-8"?>
-<p:sld xmlns:a="http://schemas.openxmlformats.org/drawingml/2006/main" xmlns:r="http://schemas.openxmlformats.org/officeDocument/2006/relationships" xmlns:p="http://schemas.openxmlformats.org/presentationml/2006/main" showMasterSp="1" showMasterPhAnim="1">
-  <p:cSld>
-    <p:spTree>
-      <p:nvGrpSpPr>
-        <p:cNvPr id="1" name=""/>
-        <p:cNvGrpSpPr/>
-        <p:nvPr/>
-      </p:nvGrpSpPr>
-      <p:grpSpPr>
-        <a:xfrm>
-          <a:off x="0" y="0"/>
-          <a:ext cx="0" cy="0"/>
-          <a:chOff x="0" y="0"/>
-          <a:chExt cx="0" cy="0"/>
-        </a:xfrm>
-      </p:grpSpPr>
-      <p:sp>
-        <p:nvSpPr>
-          <p:cNvPr id="340" name="Shape 340"/>
-          <p:cNvSpPr/>
-          <p:nvPr>
-            <p:ph type="title"/>
-          </p:nvPr>
-        </p:nvSpPr>
-        <p:spPr>
-          <a:xfrm>
-            <a:off x="406400" y="1536700"/>
-            <a:ext cx="12192000" cy="1169261"/>
-          </a:xfrm>
-          <a:prstGeom prst="rect">
-            <a:avLst/>
-          </a:prstGeom>
-        </p:spPr>
-        <p:txBody>
-          <a:bodyPr/>
-          <a:lstStyle>
-            <a:lvl1pPr defTabSz="403097">
-              <a:spcBef>
-                <a:spcPts val="1900"/>
-              </a:spcBef>
-              <a:defRPr sz="8200"/>
-            </a:lvl1pPr>
-          </a:lstStyle>
-          <a:p>
-            <a:pPr/>
-            <a:r>
-              <a:t>matplotlib.Pyplot</a:t>
-            </a:r>
-          </a:p>
-        </p:txBody>
-      </p:sp>
-      <p:sp>
-        <p:nvSpPr>
-          <p:cNvPr id="341" name="Shape 341"/>
-          <p:cNvSpPr/>
-          <p:nvPr>
-            <p:ph type="body" idx="1"/>
-          </p:nvPr>
-        </p:nvSpPr>
-        <p:spPr>
-          <a:xfrm>
-            <a:off x="406400" y="4561847"/>
-            <a:ext cx="12192000" cy="4909099"/>
-          </a:xfrm>
-          <a:prstGeom prst="rect">
-            <a:avLst/>
-          </a:prstGeom>
-        </p:spPr>
-        <p:txBody>
-          <a:bodyPr anchor="t"/>
-          <a:lstStyle>
-            <a:lvl1pPr defTabSz="549148">
-              <a:lnSpc>
-                <a:spcPct val="100000"/>
-              </a:lnSpc>
-              <a:spcBef>
-                <a:spcPts val="2600"/>
-              </a:spcBef>
-              <a:defRPr cap="none" spc="0" sz="6000">
-                <a:latin typeface="Courier"/>
-                <a:ea typeface="Courier"/>
-                <a:cs typeface="Courier"/>
-                <a:sym typeface="Courier"/>
-              </a:defRPr>
-            </a:lvl1pPr>
-          </a:lstStyle>
-          <a:p>
-            <a:pPr/>
-            <a:r>
-              <a:t>plt.style.use('seaborn')</a:t>
-            </a:r>
-          </a:p>
-        </p:txBody>
-      </p:sp>
-    </p:spTree>
-  </p:cSld>
-  <p:clrMapOvr>
-    <a:masterClrMapping/>
-  </p:clrMapOvr>
-  <p:transition xmlns:p14="http://schemas.microsoft.com/office/powerpoint/2010/main" spd="med" advClick="1"/>
-</p:sld>
-</file>
-
-<file path=ppt/slides/slide48.xml><?xml version="1.0" encoding="utf-8"?>
-<p:sld xmlns:a="http://schemas.openxmlformats.org/drawingml/2006/main" xmlns:r="http://schemas.openxmlformats.org/officeDocument/2006/relationships" xmlns:p="http://schemas.openxmlformats.org/presentationml/2006/main" showMasterSp="1" showMasterPhAnim="1">
-  <p:cSld>
-    <p:spTree>
-      <p:nvGrpSpPr>
-        <p:cNvPr id="1" name=""/>
-        <p:cNvGrpSpPr/>
-        <p:nvPr/>
-      </p:nvGrpSpPr>
-      <p:grpSpPr>
-        <a:xfrm>
-          <a:off x="0" y="0"/>
-          <a:ext cx="0" cy="0"/>
-          <a:chOff x="0" y="0"/>
-          <a:chExt cx="0" cy="0"/>
-        </a:xfrm>
-      </p:grpSpPr>
-      <p:sp>
-        <p:nvSpPr>
-          <p:cNvPr id="343" name="Shape 343"/>
-          <p:cNvSpPr/>
-          <p:nvPr>
-            <p:ph type="title"/>
-          </p:nvPr>
-        </p:nvSpPr>
-        <p:spPr>
-          <a:xfrm>
-            <a:off x="406400" y="1536700"/>
-            <a:ext cx="12192000" cy="1169261"/>
-          </a:xfrm>
-          <a:prstGeom prst="rect">
-            <a:avLst/>
-          </a:prstGeom>
-        </p:spPr>
-        <p:txBody>
-          <a:bodyPr/>
-          <a:lstStyle>
-            <a:lvl1pPr defTabSz="403097">
-              <a:spcBef>
-                <a:spcPts val="1900"/>
-              </a:spcBef>
-              <a:defRPr sz="8200"/>
-            </a:lvl1pPr>
-          </a:lstStyle>
-          <a:p>
-            <a:pPr/>
-            <a:r>
-              <a:t>matplotlib.Pyplot</a:t>
-            </a:r>
-          </a:p>
-        </p:txBody>
-      </p:sp>
-      <p:sp>
-        <p:nvSpPr>
-          <p:cNvPr id="344" name="Shape 344"/>
-          <p:cNvSpPr/>
-          <p:nvPr>
-            <p:ph type="body" idx="1"/>
-          </p:nvPr>
-        </p:nvSpPr>
-        <p:spPr>
-          <a:xfrm>
-            <a:off x="406400" y="4561847"/>
-            <a:ext cx="12192000" cy="4909099"/>
-          </a:xfrm>
-          <a:prstGeom prst="rect">
-            <a:avLst/>
-          </a:prstGeom>
-        </p:spPr>
-        <p:txBody>
-          <a:bodyPr anchor="t"/>
-          <a:lstStyle>
-            <a:lvl1pPr defTabSz="549148">
-              <a:lnSpc>
-                <a:spcPct val="100000"/>
-              </a:lnSpc>
-              <a:spcBef>
-                <a:spcPts val="2600"/>
-              </a:spcBef>
-              <a:defRPr cap="none" spc="0" sz="6000">
-                <a:latin typeface="Courier"/>
-                <a:ea typeface="Courier"/>
-                <a:cs typeface="Courier"/>
-                <a:sym typeface="Courier"/>
-              </a:defRPr>
-            </a:lvl1pPr>
-          </a:lstStyle>
-          <a:p>
-            <a:pPr/>
-            <a:r>
-              <a:t>plt.gcf()</a:t>
-            </a:r>
-          </a:p>
-        </p:txBody>
-      </p:sp>
-    </p:spTree>
-  </p:cSld>
-  <p:clrMapOvr>
-    <a:masterClrMapping/>
-  </p:clrMapOvr>
-  <p:transition xmlns:p14="http://schemas.microsoft.com/office/powerpoint/2010/main" spd="med" advClick="1"/>
-</p:sld>
-</file>
-
-<file path=ppt/slides/slide49.xml><?xml version="1.0" encoding="utf-8"?>
-<p:sld xmlns:a="http://schemas.openxmlformats.org/drawingml/2006/main" xmlns:r="http://schemas.openxmlformats.org/officeDocument/2006/relationships" xmlns:p="http://schemas.openxmlformats.org/presentationml/2006/main" showMasterSp="1" showMasterPhAnim="1">
-  <p:cSld>
-    <p:spTree>
-      <p:nvGrpSpPr>
-        <p:cNvPr id="1" name=""/>
-        <p:cNvGrpSpPr/>
-        <p:nvPr/>
-      </p:nvGrpSpPr>
-      <p:grpSpPr>
-        <a:xfrm>
-          <a:off x="0" y="0"/>
-          <a:ext cx="0" cy="0"/>
-          <a:chOff x="0" y="0"/>
-          <a:chExt cx="0" cy="0"/>
-        </a:xfrm>
-      </p:grpSpPr>
-      <p:sp>
-        <p:nvSpPr>
-          <p:cNvPr id="346" name="Shape 346"/>
-          <p:cNvSpPr/>
-          <p:nvPr>
-            <p:ph type="title"/>
-          </p:nvPr>
-        </p:nvSpPr>
-        <p:spPr>
-          <a:xfrm>
-            <a:off x="406400" y="1536700"/>
-            <a:ext cx="12192000" cy="1169261"/>
-          </a:xfrm>
-          <a:prstGeom prst="rect">
-            <a:avLst/>
-          </a:prstGeom>
-        </p:spPr>
-        <p:txBody>
-          <a:bodyPr/>
-          <a:lstStyle>
-            <a:lvl1pPr defTabSz="403097">
-              <a:spcBef>
-                <a:spcPts val="1900"/>
-              </a:spcBef>
-              <a:defRPr sz="8200"/>
-            </a:lvl1pPr>
-          </a:lstStyle>
-          <a:p>
-            <a:pPr/>
-            <a:r>
-              <a:t>matplotlib.Pyplot</a:t>
-            </a:r>
-          </a:p>
-        </p:txBody>
-      </p:sp>
-      <p:sp>
-        <p:nvSpPr>
-          <p:cNvPr id="347" name="Shape 347"/>
-          <p:cNvSpPr/>
-          <p:nvPr>
-            <p:ph type="body" idx="1"/>
-          </p:nvPr>
-        </p:nvSpPr>
-        <p:spPr>
-          <a:xfrm>
-            <a:off x="406400" y="4561847"/>
-            <a:ext cx="12192000" cy="4909099"/>
-          </a:xfrm>
-          <a:prstGeom prst="rect">
-            <a:avLst/>
-          </a:prstGeom>
-        </p:spPr>
-        <p:txBody>
-          <a:bodyPr anchor="t"/>
-          <a:lstStyle>
-            <a:lvl1pPr defTabSz="549148">
-              <a:lnSpc>
-                <a:spcPct val="100000"/>
-              </a:lnSpc>
-              <a:spcBef>
-                <a:spcPts val="2600"/>
-              </a:spcBef>
-              <a:defRPr cap="none" spc="0" sz="6000">
-                <a:latin typeface="Courier"/>
-                <a:ea typeface="Courier"/>
-                <a:cs typeface="Courier"/>
-                <a:sym typeface="Courier"/>
-              </a:defRPr>
-            </a:lvl1pPr>
-          </a:lstStyle>
-          <a:p>
-            <a:pPr/>
-            <a:r>
-              <a:t>plt.gcf()</a:t>
-            </a:r>
-          </a:p>
-        </p:txBody>
-      </p:sp>
-      <p:sp>
-        <p:nvSpPr>
-          <p:cNvPr id="348" name="Shape 348"/>
-          <p:cNvSpPr/>
-          <p:nvPr/>
-        </p:nvSpPr>
-        <p:spPr>
-          <a:xfrm>
-            <a:off x="360203" y="6444896"/>
-            <a:ext cx="7447027" cy="1143001"/>
-          </a:xfrm>
-          <a:prstGeom prst="rect">
-            <a:avLst/>
-          </a:prstGeom>
-          <a:ln w="12700">
-            <a:miter lim="400000"/>
-          </a:ln>
-          <a:extLst>
-            <a:ext uri="{C572A759-6A51-4108-AA02-DFA0A04FC94B}">
-              <ma14:wrappingTextBoxFlag xmlns:ma14="http://schemas.microsoft.com/office/mac/drawingml/2011/main" val="1"/>
-            </a:ext>
-          </a:extLst>
-        </p:spPr>
-        <p:txBody>
-          <a:bodyPr wrap="none" lIns="50800" tIns="50800" rIns="50800" bIns="50800" anchor="ctr">
-            <a:spAutoFit/>
-          </a:bodyPr>
-          <a:lstStyle>
-            <a:lvl1pPr defTabSz="549148">
-              <a:spcBef>
-                <a:spcPts val="2600"/>
-              </a:spcBef>
-              <a:defRPr sz="6000">
-                <a:solidFill>
-                  <a:schemeClr val="accent5">
-                    <a:hueOff val="343847"/>
-                    <a:satOff val="6318"/>
-                    <a:lumOff val="8159"/>
-                  </a:schemeClr>
-                </a:solidFill>
-              </a:defRPr>
-            </a:lvl1pPr>
-          </a:lstStyle>
-          <a:p>
-            <a:pPr/>
-            <a:r>
-              <a:t>“Grab current figure”</a:t>
+              <a:t>Order is: Year - Month - Day</a:t>
             </a:r>
           </a:p>
         </p:txBody>
@@ -10549,7 +8175,7 @@
       </p:grpSpPr>
       <p:sp>
         <p:nvSpPr>
-          <p:cNvPr id="212" name="Shape 212"/>
+          <p:cNvPr id="216" name="Shape 216"/>
           <p:cNvSpPr/>
           <p:nvPr>
             <p:ph type="title"/>
@@ -10557,8 +8183,8 @@
         </p:nvSpPr>
         <p:spPr>
           <a:xfrm>
-            <a:off x="650238" y="390596"/>
-            <a:ext cx="11704324" cy="1625601"/>
+            <a:off x="406400" y="1536700"/>
+            <a:ext cx="12192000" cy="1169260"/>
           </a:xfrm>
           <a:prstGeom prst="rect">
             <a:avLst/>
@@ -10567,225 +8193,31 @@
         <p:txBody>
           <a:bodyPr/>
           <a:lstStyle>
-            <a:lvl1pPr>
-              <a:defRPr>
-                <a:solidFill>
-                  <a:srgbClr val="FFFFFF"/>
-                </a:solidFill>
-              </a:defRPr>
+            <a:lvl1pPr defTabSz="403097">
+              <a:spcBef>
+                <a:spcPts val="1900"/>
+              </a:spcBef>
+              <a:defRPr sz="8280"/>
             </a:lvl1pPr>
           </a:lstStyle>
           <a:p>
             <a:pPr/>
             <a:r>
-              <a:t>HTML</a:t>
-            </a:r>
-          </a:p>
-        </p:txBody>
-      </p:sp>
-      <p:pic>
-        <p:nvPicPr>
-          <p:cNvPr id="213" name="image13.jpeg" descr="1718_HarryPotter2_large.jpg"/>
-          <p:cNvPicPr>
-            <a:picLocks noChangeAspect="1"/>
-          </p:cNvPicPr>
+              <a:t>Partial string indexing</a:t>
+            </a:r>
+          </a:p>
+        </p:txBody>
+      </p:sp>
+      <p:sp>
+        <p:nvSpPr>
+          <p:cNvPr id="217" name="Shape 217"/>
+          <p:cNvSpPr/>
           <p:nvPr/>
-        </p:nvPicPr>
-        <p:blipFill>
-          <a:blip r:embed="rId2">
-            <a:extLst/>
-          </a:blip>
-          <a:stretch>
-            <a:fillRect/>
-          </a:stretch>
-        </p:blipFill>
+        </p:nvSpPr>
         <p:spPr>
           <a:xfrm>
-            <a:off x="700999" y="2926078"/>
-            <a:ext cx="5743788" cy="5743790"/>
-          </a:xfrm>
-          <a:prstGeom prst="rect">
-            <a:avLst/>
-          </a:prstGeom>
-          <a:ln w="12700">
-            <a:miter lim="400000"/>
-          </a:ln>
-        </p:spPr>
-      </p:pic>
-      <p:pic>
-        <p:nvPicPr>
-          <p:cNvPr id="214" name="image14.jpeg" descr="script.jpeg"/>
-          <p:cNvPicPr>
-            <a:picLocks noChangeAspect="1"/>
-          </p:cNvPicPr>
-          <p:nvPr/>
-        </p:nvPicPr>
-        <p:blipFill>
-          <a:blip r:embed="rId3">
-            <a:extLst/>
-          </a:blip>
-          <a:stretch>
-            <a:fillRect/>
-          </a:stretch>
-        </p:blipFill>
-        <p:spPr>
-          <a:xfrm>
-            <a:off x="7715853" y="2926078"/>
-            <a:ext cx="4313588" cy="5743790"/>
-          </a:xfrm>
-          <a:prstGeom prst="rect">
-            <a:avLst/>
-          </a:prstGeom>
-          <a:ln w="12700">
-            <a:miter lim="400000"/>
-          </a:ln>
-        </p:spPr>
-      </p:pic>
-    </p:spTree>
-  </p:cSld>
-  <p:clrMapOvr>
-    <a:masterClrMapping/>
-  </p:clrMapOvr>
-  <p:transition xmlns:p14="http://schemas.microsoft.com/office/powerpoint/2010/main" spd="med" advClick="1"/>
-</p:sld>
-</file>
-
-<file path=ppt/slides/slide50.xml><?xml version="1.0" encoding="utf-8"?>
-<p:sld xmlns:a="http://schemas.openxmlformats.org/drawingml/2006/main" xmlns:r="http://schemas.openxmlformats.org/officeDocument/2006/relationships" xmlns:p="http://schemas.openxmlformats.org/presentationml/2006/main" showMasterSp="1" showMasterPhAnim="1">
-  <p:cSld>
-    <p:spTree>
-      <p:nvGrpSpPr>
-        <p:cNvPr id="1" name=""/>
-        <p:cNvGrpSpPr/>
-        <p:nvPr/>
-      </p:nvGrpSpPr>
-      <p:grpSpPr>
-        <a:xfrm>
-          <a:off x="0" y="0"/>
-          <a:ext cx="0" cy="0"/>
-          <a:chOff x="0" y="0"/>
-          <a:chExt cx="0" cy="0"/>
-        </a:xfrm>
-      </p:grpSpPr>
-      <p:sp>
-        <p:nvSpPr>
-          <p:cNvPr id="350" name="Shape 350"/>
-          <p:cNvSpPr/>
-          <p:nvPr>
-            <p:ph type="body" idx="13"/>
-          </p:nvPr>
-        </p:nvSpPr>
-        <p:spPr>
-          <a:prstGeom prst="rect">
-            <a:avLst/>
-          </a:prstGeom>
-        </p:spPr>
-        <p:txBody>
-          <a:bodyPr/>
-          <a:lstStyle/>
-          <a:p>
-            <a:pPr/>
-          </a:p>
-        </p:txBody>
-      </p:sp>
-      <p:sp>
-        <p:nvSpPr>
-          <p:cNvPr id="351" name="Shape 351"/>
-          <p:cNvSpPr/>
-          <p:nvPr>
-            <p:ph type="title"/>
-          </p:nvPr>
-        </p:nvSpPr>
-        <p:spPr>
-          <a:prstGeom prst="rect">
-            <a:avLst/>
-          </a:prstGeom>
-        </p:spPr>
-        <p:txBody>
-          <a:bodyPr/>
-          <a:lstStyle>
-            <a:lvl1pPr defTabSz="467359">
-              <a:spcBef>
-                <a:spcPts val="2200"/>
-              </a:spcBef>
-              <a:defRPr sz="4800"/>
-            </a:lvl1pPr>
-          </a:lstStyle>
-          <a:p>
-            <a:pPr/>
-            <a:r>
-              <a:t>Figure</a:t>
-            </a:r>
-          </a:p>
-        </p:txBody>
-      </p:sp>
-      <p:sp>
-        <p:nvSpPr>
-          <p:cNvPr id="352" name="Shape 352"/>
-          <p:cNvSpPr/>
-          <p:nvPr>
-            <p:ph type="body" sz="quarter" idx="1"/>
-          </p:nvPr>
-        </p:nvSpPr>
-        <p:spPr>
-          <a:xfrm>
-            <a:off x="406400" y="2743200"/>
-            <a:ext cx="12192000" cy="818013"/>
-          </a:xfrm>
-          <a:prstGeom prst="rect">
-            <a:avLst/>
-          </a:prstGeom>
-        </p:spPr>
-        <p:txBody>
-          <a:bodyPr/>
-          <a:lstStyle/>
-          <a:p>
-            <a:pPr/>
-            <a:r>
-              <a:t>The entire image output by your code</a:t>
-            </a:r>
-          </a:p>
-        </p:txBody>
-      </p:sp>
-      <p:pic>
-        <p:nvPicPr>
-          <p:cNvPr id="353" name="Screen Shot 2018-11-09 at 1.31.16 AM.png"/>
-          <p:cNvPicPr>
-            <a:picLocks noChangeAspect="1"/>
-          </p:cNvPicPr>
-          <p:nvPr/>
-        </p:nvPicPr>
-        <p:blipFill>
-          <a:blip r:embed="rId2">
-            <a:extLst/>
-          </a:blip>
-          <a:stretch>
-            <a:fillRect/>
-          </a:stretch>
-        </p:blipFill>
-        <p:spPr>
-          <a:xfrm>
-            <a:off x="-1" y="4043812"/>
-            <a:ext cx="13004801" cy="4358991"/>
-          </a:xfrm>
-          <a:prstGeom prst="rect">
-            <a:avLst/>
-          </a:prstGeom>
-          <a:ln w="12700">
-            <a:miter lim="400000"/>
-          </a:ln>
-        </p:spPr>
-      </p:pic>
-      <p:sp>
-        <p:nvSpPr>
-          <p:cNvPr id="354" name="Shape 354"/>
-          <p:cNvSpPr/>
-          <p:nvPr/>
-        </p:nvSpPr>
-        <p:spPr>
-          <a:xfrm>
-            <a:off x="471320" y="8815551"/>
-            <a:ext cx="5418685" cy="546101"/>
+            <a:off x="763759" y="4925950"/>
+            <a:ext cx="4967338" cy="1168401"/>
           </a:xfrm>
           <a:prstGeom prst="rect">
             <a:avLst/>
@@ -10805,1284 +8237,19 @@
           </a:bodyPr>
           <a:lstStyle>
             <a:lvl1pPr>
-              <a:defRPr sz="2900">
-                <a:latin typeface="Courier"/>
-                <a:ea typeface="Courier"/>
-                <a:cs typeface="Courier"/>
-                <a:sym typeface="Courier"/>
+              <a:defRPr sz="7000">
+                <a:latin typeface="Anonymous Pro for Powerline"/>
+                <a:ea typeface="Anonymous Pro for Powerline"/>
+                <a:cs typeface="Anonymous Pro for Powerline"/>
+                <a:sym typeface="Anonymous Pro for Powerline"/>
               </a:defRPr>
             </a:lvl1pPr>
           </a:lstStyle>
           <a:p>
             <a:pPr/>
             <a:r>
-              <a:t>matplotlib.figure.Figure</a:t>
-            </a:r>
-          </a:p>
-        </p:txBody>
-      </p:sp>
-    </p:spTree>
-  </p:cSld>
-  <p:clrMapOvr>
-    <a:masterClrMapping/>
-  </p:clrMapOvr>
-  <p:transition xmlns:p14="http://schemas.microsoft.com/office/powerpoint/2010/main" spd="med" advClick="1"/>
-</p:sld>
-</file>
-
-<file path=ppt/slides/slide51.xml><?xml version="1.0" encoding="utf-8"?>
-<p:sld xmlns:a="http://schemas.openxmlformats.org/drawingml/2006/main" xmlns:r="http://schemas.openxmlformats.org/officeDocument/2006/relationships" xmlns:p="http://schemas.openxmlformats.org/presentationml/2006/main" showMasterSp="1" showMasterPhAnim="1">
-  <p:cSld>
-    <p:spTree>
-      <p:nvGrpSpPr>
-        <p:cNvPr id="1" name=""/>
-        <p:cNvGrpSpPr/>
-        <p:nvPr/>
-      </p:nvGrpSpPr>
-      <p:grpSpPr>
-        <a:xfrm>
-          <a:off x="0" y="0"/>
-          <a:ext cx="0" cy="0"/>
-          <a:chOff x="0" y="0"/>
-          <a:chExt cx="0" cy="0"/>
-        </a:xfrm>
-      </p:grpSpPr>
-      <p:sp>
-        <p:nvSpPr>
-          <p:cNvPr id="356" name="Shape 356"/>
-          <p:cNvSpPr/>
-          <p:nvPr>
-            <p:ph type="title"/>
-          </p:nvPr>
-        </p:nvSpPr>
-        <p:spPr>
-          <a:xfrm>
-            <a:off x="406400" y="1536700"/>
-            <a:ext cx="12192000" cy="1169261"/>
-          </a:xfrm>
-          <a:prstGeom prst="rect">
-            <a:avLst/>
-          </a:prstGeom>
-        </p:spPr>
-        <p:txBody>
-          <a:bodyPr/>
-          <a:lstStyle>
-            <a:lvl1pPr defTabSz="403097">
-              <a:spcBef>
-                <a:spcPts val="1900"/>
-              </a:spcBef>
-              <a:defRPr sz="8200"/>
-            </a:lvl1pPr>
-          </a:lstStyle>
-          <a:p>
-            <a:pPr/>
-            <a:r>
-              <a:t>Figure</a:t>
-            </a:r>
-          </a:p>
-        </p:txBody>
-      </p:sp>
-      <p:sp>
-        <p:nvSpPr>
-          <p:cNvPr id="357" name="Shape 357"/>
-          <p:cNvSpPr/>
-          <p:nvPr>
-            <p:ph type="body" idx="1"/>
-          </p:nvPr>
-        </p:nvSpPr>
-        <p:spPr>
-          <a:xfrm>
-            <a:off x="406400" y="3953767"/>
-            <a:ext cx="12192000" cy="4909099"/>
-          </a:xfrm>
-          <a:prstGeom prst="rect">
-            <a:avLst/>
-          </a:prstGeom>
-        </p:spPr>
-        <p:txBody>
-          <a:bodyPr anchor="t"/>
-          <a:lstStyle/>
-          <a:p>
-            <a:pPr marL="663612" indent="-663612" defTabSz="549148">
-              <a:lnSpc>
-                <a:spcPct val="100000"/>
-              </a:lnSpc>
-              <a:spcBef>
-                <a:spcPts val="2600"/>
-              </a:spcBef>
-              <a:buSzPct val="40000"/>
-              <a:buBlip>
-                <a:blip r:embed="rId2"/>
-              </a:buBlip>
-              <a:defRPr cap="none" spc="0" sz="6000">
-                <a:latin typeface="Avenir Next Medium"/>
-                <a:ea typeface="Avenir Next Medium"/>
-                <a:cs typeface="Avenir Next Medium"/>
-                <a:sym typeface="Avenir Next Medium"/>
-              </a:defRPr>
-            </a:pPr>
-            <a:r>
-              <a:t>Set overall graph size</a:t>
-            </a:r>
-          </a:p>
-          <a:p>
-            <a:pPr marL="663612" indent="-663612" defTabSz="549148">
-              <a:lnSpc>
-                <a:spcPct val="100000"/>
-              </a:lnSpc>
-              <a:spcBef>
-                <a:spcPts val="2600"/>
-              </a:spcBef>
-              <a:buSzPct val="40000"/>
-              <a:buBlip>
-                <a:blip r:embed="rId2"/>
-              </a:buBlip>
-              <a:defRPr cap="none" spc="0" sz="6000">
-                <a:latin typeface="Avenir Next Medium"/>
-                <a:ea typeface="Avenir Next Medium"/>
-                <a:cs typeface="Avenir Next Medium"/>
-                <a:sym typeface="Avenir Next Medium"/>
-              </a:defRPr>
-            </a:pPr>
-            <a:r>
-              <a:t>Store graph while modifying it</a:t>
-            </a:r>
-          </a:p>
-          <a:p>
-            <a:pPr marL="663612" indent="-663612" defTabSz="549148">
-              <a:lnSpc>
-                <a:spcPct val="100000"/>
-              </a:lnSpc>
-              <a:spcBef>
-                <a:spcPts val="2600"/>
-              </a:spcBef>
-              <a:buSzPct val="40000"/>
-              <a:buBlip>
-                <a:blip r:embed="rId2"/>
-              </a:buBlip>
-              <a:defRPr cap="none" spc="0" sz="6000">
-                <a:latin typeface="Avenir Next Medium"/>
-                <a:ea typeface="Avenir Next Medium"/>
-                <a:cs typeface="Avenir Next Medium"/>
-                <a:sym typeface="Avenir Next Medium"/>
-              </a:defRPr>
-            </a:pPr>
-            <a:r>
-              <a:t>Save graph to disk</a:t>
-            </a:r>
-          </a:p>
-        </p:txBody>
-      </p:sp>
-    </p:spTree>
-  </p:cSld>
-  <p:clrMapOvr>
-    <a:masterClrMapping/>
-  </p:clrMapOvr>
-  <p:transition xmlns:p14="http://schemas.microsoft.com/office/powerpoint/2010/main" spd="med" advClick="1"/>
-</p:sld>
-</file>
-
-<file path=ppt/slides/slide52.xml><?xml version="1.0" encoding="utf-8"?>
-<p:sld xmlns:a="http://schemas.openxmlformats.org/drawingml/2006/main" xmlns:r="http://schemas.openxmlformats.org/officeDocument/2006/relationships" xmlns:p="http://schemas.openxmlformats.org/presentationml/2006/main" showMasterSp="1" showMasterPhAnim="1">
-  <p:cSld>
-    <p:spTree>
-      <p:nvGrpSpPr>
-        <p:cNvPr id="1" name=""/>
-        <p:cNvGrpSpPr/>
-        <p:nvPr/>
-      </p:nvGrpSpPr>
-      <p:grpSpPr>
-        <a:xfrm>
-          <a:off x="0" y="0"/>
-          <a:ext cx="0" cy="0"/>
-          <a:chOff x="0" y="0"/>
-          <a:chExt cx="0" cy="0"/>
-        </a:xfrm>
-      </p:grpSpPr>
-      <p:sp>
-        <p:nvSpPr>
-          <p:cNvPr id="359" name="Shape 359"/>
-          <p:cNvSpPr/>
-          <p:nvPr>
-            <p:ph type="body" idx="13"/>
-          </p:nvPr>
-        </p:nvSpPr>
-        <p:spPr>
-          <a:prstGeom prst="rect">
-            <a:avLst/>
-          </a:prstGeom>
-        </p:spPr>
-        <p:txBody>
-          <a:bodyPr/>
-          <a:lstStyle/>
-          <a:p>
-            <a:pPr/>
-          </a:p>
-        </p:txBody>
-      </p:sp>
-      <p:sp>
-        <p:nvSpPr>
-          <p:cNvPr id="360" name="Shape 360"/>
-          <p:cNvSpPr/>
-          <p:nvPr>
-            <p:ph type="title"/>
-          </p:nvPr>
-        </p:nvSpPr>
-        <p:spPr>
-          <a:prstGeom prst="rect">
-            <a:avLst/>
-          </a:prstGeom>
-        </p:spPr>
-        <p:txBody>
-          <a:bodyPr/>
-          <a:lstStyle>
-            <a:lvl1pPr defTabSz="467359">
-              <a:spcBef>
-                <a:spcPts val="2200"/>
-              </a:spcBef>
-              <a:defRPr sz="4800"/>
-            </a:lvl1pPr>
-          </a:lstStyle>
-          <a:p>
-            <a:pPr/>
-            <a:r>
-              <a:t>Axes</a:t>
-            </a:r>
-          </a:p>
-        </p:txBody>
-      </p:sp>
-      <p:sp>
-        <p:nvSpPr>
-          <p:cNvPr id="361" name="Shape 361"/>
-          <p:cNvSpPr/>
-          <p:nvPr>
-            <p:ph type="body" sz="quarter" idx="1"/>
-          </p:nvPr>
-        </p:nvSpPr>
-        <p:spPr>
-          <a:xfrm>
-            <a:off x="406400" y="2743200"/>
-            <a:ext cx="12192000" cy="818013"/>
-          </a:xfrm>
-          <a:prstGeom prst="rect">
-            <a:avLst/>
-          </a:prstGeom>
-        </p:spPr>
-        <p:txBody>
-          <a:bodyPr/>
-          <a:lstStyle/>
-          <a:p>
-            <a:pPr/>
-            <a:r>
-              <a:t>One particular graph within a figure</a:t>
-            </a:r>
-          </a:p>
-        </p:txBody>
-      </p:sp>
-      <p:pic>
-        <p:nvPicPr>
-          <p:cNvPr id="362" name="Screen Shot 2018-11-09 at 1.31.16 AM.png"/>
-          <p:cNvPicPr>
-            <a:picLocks noChangeAspect="1"/>
-          </p:cNvPicPr>
-          <p:nvPr/>
-        </p:nvPicPr>
-        <p:blipFill>
-          <a:blip r:embed="rId2">
-            <a:extLst/>
-          </a:blip>
-          <a:stretch>
-            <a:fillRect/>
-          </a:stretch>
-        </p:blipFill>
-        <p:spPr>
-          <a:xfrm>
-            <a:off x="-1" y="4043812"/>
-            <a:ext cx="13004801" cy="4358991"/>
-          </a:xfrm>
-          <a:prstGeom prst="rect">
-            <a:avLst/>
-          </a:prstGeom>
-          <a:ln w="12700">
-            <a:miter lim="400000"/>
-          </a:ln>
-        </p:spPr>
-      </p:pic>
-      <p:sp>
-        <p:nvSpPr>
-          <p:cNvPr id="363" name="Shape 363"/>
-          <p:cNvSpPr/>
-          <p:nvPr/>
-        </p:nvSpPr>
-        <p:spPr>
-          <a:xfrm>
-            <a:off x="471320" y="8815551"/>
-            <a:ext cx="4534621" cy="546101"/>
-          </a:xfrm>
-          <a:prstGeom prst="rect">
-            <a:avLst/>
-          </a:prstGeom>
-          <a:ln w="12700">
-            <a:miter lim="400000"/>
-          </a:ln>
-          <a:extLst>
-            <a:ext uri="{C572A759-6A51-4108-AA02-DFA0A04FC94B}">
-              <ma14:wrappingTextBoxFlag xmlns:ma14="http://schemas.microsoft.com/office/mac/drawingml/2011/main" val="1"/>
-            </a:ext>
-          </a:extLst>
-        </p:spPr>
-        <p:txBody>
-          <a:bodyPr wrap="none" lIns="50800" tIns="50800" rIns="50800" bIns="50800" anchor="ctr">
-            <a:spAutoFit/>
-          </a:bodyPr>
-          <a:lstStyle>
-            <a:lvl1pPr>
-              <a:defRPr sz="2900">
-                <a:latin typeface="Courier"/>
-                <a:ea typeface="Courier"/>
-                <a:cs typeface="Courier"/>
-                <a:sym typeface="Courier"/>
-              </a:defRPr>
-            </a:lvl1pPr>
-          </a:lstStyle>
-          <a:p>
-            <a:pPr/>
-            <a:r>
-              <a:t>matplotlib.axes.Axes</a:t>
-            </a:r>
-          </a:p>
-        </p:txBody>
-      </p:sp>
-      <p:sp>
-        <p:nvSpPr>
-          <p:cNvPr id="364" name="Shape 364"/>
-          <p:cNvSpPr/>
-          <p:nvPr/>
-        </p:nvSpPr>
-        <p:spPr>
-          <a:xfrm flipH="1" rot="16200000">
-            <a:off x="9449606" y="2855800"/>
-            <a:ext cx="1713089" cy="1270001"/>
-          </a:xfrm>
-          <a:prstGeom prst="rightArrow">
-            <a:avLst>
-              <a:gd name="adj1" fmla="val 32000"/>
-              <a:gd name="adj2" fmla="val 64000"/>
-            </a:avLst>
-          </a:prstGeom>
-          <a:solidFill>
-            <a:schemeClr val="accent5"/>
-          </a:solidFill>
-          <a:ln w="12700">
-            <a:miter lim="400000"/>
-          </a:ln>
-        </p:spPr>
-        <p:txBody>
-          <a:bodyPr lIns="50800" tIns="50800" rIns="50800" bIns="50800" anchor="ctr"/>
-          <a:lstStyle/>
-          <a:p>
-            <a:pPr algn="ctr">
-              <a:lnSpc>
-                <a:spcPct val="80000"/>
-              </a:lnSpc>
-              <a:spcBef>
-                <a:spcPts val="0"/>
-              </a:spcBef>
-              <a:defRPr cap="all" sz="2800">
-                <a:solidFill>
-                  <a:srgbClr val="FFFFFF"/>
-                </a:solidFill>
-                <a:latin typeface="+mn-lt"/>
-                <a:ea typeface="+mn-ea"/>
-                <a:cs typeface="+mn-cs"/>
-                <a:sym typeface="DIN Condensed"/>
-              </a:defRPr>
-            </a:pPr>
-          </a:p>
-        </p:txBody>
-      </p:sp>
-    </p:spTree>
-  </p:cSld>
-  <p:clrMapOvr>
-    <a:masterClrMapping/>
-  </p:clrMapOvr>
-  <p:transition xmlns:p14="http://schemas.microsoft.com/office/powerpoint/2010/main" spd="med" advClick="1"/>
-</p:sld>
-</file>
-
-<file path=ppt/slides/slide53.xml><?xml version="1.0" encoding="utf-8"?>
-<p:sld xmlns:a="http://schemas.openxmlformats.org/drawingml/2006/main" xmlns:r="http://schemas.openxmlformats.org/officeDocument/2006/relationships" xmlns:p="http://schemas.openxmlformats.org/presentationml/2006/main" showMasterSp="1" showMasterPhAnim="1">
-  <p:cSld>
-    <p:spTree>
-      <p:nvGrpSpPr>
-        <p:cNvPr id="1" name=""/>
-        <p:cNvGrpSpPr/>
-        <p:nvPr/>
-      </p:nvGrpSpPr>
-      <p:grpSpPr>
-        <a:xfrm>
-          <a:off x="0" y="0"/>
-          <a:ext cx="0" cy="0"/>
-          <a:chOff x="0" y="0"/>
-          <a:chExt cx="0" cy="0"/>
-        </a:xfrm>
-      </p:grpSpPr>
-      <p:sp>
-        <p:nvSpPr>
-          <p:cNvPr id="366" name="Shape 366"/>
-          <p:cNvSpPr/>
-          <p:nvPr>
-            <p:ph type="title"/>
-          </p:nvPr>
-        </p:nvSpPr>
-        <p:spPr>
-          <a:xfrm>
-            <a:off x="406400" y="1536700"/>
-            <a:ext cx="12192000" cy="1169261"/>
-          </a:xfrm>
-          <a:prstGeom prst="rect">
-            <a:avLst/>
-          </a:prstGeom>
-        </p:spPr>
-        <p:txBody>
-          <a:bodyPr/>
-          <a:lstStyle>
-            <a:lvl1pPr defTabSz="403097">
-              <a:spcBef>
-                <a:spcPts val="1900"/>
-              </a:spcBef>
-              <a:defRPr sz="8200"/>
-            </a:lvl1pPr>
-          </a:lstStyle>
-          <a:p>
-            <a:pPr/>
-            <a:r>
-              <a:t>Axes</a:t>
-            </a:r>
-          </a:p>
-        </p:txBody>
-      </p:sp>
-      <p:sp>
-        <p:nvSpPr>
-          <p:cNvPr id="367" name="Shape 367"/>
-          <p:cNvSpPr/>
-          <p:nvPr>
-            <p:ph type="body" idx="1"/>
-          </p:nvPr>
-        </p:nvSpPr>
-        <p:spPr>
-          <a:xfrm>
-            <a:off x="406400" y="3953767"/>
-            <a:ext cx="12192000" cy="4909099"/>
-          </a:xfrm>
-          <a:prstGeom prst="rect">
-            <a:avLst/>
-          </a:prstGeom>
-        </p:spPr>
-        <p:txBody>
-          <a:bodyPr anchor="t"/>
-          <a:lstStyle/>
-          <a:p>
-            <a:pPr marL="663612" indent="-663612" defTabSz="549148">
-              <a:lnSpc>
-                <a:spcPct val="100000"/>
-              </a:lnSpc>
-              <a:spcBef>
-                <a:spcPts val="2600"/>
-              </a:spcBef>
-              <a:buSzPct val="40000"/>
-              <a:buBlip>
-                <a:blip r:embed="rId2"/>
-              </a:buBlip>
-              <a:defRPr cap="none" spc="0" sz="6000">
-                <a:latin typeface="Avenir Next Medium"/>
-                <a:ea typeface="Avenir Next Medium"/>
-                <a:cs typeface="Avenir Next Medium"/>
-                <a:sym typeface="Avenir Next Medium"/>
-              </a:defRPr>
-            </a:pPr>
-            <a:r>
-              <a:t>Add title for graph</a:t>
-            </a:r>
-          </a:p>
-          <a:p>
-            <a:pPr marL="663612" indent="-663612" defTabSz="549148">
-              <a:lnSpc>
-                <a:spcPct val="100000"/>
-              </a:lnSpc>
-              <a:spcBef>
-                <a:spcPts val="2600"/>
-              </a:spcBef>
-              <a:buSzPct val="40000"/>
-              <a:buBlip>
-                <a:blip r:embed="rId2"/>
-              </a:buBlip>
-              <a:defRPr cap="none" spc="0" sz="6000">
-                <a:latin typeface="Avenir Next Medium"/>
-                <a:ea typeface="Avenir Next Medium"/>
-                <a:cs typeface="Avenir Next Medium"/>
-                <a:sym typeface="Avenir Next Medium"/>
-              </a:defRPr>
-            </a:pPr>
-            <a:r>
-              <a:t>Change labels or ticks </a:t>
-            </a:r>
-          </a:p>
-          <a:p>
-            <a:pPr marL="663612" indent="-663612" defTabSz="549148">
-              <a:lnSpc>
-                <a:spcPct val="100000"/>
-              </a:lnSpc>
-              <a:spcBef>
-                <a:spcPts val="2600"/>
-              </a:spcBef>
-              <a:buSzPct val="40000"/>
-              <a:buBlip>
-                <a:blip r:embed="rId2"/>
-              </a:buBlip>
-              <a:defRPr cap="none" spc="0" sz="6000">
-                <a:latin typeface="Avenir Next Medium"/>
-                <a:ea typeface="Avenir Next Medium"/>
-                <a:cs typeface="Avenir Next Medium"/>
-                <a:sym typeface="Avenir Next Medium"/>
-              </a:defRPr>
-            </a:pPr>
-            <a:r>
-              <a:t>Change background color/grid</a:t>
-            </a:r>
-          </a:p>
-        </p:txBody>
-      </p:sp>
-    </p:spTree>
-  </p:cSld>
-  <p:clrMapOvr>
-    <a:masterClrMapping/>
-  </p:clrMapOvr>
-  <p:transition xmlns:p14="http://schemas.microsoft.com/office/powerpoint/2010/main" spd="med" advClick="1"/>
-</p:sld>
-</file>
-
-<file path=ppt/slides/slide54.xml><?xml version="1.0" encoding="utf-8"?>
-<p:sld xmlns:a="http://schemas.openxmlformats.org/drawingml/2006/main" xmlns:r="http://schemas.openxmlformats.org/officeDocument/2006/relationships" xmlns:p="http://schemas.openxmlformats.org/presentationml/2006/main" showMasterSp="1" showMasterPhAnim="1">
-  <p:cSld>
-    <p:spTree>
-      <p:nvGrpSpPr>
-        <p:cNvPr id="1" name=""/>
-        <p:cNvGrpSpPr/>
-        <p:nvPr/>
-      </p:nvGrpSpPr>
-      <p:grpSpPr>
-        <a:xfrm>
-          <a:off x="0" y="0"/>
-          <a:ext cx="0" cy="0"/>
-          <a:chOff x="0" y="0"/>
-          <a:chExt cx="0" cy="0"/>
-        </a:xfrm>
-      </p:grpSpPr>
-      <p:sp>
-        <p:nvSpPr>
-          <p:cNvPr id="369" name="Shape 369"/>
-          <p:cNvSpPr/>
-          <p:nvPr>
-            <p:ph type="title"/>
-          </p:nvPr>
-        </p:nvSpPr>
-        <p:spPr>
-          <a:xfrm>
-            <a:off x="406400" y="1536700"/>
-            <a:ext cx="12192000" cy="1367235"/>
-          </a:xfrm>
-          <a:prstGeom prst="rect">
-            <a:avLst/>
-          </a:prstGeom>
-        </p:spPr>
-        <p:txBody>
-          <a:bodyPr/>
-          <a:lstStyle>
-            <a:lvl1pPr>
-              <a:defRPr sz="7000"/>
-            </a:lvl1pPr>
-          </a:lstStyle>
-          <a:p>
-            <a:pPr/>
-            <a:r>
-              <a:t>Concepts covered so Far</a:t>
-            </a:r>
-          </a:p>
-        </p:txBody>
-      </p:sp>
-      <p:sp>
-        <p:nvSpPr>
-          <p:cNvPr id="370" name="Shape 370"/>
-          <p:cNvSpPr/>
-          <p:nvPr>
-            <p:ph type="body" idx="1"/>
-          </p:nvPr>
-        </p:nvSpPr>
-        <p:spPr>
-          <a:xfrm>
-            <a:off x="406400" y="2929466"/>
-            <a:ext cx="12192000" cy="6108701"/>
-          </a:xfrm>
-          <a:prstGeom prst="rect">
-            <a:avLst/>
-          </a:prstGeom>
-        </p:spPr>
-        <p:txBody>
-          <a:bodyPr/>
-          <a:lstStyle/>
-          <a:p>
-            <a:pPr marL="444500" indent="-444500">
-              <a:defRPr sz="4800"/>
-            </a:pPr>
-            <a:r>
-              <a:t>PyPlot</a:t>
-            </a:r>
-          </a:p>
-          <a:p>
-            <a:pPr marL="444500" indent="-444500">
-              <a:defRPr sz="4800"/>
-            </a:pPr>
-            <a:r>
-              <a:t>Figure</a:t>
-            </a:r>
-          </a:p>
-          <a:p>
-            <a:pPr marL="444500" indent="-444500">
-              <a:defRPr sz="4800"/>
-            </a:pPr>
-            <a:r>
-              <a:t>Axes</a:t>
-            </a:r>
-          </a:p>
-          <a:p>
-            <a:pPr marL="444500" indent="-444500">
-              <a:defRPr sz="4800"/>
-            </a:pPr>
-            <a:r>
-              <a:t>Bar Chart</a:t>
-            </a:r>
-          </a:p>
-        </p:txBody>
-      </p:sp>
-    </p:spTree>
-  </p:cSld>
-  <p:clrMapOvr>
-    <a:masterClrMapping/>
-  </p:clrMapOvr>
-  <p:transition xmlns:p14="http://schemas.microsoft.com/office/powerpoint/2010/main" spd="med" advClick="1"/>
-</p:sld>
-</file>
-
-<file path=ppt/slides/slide55.xml><?xml version="1.0" encoding="utf-8"?>
-<p:sld xmlns:a="http://schemas.openxmlformats.org/drawingml/2006/main" xmlns:r="http://schemas.openxmlformats.org/officeDocument/2006/relationships" xmlns:p="http://schemas.openxmlformats.org/presentationml/2006/main" showMasterSp="1" showMasterPhAnim="1">
-  <p:cSld>
-    <p:spTree>
-      <p:nvGrpSpPr>
-        <p:cNvPr id="1" name=""/>
-        <p:cNvGrpSpPr/>
-        <p:nvPr/>
-      </p:nvGrpSpPr>
-      <p:grpSpPr>
-        <a:xfrm>
-          <a:off x="0" y="0"/>
-          <a:ext cx="0" cy="0"/>
-          <a:chOff x="0" y="0"/>
-          <a:chExt cx="0" cy="0"/>
-        </a:xfrm>
-      </p:grpSpPr>
-      <p:pic>
-        <p:nvPicPr>
-          <p:cNvPr id="372" name="Screen Shot 2019-04-11 at 4.53.30 PM.png"/>
-          <p:cNvPicPr>
-            <a:picLocks noChangeAspect="1"/>
-          </p:cNvPicPr>
-          <p:nvPr/>
-        </p:nvPicPr>
-        <p:blipFill>
-          <a:blip r:embed="rId2">
-            <a:extLst/>
-          </a:blip>
-          <a:stretch>
-            <a:fillRect/>
-          </a:stretch>
-        </p:blipFill>
-        <p:spPr>
-          <a:xfrm>
-            <a:off x="1984905" y="1010880"/>
-            <a:ext cx="8579323" cy="7596669"/>
-          </a:xfrm>
-          <a:prstGeom prst="rect">
-            <a:avLst/>
-          </a:prstGeom>
-          <a:ln w="12700">
-            <a:miter lim="400000"/>
-          </a:ln>
-        </p:spPr>
-      </p:pic>
-    </p:spTree>
-  </p:cSld>
-  <p:clrMapOvr>
-    <a:masterClrMapping/>
-  </p:clrMapOvr>
-  <p:transition xmlns:p14="http://schemas.microsoft.com/office/powerpoint/2010/main" spd="med" advClick="1"/>
-</p:sld>
-</file>
-
-<file path=ppt/slides/slide56.xml><?xml version="1.0" encoding="utf-8"?>
-<p:sld xmlns:a="http://schemas.openxmlformats.org/drawingml/2006/main" xmlns:r="http://schemas.openxmlformats.org/officeDocument/2006/relationships" xmlns:p="http://schemas.openxmlformats.org/presentationml/2006/main" showMasterSp="1" showMasterPhAnim="1">
-  <p:cSld>
-    <p:spTree>
-      <p:nvGrpSpPr>
-        <p:cNvPr id="1" name=""/>
-        <p:cNvGrpSpPr/>
-        <p:nvPr/>
-      </p:nvGrpSpPr>
-      <p:grpSpPr>
-        <a:xfrm>
-          <a:off x="0" y="0"/>
-          <a:ext cx="0" cy="0"/>
-          <a:chOff x="0" y="0"/>
-          <a:chExt cx="0" cy="0"/>
-        </a:xfrm>
-      </p:grpSpPr>
-      <p:sp>
-        <p:nvSpPr>
-          <p:cNvPr id="374" name="Shape 374"/>
-          <p:cNvSpPr/>
-          <p:nvPr>
-            <p:ph type="body" idx="13"/>
-          </p:nvPr>
-        </p:nvSpPr>
-        <p:spPr>
-          <a:prstGeom prst="rect">
-            <a:avLst/>
-          </a:prstGeom>
-        </p:spPr>
-        <p:txBody>
-          <a:bodyPr/>
-          <a:lstStyle/>
-          <a:p>
-            <a:pPr/>
-            <a:r>
-              <a:t>Text</a:t>
-            </a:r>
-          </a:p>
-        </p:txBody>
-      </p:sp>
-      <p:sp>
-        <p:nvSpPr>
-          <p:cNvPr id="375" name="Shape 375"/>
-          <p:cNvSpPr/>
-          <p:nvPr>
-            <p:ph type="title"/>
-          </p:nvPr>
-        </p:nvSpPr>
-        <p:spPr>
-          <a:prstGeom prst="rect">
-            <a:avLst/>
-          </a:prstGeom>
-        </p:spPr>
-        <p:txBody>
-          <a:bodyPr/>
-          <a:lstStyle/>
-          <a:p>
-            <a:pPr defTabSz="467359">
-              <a:spcBef>
-                <a:spcPts val="2200"/>
-              </a:spcBef>
-              <a:defRPr sz="4800"/>
-            </a:pPr>
-          </a:p>
-        </p:txBody>
-      </p:sp>
-      <p:sp>
-        <p:nvSpPr>
-          <p:cNvPr id="376" name="Shape 376"/>
-          <p:cNvSpPr/>
-          <p:nvPr>
-            <p:ph type="body" idx="1"/>
-          </p:nvPr>
-        </p:nvSpPr>
-        <p:spPr>
-          <a:prstGeom prst="rect">
-            <a:avLst/>
-          </a:prstGeom>
-        </p:spPr>
-        <p:txBody>
-          <a:bodyPr/>
-          <a:lstStyle/>
-          <a:p>
-            <a:pPr/>
-          </a:p>
-        </p:txBody>
-      </p:sp>
-      <p:pic>
-        <p:nvPicPr>
-          <p:cNvPr id="377" name="Screen Shot 2019-04-11 at 4.52.20 PM.png"/>
-          <p:cNvPicPr>
-            <a:picLocks noChangeAspect="1"/>
-          </p:cNvPicPr>
-          <p:nvPr/>
-        </p:nvPicPr>
-        <p:blipFill>
-          <a:blip r:embed="rId2">
-            <a:extLst/>
-          </a:blip>
-          <a:stretch>
-            <a:fillRect/>
-          </a:stretch>
-        </p:blipFill>
-        <p:spPr>
-          <a:xfrm>
-            <a:off x="0" y="-215900"/>
-            <a:ext cx="13004800" cy="10185400"/>
-          </a:xfrm>
-          <a:prstGeom prst="rect">
-            <a:avLst/>
-          </a:prstGeom>
-          <a:ln w="12700">
-            <a:miter lim="400000"/>
-          </a:ln>
-        </p:spPr>
-      </p:pic>
-    </p:spTree>
-  </p:cSld>
-  <p:clrMapOvr>
-    <a:masterClrMapping/>
-  </p:clrMapOvr>
-  <p:transition xmlns:p14="http://schemas.microsoft.com/office/powerpoint/2010/main" spd="med" advClick="1"/>
-</p:sld>
-</file>
-
-<file path=ppt/slides/slide57.xml><?xml version="1.0" encoding="utf-8"?>
-<p:sld xmlns:a="http://schemas.openxmlformats.org/drawingml/2006/main" xmlns:r="http://schemas.openxmlformats.org/officeDocument/2006/relationships" xmlns:p="http://schemas.openxmlformats.org/presentationml/2006/main" showMasterSp="1" showMasterPhAnim="1">
-  <p:cSld>
-    <p:spTree>
-      <p:nvGrpSpPr>
-        <p:cNvPr id="1" name=""/>
-        <p:cNvGrpSpPr/>
-        <p:nvPr/>
-      </p:nvGrpSpPr>
-      <p:grpSpPr>
-        <a:xfrm>
-          <a:off x="0" y="0"/>
-          <a:ext cx="0" cy="0"/>
-          <a:chOff x="0" y="0"/>
-          <a:chExt cx="0" cy="0"/>
-        </a:xfrm>
-      </p:grpSpPr>
-      <p:sp>
-        <p:nvSpPr>
-          <p:cNvPr id="379" name="Shape 379"/>
-          <p:cNvSpPr/>
-          <p:nvPr>
-            <p:ph type="title"/>
-          </p:nvPr>
-        </p:nvSpPr>
-        <p:spPr>
-          <a:xfrm>
-            <a:off x="3318085" y="4128458"/>
-            <a:ext cx="6368631" cy="1982356"/>
-          </a:xfrm>
-          <a:prstGeom prst="rect">
-            <a:avLst/>
-          </a:prstGeom>
-        </p:spPr>
-        <p:txBody>
-          <a:bodyPr/>
-          <a:lstStyle>
-            <a:lvl1pPr defTabSz="502412">
-              <a:defRPr sz="14620"/>
-            </a:lvl1pPr>
-          </a:lstStyle>
-          <a:p>
-            <a:pPr/>
-            <a:r>
-              <a:t>Exercises</a:t>
-            </a:r>
-          </a:p>
-        </p:txBody>
-      </p:sp>
-    </p:spTree>
-  </p:cSld>
-  <p:clrMapOvr>
-    <a:masterClrMapping/>
-  </p:clrMapOvr>
-  <p:transition xmlns:p14="http://schemas.microsoft.com/office/powerpoint/2010/main" spd="med" advClick="1"/>
-</p:sld>
-</file>
-
-<file path=ppt/slides/slide58.xml><?xml version="1.0" encoding="utf-8"?>
-<p:sld xmlns:a="http://schemas.openxmlformats.org/drawingml/2006/main" xmlns:r="http://schemas.openxmlformats.org/officeDocument/2006/relationships" xmlns:p="http://schemas.openxmlformats.org/presentationml/2006/main" showMasterSp="1" showMasterPhAnim="1">
-  <p:cSld>
-    <p:spTree>
-      <p:nvGrpSpPr>
-        <p:cNvPr id="1" name=""/>
-        <p:cNvGrpSpPr/>
-        <p:nvPr/>
-      </p:nvGrpSpPr>
-      <p:grpSpPr>
-        <a:xfrm>
-          <a:off x="0" y="0"/>
-          <a:ext cx="0" cy="0"/>
-          <a:chOff x="0" y="0"/>
-          <a:chExt cx="0" cy="0"/>
-        </a:xfrm>
-      </p:grpSpPr>
-      <p:sp>
-        <p:nvSpPr>
-          <p:cNvPr id="381" name="Shape 381"/>
-          <p:cNvSpPr/>
-          <p:nvPr>
-            <p:ph type="title"/>
-          </p:nvPr>
-        </p:nvSpPr>
-        <p:spPr>
-          <a:xfrm>
-            <a:off x="406400" y="1530350"/>
-            <a:ext cx="6299200" cy="723900"/>
-          </a:xfrm>
-          <a:prstGeom prst="rect">
-            <a:avLst/>
-          </a:prstGeom>
-        </p:spPr>
-        <p:txBody>
-          <a:bodyPr/>
-          <a:lstStyle>
-            <a:lvl1pPr defTabSz="467359">
-              <a:spcBef>
-                <a:spcPts val="2200"/>
-              </a:spcBef>
-              <a:defRPr sz="4800"/>
-            </a:lvl1pPr>
-          </a:lstStyle>
-          <a:p>
-            <a:pPr/>
-            <a:r>
-              <a:t>Utterly Bizarre</a:t>
-            </a:r>
-          </a:p>
-        </p:txBody>
-      </p:sp>
-      <p:sp>
-        <p:nvSpPr>
-          <p:cNvPr id="382" name="Shape 382"/>
-          <p:cNvSpPr/>
-          <p:nvPr>
-            <p:ph type="body" sz="half" idx="1"/>
-          </p:nvPr>
-        </p:nvSpPr>
-        <p:spPr>
-          <a:xfrm>
-            <a:off x="406400" y="2482850"/>
-            <a:ext cx="6299200" cy="6108700"/>
-          </a:xfrm>
-          <a:prstGeom prst="rect">
-            <a:avLst/>
-          </a:prstGeom>
-        </p:spPr>
-        <p:txBody>
-          <a:bodyPr/>
-          <a:lstStyle/>
-          <a:p>
-            <a:pPr>
-              <a:defRPr strike="sngStrike"/>
-            </a:pPr>
-            <a:r>
-              <a:t>Pyplot</a:t>
-            </a:r>
-          </a:p>
-          <a:p>
-            <a:pPr>
-              <a:defRPr strike="sngStrike"/>
-            </a:pPr>
-            <a:r>
-              <a:t>Figure</a:t>
-            </a:r>
-          </a:p>
-          <a:p>
-            <a:pPr>
-              <a:defRPr strike="sngStrike"/>
-            </a:pPr>
-            <a:r>
-              <a:t>Axes</a:t>
-            </a:r>
-          </a:p>
-          <a:p>
-            <a:pPr/>
-            <a:r>
-              <a:t>Line</a:t>
-            </a:r>
-          </a:p>
-          <a:p>
-            <a:pPr/>
-            <a:r>
-              <a:t>Marker</a:t>
-            </a:r>
-          </a:p>
-          <a:p>
-            <a:pPr/>
-            <a:r>
-              <a:t>Facecolor</a:t>
-            </a:r>
-          </a:p>
-        </p:txBody>
-      </p:sp>
-      <p:pic>
-        <p:nvPicPr>
-          <p:cNvPr id="383" name="errorbar_limits.png"/>
-          <p:cNvPicPr>
-            <a:picLocks noChangeAspect="1"/>
-          </p:cNvPicPr>
-          <p:nvPr/>
-        </p:nvPicPr>
-        <p:blipFill>
-          <a:blip r:embed="rId2">
-            <a:extLst/>
-          </a:blip>
-          <a:stretch>
-            <a:fillRect/>
-          </a:stretch>
-        </p:blipFill>
-        <p:spPr>
-          <a:xfrm>
-            <a:off x="3204086" y="2501900"/>
-            <a:ext cx="8890001" cy="5080000"/>
-          </a:xfrm>
-          <a:prstGeom prst="rect">
-            <a:avLst/>
-          </a:prstGeom>
-          <a:ln w="12700">
-            <a:miter lim="400000"/>
-          </a:ln>
-        </p:spPr>
-      </p:pic>
-    </p:spTree>
-  </p:cSld>
-  <p:clrMapOvr>
-    <a:masterClrMapping/>
-  </p:clrMapOvr>
-  <p:transition xmlns:p14="http://schemas.microsoft.com/office/powerpoint/2010/main" spd="med" advClick="1"/>
-</p:sld>
-</file>
-
-<file path=ppt/slides/slide59.xml><?xml version="1.0" encoding="utf-8"?>
-<p:sld xmlns:a="http://schemas.openxmlformats.org/drawingml/2006/main" xmlns:r="http://schemas.openxmlformats.org/officeDocument/2006/relationships" xmlns:p="http://schemas.openxmlformats.org/presentationml/2006/main" showMasterSp="1" showMasterPhAnim="1">
-  <p:cSld>
-    <p:spTree>
-      <p:nvGrpSpPr>
-        <p:cNvPr id="1" name=""/>
-        <p:cNvGrpSpPr/>
-        <p:nvPr/>
-      </p:nvGrpSpPr>
-      <p:grpSpPr>
-        <a:xfrm>
-          <a:off x="0" y="0"/>
-          <a:ext cx="0" cy="0"/>
-          <a:chOff x="0" y="0"/>
-          <a:chExt cx="0" cy="0"/>
-        </a:xfrm>
-      </p:grpSpPr>
-      <p:sp>
-        <p:nvSpPr>
-          <p:cNvPr id="385" name="Shape 385"/>
-          <p:cNvSpPr/>
-          <p:nvPr>
-            <p:ph type="body" idx="13"/>
-          </p:nvPr>
-        </p:nvSpPr>
-        <p:spPr>
-          <a:prstGeom prst="rect">
-            <a:avLst/>
-          </a:prstGeom>
-        </p:spPr>
-        <p:txBody>
-          <a:bodyPr/>
-          <a:lstStyle/>
-          <a:p>
-            <a:pPr/>
-          </a:p>
-        </p:txBody>
-      </p:sp>
-      <p:sp>
-        <p:nvSpPr>
-          <p:cNvPr id="386" name="Shape 386"/>
-          <p:cNvSpPr/>
-          <p:nvPr>
-            <p:ph type="title"/>
-          </p:nvPr>
-        </p:nvSpPr>
-        <p:spPr>
-          <a:prstGeom prst="rect">
-            <a:avLst/>
-          </a:prstGeom>
-        </p:spPr>
-        <p:txBody>
-          <a:bodyPr/>
-          <a:lstStyle>
-            <a:lvl1pPr defTabSz="467359">
-              <a:spcBef>
-                <a:spcPts val="2200"/>
-              </a:spcBef>
-              <a:defRPr sz="4800"/>
-            </a:lvl1pPr>
-          </a:lstStyle>
-          <a:p>
-            <a:pPr/>
-            <a:r>
-              <a:t>Line</a:t>
-            </a:r>
-          </a:p>
-        </p:txBody>
-      </p:sp>
-      <p:sp>
-        <p:nvSpPr>
-          <p:cNvPr id="387" name="Shape 387"/>
-          <p:cNvSpPr/>
-          <p:nvPr>
-            <p:ph type="body" sz="quarter" idx="1"/>
-          </p:nvPr>
-        </p:nvSpPr>
-        <p:spPr>
-          <a:xfrm>
-            <a:off x="406400" y="2743200"/>
-            <a:ext cx="12192000" cy="818013"/>
-          </a:xfrm>
-          <a:prstGeom prst="rect">
-            <a:avLst/>
-          </a:prstGeom>
-        </p:spPr>
-        <p:txBody>
-          <a:bodyPr/>
-          <a:lstStyle/>
-          <a:p>
-            <a:pPr/>
-            <a:r>
-              <a:t>Unlike in math, this can be any curve</a:t>
-            </a:r>
-          </a:p>
-        </p:txBody>
-      </p:sp>
-      <p:pic>
-        <p:nvPicPr>
-          <p:cNvPr id="388" name="Screen Shot 2018-11-09 at 1.31.16 AM.png"/>
-          <p:cNvPicPr>
-            <a:picLocks noChangeAspect="1"/>
-          </p:cNvPicPr>
-          <p:nvPr/>
-        </p:nvPicPr>
-        <p:blipFill>
-          <a:blip r:embed="rId2">
-            <a:extLst/>
-          </a:blip>
-          <a:stretch>
-            <a:fillRect/>
-          </a:stretch>
-        </p:blipFill>
-        <p:spPr>
-          <a:xfrm>
-            <a:off x="-1" y="4043812"/>
-            <a:ext cx="13004801" cy="4358991"/>
-          </a:xfrm>
-          <a:prstGeom prst="rect">
-            <a:avLst/>
-          </a:prstGeom>
-          <a:ln w="12700">
-            <a:miter lim="400000"/>
-          </a:ln>
-        </p:spPr>
-      </p:pic>
-      <p:sp>
-        <p:nvSpPr>
-          <p:cNvPr id="389" name="Shape 389"/>
-          <p:cNvSpPr/>
-          <p:nvPr/>
-        </p:nvSpPr>
-        <p:spPr>
-          <a:xfrm>
-            <a:off x="471320" y="8815551"/>
-            <a:ext cx="3650557" cy="546101"/>
-          </a:xfrm>
-          <a:prstGeom prst="rect">
-            <a:avLst/>
-          </a:prstGeom>
-          <a:ln w="12700">
-            <a:miter lim="400000"/>
-          </a:ln>
-          <a:extLst>
-            <a:ext uri="{C572A759-6A51-4108-AA02-DFA0A04FC94B}">
-              <ma14:wrappingTextBoxFlag xmlns:ma14="http://schemas.microsoft.com/office/mac/drawingml/2011/main" val="1"/>
-            </a:ext>
-          </a:extLst>
-        </p:spPr>
-        <p:txBody>
-          <a:bodyPr wrap="none" lIns="50800" tIns="50800" rIns="50800" bIns="50800" anchor="ctr">
-            <a:spAutoFit/>
-          </a:bodyPr>
-          <a:lstStyle>
-            <a:lvl1pPr>
-              <a:defRPr sz="2900">
-                <a:latin typeface="Courier"/>
-                <a:ea typeface="Courier"/>
-                <a:cs typeface="Courier"/>
-                <a:sym typeface="Courier"/>
-              </a:defRPr>
-            </a:lvl1pPr>
-          </a:lstStyle>
-          <a:p>
-            <a:pPr/>
-            <a:r>
-              <a:t>matplotlib.lines</a:t>
-            </a:r>
-          </a:p>
-        </p:txBody>
-      </p:sp>
-      <p:sp>
-        <p:nvSpPr>
-          <p:cNvPr id="390" name="Shape 390"/>
-          <p:cNvSpPr/>
-          <p:nvPr/>
-        </p:nvSpPr>
-        <p:spPr>
-          <a:xfrm flipH="1" rot="16200000">
-            <a:off x="8914708" y="3970261"/>
-            <a:ext cx="1713090" cy="1270001"/>
-          </a:xfrm>
-          <a:prstGeom prst="rightArrow">
-            <a:avLst>
-              <a:gd name="adj1" fmla="val 32000"/>
-              <a:gd name="adj2" fmla="val 64000"/>
-            </a:avLst>
-          </a:prstGeom>
-          <a:solidFill>
-            <a:schemeClr val="accent5"/>
-          </a:solidFill>
-          <a:ln w="12700">
-            <a:miter lim="400000"/>
-          </a:ln>
-        </p:spPr>
-        <p:txBody>
-          <a:bodyPr lIns="50800" tIns="50800" rIns="50800" bIns="50800" anchor="ctr"/>
-          <a:lstStyle/>
-          <a:p>
-            <a:pPr algn="ctr">
-              <a:lnSpc>
-                <a:spcPct val="80000"/>
-              </a:lnSpc>
-              <a:spcBef>
-                <a:spcPts val="0"/>
-              </a:spcBef>
-              <a:defRPr cap="all" sz="2800">
-                <a:solidFill>
-                  <a:srgbClr val="FFFFFF"/>
-                </a:solidFill>
-                <a:latin typeface="+mn-lt"/>
-                <a:ea typeface="+mn-ea"/>
-                <a:cs typeface="+mn-cs"/>
-                <a:sym typeface="DIN Condensed"/>
-              </a:defRPr>
-            </a:pPr>
+              <a:t>df[‘2017’]</a:t>
+            </a:r>
           </a:p>
         </p:txBody>
       </p:sp>
@@ -12112,226 +8279,51 @@
           <a:chExt cx="0" cy="0"/>
         </a:xfrm>
       </p:grpSpPr>
-      <p:pic>
-        <p:nvPicPr>
-          <p:cNvPr id="216" name="image15.jpeg" descr="robot.jpg"/>
-          <p:cNvPicPr>
-            <a:picLocks noChangeAspect="1"/>
-          </p:cNvPicPr>
-          <p:nvPr/>
-        </p:nvPicPr>
-        <p:blipFill>
-          <a:blip r:embed="rId2">
-            <a:extLst/>
-          </a:blip>
-          <a:stretch>
-            <a:fillRect/>
-          </a:stretch>
-        </p:blipFill>
+      <p:sp>
+        <p:nvSpPr>
+          <p:cNvPr id="219" name="Shape 219"/>
+          <p:cNvSpPr/>
+          <p:nvPr>
+            <p:ph type="title"/>
+          </p:nvPr>
+        </p:nvSpPr>
         <p:spPr>
           <a:xfrm>
-            <a:off x="1733973" y="3560181"/>
-            <a:ext cx="9753601" cy="6181729"/>
+            <a:off x="406400" y="1536700"/>
+            <a:ext cx="12192000" cy="1169260"/>
           </a:xfrm>
           <a:prstGeom prst="rect">
             <a:avLst/>
           </a:prstGeom>
-          <a:ln w="12700">
-            <a:miter lim="400000"/>
-          </a:ln>
-        </p:spPr>
-      </p:pic>
-      <p:sp>
-        <p:nvSpPr>
-          <p:cNvPr id="217" name="Shape 217"/>
-          <p:cNvSpPr/>
-          <p:nvPr>
-            <p:ph type="title"/>
-          </p:nvPr>
-        </p:nvSpPr>
-        <p:spPr>
-          <a:xfrm>
-            <a:off x="4622800" y="2501900"/>
-            <a:ext cx="12192000" cy="1169261"/>
-          </a:xfrm>
-          <a:prstGeom prst="rect">
-            <a:avLst/>
-          </a:prstGeom>
-        </p:spPr>
-        <p:txBody>
-          <a:bodyPr lIns="50800" tIns="50800" rIns="50800" bIns="50800" anchor="t"/>
+        </p:spPr>
+        <p:txBody>
+          <a:bodyPr/>
           <a:lstStyle>
-            <a:lvl1pPr algn="l" defTabSz="403097">
-              <a:lnSpc>
-                <a:spcPct val="80000"/>
-              </a:lnSpc>
+            <a:lvl1pPr defTabSz="403097">
               <a:spcBef>
                 <a:spcPts val="1900"/>
               </a:spcBef>
-              <a:defRPr cap="all" sz="8200">
-                <a:solidFill>
-                  <a:schemeClr val="accent1"/>
-                </a:solidFill>
-                <a:latin typeface="+mn-lt"/>
-                <a:ea typeface="+mn-ea"/>
-                <a:cs typeface="+mn-cs"/>
-                <a:sym typeface="DIN Condensed"/>
-              </a:defRPr>
+              <a:defRPr sz="8280"/>
             </a:lvl1pPr>
           </a:lstStyle>
           <a:p>
             <a:pPr/>
             <a:r>
-              <a:t>No thanks</a:t>
-            </a:r>
-          </a:p>
-        </p:txBody>
-      </p:sp>
-    </p:spTree>
-  </p:cSld>
-  <p:clrMapOvr>
-    <a:masterClrMapping/>
-  </p:clrMapOvr>
-  <p:transition xmlns:p14="http://schemas.microsoft.com/office/powerpoint/2010/main" spd="med" advClick="1"/>
-</p:sld>
-</file>
-
-<file path=ppt/slides/slide60.xml><?xml version="1.0" encoding="utf-8"?>
-<p:sld xmlns:a="http://schemas.openxmlformats.org/drawingml/2006/main" xmlns:r="http://schemas.openxmlformats.org/officeDocument/2006/relationships" xmlns:p="http://schemas.openxmlformats.org/presentationml/2006/main" showMasterSp="1" showMasterPhAnim="1">
-  <p:cSld>
-    <p:spTree>
-      <p:nvGrpSpPr>
-        <p:cNvPr id="1" name=""/>
-        <p:cNvGrpSpPr/>
-        <p:nvPr/>
-      </p:nvGrpSpPr>
-      <p:grpSpPr>
-        <a:xfrm>
-          <a:off x="0" y="0"/>
-          <a:ext cx="0" cy="0"/>
-          <a:chOff x="0" y="0"/>
-          <a:chExt cx="0" cy="0"/>
-        </a:xfrm>
-      </p:grpSpPr>
-      <p:sp>
-        <p:nvSpPr>
-          <p:cNvPr id="392" name="Shape 392"/>
-          <p:cNvSpPr/>
-          <p:nvPr>
-            <p:ph type="body" idx="13"/>
-          </p:nvPr>
-        </p:nvSpPr>
-        <p:spPr>
-          <a:prstGeom prst="rect">
-            <a:avLst/>
-          </a:prstGeom>
-        </p:spPr>
-        <p:txBody>
-          <a:bodyPr/>
-          <a:lstStyle/>
-          <a:p>
-            <a:pPr/>
-          </a:p>
-        </p:txBody>
-      </p:sp>
-      <p:sp>
-        <p:nvSpPr>
-          <p:cNvPr id="393" name="Shape 393"/>
-          <p:cNvSpPr/>
-          <p:nvPr>
-            <p:ph type="title"/>
-          </p:nvPr>
-        </p:nvSpPr>
-        <p:spPr>
-          <a:prstGeom prst="rect">
-            <a:avLst/>
-          </a:prstGeom>
-        </p:spPr>
-        <p:txBody>
-          <a:bodyPr/>
-          <a:lstStyle>
-            <a:lvl1pPr defTabSz="467359">
-              <a:spcBef>
-                <a:spcPts val="2200"/>
-              </a:spcBef>
-              <a:defRPr sz="4800"/>
-            </a:lvl1pPr>
-          </a:lstStyle>
-          <a:p>
-            <a:pPr/>
-            <a:r>
-              <a:t>Marker</a:t>
-            </a:r>
-          </a:p>
-        </p:txBody>
-      </p:sp>
-      <p:sp>
-        <p:nvSpPr>
-          <p:cNvPr id="394" name="Shape 394"/>
-          <p:cNvSpPr/>
-          <p:nvPr>
-            <p:ph type="body" sz="quarter" idx="1"/>
-          </p:nvPr>
+              <a:t>Partial string indexing</a:t>
+            </a:r>
+          </a:p>
+        </p:txBody>
+      </p:sp>
+      <p:sp>
+        <p:nvSpPr>
+          <p:cNvPr id="220" name="Shape 220"/>
+          <p:cNvSpPr/>
+          <p:nvPr/>
         </p:nvSpPr>
         <p:spPr>
           <a:xfrm>
-            <a:off x="406400" y="2743200"/>
-            <a:ext cx="12192000" cy="818013"/>
-          </a:xfrm>
-          <a:prstGeom prst="rect">
-            <a:avLst/>
-          </a:prstGeom>
-        </p:spPr>
-        <p:txBody>
-          <a:bodyPr/>
-          <a:lstStyle/>
-          <a:p>
-            <a:pPr/>
-            <a:r>
-              <a:t>Dot or other symbol centered on a specific point</a:t>
-            </a:r>
-          </a:p>
-        </p:txBody>
-      </p:sp>
-      <p:pic>
-        <p:nvPicPr>
-          <p:cNvPr id="395" name="Screen Shot 2018-11-09 at 1.31.16 AM.png"/>
-          <p:cNvPicPr>
-            <a:picLocks noChangeAspect="1"/>
-          </p:cNvPicPr>
-          <p:nvPr/>
-        </p:nvPicPr>
-        <p:blipFill>
-          <a:blip r:embed="rId2">
-            <a:extLst/>
-          </a:blip>
-          <a:stretch>
-            <a:fillRect/>
-          </a:stretch>
-        </p:blipFill>
-        <p:spPr>
-          <a:xfrm>
-            <a:off x="-1" y="4043812"/>
-            <a:ext cx="13004801" cy="4358991"/>
-          </a:xfrm>
-          <a:prstGeom prst="rect">
-            <a:avLst/>
-          </a:prstGeom>
-          <a:ln w="12700">
-            <a:miter lim="400000"/>
-          </a:ln>
-        </p:spPr>
-      </p:pic>
-      <p:sp>
-        <p:nvSpPr>
-          <p:cNvPr id="396" name="Shape 396"/>
-          <p:cNvSpPr/>
-          <p:nvPr/>
-        </p:nvSpPr>
-        <p:spPr>
-          <a:xfrm>
-            <a:off x="471320" y="8815551"/>
-            <a:ext cx="4092589" cy="546101"/>
+            <a:off x="763759" y="4925950"/>
+            <a:ext cx="6423249" cy="1168401"/>
           </a:xfrm>
           <a:prstGeom prst="rect">
             <a:avLst/>
@@ -12351,931 +8343,22 @@
           </a:bodyPr>
           <a:lstStyle>
             <a:lvl1pPr>
-              <a:defRPr sz="2900">
-                <a:latin typeface="Courier"/>
-                <a:ea typeface="Courier"/>
-                <a:cs typeface="Courier"/>
-                <a:sym typeface="Courier"/>
+              <a:defRPr sz="7000">
+                <a:latin typeface="Anonymous Pro for Powerline"/>
+                <a:ea typeface="Anonymous Pro for Powerline"/>
+                <a:cs typeface="Anonymous Pro for Powerline"/>
+                <a:sym typeface="Anonymous Pro for Powerline"/>
               </a:defRPr>
             </a:lvl1pPr>
           </a:lstStyle>
           <a:p>
             <a:pPr/>
             <a:r>
-              <a:t>matplotlib.markers</a:t>
-            </a:r>
-          </a:p>
-        </p:txBody>
-      </p:sp>
-      <p:sp>
-        <p:nvSpPr>
-          <p:cNvPr id="397" name="Shape 397"/>
-          <p:cNvSpPr/>
-          <p:nvPr/>
-        </p:nvSpPr>
-        <p:spPr>
-          <a:xfrm flipH="1" rot="16200000">
-            <a:off x="6260667" y="5371005"/>
-            <a:ext cx="1713090" cy="1270001"/>
-          </a:xfrm>
-          <a:prstGeom prst="rightArrow">
-            <a:avLst>
-              <a:gd name="adj1" fmla="val 32000"/>
-              <a:gd name="adj2" fmla="val 64000"/>
-            </a:avLst>
-          </a:prstGeom>
-          <a:solidFill>
-            <a:schemeClr val="accent5"/>
-          </a:solidFill>
-          <a:ln w="12700">
-            <a:miter lim="400000"/>
-          </a:ln>
-        </p:spPr>
-        <p:txBody>
-          <a:bodyPr lIns="50800" tIns="50800" rIns="50800" bIns="50800" anchor="ctr"/>
-          <a:lstStyle/>
-          <a:p>
-            <a:pPr algn="ctr">
-              <a:lnSpc>
-                <a:spcPct val="80000"/>
-              </a:lnSpc>
-              <a:spcBef>
-                <a:spcPts val="0"/>
-              </a:spcBef>
-              <a:defRPr cap="all" sz="2800">
-                <a:solidFill>
-                  <a:srgbClr val="FFFFFF"/>
-                </a:solidFill>
-                <a:latin typeface="+mn-lt"/>
-                <a:ea typeface="+mn-ea"/>
-                <a:cs typeface="+mn-cs"/>
-                <a:sym typeface="DIN Condensed"/>
-              </a:defRPr>
-            </a:pPr>
-          </a:p>
-        </p:txBody>
-      </p:sp>
-    </p:spTree>
-  </p:cSld>
-  <p:clrMapOvr>
-    <a:masterClrMapping/>
-  </p:clrMapOvr>
-  <p:transition xmlns:p14="http://schemas.microsoft.com/office/powerpoint/2010/main" spd="med" advClick="1"/>
-</p:sld>
-</file>
-
-<file path=ppt/slides/slide61.xml><?xml version="1.0" encoding="utf-8"?>
-<p:sld xmlns:a="http://schemas.openxmlformats.org/drawingml/2006/main" xmlns:r="http://schemas.openxmlformats.org/officeDocument/2006/relationships" xmlns:p="http://schemas.openxmlformats.org/presentationml/2006/main" showMasterSp="1" showMasterPhAnim="1">
-  <p:cSld>
-    <p:bg>
-      <p:bgPr>
-        <a:solidFill>
-          <a:srgbClr val="000000"/>
-        </a:solidFill>
-      </p:bgPr>
-    </p:bg>
-    <p:spTree>
-      <p:nvGrpSpPr>
-        <p:cNvPr id="1" name=""/>
-        <p:cNvGrpSpPr/>
-        <p:nvPr/>
-      </p:nvGrpSpPr>
-      <p:grpSpPr>
-        <a:xfrm>
-          <a:off x="0" y="0"/>
-          <a:ext cx="0" cy="0"/>
-          <a:chOff x="0" y="0"/>
-          <a:chExt cx="0" cy="0"/>
-        </a:xfrm>
-      </p:grpSpPr>
-      <p:sp>
-        <p:nvSpPr>
-          <p:cNvPr id="399" name="Shape 399"/>
-          <p:cNvSpPr/>
-          <p:nvPr>
-            <p:ph type="body" idx="13"/>
-          </p:nvPr>
-        </p:nvSpPr>
-        <p:spPr>
-          <a:prstGeom prst="rect">
-            <a:avLst/>
-          </a:prstGeom>
-        </p:spPr>
-        <p:txBody>
-          <a:bodyPr/>
-          <a:lstStyle/>
-          <a:p>
-            <a:pPr/>
-          </a:p>
-        </p:txBody>
-      </p:sp>
-      <p:sp>
-        <p:nvSpPr>
-          <p:cNvPr id="400" name="Shape 400"/>
-          <p:cNvSpPr/>
-          <p:nvPr>
-            <p:ph type="title"/>
-          </p:nvPr>
-        </p:nvSpPr>
-        <p:spPr>
-          <a:prstGeom prst="rect">
-            <a:avLst/>
-          </a:prstGeom>
-        </p:spPr>
-        <p:txBody>
-          <a:bodyPr/>
-          <a:lstStyle>
-            <a:lvl1pPr defTabSz="467359">
-              <a:spcBef>
-                <a:spcPts val="2200"/>
-              </a:spcBef>
-              <a:defRPr sz="4800"/>
-            </a:lvl1pPr>
-          </a:lstStyle>
-          <a:p>
-            <a:pPr/>
-            <a:r>
-              <a:t>faceColor</a:t>
-            </a:r>
-          </a:p>
-        </p:txBody>
-      </p:sp>
-      <p:sp>
-        <p:nvSpPr>
-          <p:cNvPr id="401" name="Shape 401"/>
-          <p:cNvSpPr/>
-          <p:nvPr>
-            <p:ph type="body" sz="quarter" idx="1"/>
-          </p:nvPr>
-        </p:nvSpPr>
-        <p:spPr>
-          <a:xfrm>
-            <a:off x="406400" y="2743200"/>
-            <a:ext cx="12192000" cy="818013"/>
-          </a:xfrm>
-          <a:prstGeom prst="rect">
-            <a:avLst/>
-          </a:prstGeom>
-        </p:spPr>
-        <p:txBody>
-          <a:bodyPr/>
-          <a:lstStyle/>
-          <a:p>
-            <a:pPr/>
-            <a:r>
-              <a:t>Background color to the data</a:t>
-            </a:r>
-          </a:p>
-        </p:txBody>
-      </p:sp>
-      <p:pic>
-        <p:nvPicPr>
-          <p:cNvPr id="402" name="Screen Shot 2018-11-09 at 1.31.16 AM.png"/>
-          <p:cNvPicPr>
-            <a:picLocks noChangeAspect="1"/>
-          </p:cNvPicPr>
-          <p:nvPr/>
-        </p:nvPicPr>
-        <p:blipFill>
-          <a:blip r:embed="rId2">
-            <a:extLst/>
-          </a:blip>
-          <a:stretch>
-            <a:fillRect/>
-          </a:stretch>
-        </p:blipFill>
-        <p:spPr>
-          <a:xfrm>
-            <a:off x="-1" y="4043812"/>
-            <a:ext cx="13004801" cy="4358991"/>
-          </a:xfrm>
-          <a:prstGeom prst="rect">
-            <a:avLst/>
-          </a:prstGeom>
-          <a:ln w="12700">
-            <a:miter lim="400000"/>
-          </a:ln>
-        </p:spPr>
-      </p:pic>
-      <p:sp>
-        <p:nvSpPr>
-          <p:cNvPr id="403" name="Shape 403"/>
-          <p:cNvSpPr/>
-          <p:nvPr/>
-        </p:nvSpPr>
-        <p:spPr>
-          <a:xfrm>
-            <a:off x="471320" y="8815551"/>
-            <a:ext cx="4534621" cy="546101"/>
-          </a:xfrm>
-          <a:prstGeom prst="rect">
-            <a:avLst/>
-          </a:prstGeom>
-          <a:ln w="12700">
-            <a:miter lim="400000"/>
-          </a:ln>
-          <a:extLst>
-            <a:ext uri="{C572A759-6A51-4108-AA02-DFA0A04FC94B}">
-              <ma14:wrappingTextBoxFlag xmlns:ma14="http://schemas.microsoft.com/office/mac/drawingml/2011/main" val="1"/>
-            </a:ext>
-          </a:extLst>
-        </p:spPr>
-        <p:txBody>
-          <a:bodyPr wrap="none" lIns="50800" tIns="50800" rIns="50800" bIns="50800" anchor="ctr">
-            <a:spAutoFit/>
-          </a:bodyPr>
-          <a:lstStyle>
-            <a:lvl1pPr>
-              <a:defRPr sz="2900">
-                <a:latin typeface="Courier"/>
-                <a:ea typeface="Courier"/>
-                <a:cs typeface="Courier"/>
-                <a:sym typeface="Courier"/>
-              </a:defRPr>
-            </a:lvl1pPr>
-          </a:lstStyle>
-          <a:p>
-            <a:pPr/>
-            <a:r>
-              <a:t>matplotlib.axes.Axes</a:t>
-            </a:r>
-          </a:p>
-        </p:txBody>
-      </p:sp>
-      <p:sp>
-        <p:nvSpPr>
-          <p:cNvPr id="404" name="Shape 404"/>
-          <p:cNvSpPr/>
-          <p:nvPr/>
-        </p:nvSpPr>
-        <p:spPr>
-          <a:xfrm>
-            <a:off x="8757355" y="4593627"/>
-            <a:ext cx="2954061" cy="3348865"/>
-          </a:xfrm>
-          <a:prstGeom prst="rect">
-            <a:avLst/>
-          </a:prstGeom>
-          <a:solidFill>
-            <a:schemeClr val="accent4">
-              <a:alpha val="35161"/>
-            </a:schemeClr>
-          </a:solidFill>
-          <a:ln w="12700">
-            <a:miter lim="400000"/>
-          </a:ln>
-        </p:spPr>
-        <p:txBody>
-          <a:bodyPr lIns="50800" tIns="50800" rIns="50800" bIns="50800" anchor="ctr"/>
-          <a:lstStyle/>
-          <a:p>
-            <a:pPr algn="ctr">
-              <a:lnSpc>
-                <a:spcPct val="80000"/>
-              </a:lnSpc>
-              <a:spcBef>
-                <a:spcPts val="0"/>
-              </a:spcBef>
-              <a:defRPr cap="all" sz="2800">
-                <a:solidFill>
-                  <a:srgbClr val="232323"/>
-                </a:solidFill>
-                <a:latin typeface="+mn-lt"/>
-                <a:ea typeface="+mn-ea"/>
-                <a:cs typeface="+mn-cs"/>
-                <a:sym typeface="DIN Condensed"/>
-              </a:defRPr>
-            </a:pPr>
-          </a:p>
-        </p:txBody>
-      </p:sp>
-      <p:sp>
-        <p:nvSpPr>
-          <p:cNvPr id="405" name="Shape 405"/>
-          <p:cNvSpPr/>
-          <p:nvPr/>
-        </p:nvSpPr>
-        <p:spPr>
-          <a:xfrm flipH="1" rot="16200000">
-            <a:off x="9991069" y="3601645"/>
-            <a:ext cx="1713090" cy="1270001"/>
-          </a:xfrm>
-          <a:prstGeom prst="rightArrow">
-            <a:avLst>
-              <a:gd name="adj1" fmla="val 32000"/>
-              <a:gd name="adj2" fmla="val 64000"/>
-            </a:avLst>
-          </a:prstGeom>
-          <a:solidFill>
-            <a:schemeClr val="accent5"/>
-          </a:solidFill>
-          <a:ln w="12700">
-            <a:miter lim="400000"/>
-          </a:ln>
-        </p:spPr>
-        <p:txBody>
-          <a:bodyPr lIns="50800" tIns="50800" rIns="50800" bIns="50800" anchor="ctr"/>
-          <a:lstStyle/>
-          <a:p>
-            <a:pPr algn="ctr">
-              <a:lnSpc>
-                <a:spcPct val="80000"/>
-              </a:lnSpc>
-              <a:spcBef>
-                <a:spcPts val="0"/>
-              </a:spcBef>
-              <a:defRPr cap="all" sz="2800">
-                <a:solidFill>
-                  <a:srgbClr val="FFFFFF"/>
-                </a:solidFill>
-                <a:latin typeface="+mn-lt"/>
-                <a:ea typeface="+mn-ea"/>
-                <a:cs typeface="+mn-cs"/>
-                <a:sym typeface="DIN Condensed"/>
-              </a:defRPr>
-            </a:pPr>
-          </a:p>
-        </p:txBody>
-      </p:sp>
-    </p:spTree>
-  </p:cSld>
-  <p:clrMapOvr>
-    <a:masterClrMapping/>
-  </p:clrMapOvr>
-  <p:transition xmlns:p14="http://schemas.microsoft.com/office/powerpoint/2010/main" spd="med" advClick="1"/>
-</p:sld>
-</file>
-
-<file path=ppt/slides/slide62.xml><?xml version="1.0" encoding="utf-8"?>
-<p:sld xmlns:a="http://schemas.openxmlformats.org/drawingml/2006/main" xmlns:r="http://schemas.openxmlformats.org/officeDocument/2006/relationships" xmlns:p="http://schemas.openxmlformats.org/presentationml/2006/main" showMasterSp="1" showMasterPhAnim="1">
-  <p:cSld>
-    <p:spTree>
-      <p:nvGrpSpPr>
-        <p:cNvPr id="1" name=""/>
-        <p:cNvGrpSpPr/>
-        <p:nvPr/>
-      </p:nvGrpSpPr>
-      <p:grpSpPr>
-        <a:xfrm>
-          <a:off x="0" y="0"/>
-          <a:ext cx="0" cy="0"/>
-          <a:chOff x="0" y="0"/>
-          <a:chExt cx="0" cy="0"/>
-        </a:xfrm>
-      </p:grpSpPr>
-      <p:pic>
-        <p:nvPicPr>
-          <p:cNvPr id="407" name="pasted-image.png"/>
-          <p:cNvPicPr>
-            <a:picLocks noChangeAspect="1"/>
-          </p:cNvPicPr>
-          <p:nvPr/>
-        </p:nvPicPr>
-        <p:blipFill>
-          <a:blip r:embed="rId2">
-            <a:extLst/>
-          </a:blip>
-          <a:stretch>
-            <a:fillRect/>
-          </a:stretch>
-        </p:blipFill>
-        <p:spPr>
-          <a:xfrm>
-            <a:off x="621384" y="626828"/>
-            <a:ext cx="11762032" cy="8821525"/>
-          </a:xfrm>
-          <a:prstGeom prst="rect">
-            <a:avLst/>
-          </a:prstGeom>
-          <a:ln w="12700">
-            <a:miter lim="400000"/>
-          </a:ln>
-        </p:spPr>
-      </p:pic>
-    </p:spTree>
-  </p:cSld>
-  <p:clrMapOvr>
-    <a:masterClrMapping/>
-  </p:clrMapOvr>
-  <p:transition xmlns:p14="http://schemas.microsoft.com/office/powerpoint/2010/main" spd="med" advClick="1"/>
-</p:sld>
-</file>
-
-<file path=ppt/slides/slide63.xml><?xml version="1.0" encoding="utf-8"?>
-<p:sld xmlns:a="http://schemas.openxmlformats.org/drawingml/2006/main" xmlns:r="http://schemas.openxmlformats.org/officeDocument/2006/relationships" xmlns:p="http://schemas.openxmlformats.org/presentationml/2006/main" showMasterSp="1" showMasterPhAnim="1">
-  <p:cSld>
-    <p:spTree>
-      <p:nvGrpSpPr>
-        <p:cNvPr id="1" name=""/>
-        <p:cNvGrpSpPr/>
-        <p:nvPr/>
-      </p:nvGrpSpPr>
-      <p:grpSpPr>
-        <a:xfrm>
-          <a:off x="0" y="0"/>
-          <a:ext cx="0" cy="0"/>
-          <a:chOff x="0" y="0"/>
-          <a:chExt cx="0" cy="0"/>
-        </a:xfrm>
-      </p:grpSpPr>
-      <p:sp>
-        <p:nvSpPr>
-          <p:cNvPr id="409" name="Shape 409"/>
-          <p:cNvSpPr/>
-          <p:nvPr>
-            <p:ph type="body" idx="13"/>
-          </p:nvPr>
-        </p:nvSpPr>
-        <p:spPr>
-          <a:prstGeom prst="rect">
-            <a:avLst/>
-          </a:prstGeom>
-        </p:spPr>
-        <p:txBody>
-          <a:bodyPr/>
-          <a:lstStyle/>
-          <a:p>
-            <a:pPr/>
-            <a:r>
-              <a:t>Text</a:t>
-            </a:r>
-          </a:p>
-        </p:txBody>
-      </p:sp>
-      <p:pic>
-        <p:nvPicPr>
-          <p:cNvPr id="410" name="Screen Shot 2019-04-11 at 5.04.11 PM.png"/>
-          <p:cNvPicPr>
-            <a:picLocks noChangeAspect="1"/>
-          </p:cNvPicPr>
-          <p:nvPr/>
-        </p:nvPicPr>
-        <p:blipFill>
-          <a:blip r:embed="rId2">
-            <a:extLst/>
-          </a:blip>
-          <a:stretch>
-            <a:fillRect/>
-          </a:stretch>
-        </p:blipFill>
-        <p:spPr>
-          <a:xfrm>
-            <a:off x="914400" y="1004630"/>
-            <a:ext cx="11176000" cy="6990233"/>
-          </a:xfrm>
-          <a:prstGeom prst="rect">
-            <a:avLst/>
-          </a:prstGeom>
-          <a:ln w="12700">
-            <a:miter lim="400000"/>
-          </a:ln>
-        </p:spPr>
-      </p:pic>
-    </p:spTree>
-  </p:cSld>
-  <p:clrMapOvr>
-    <a:masterClrMapping/>
-  </p:clrMapOvr>
-  <p:transition xmlns:p14="http://schemas.microsoft.com/office/powerpoint/2010/main" spd="med" advClick="1"/>
-</p:sld>
-</file>
-
-<file path=ppt/slides/slide64.xml><?xml version="1.0" encoding="utf-8"?>
-<p:sld xmlns:a="http://schemas.openxmlformats.org/drawingml/2006/main" xmlns:r="http://schemas.openxmlformats.org/officeDocument/2006/relationships" xmlns:p="http://schemas.openxmlformats.org/presentationml/2006/main" showMasterSp="1" showMasterPhAnim="1">
-  <p:cSld>
-    <p:spTree>
-      <p:nvGrpSpPr>
-        <p:cNvPr id="1" name=""/>
-        <p:cNvGrpSpPr/>
-        <p:nvPr/>
-      </p:nvGrpSpPr>
-      <p:grpSpPr>
-        <a:xfrm>
-          <a:off x="0" y="0"/>
-          <a:ext cx="0" cy="0"/>
-          <a:chOff x="0" y="0"/>
-          <a:chExt cx="0" cy="0"/>
-        </a:xfrm>
-      </p:grpSpPr>
-      <p:sp>
-        <p:nvSpPr>
-          <p:cNvPr id="412" name="Shape 412"/>
-          <p:cNvSpPr/>
-          <p:nvPr>
-            <p:ph type="title"/>
-          </p:nvPr>
-        </p:nvSpPr>
-        <p:spPr>
-          <a:xfrm>
-            <a:off x="3318085" y="4128458"/>
-            <a:ext cx="6368631" cy="1982356"/>
-          </a:xfrm>
-          <a:prstGeom prst="rect">
-            <a:avLst/>
-          </a:prstGeom>
-        </p:spPr>
-        <p:txBody>
-          <a:bodyPr/>
-          <a:lstStyle>
-            <a:lvl1pPr defTabSz="502412">
-              <a:defRPr sz="14620"/>
-            </a:lvl1pPr>
-          </a:lstStyle>
-          <a:p>
-            <a:pPr/>
-            <a:r>
-              <a:t>Exercises</a:t>
-            </a:r>
-          </a:p>
-        </p:txBody>
-      </p:sp>
-    </p:spTree>
-  </p:cSld>
-  <p:clrMapOvr>
-    <a:masterClrMapping/>
-  </p:clrMapOvr>
-  <p:transition xmlns:p14="http://schemas.microsoft.com/office/powerpoint/2010/main" spd="med" advClick="1"/>
-</p:sld>
-</file>
-
-<file path=ppt/slides/slide65.xml><?xml version="1.0" encoding="utf-8"?>
-<p:sld xmlns:a="http://schemas.openxmlformats.org/drawingml/2006/main" xmlns:r="http://schemas.openxmlformats.org/officeDocument/2006/relationships" xmlns:p="http://schemas.openxmlformats.org/presentationml/2006/main" showMasterSp="1" showMasterPhAnim="1">
-  <p:cSld>
-    <p:spTree>
-      <p:nvGrpSpPr>
-        <p:cNvPr id="1" name=""/>
-        <p:cNvGrpSpPr/>
-        <p:nvPr/>
-      </p:nvGrpSpPr>
-      <p:grpSpPr>
-        <a:xfrm>
-          <a:off x="0" y="0"/>
-          <a:ext cx="0" cy="0"/>
-          <a:chOff x="0" y="0"/>
-          <a:chExt cx="0" cy="0"/>
-        </a:xfrm>
-      </p:grpSpPr>
-      <p:pic>
-        <p:nvPicPr>
-          <p:cNvPr id="414" name="pasted-image.png"/>
-          <p:cNvPicPr>
-            <a:picLocks noChangeAspect="1"/>
-          </p:cNvPicPr>
-          <p:nvPr/>
-        </p:nvPicPr>
-        <p:blipFill>
-          <a:blip r:embed="rId2">
-            <a:extLst/>
-          </a:blip>
-          <a:stretch>
-            <a:fillRect/>
-          </a:stretch>
-        </p:blipFill>
-        <p:spPr>
-          <a:xfrm>
-            <a:off x="1346200" y="990600"/>
-            <a:ext cx="10312400" cy="7772400"/>
-          </a:xfrm>
-          <a:prstGeom prst="rect">
-            <a:avLst/>
-          </a:prstGeom>
-          <a:ln w="12700">
-            <a:miter lim="400000"/>
-          </a:ln>
-        </p:spPr>
-      </p:pic>
-    </p:spTree>
-  </p:cSld>
-  <p:clrMapOvr>
-    <a:masterClrMapping/>
-  </p:clrMapOvr>
-  <p:transition xmlns:p14="http://schemas.microsoft.com/office/powerpoint/2010/main" spd="med" advClick="1"/>
-</p:sld>
-</file>
-
-<file path=ppt/slides/slide66.xml><?xml version="1.0" encoding="utf-8"?>
-<p:sld xmlns:a="http://schemas.openxmlformats.org/drawingml/2006/main" xmlns:r="http://schemas.openxmlformats.org/officeDocument/2006/relationships" xmlns:p="http://schemas.openxmlformats.org/presentationml/2006/main" showMasterSp="1" showMasterPhAnim="1">
-  <p:cSld>
-    <p:spTree>
-      <p:nvGrpSpPr>
-        <p:cNvPr id="1" name=""/>
-        <p:cNvGrpSpPr/>
-        <p:nvPr/>
-      </p:nvGrpSpPr>
-      <p:grpSpPr>
-        <a:xfrm>
-          <a:off x="0" y="0"/>
-          <a:ext cx="0" cy="0"/>
-          <a:chOff x="0" y="0"/>
-          <a:chExt cx="0" cy="0"/>
-        </a:xfrm>
-      </p:grpSpPr>
-      <p:sp>
-        <p:nvSpPr>
-          <p:cNvPr id="416" name="Shape 416"/>
-          <p:cNvSpPr/>
-          <p:nvPr>
-            <p:ph type="body" idx="13"/>
-          </p:nvPr>
-        </p:nvSpPr>
-        <p:spPr>
-          <a:prstGeom prst="rect">
-            <a:avLst/>
-          </a:prstGeom>
-        </p:spPr>
-        <p:txBody>
-          <a:bodyPr/>
-          <a:lstStyle/>
-          <a:p>
-            <a:pPr/>
-            <a:r>
-              <a:t>Text</a:t>
-            </a:r>
-          </a:p>
-        </p:txBody>
-      </p:sp>
-      <p:pic>
-        <p:nvPicPr>
-          <p:cNvPr id="417" name="pasted-image.png"/>
-          <p:cNvPicPr>
-            <a:picLocks noChangeAspect="1"/>
-          </p:cNvPicPr>
-          <p:nvPr/>
-        </p:nvPicPr>
-        <p:blipFill>
-          <a:blip r:embed="rId2">
-            <a:extLst/>
-          </a:blip>
-          <a:stretch>
-            <a:fillRect/>
-          </a:stretch>
-        </p:blipFill>
-        <p:spPr>
-          <a:xfrm>
-            <a:off x="417563" y="1013165"/>
-            <a:ext cx="12169673" cy="7410860"/>
-          </a:xfrm>
-          <a:prstGeom prst="rect">
-            <a:avLst/>
-          </a:prstGeom>
-          <a:ln w="12700">
-            <a:miter lim="400000"/>
-          </a:ln>
-        </p:spPr>
-      </p:pic>
-    </p:spTree>
-  </p:cSld>
-  <p:clrMapOvr>
-    <a:masterClrMapping/>
-  </p:clrMapOvr>
-  <p:transition xmlns:p14="http://schemas.microsoft.com/office/powerpoint/2010/main" spd="med" advClick="1"/>
-</p:sld>
-</file>
-
-<file path=ppt/slides/slide67.xml><?xml version="1.0" encoding="utf-8"?>
-<p:sld xmlns:a="http://schemas.openxmlformats.org/drawingml/2006/main" xmlns:r="http://schemas.openxmlformats.org/officeDocument/2006/relationships" xmlns:p="http://schemas.openxmlformats.org/presentationml/2006/main" showMasterSp="1" showMasterPhAnim="1">
-  <p:cSld>
-    <p:spTree>
-      <p:nvGrpSpPr>
-        <p:cNvPr id="1" name=""/>
-        <p:cNvGrpSpPr/>
-        <p:nvPr/>
-      </p:nvGrpSpPr>
-      <p:grpSpPr>
-        <a:xfrm>
-          <a:off x="0" y="0"/>
-          <a:ext cx="0" cy="0"/>
-          <a:chOff x="0" y="0"/>
-          <a:chExt cx="0" cy="0"/>
-        </a:xfrm>
-      </p:grpSpPr>
-      <p:sp>
-        <p:nvSpPr>
-          <p:cNvPr id="419" name="Shape 419"/>
-          <p:cNvSpPr/>
-          <p:nvPr>
-            <p:ph type="body" idx="13"/>
-          </p:nvPr>
-        </p:nvSpPr>
-        <p:spPr>
-          <a:prstGeom prst="rect">
-            <a:avLst/>
-          </a:prstGeom>
-        </p:spPr>
-        <p:txBody>
-          <a:bodyPr/>
-          <a:lstStyle/>
-          <a:p>
-            <a:pPr/>
-            <a:r>
-              <a:t>Text</a:t>
-            </a:r>
-          </a:p>
-        </p:txBody>
-      </p:sp>
-      <p:pic>
-        <p:nvPicPr>
-          <p:cNvPr id="420" name="pasted-image.png"/>
-          <p:cNvPicPr>
-            <a:picLocks noChangeAspect="1"/>
-          </p:cNvPicPr>
-          <p:nvPr/>
-        </p:nvPicPr>
-        <p:blipFill>
-          <a:blip r:embed="rId2">
-            <a:extLst/>
-          </a:blip>
-          <a:stretch>
-            <a:fillRect/>
-          </a:stretch>
-        </p:blipFill>
-        <p:spPr>
-          <a:xfrm>
-            <a:off x="417563" y="1013165"/>
-            <a:ext cx="12169673" cy="7410860"/>
-          </a:xfrm>
-          <a:prstGeom prst="rect">
-            <a:avLst/>
-          </a:prstGeom>
-          <a:ln w="12700">
-            <a:miter lim="400000"/>
-          </a:ln>
-        </p:spPr>
-      </p:pic>
-      <p:sp>
-        <p:nvSpPr>
-          <p:cNvPr id="421" name="Shape 421"/>
-          <p:cNvSpPr/>
-          <p:nvPr/>
-        </p:nvSpPr>
-        <p:spPr>
-          <a:xfrm>
-            <a:off x="1302905" y="7160583"/>
-            <a:ext cx="3548115" cy="1270001"/>
-          </a:xfrm>
-          <a:prstGeom prst="rightArrow">
-            <a:avLst>
-              <a:gd name="adj1" fmla="val 32000"/>
-              <a:gd name="adj2" fmla="val 64000"/>
-            </a:avLst>
-          </a:prstGeom>
-          <a:solidFill>
-            <a:schemeClr val="accent5"/>
-          </a:solidFill>
-          <a:ln w="12700">
-            <a:miter lim="400000"/>
-          </a:ln>
-        </p:spPr>
-        <p:txBody>
-          <a:bodyPr lIns="50800" tIns="50800" rIns="50800" bIns="50800" anchor="ctr"/>
-          <a:lstStyle/>
-          <a:p>
-            <a:pPr algn="ctr">
-              <a:lnSpc>
-                <a:spcPct val="80000"/>
-              </a:lnSpc>
-              <a:spcBef>
-                <a:spcPts val="0"/>
-              </a:spcBef>
-              <a:defRPr cap="all" sz="2800">
-                <a:solidFill>
-                  <a:srgbClr val="FFFFFF"/>
-                </a:solidFill>
-                <a:latin typeface="+mn-lt"/>
-                <a:ea typeface="+mn-ea"/>
-                <a:cs typeface="+mn-cs"/>
-                <a:sym typeface="DIN Condensed"/>
-              </a:defRPr>
-            </a:pPr>
-          </a:p>
-        </p:txBody>
-      </p:sp>
-    </p:spTree>
-  </p:cSld>
-  <p:clrMapOvr>
-    <a:masterClrMapping/>
-  </p:clrMapOvr>
-  <p:transition xmlns:p14="http://schemas.microsoft.com/office/powerpoint/2010/main" spd="med" advClick="1"/>
-</p:sld>
-</file>
-
-<file path=ppt/slides/slide68.xml><?xml version="1.0" encoding="utf-8"?>
-<p:sld xmlns:a="http://schemas.openxmlformats.org/drawingml/2006/main" xmlns:r="http://schemas.openxmlformats.org/officeDocument/2006/relationships" xmlns:p="http://schemas.openxmlformats.org/presentationml/2006/main" showMasterSp="1" showMasterPhAnim="1">
-  <p:cSld>
-    <p:spTree>
-      <p:nvGrpSpPr>
-        <p:cNvPr id="1" name=""/>
-        <p:cNvGrpSpPr/>
-        <p:nvPr/>
-      </p:nvGrpSpPr>
-      <p:grpSpPr>
-        <a:xfrm>
-          <a:off x="0" y="0"/>
-          <a:ext cx="0" cy="0"/>
-          <a:chOff x="0" y="0"/>
-          <a:chExt cx="0" cy="0"/>
-        </a:xfrm>
-      </p:grpSpPr>
-      <p:sp>
-        <p:nvSpPr>
-          <p:cNvPr id="423" name="Shape 423"/>
-          <p:cNvSpPr/>
-          <p:nvPr>
-            <p:ph type="body" idx="13"/>
-          </p:nvPr>
-        </p:nvSpPr>
-        <p:spPr>
-          <a:prstGeom prst="rect">
-            <a:avLst/>
-          </a:prstGeom>
-        </p:spPr>
-        <p:txBody>
-          <a:bodyPr/>
-          <a:lstStyle/>
-          <a:p>
-            <a:pPr/>
-            <a:r>
-              <a:t>Text</a:t>
-            </a:r>
-          </a:p>
-        </p:txBody>
-      </p:sp>
-      <p:sp>
-        <p:nvSpPr>
-          <p:cNvPr id="424" name="Shape 424"/>
-          <p:cNvSpPr/>
-          <p:nvPr>
-            <p:ph type="title"/>
-          </p:nvPr>
-        </p:nvSpPr>
-        <p:spPr>
-          <a:prstGeom prst="rect">
-            <a:avLst/>
-          </a:prstGeom>
-        </p:spPr>
-        <p:txBody>
-          <a:bodyPr/>
-          <a:lstStyle/>
-          <a:p>
-            <a:pPr defTabSz="467359">
-              <a:spcBef>
-                <a:spcPts val="2200"/>
-              </a:spcBef>
-              <a:defRPr sz="4800"/>
-            </a:pPr>
-          </a:p>
-        </p:txBody>
-      </p:sp>
-      <p:sp>
-        <p:nvSpPr>
-          <p:cNvPr id="425" name="Shape 425"/>
-          <p:cNvSpPr/>
-          <p:nvPr>
-            <p:ph type="body" idx="1"/>
-          </p:nvPr>
-        </p:nvSpPr>
-        <p:spPr>
-          <a:prstGeom prst="rect">
-            <a:avLst/>
-          </a:prstGeom>
-        </p:spPr>
-        <p:txBody>
-          <a:bodyPr/>
-          <a:lstStyle/>
-          <a:p>
-            <a:pPr/>
-          </a:p>
-        </p:txBody>
-      </p:sp>
-      <p:pic>
-        <p:nvPicPr>
-          <p:cNvPr id="426" name="Screen Shot 2019-04-11 at 4.57.49 PM.png"/>
-          <p:cNvPicPr>
-            <a:picLocks noChangeAspect="1"/>
-          </p:cNvPicPr>
-          <p:nvPr/>
-        </p:nvPicPr>
-        <p:blipFill>
-          <a:blip r:embed="rId2">
-            <a:extLst/>
-          </a:blip>
-          <a:stretch>
-            <a:fillRect/>
-          </a:stretch>
-        </p:blipFill>
-        <p:spPr>
-          <a:xfrm>
-            <a:off x="0" y="-171450"/>
-            <a:ext cx="13004800" cy="10096500"/>
-          </a:xfrm>
-          <a:prstGeom prst="rect">
-            <a:avLst/>
-          </a:prstGeom>
-          <a:ln w="12700">
-            <a:miter lim="400000"/>
-          </a:ln>
-        </p:spPr>
-      </p:pic>
+              <a:t>df[‘2017-02’]</a:t>
+            </a:r>
+          </a:p>
+        </p:txBody>
+      </p:sp>
     </p:spTree>
   </p:cSld>
   <p:clrMapOvr>
@@ -13304,7 +8387,7 @@
       </p:grpSpPr>
       <p:sp>
         <p:nvSpPr>
-          <p:cNvPr id="219" name="Shape 219"/>
+          <p:cNvPr id="222" name="Shape 222"/>
           <p:cNvSpPr/>
           <p:nvPr>
             <p:ph type="title"/>
@@ -13313,7 +8396,7 @@
         <p:spPr>
           <a:xfrm>
             <a:off x="406400" y="1536700"/>
-            <a:ext cx="12192000" cy="1169261"/>
+            <a:ext cx="12192000" cy="1169260"/>
           </a:xfrm>
           <a:prstGeom prst="rect">
             <a:avLst/>
@@ -13326,81 +8409,58 @@
               <a:spcBef>
                 <a:spcPts val="1900"/>
               </a:spcBef>
-              <a:defRPr sz="8200"/>
+              <a:defRPr sz="8280"/>
             </a:lvl1pPr>
           </a:lstStyle>
           <a:p>
             <a:pPr/>
             <a:r>
-              <a:t>Json (Javascript object notation)</a:t>
-            </a:r>
-          </a:p>
-        </p:txBody>
-      </p:sp>
-      <p:sp>
-        <p:nvSpPr>
-          <p:cNvPr id="220" name="Shape 220"/>
-          <p:cNvSpPr/>
-          <p:nvPr>
-            <p:ph type="body" sz="half" idx="1"/>
-          </p:nvPr>
+              <a:t>Partial string indexing</a:t>
+            </a:r>
+          </a:p>
+        </p:txBody>
+      </p:sp>
+      <p:sp>
+        <p:nvSpPr>
+          <p:cNvPr id="223" name="Shape 223"/>
+          <p:cNvSpPr/>
+          <p:nvPr/>
         </p:nvSpPr>
         <p:spPr>
           <a:xfrm>
-            <a:off x="406400" y="3953767"/>
-            <a:ext cx="12192000" cy="2531602"/>
+            <a:off x="763759" y="4925950"/>
+            <a:ext cx="7879160" cy="1168401"/>
           </a:xfrm>
           <a:prstGeom prst="rect">
             <a:avLst/>
           </a:prstGeom>
-        </p:spPr>
-        <p:txBody>
-          <a:bodyPr anchor="t"/>
-          <a:lstStyle/>
-          <a:p>
-            <a:pPr marL="663612" indent="-663612" defTabSz="549148">
-              <a:lnSpc>
-                <a:spcPct val="100000"/>
-              </a:lnSpc>
-              <a:spcBef>
-                <a:spcPts val="2600"/>
-              </a:spcBef>
-              <a:buSzPct val="40000"/>
-              <a:buBlip>
-                <a:blip r:embed="rId2"/>
-              </a:buBlip>
-              <a:defRPr cap="none" spc="0" sz="6000">
-                <a:latin typeface="Avenir Next Medium"/>
-                <a:ea typeface="Avenir Next Medium"/>
-                <a:cs typeface="Avenir Next Medium"/>
-                <a:sym typeface="Avenir Next Medium"/>
+          <a:ln w="12700">
+            <a:miter lim="400000"/>
+          </a:ln>
+          <a:extLst>
+            <a:ext uri="{C572A759-6A51-4108-AA02-DFA0A04FC94B}">
+              <ma14:wrappingTextBoxFlag xmlns:ma14="http://schemas.microsoft.com/office/mac/drawingml/2011/main" val="1"/>
+            </a:ext>
+          </a:extLst>
+        </p:spPr>
+        <p:txBody>
+          <a:bodyPr wrap="none" lIns="50800" tIns="50800" rIns="50800" bIns="50800" anchor="ctr">
+            <a:spAutoFit/>
+          </a:bodyPr>
+          <a:lstStyle>
+            <a:lvl1pPr>
+              <a:defRPr sz="7000">
+                <a:latin typeface="Anonymous Pro for Powerline"/>
+                <a:ea typeface="Anonymous Pro for Powerline"/>
+                <a:cs typeface="Anonymous Pro for Powerline"/>
+                <a:sym typeface="Anonymous Pro for Powerline"/>
               </a:defRPr>
-            </a:pPr>
-            <a:r>
-              <a:t>Simple format for sending data</a:t>
-            </a:r>
-          </a:p>
-          <a:p>
-            <a:pPr marL="663612" indent="-663612" defTabSz="549148">
-              <a:lnSpc>
-                <a:spcPct val="200000"/>
-              </a:lnSpc>
-              <a:spcBef>
-                <a:spcPts val="2600"/>
-              </a:spcBef>
-              <a:buSzPct val="40000"/>
-              <a:buBlip>
-                <a:blip r:embed="rId2"/>
-              </a:buBlip>
-              <a:defRPr cap="none" spc="0" sz="6000">
-                <a:latin typeface="Avenir Next Medium"/>
-                <a:ea typeface="Avenir Next Medium"/>
-                <a:cs typeface="Avenir Next Medium"/>
-                <a:sym typeface="Avenir Next Medium"/>
-              </a:defRPr>
-            </a:pPr>
-            <a:r>
-              <a:t>Turns into a Python dictionary!</a:t>
+            </a:lvl1pPr>
+          </a:lstStyle>
+          <a:p>
+            <a:pPr/>
+            <a:r>
+              <a:t>df[‘2017-02-01’]</a:t>
             </a:r>
           </a:p>
         </p:txBody>
@@ -13433,7 +8493,7 @@
       </p:grpSpPr>
       <p:sp>
         <p:nvSpPr>
-          <p:cNvPr id="222" name="Shape 222"/>
+          <p:cNvPr id="225" name="Shape 225"/>
           <p:cNvSpPr/>
           <p:nvPr>
             <p:ph type="title"/>
@@ -13442,7 +8502,7 @@
         <p:spPr>
           <a:xfrm>
             <a:off x="406400" y="1536700"/>
-            <a:ext cx="12192000" cy="1169261"/>
+            <a:ext cx="12192000" cy="1169260"/>
           </a:xfrm>
           <a:prstGeom prst="rect">
             <a:avLst/>
@@ -13455,121 +8515,69 @@
               <a:spcBef>
                 <a:spcPts val="1900"/>
               </a:spcBef>
-              <a:defRPr sz="8200"/>
+              <a:defRPr sz="8280"/>
             </a:lvl1pPr>
           </a:lstStyle>
           <a:p>
             <a:pPr/>
             <a:r>
-              <a:t>Json</a:t>
-            </a:r>
-          </a:p>
-        </p:txBody>
-      </p:sp>
-      <p:sp>
-        <p:nvSpPr>
-          <p:cNvPr id="223" name="Shape 223"/>
-          <p:cNvSpPr/>
-          <p:nvPr/>
+              <a:t>Resample</a:t>
+            </a:r>
+          </a:p>
+        </p:txBody>
+      </p:sp>
+      <p:sp>
+        <p:nvSpPr>
+          <p:cNvPr id="226" name="Shape 226"/>
+          <p:cNvSpPr/>
+          <p:nvPr>
+            <p:ph type="body" sz="half" idx="1"/>
+          </p:nvPr>
         </p:nvSpPr>
         <p:spPr>
           <a:xfrm>
-            <a:off x="478216" y="2514600"/>
-            <a:ext cx="11562527" cy="6578600"/>
+            <a:off x="406400" y="3953767"/>
+            <a:ext cx="12192000" cy="2531601"/>
           </a:xfrm>
           <a:prstGeom prst="rect">
             <a:avLst/>
           </a:prstGeom>
-          <a:ln w="12700">
-            <a:miter lim="400000"/>
-          </a:ln>
-          <a:extLst>
-            <a:ext uri="{C572A759-6A51-4108-AA02-DFA0A04FC94B}">
-              <ma14:wrappingTextBoxFlag xmlns:ma14="http://schemas.microsoft.com/office/mac/drawingml/2011/main" val="1"/>
-            </a:ext>
-          </a:extLst>
-        </p:spPr>
-        <p:txBody>
-          <a:bodyPr lIns="50800" tIns="50800" rIns="50800" bIns="50800" anchor="ctr">
-            <a:spAutoFit/>
-          </a:bodyPr>
+        </p:spPr>
+        <p:txBody>
+          <a:bodyPr/>
           <a:lstStyle/>
           <a:p>
-            <a:pPr>
-              <a:defRPr sz="5400">
-                <a:latin typeface="Anonymous Pro for Powerline"/>
-                <a:ea typeface="Anonymous Pro for Powerline"/>
-                <a:cs typeface="Anonymous Pro for Powerline"/>
-                <a:sym typeface="Anonymous Pro for Powerline"/>
-              </a:defRPr>
+            <a:pPr marL="628313" indent="-628313" defTabSz="519937">
+              <a:spcBef>
+                <a:spcPts val="2400"/>
+              </a:spcBef>
+              <a:buClrTx/>
+              <a:buSzPct val="40000"/>
+              <a:buFontTx/>
+              <a:buBlip>
+                <a:blip r:embed="rId2"/>
+              </a:buBlip>
+              <a:defRPr sz="5696"/>
             </a:pPr>
             <a:r>
-              <a:t>{</a:t>
-            </a:r>
-          </a:p>
-          <a:p>
-            <a:pPr>
-              <a:defRPr sz="5400">
-                <a:latin typeface="Anonymous Pro for Powerline"/>
-                <a:ea typeface="Anonymous Pro for Powerline"/>
-                <a:cs typeface="Anonymous Pro for Powerline"/>
-                <a:sym typeface="Anonymous Pro for Powerline"/>
-              </a:defRPr>
+              <a:t>Aggregates to a larger unit of time</a:t>
+            </a:r>
+          </a:p>
+          <a:p>
+            <a:pPr marL="628313" indent="-628313" defTabSz="519937">
+              <a:spcBef>
+                <a:spcPts val="2400"/>
+              </a:spcBef>
+              <a:buClrTx/>
+              <a:buSzPct val="40000"/>
+              <a:buFontTx/>
+              <a:buBlip>
+                <a:blip r:embed="rId2"/>
+              </a:buBlip>
+              <a:defRPr sz="5696"/>
             </a:pPr>
             <a:r>
-              <a:t>  "name": “John Smith",</a:t>
-            </a:r>
-          </a:p>
-          <a:p>
-            <a:pPr>
-              <a:defRPr sz="5400">
-                <a:latin typeface="Anonymous Pro for Powerline"/>
-                <a:ea typeface="Anonymous Pro for Powerline"/>
-                <a:cs typeface="Anonymous Pro for Powerline"/>
-                <a:sym typeface="Anonymous Pro for Powerline"/>
-              </a:defRPr>
-            </a:pPr>
-            <a:r>
-              <a:t>  "address": {</a:t>
-            </a:r>
-          </a:p>
-          <a:p>
-            <a:pPr>
-              <a:defRPr sz="5400">
-                <a:latin typeface="Anonymous Pro for Powerline"/>
-                <a:ea typeface="Anonymous Pro for Powerline"/>
-                <a:cs typeface="Anonymous Pro for Powerline"/>
-                <a:sym typeface="Anonymous Pro for Powerline"/>
-              </a:defRPr>
-            </a:pPr>
-            <a:r>
-              <a:t>    "street": "21 2nd Street",</a:t>
-            </a:r>
-          </a:p>
-          <a:p>
-            <a:pPr>
-              <a:defRPr sz="5400">
-                <a:latin typeface="Anonymous Pro for Powerline"/>
-                <a:ea typeface="Anonymous Pro for Powerline"/>
-                <a:cs typeface="Anonymous Pro for Powerline"/>
-                <a:sym typeface="Anonymous Pro for Powerline"/>
-              </a:defRPr>
-            </a:pPr>
-            <a:r>
-              <a:t>    "city": "New York” }</a:t>
-            </a:r>
-          </a:p>
-          <a:p>
-            <a:pPr>
-              <a:defRPr sz="5400">
-                <a:latin typeface="Anonymous Pro for Powerline"/>
-                <a:ea typeface="Anonymous Pro for Powerline"/>
-                <a:cs typeface="Anonymous Pro for Powerline"/>
-                <a:sym typeface="Anonymous Pro for Powerline"/>
-              </a:defRPr>
-            </a:pPr>
-            <a:r>
-              <a:t>}</a:t>
+              <a:t>Single-digit code for each unit</a:t>
             </a:r>
           </a:p>
         </p:txBody>
@@ -13602,7 +8610,7 @@
       </p:grpSpPr>
       <p:sp>
         <p:nvSpPr>
-          <p:cNvPr id="225" name="Shape 225"/>
+          <p:cNvPr id="228" name="Shape 228"/>
           <p:cNvSpPr/>
           <p:nvPr>
             <p:ph type="title"/>
@@ -13610,8 +8618,8 @@
         </p:nvSpPr>
         <p:spPr>
           <a:xfrm>
-            <a:off x="406400" y="1536700"/>
-            <a:ext cx="12192000" cy="1169261"/>
+            <a:off x="406400" y="1307670"/>
+            <a:ext cx="12192001" cy="1169260"/>
           </a:xfrm>
           <a:prstGeom prst="rect">
             <a:avLst/>
@@ -13624,81 +8632,120 @@
               <a:spcBef>
                 <a:spcPts val="1900"/>
               </a:spcBef>
-              <a:defRPr sz="8200"/>
+              <a:defRPr sz="8280"/>
             </a:lvl1pPr>
           </a:lstStyle>
           <a:p>
             <a:pPr/>
             <a:r>
-              <a:t>API</a:t>
-            </a:r>
-          </a:p>
-        </p:txBody>
-      </p:sp>
-      <p:sp>
-        <p:nvSpPr>
-          <p:cNvPr id="226" name="Shape 226"/>
-          <p:cNvSpPr/>
-          <p:nvPr>
-            <p:ph type="body" sz="half" idx="1"/>
+              <a:t>Resample</a:t>
+            </a:r>
+          </a:p>
+        </p:txBody>
+      </p:sp>
+      <p:sp>
+        <p:nvSpPr>
+          <p:cNvPr id="229" name="Shape 229"/>
+          <p:cNvSpPr/>
+          <p:nvPr>
+            <p:ph type="body" idx="1"/>
           </p:nvPr>
         </p:nvSpPr>
         <p:spPr>
           <a:xfrm>
-            <a:off x="406400" y="3953767"/>
-            <a:ext cx="12192000" cy="2531602"/>
+            <a:off x="406399" y="2567346"/>
+            <a:ext cx="12192001" cy="6914620"/>
           </a:xfrm>
           <a:prstGeom prst="rect">
             <a:avLst/>
           </a:prstGeom>
         </p:spPr>
         <p:txBody>
-          <a:bodyPr anchor="t"/>
+          <a:bodyPr/>
           <a:lstStyle/>
           <a:p>
-            <a:pPr marL="663612" indent="-663612" defTabSz="549148">
-              <a:lnSpc>
-                <a:spcPct val="100000"/>
-              </a:lnSpc>
+            <a:pPr marL="684791" indent="-684791" defTabSz="566674">
               <a:spcBef>
-                <a:spcPts val="2600"/>
+                <a:spcPts val="2700"/>
               </a:spcBef>
+              <a:buClrTx/>
               <a:buSzPct val="40000"/>
+              <a:buFontTx/>
               <a:buBlip>
                 <a:blip r:embed="rId2"/>
               </a:buBlip>
-              <a:defRPr cap="none" spc="0" sz="6000">
-                <a:latin typeface="Avenir Next Medium"/>
-                <a:ea typeface="Avenir Next Medium"/>
-                <a:cs typeface="Avenir Next Medium"/>
-                <a:sym typeface="Avenir Next Medium"/>
-              </a:defRPr>
+              <a:defRPr sz="6208"/>
             </a:pPr>
             <a:r>
-              <a:t>Going to use IEXTrading.com</a:t>
-            </a:r>
-          </a:p>
-          <a:p>
-            <a:pPr marL="663612" indent="-663612" defTabSz="549148">
-              <a:lnSpc>
-                <a:spcPct val="200000"/>
-              </a:lnSpc>
+              <a:t>D —&gt; daily</a:t>
+            </a:r>
+          </a:p>
+          <a:p>
+            <a:pPr marL="684791" indent="-684791" defTabSz="566674">
               <a:spcBef>
-                <a:spcPts val="2600"/>
+                <a:spcPts val="2700"/>
               </a:spcBef>
+              <a:buClrTx/>
               <a:buSzPct val="40000"/>
+              <a:buFontTx/>
               <a:buBlip>
                 <a:blip r:embed="rId2"/>
               </a:buBlip>
-              <a:defRPr cap="none" spc="0" sz="6000">
-                <a:latin typeface="Avenir Next Medium"/>
-                <a:ea typeface="Avenir Next Medium"/>
-                <a:cs typeface="Avenir Next Medium"/>
-                <a:sym typeface="Avenir Next Medium"/>
-              </a:defRPr>
+              <a:defRPr sz="6208"/>
             </a:pPr>
             <a:r>
-              <a:t>No account/password needed!</a:t>
+              <a:t>W —&gt; weekly</a:t>
+            </a:r>
+          </a:p>
+          <a:p>
+            <a:pPr marL="684791" indent="-684791" defTabSz="566674">
+              <a:spcBef>
+                <a:spcPts val="2700"/>
+              </a:spcBef>
+              <a:buClrTx/>
+              <a:buSzPct val="40000"/>
+              <a:buFontTx/>
+              <a:buBlip>
+                <a:blip r:embed="rId2"/>
+              </a:buBlip>
+              <a:defRPr sz="6208"/>
+            </a:pPr>
+            <a:r>
+              <a:t>M -&gt; monthly</a:t>
+            </a:r>
+          </a:p>
+          <a:p>
+            <a:pPr marL="684791" indent="-684791" defTabSz="566674">
+              <a:spcBef>
+                <a:spcPts val="2700"/>
+              </a:spcBef>
+              <a:buClrTx/>
+              <a:buSzPct val="40000"/>
+              <a:buFontTx/>
+              <a:buBlip>
+                <a:blip r:embed="rId2"/>
+              </a:buBlip>
+              <a:defRPr sz="6208"/>
+            </a:pPr>
+            <a:r>
+              <a:t>Q -&gt; quarterly</a:t>
+            </a:r>
+          </a:p>
+          <a:p>
+            <a:pPr marL="684791" indent="-684791" defTabSz="566674">
+              <a:spcBef>
+                <a:spcPts val="2700"/>
+              </a:spcBef>
+              <a:buClrTx/>
+              <a:buSzPct val="40000"/>
+              <a:buFontTx/>
+              <a:buBlip>
+                <a:blip r:embed="rId2"/>
+              </a:buBlip>
+              <a:defRPr sz="6208"/>
+            </a:pPr>
+            <a:r>
+              <a:t>A -&gt; annually</a:t>
             </a:r>
           </a:p>
         </p:txBody>
